--- a/Submission Documents/DBP_presentation.pptx
+++ b/Submission Documents/DBP_presentation.pptx
@@ -11,18 +11,18 @@
     <p:sldId id="256" r:id="rId2"/>
     <p:sldId id="257" r:id="rId3"/>
     <p:sldId id="268" r:id="rId4"/>
-    <p:sldId id="263" r:id="rId5"/>
-    <p:sldId id="259" r:id="rId6"/>
-    <p:sldId id="260" r:id="rId7"/>
-    <p:sldId id="261" r:id="rId8"/>
-    <p:sldId id="262" r:id="rId9"/>
-    <p:sldId id="264" r:id="rId10"/>
-    <p:sldId id="265" r:id="rId11"/>
-    <p:sldId id="266" r:id="rId12"/>
-    <p:sldId id="269" r:id="rId13"/>
-    <p:sldId id="270" r:id="rId14"/>
-    <p:sldId id="271" r:id="rId15"/>
-    <p:sldId id="272" r:id="rId16"/>
+    <p:sldId id="273" r:id="rId5"/>
+    <p:sldId id="263" r:id="rId6"/>
+    <p:sldId id="259" r:id="rId7"/>
+    <p:sldId id="262" r:id="rId8"/>
+    <p:sldId id="274" r:id="rId9"/>
+    <p:sldId id="275" r:id="rId10"/>
+    <p:sldId id="264" r:id="rId11"/>
+    <p:sldId id="265" r:id="rId12"/>
+    <p:sldId id="266" r:id="rId13"/>
+    <p:sldId id="269" r:id="rId14"/>
+    <p:sldId id="270" r:id="rId15"/>
+    <p:sldId id="271" r:id="rId16"/>
   </p:sldIdLst>
   <p:sldSz cx="12192000" cy="6858000"/>
   <p:notesSz cx="6858000" cy="9144000"/>
@@ -211,7 +211,7 @@
           <a:p>
             <a:fld id="{FBA30F2B-EF57-4FD4-93ED-388511967A96}" type="datetimeFigureOut">
               <a:rPr lang="LID4096" smtClean="0"/>
-              <a:t>05/22/2018</a:t>
+              <a:t>06/04/2018</a:t>
             </a:fld>
             <a:endParaRPr lang="LID4096"/>
           </a:p>
@@ -667,7 +667,7 @@
           <a:p>
             <a:fld id="{DD356127-0AE7-4ED4-968E-3EB923F15875}" type="datetime1">
               <a:rPr lang="LID4096" smtClean="0"/>
-              <a:t>05/22/2018</a:t>
+              <a:t>06/04/2018</a:t>
             </a:fld>
             <a:endParaRPr lang="LID4096" dirty="0"/>
           </a:p>
@@ -931,7 +931,7 @@
           <a:p>
             <a:fld id="{F2DC0D1E-EC4C-41E2-8F6A-6F15419D9200}" type="datetime1">
               <a:rPr lang="LID4096" smtClean="0"/>
-              <a:t>05/22/2018</a:t>
+              <a:t>06/04/2018</a:t>
             </a:fld>
             <a:endParaRPr lang="LID4096"/>
           </a:p>
@@ -1368,7 +1368,7 @@
           <a:p>
             <a:fld id="{0E71F221-E2BB-4872-9CFC-410FA24BEAF2}" type="datetime1">
               <a:rPr lang="LID4096" smtClean="0"/>
-              <a:t>05/22/2018</a:t>
+              <a:t>06/04/2018</a:t>
             </a:fld>
             <a:endParaRPr lang="LID4096"/>
           </a:p>
@@ -1740,7 +1740,7 @@
           <a:p>
             <a:fld id="{A62EA97A-14A5-4DE4-A1CF-A38EC13EC0AF}" type="datetime1">
               <a:rPr lang="LID4096" smtClean="0"/>
-              <a:t>05/22/2018</a:t>
+              <a:t>06/04/2018</a:t>
             </a:fld>
             <a:endParaRPr lang="LID4096"/>
           </a:p>
@@ -2096,7 +2096,7 @@
           <a:p>
             <a:fld id="{86AA2703-B53D-4D2B-8524-D6529D7D9ADD}" type="datetime1">
               <a:rPr lang="LID4096" smtClean="0"/>
-              <a:t>05/22/2018</a:t>
+              <a:t>06/04/2018</a:t>
             </a:fld>
             <a:endParaRPr lang="LID4096"/>
           </a:p>
@@ -2528,7 +2528,7 @@
           <a:p>
             <a:fld id="{DD3DF2E7-0423-4F4C-8CE3-79B110DD897F}" type="datetime1">
               <a:rPr lang="LID4096" smtClean="0"/>
-              <a:t>05/22/2018</a:t>
+              <a:t>06/04/2018</a:t>
             </a:fld>
             <a:endParaRPr lang="LID4096"/>
           </a:p>
@@ -2821,7 +2821,7 @@
           <a:p>
             <a:fld id="{7312273C-BAB6-4423-A2A1-026B651E2465}" type="datetime1">
               <a:rPr lang="LID4096" smtClean="0"/>
-              <a:t>05/22/2018</a:t>
+              <a:t>06/04/2018</a:t>
             </a:fld>
             <a:endParaRPr lang="LID4096"/>
           </a:p>
@@ -3119,7 +3119,7 @@
           <a:p>
             <a:fld id="{7F854AA3-16A3-4178-A487-2610C79745C6}" type="datetime1">
               <a:rPr lang="LID4096" smtClean="0"/>
-              <a:t>05/22/2018</a:t>
+              <a:t>06/04/2018</a:t>
             </a:fld>
             <a:endParaRPr lang="LID4096"/>
           </a:p>
@@ -3417,7 +3417,7 @@
           <a:p>
             <a:fld id="{22974EE5-BF1C-40C2-BD62-00F1E86F3A21}" type="datetime1">
               <a:rPr lang="LID4096" smtClean="0"/>
-              <a:t>05/22/2018</a:t>
+              <a:t>06/04/2018</a:t>
             </a:fld>
             <a:endParaRPr lang="LID4096"/>
           </a:p>
@@ -3782,7 +3782,7 @@
           <a:p>
             <a:fld id="{FF4A9580-6C02-4D00-BCAA-7FB72A328DE1}" type="datetime1">
               <a:rPr lang="LID4096" smtClean="0"/>
-              <a:t>05/22/2018</a:t>
+              <a:t>06/04/2018</a:t>
             </a:fld>
             <a:endParaRPr lang="LID4096" dirty="0"/>
           </a:p>
@@ -4141,7 +4141,7 @@
           <a:p>
             <a:fld id="{E240DCA1-CFDE-44F4-AF88-39602913AEFB}" type="datetime1">
               <a:rPr lang="LID4096" smtClean="0"/>
-              <a:t>05/22/2018</a:t>
+              <a:t>06/04/2018</a:t>
             </a:fld>
             <a:endParaRPr lang="LID4096"/>
           </a:p>
@@ -4634,7 +4634,7 @@
           <a:p>
             <a:fld id="{A9F09385-91D0-405B-9EF7-5B63B96CE126}" type="datetime1">
               <a:rPr lang="LID4096" smtClean="0"/>
-              <a:t>05/22/2018</a:t>
+              <a:t>06/04/2018</a:t>
             </a:fld>
             <a:endParaRPr lang="LID4096"/>
           </a:p>
@@ -4875,7 +4875,7 @@
           <a:p>
             <a:fld id="{F0242262-4B58-42E1-9D28-38FE350C302C}" type="datetime1">
               <a:rPr lang="LID4096" smtClean="0"/>
-              <a:t>05/22/2018</a:t>
+              <a:t>06/04/2018</a:t>
             </a:fld>
             <a:endParaRPr lang="LID4096"/>
           </a:p>
@@ -5088,7 +5088,7 @@
           <a:p>
             <a:fld id="{A0120AF1-45FE-492B-98A3-DDB467C0AFD7}" type="datetime1">
               <a:rPr lang="LID4096" smtClean="0"/>
-              <a:t>05/22/2018</a:t>
+              <a:t>06/04/2018</a:t>
             </a:fld>
             <a:endParaRPr lang="LID4096"/>
           </a:p>
@@ -5457,7 +5457,7 @@
           <a:p>
             <a:fld id="{9137FD1A-31B5-44A6-8547-EB6C61315F01}" type="datetime1">
               <a:rPr lang="LID4096" smtClean="0"/>
-              <a:t>05/22/2018</a:t>
+              <a:t>06/04/2018</a:t>
             </a:fld>
             <a:endParaRPr lang="LID4096"/>
           </a:p>
@@ -5838,7 +5838,7 @@
           <a:p>
             <a:fld id="{5BD9149D-B0D1-4A3A-8A1B-65C1C2B654DA}" type="datetime1">
               <a:rPr lang="LID4096" smtClean="0"/>
-              <a:t>05/22/2018</a:t>
+              <a:t>06/04/2018</a:t>
             </a:fld>
             <a:endParaRPr lang="LID4096"/>
           </a:p>
@@ -7991,7 +7991,7 @@
           <a:p>
             <a:fld id="{7BE0AB99-2446-423A-9A38-99B7DC38ACEB}" type="datetime1">
               <a:rPr lang="LID4096" smtClean="0"/>
-              <a:t>05/22/2018</a:t>
+              <a:t>06/04/2018</a:t>
             </a:fld>
             <a:endParaRPr lang="LID4096"/>
           </a:p>
@@ -8549,7 +8549,7 @@
             </a:br>
             <a:r>
               <a:rPr lang="en-GB" sz="4000" dirty="0"/>
-              <a:t>Business Process :	Student Prospects 					 						Onboarding Process</a:t>
+              <a:t>Business Process :	Recommend Study 										Program Process</a:t>
             </a:r>
             <a:br>
               <a:rPr lang="en-GB" sz="4000" dirty="0"/>
@@ -8705,7 +8705,7 @@
           <a:p>
             <a:r>
               <a:rPr lang="en-US" dirty="0"/>
-              <a:t>Event Types and other Elements</a:t>
+              <a:t>Task Types</a:t>
             </a:r>
             <a:endParaRPr lang="LID4096" dirty="0"/>
           </a:p>
@@ -8767,46 +8767,38 @@
       </p:sp>
       <p:pic>
         <p:nvPicPr>
-          <p:cNvPr id="9" name="Content Placeholder 8">
+          <p:cNvPr id="7" name="Picture 6">
             <a:extLst>
               <a:ext uri="{FF2B5EF4-FFF2-40B4-BE49-F238E27FC236}">
-                <a16:creationId xmlns:a16="http://schemas.microsoft.com/office/drawing/2014/main" id="{1ED08007-16D4-4106-BD7D-F856937A7B4C}"/>
+                <a16:creationId xmlns:a16="http://schemas.microsoft.com/office/drawing/2014/main" id="{FE3704E4-9D62-4B84-A820-29C95FCF7390}"/>
               </a:ext>
             </a:extLst>
           </p:cNvPr>
           <p:cNvPicPr>
-            <a:picLocks noGrp="1" noChangeAspect="1"/>
+            <a:picLocks noChangeAspect="1"/>
           </p:cNvPicPr>
-          <p:nvPr>
-            <p:ph idx="1"/>
-          </p:nvPr>
+          <p:nvPr/>
         </p:nvPicPr>
         <p:blipFill>
-          <a:blip r:embed="rId2">
-            <a:extLst>
-              <a:ext uri="{28A0092B-C50C-407E-A947-70E740481C1C}">
-                <a14:useLocalDpi xmlns:a14="http://schemas.microsoft.com/office/drawing/2010/main" val="0"/>
-              </a:ext>
-              <a:ext uri="{96DAC541-7B7A-43D3-8B79-37D633B846F1}">
-                <asvg:svgBlip xmlns:asvg="http://schemas.microsoft.com/office/drawing/2016/SVG/main" r:embed="rId3"/>
-              </a:ext>
-            </a:extLst>
-          </a:blip>
+          <a:blip r:embed="rId2"/>
           <a:stretch>
             <a:fillRect/>
           </a:stretch>
         </p:blipFill>
         <p:spPr>
           <a:xfrm>
-            <a:off x="2610627" y="1905000"/>
-            <a:ext cx="2657475" cy="733425"/>
+            <a:off x="2589212" y="1520228"/>
+            <a:ext cx="6063753" cy="4390994"/>
           </a:xfrm>
+          <a:prstGeom prst="rect">
+            <a:avLst/>
+          </a:prstGeom>
         </p:spPr>
       </p:pic>
     </p:spTree>
     <p:extLst>
       <p:ext uri="{BB962C8B-B14F-4D97-AF65-F5344CB8AC3E}">
-        <p14:creationId xmlns:p14="http://schemas.microsoft.com/office/powerpoint/2010/main" val="837509821"/>
+        <p14:creationId xmlns:p14="http://schemas.microsoft.com/office/powerpoint/2010/main" val="3142109795"/>
       </p:ext>
     </p:extLst>
   </p:cSld>
@@ -8856,7 +8848,7 @@
           <a:p>
             <a:r>
               <a:rPr lang="en-US" dirty="0"/>
-              <a:t>User &amp; Groups</a:t>
+              <a:t>Event Types</a:t>
             </a:r>
             <a:endParaRPr lang="LID4096" dirty="0"/>
           </a:p>
@@ -8916,70 +8908,40 @@
           </a:p>
         </p:txBody>
       </p:sp>
-      <p:sp>
-        <p:nvSpPr>
-          <p:cNvPr id="8" name="Content Placeholder 7">
+      <p:pic>
+        <p:nvPicPr>
+          <p:cNvPr id="7" name="Picture 6">
             <a:extLst>
               <a:ext uri="{FF2B5EF4-FFF2-40B4-BE49-F238E27FC236}">
-                <a16:creationId xmlns:a16="http://schemas.microsoft.com/office/drawing/2014/main" id="{3B061F86-F347-4A94-9C9D-C3B230F3A2B5}"/>
+                <a16:creationId xmlns:a16="http://schemas.microsoft.com/office/drawing/2014/main" id="{7C72019E-63A8-4416-AE7A-B813AD154D30}"/>
               </a:ext>
             </a:extLst>
           </p:cNvPr>
-          <p:cNvSpPr txBox="1">
-            <a:spLocks noGrp="1"/>
-          </p:cNvSpPr>
-          <p:nvPr>
-            <p:ph idx="1"/>
-          </p:nvPr>
-        </p:nvSpPr>
+          <p:cNvPicPr>
+            <a:picLocks noChangeAspect="1"/>
+          </p:cNvPicPr>
+          <p:nvPr/>
+        </p:nvPicPr>
+        <p:blipFill>
+          <a:blip r:embed="rId2"/>
+          <a:stretch>
+            <a:fillRect/>
+          </a:stretch>
+        </p:blipFill>
         <p:spPr>
           <a:xfrm>
-            <a:off x="2589212" y="2133600"/>
-            <a:ext cx="8915400" cy="369332"/>
+            <a:off x="2589212" y="1905000"/>
+            <a:ext cx="5762625" cy="1038225"/>
           </a:xfrm>
           <a:prstGeom prst="rect">
             <a:avLst/>
           </a:prstGeom>
-          <a:noFill/>
         </p:spPr>
-        <p:txBody>
-          <a:bodyPr wrap="square" rtlCol="0">
-            <a:spAutoFit/>
-          </a:bodyPr>
-          <a:lstStyle/>
-          <a:p>
-            <a:r>
-              <a:rPr lang="en-US" dirty="0"/>
-              <a:t>- </a:t>
-            </a:r>
-            <a:r>
-              <a:rPr lang="en-US" dirty="0" err="1">
-                <a:solidFill>
-                  <a:srgbClr val="FF0000"/>
-                </a:solidFill>
-              </a:rPr>
-              <a:t>Swimmlanes</a:t>
-            </a:r>
-            <a:r>
-              <a:rPr lang="en-US" dirty="0">
-                <a:solidFill>
-                  <a:srgbClr val="FF0000"/>
-                </a:solidFill>
-              </a:rPr>
-              <a:t> in the Background and the roles above.</a:t>
-            </a:r>
-            <a:endParaRPr lang="LID4096" dirty="0">
-              <a:solidFill>
-                <a:srgbClr val="FF0000"/>
-              </a:solidFill>
-            </a:endParaRPr>
-          </a:p>
-        </p:txBody>
-      </p:sp>
+      </p:pic>
     </p:spTree>
     <p:extLst>
       <p:ext uri="{BB962C8B-B14F-4D97-AF65-F5344CB8AC3E}">
-        <p14:creationId xmlns:p14="http://schemas.microsoft.com/office/powerpoint/2010/main" val="4029995989"/>
+        <p14:creationId xmlns:p14="http://schemas.microsoft.com/office/powerpoint/2010/main" val="837509821"/>
       </p:ext>
     </p:extLst>
   </p:cSld>
@@ -9011,7 +8973,7 @@
           <p:cNvPr id="2" name="Title 1">
             <a:extLst>
               <a:ext uri="{FF2B5EF4-FFF2-40B4-BE49-F238E27FC236}">
-                <a16:creationId xmlns:a16="http://schemas.microsoft.com/office/drawing/2014/main" id="{20ACC2F6-FB36-4DB5-A905-09142D31FF1B}"/>
+                <a16:creationId xmlns:a16="http://schemas.microsoft.com/office/drawing/2014/main" id="{0BE53E45-9A00-4D96-8241-5A8EE49EDCAA}"/>
               </a:ext>
             </a:extLst>
           </p:cNvPr>
@@ -9019,33 +8981,214 @@
             <a:spLocks noGrp="1"/>
           </p:cNvSpPr>
           <p:nvPr>
-            <p:ph type="ctrTitle"/>
-          </p:nvPr>
-        </p:nvSpPr>
+            <p:ph type="title"/>
+          </p:nvPr>
+        </p:nvSpPr>
+        <p:spPr/>
+        <p:txBody>
+          <a:bodyPr/>
+          <a:lstStyle/>
+          <a:p>
+            <a:r>
+              <a:rPr lang="en-US" dirty="0"/>
+              <a:t>User &amp; Groups</a:t>
+            </a:r>
+            <a:endParaRPr lang="LID4096" dirty="0"/>
+          </a:p>
+        </p:txBody>
+      </p:sp>
+      <p:sp>
+        <p:nvSpPr>
+          <p:cNvPr id="4" name="Footer Placeholder 3">
+            <a:extLst>
+              <a:ext uri="{FF2B5EF4-FFF2-40B4-BE49-F238E27FC236}">
+                <a16:creationId xmlns:a16="http://schemas.microsoft.com/office/drawing/2014/main" id="{CDF18D4D-7E18-4819-B85B-D90EF82094F0}"/>
+              </a:ext>
+            </a:extLst>
+          </p:cNvPr>
+          <p:cNvSpPr>
+            <a:spLocks noGrp="1"/>
+          </p:cNvSpPr>
+          <p:nvPr>
+            <p:ph type="ftr" sz="quarter" idx="11"/>
+          </p:nvPr>
+        </p:nvSpPr>
+        <p:spPr/>
+        <p:txBody>
+          <a:bodyPr/>
+          <a:lstStyle/>
+          <a:p>
+            <a:endParaRPr lang="LID4096"/>
+          </a:p>
+        </p:txBody>
+      </p:sp>
+      <p:sp>
+        <p:nvSpPr>
+          <p:cNvPr id="5" name="Slide Number Placeholder 4">
+            <a:extLst>
+              <a:ext uri="{FF2B5EF4-FFF2-40B4-BE49-F238E27FC236}">
+                <a16:creationId xmlns:a16="http://schemas.microsoft.com/office/drawing/2014/main" id="{3DF34443-CA57-4A5E-91EE-7C41A34AE825}"/>
+              </a:ext>
+            </a:extLst>
+          </p:cNvPr>
+          <p:cNvSpPr>
+            <a:spLocks noGrp="1"/>
+          </p:cNvSpPr>
+          <p:nvPr>
+            <p:ph type="sldNum" sz="quarter" idx="12"/>
+          </p:nvPr>
+        </p:nvSpPr>
+        <p:spPr/>
+        <p:txBody>
+          <a:bodyPr/>
+          <a:lstStyle/>
+          <a:p>
+            <a:fld id="{82CFB014-AD6C-4066-8172-84F279028A0C}" type="slidenum">
+              <a:rPr lang="LID4096" smtClean="0"/>
+              <a:t>12</a:t>
+            </a:fld>
+            <a:endParaRPr lang="LID4096"/>
+          </a:p>
+        </p:txBody>
+      </p:sp>
+      <p:pic>
+        <p:nvPicPr>
+          <p:cNvPr id="7" name="Picture 6">
+            <a:extLst>
+              <a:ext uri="{FF2B5EF4-FFF2-40B4-BE49-F238E27FC236}">
+                <a16:creationId xmlns:a16="http://schemas.microsoft.com/office/drawing/2014/main" id="{9B1BDA56-FC81-4C7A-A33A-5F7829712A83}"/>
+              </a:ext>
+            </a:extLst>
+          </p:cNvPr>
+          <p:cNvPicPr>
+            <a:picLocks noChangeAspect="1"/>
+          </p:cNvPicPr>
+          <p:nvPr/>
+        </p:nvPicPr>
+        <p:blipFill>
+          <a:blip r:embed="rId2"/>
+          <a:stretch>
+            <a:fillRect/>
+          </a:stretch>
+        </p:blipFill>
         <p:spPr>
           <a:xfrm>
-            <a:off x="2589213" y="2514600"/>
-            <a:ext cx="8915399" cy="2262781"/>
+            <a:off x="2589212" y="1394666"/>
+            <a:ext cx="6222558" cy="4497176"/>
           </a:xfrm>
+          <a:prstGeom prst="rect">
+            <a:avLst/>
+          </a:prstGeom>
         </p:spPr>
-        <p:txBody>
-          <a:bodyPr>
-            <a:normAutofit/>
+      </p:pic>
+      <p:sp>
+        <p:nvSpPr>
+          <p:cNvPr id="9" name="TextBox 8">
+            <a:extLst>
+              <a:ext uri="{FF2B5EF4-FFF2-40B4-BE49-F238E27FC236}">
+                <a16:creationId xmlns:a16="http://schemas.microsoft.com/office/drawing/2014/main" id="{1382ECA9-5992-4985-AAAB-5E205161BB1D}"/>
+              </a:ext>
+            </a:extLst>
+          </p:cNvPr>
+          <p:cNvSpPr txBox="1"/>
+          <p:nvPr/>
+        </p:nvSpPr>
+        <p:spPr>
+          <a:xfrm>
+            <a:off x="3934950" y="1842317"/>
+            <a:ext cx="3531081" cy="369332"/>
+          </a:xfrm>
+          <a:prstGeom prst="rect">
+            <a:avLst/>
+          </a:prstGeom>
+        </p:spPr>
+        <p:style>
+          <a:lnRef idx="2">
+            <a:schemeClr val="accent1">
+              <a:shade val="50000"/>
+            </a:schemeClr>
+          </a:lnRef>
+          <a:fillRef idx="1">
+            <a:schemeClr val="accent1"/>
+          </a:fillRef>
+          <a:effectRef idx="0">
+            <a:schemeClr val="accent1"/>
+          </a:effectRef>
+          <a:fontRef idx="minor">
+            <a:schemeClr val="lt1"/>
+          </a:fontRef>
+        </p:style>
+        <p:txBody>
+          <a:bodyPr wrap="square" rtlCol="0">
+            <a:spAutoFit/>
           </a:bodyPr>
           <a:lstStyle/>
           <a:p>
-            <a:r>
-              <a:rPr lang="en-GB" sz="6600" dirty="0"/>
-              <a:t>Automation &amp; Service Integration</a:t>
-            </a:r>
-            <a:endParaRPr lang="LID4096" dirty="0"/>
+            <a:pPr algn="ctr"/>
+            <a:r>
+              <a:rPr lang="en-US" b="1" dirty="0"/>
+              <a:t>User</a:t>
+            </a:r>
+            <a:endParaRPr lang="LID4096" b="1" dirty="0"/>
+          </a:p>
+        </p:txBody>
+      </p:sp>
+      <p:sp>
+        <p:nvSpPr>
+          <p:cNvPr id="10" name="TextBox 9">
+            <a:extLst>
+              <a:ext uri="{FF2B5EF4-FFF2-40B4-BE49-F238E27FC236}">
+                <a16:creationId xmlns:a16="http://schemas.microsoft.com/office/drawing/2014/main" id="{51A30AEB-6D0B-485B-BEFD-529038BF72D5}"/>
+              </a:ext>
+            </a:extLst>
+          </p:cNvPr>
+          <p:cNvSpPr txBox="1"/>
+          <p:nvPr/>
+        </p:nvSpPr>
+        <p:spPr>
+          <a:xfrm>
+            <a:off x="3934949" y="3996045"/>
+            <a:ext cx="3531081" cy="369332"/>
+          </a:xfrm>
+          <a:prstGeom prst="rect">
+            <a:avLst/>
+          </a:prstGeom>
+        </p:spPr>
+        <p:style>
+          <a:lnRef idx="2">
+            <a:schemeClr val="accent1">
+              <a:shade val="50000"/>
+            </a:schemeClr>
+          </a:lnRef>
+          <a:fillRef idx="1">
+            <a:schemeClr val="accent1"/>
+          </a:fillRef>
+          <a:effectRef idx="0">
+            <a:schemeClr val="accent1"/>
+          </a:effectRef>
+          <a:fontRef idx="minor">
+            <a:schemeClr val="lt1"/>
+          </a:fontRef>
+        </p:style>
+        <p:txBody>
+          <a:bodyPr wrap="square" rtlCol="0">
+            <a:spAutoFit/>
+          </a:bodyPr>
+          <a:lstStyle/>
+          <a:p>
+            <a:pPr algn="ctr"/>
+            <a:r>
+              <a:rPr lang="en-US" b="1" dirty="0"/>
+              <a:t>Automated</a:t>
+            </a:r>
+            <a:endParaRPr lang="LID4096" b="1" dirty="0"/>
           </a:p>
         </p:txBody>
       </p:sp>
     </p:spTree>
     <p:extLst>
       <p:ext uri="{BB962C8B-B14F-4D97-AF65-F5344CB8AC3E}">
-        <p14:creationId xmlns:p14="http://schemas.microsoft.com/office/powerpoint/2010/main" val="3700829186"/>
+        <p14:creationId xmlns:p14="http://schemas.microsoft.com/office/powerpoint/2010/main" val="4029995989"/>
       </p:ext>
     </p:extLst>
   </p:cSld>
@@ -9077,7 +9220,7 @@
           <p:cNvPr id="2" name="Title 1">
             <a:extLst>
               <a:ext uri="{FF2B5EF4-FFF2-40B4-BE49-F238E27FC236}">
-                <a16:creationId xmlns:a16="http://schemas.microsoft.com/office/drawing/2014/main" id="{0BE53E45-9A00-4D96-8241-5A8EE49EDCAA}"/>
+                <a16:creationId xmlns:a16="http://schemas.microsoft.com/office/drawing/2014/main" id="{20ACC2F6-FB36-4DB5-A905-09142D31FF1B}"/>
               </a:ext>
             </a:extLst>
           </p:cNvPr>
@@ -9085,120 +9228,33 @@
             <a:spLocks noGrp="1"/>
           </p:cNvSpPr>
           <p:nvPr>
-            <p:ph type="title"/>
-          </p:nvPr>
-        </p:nvSpPr>
-        <p:spPr/>
-        <p:txBody>
-          <a:bodyPr/>
-          <a:lstStyle/>
-          <a:p>
-            <a:r>
-              <a:rPr lang="en-US" dirty="0"/>
-              <a:t>All services and its integration</a:t>
-            </a:r>
-            <a:endParaRPr lang="LID4096" dirty="0"/>
-          </a:p>
-        </p:txBody>
-      </p:sp>
-      <p:sp>
-        <p:nvSpPr>
-          <p:cNvPr id="4" name="Footer Placeholder 3">
-            <a:extLst>
-              <a:ext uri="{FF2B5EF4-FFF2-40B4-BE49-F238E27FC236}">
-                <a16:creationId xmlns:a16="http://schemas.microsoft.com/office/drawing/2014/main" id="{CDF18D4D-7E18-4819-B85B-D90EF82094F0}"/>
-              </a:ext>
-            </a:extLst>
-          </p:cNvPr>
-          <p:cNvSpPr>
-            <a:spLocks noGrp="1"/>
-          </p:cNvSpPr>
-          <p:nvPr>
-            <p:ph type="ftr" sz="quarter" idx="11"/>
-          </p:nvPr>
-        </p:nvSpPr>
-        <p:spPr/>
-        <p:txBody>
-          <a:bodyPr/>
-          <a:lstStyle/>
-          <a:p>
-            <a:endParaRPr lang="LID4096"/>
-          </a:p>
-        </p:txBody>
-      </p:sp>
-      <p:sp>
-        <p:nvSpPr>
-          <p:cNvPr id="5" name="Slide Number Placeholder 4">
-            <a:extLst>
-              <a:ext uri="{FF2B5EF4-FFF2-40B4-BE49-F238E27FC236}">
-                <a16:creationId xmlns:a16="http://schemas.microsoft.com/office/drawing/2014/main" id="{3DF34443-CA57-4A5E-91EE-7C41A34AE825}"/>
-              </a:ext>
-            </a:extLst>
-          </p:cNvPr>
-          <p:cNvSpPr>
-            <a:spLocks noGrp="1"/>
-          </p:cNvSpPr>
-          <p:nvPr>
-            <p:ph type="sldNum" sz="quarter" idx="12"/>
-          </p:nvPr>
-        </p:nvSpPr>
-        <p:spPr/>
-        <p:txBody>
-          <a:bodyPr/>
-          <a:lstStyle/>
-          <a:p>
-            <a:fld id="{82CFB014-AD6C-4066-8172-84F279028A0C}" type="slidenum">
-              <a:rPr lang="LID4096" smtClean="0"/>
-              <a:t>13</a:t>
-            </a:fld>
-            <a:endParaRPr lang="LID4096"/>
-          </a:p>
-        </p:txBody>
-      </p:sp>
-      <p:sp>
-        <p:nvSpPr>
-          <p:cNvPr id="8" name="Content Placeholder 7">
-            <a:extLst>
-              <a:ext uri="{FF2B5EF4-FFF2-40B4-BE49-F238E27FC236}">
-                <a16:creationId xmlns:a16="http://schemas.microsoft.com/office/drawing/2014/main" id="{3B061F86-F347-4A94-9C9D-C3B230F3A2B5}"/>
-              </a:ext>
-            </a:extLst>
-          </p:cNvPr>
-          <p:cNvSpPr txBox="1">
-            <a:spLocks noGrp="1"/>
-          </p:cNvSpPr>
-          <p:nvPr>
-            <p:ph idx="1"/>
+            <p:ph type="ctrTitle"/>
           </p:nvPr>
         </p:nvSpPr>
         <p:spPr>
           <a:xfrm>
-            <a:off x="2589212" y="2133600"/>
-            <a:ext cx="8915400" cy="369332"/>
+            <a:off x="2589213" y="2514600"/>
+            <a:ext cx="8915399" cy="2262781"/>
           </a:xfrm>
-          <a:prstGeom prst="rect">
-            <a:avLst/>
-          </a:prstGeom>
-          <a:noFill/>
         </p:spPr>
         <p:txBody>
-          <a:bodyPr wrap="square" rtlCol="0">
-            <a:spAutoFit/>
+          <a:bodyPr>
+            <a:normAutofit/>
           </a:bodyPr>
           <a:lstStyle/>
           <a:p>
-            <a:endParaRPr lang="LID4096" dirty="0">
-              <a:solidFill>
-                <a:srgbClr val="FF0000"/>
-              </a:solidFill>
-            </a:endParaRPr>
+            <a:r>
+              <a:rPr lang="en-GB" sz="6600" dirty="0"/>
+              <a:t>Automation &amp; Service Integration</a:t>
+            </a:r>
+            <a:endParaRPr lang="LID4096" dirty="0"/>
           </a:p>
         </p:txBody>
       </p:sp>
     </p:spTree>
     <p:extLst>
       <p:ext uri="{BB962C8B-B14F-4D97-AF65-F5344CB8AC3E}">
-        <p14:creationId xmlns:p14="http://schemas.microsoft.com/office/powerpoint/2010/main" val="3318752394"/>
+        <p14:creationId xmlns:p14="http://schemas.microsoft.com/office/powerpoint/2010/main" val="3700829186"/>
       </p:ext>
     </p:extLst>
   </p:cSld>
@@ -9230,7 +9286,7 @@
           <p:cNvPr id="2" name="Title 1">
             <a:extLst>
               <a:ext uri="{FF2B5EF4-FFF2-40B4-BE49-F238E27FC236}">
-                <a16:creationId xmlns:a16="http://schemas.microsoft.com/office/drawing/2014/main" id="{20ACC2F6-FB36-4DB5-A905-09142D31FF1B}"/>
+                <a16:creationId xmlns:a16="http://schemas.microsoft.com/office/drawing/2014/main" id="{0BE53E45-9A00-4D96-8241-5A8EE49EDCAA}"/>
               </a:ext>
             </a:extLst>
           </p:cNvPr>
@@ -9238,33 +9294,128 @@
             <a:spLocks noGrp="1"/>
           </p:cNvSpPr>
           <p:nvPr>
-            <p:ph type="ctrTitle"/>
+            <p:ph type="title"/>
+          </p:nvPr>
+        </p:nvSpPr>
+        <p:spPr/>
+        <p:txBody>
+          <a:bodyPr/>
+          <a:lstStyle/>
+          <a:p>
+            <a:r>
+              <a:rPr lang="en-US" dirty="0"/>
+              <a:t>All services and its integration</a:t>
+            </a:r>
+            <a:endParaRPr lang="LID4096" dirty="0"/>
+          </a:p>
+        </p:txBody>
+      </p:sp>
+      <p:sp>
+        <p:nvSpPr>
+          <p:cNvPr id="4" name="Footer Placeholder 3">
+            <a:extLst>
+              <a:ext uri="{FF2B5EF4-FFF2-40B4-BE49-F238E27FC236}">
+                <a16:creationId xmlns:a16="http://schemas.microsoft.com/office/drawing/2014/main" id="{CDF18D4D-7E18-4819-B85B-D90EF82094F0}"/>
+              </a:ext>
+            </a:extLst>
+          </p:cNvPr>
+          <p:cNvSpPr>
+            <a:spLocks noGrp="1"/>
+          </p:cNvSpPr>
+          <p:nvPr>
+            <p:ph type="ftr" sz="quarter" idx="11"/>
+          </p:nvPr>
+        </p:nvSpPr>
+        <p:spPr/>
+        <p:txBody>
+          <a:bodyPr/>
+          <a:lstStyle/>
+          <a:p>
+            <a:endParaRPr lang="LID4096"/>
+          </a:p>
+        </p:txBody>
+      </p:sp>
+      <p:sp>
+        <p:nvSpPr>
+          <p:cNvPr id="5" name="Slide Number Placeholder 4">
+            <a:extLst>
+              <a:ext uri="{FF2B5EF4-FFF2-40B4-BE49-F238E27FC236}">
+                <a16:creationId xmlns:a16="http://schemas.microsoft.com/office/drawing/2014/main" id="{3DF34443-CA57-4A5E-91EE-7C41A34AE825}"/>
+              </a:ext>
+            </a:extLst>
+          </p:cNvPr>
+          <p:cNvSpPr>
+            <a:spLocks noGrp="1"/>
+          </p:cNvSpPr>
+          <p:nvPr>
+            <p:ph type="sldNum" sz="quarter" idx="12"/>
+          </p:nvPr>
+        </p:nvSpPr>
+        <p:spPr/>
+        <p:txBody>
+          <a:bodyPr/>
+          <a:lstStyle/>
+          <a:p>
+            <a:fld id="{82CFB014-AD6C-4066-8172-84F279028A0C}" type="slidenum">
+              <a:rPr lang="LID4096" smtClean="0"/>
+              <a:t>14</a:t>
+            </a:fld>
+            <a:endParaRPr lang="LID4096"/>
+          </a:p>
+        </p:txBody>
+      </p:sp>
+      <p:sp>
+        <p:nvSpPr>
+          <p:cNvPr id="8" name="Content Placeholder 7">
+            <a:extLst>
+              <a:ext uri="{FF2B5EF4-FFF2-40B4-BE49-F238E27FC236}">
+                <a16:creationId xmlns:a16="http://schemas.microsoft.com/office/drawing/2014/main" id="{3B061F86-F347-4A94-9C9D-C3B230F3A2B5}"/>
+              </a:ext>
+            </a:extLst>
+          </p:cNvPr>
+          <p:cNvSpPr txBox="1">
+            <a:spLocks noGrp="1"/>
+          </p:cNvSpPr>
+          <p:nvPr>
+            <p:ph idx="1"/>
           </p:nvPr>
         </p:nvSpPr>
         <p:spPr>
           <a:xfrm>
-            <a:off x="2589213" y="2514600"/>
-            <a:ext cx="8915399" cy="2262781"/>
+            <a:off x="2589212" y="2133600"/>
+            <a:ext cx="8915400" cy="369332"/>
           </a:xfrm>
+          <a:prstGeom prst="rect">
+            <a:avLst/>
+          </a:prstGeom>
+          <a:noFill/>
         </p:spPr>
         <p:txBody>
-          <a:bodyPr>
-            <a:normAutofit/>
+          <a:bodyPr wrap="square" rtlCol="0">
+            <a:spAutoFit/>
           </a:bodyPr>
           <a:lstStyle/>
           <a:p>
             <a:r>
-              <a:rPr lang="en-GB" sz="6600" dirty="0"/>
-              <a:t>Demo / User Guide</a:t>
-            </a:r>
-            <a:endParaRPr lang="LID4096" dirty="0"/>
+              <a:rPr lang="en-US" dirty="0">
+                <a:solidFill>
+                  <a:srgbClr val="FF0000"/>
+                </a:solidFill>
+              </a:rPr>
+              <a:t>What graphic shall I insert here?</a:t>
+            </a:r>
+            <a:endParaRPr lang="LID4096" dirty="0">
+              <a:solidFill>
+                <a:srgbClr val="FF0000"/>
+              </a:solidFill>
+            </a:endParaRPr>
           </a:p>
         </p:txBody>
       </p:sp>
     </p:spTree>
     <p:extLst>
       <p:ext uri="{BB962C8B-B14F-4D97-AF65-F5344CB8AC3E}">
-        <p14:creationId xmlns:p14="http://schemas.microsoft.com/office/powerpoint/2010/main" val="2317390487"/>
+        <p14:creationId xmlns:p14="http://schemas.microsoft.com/office/powerpoint/2010/main" val="3318752394"/>
       </p:ext>
     </p:extLst>
   </p:cSld>
@@ -9296,7 +9447,7 @@
           <p:cNvPr id="2" name="Title 1">
             <a:extLst>
               <a:ext uri="{FF2B5EF4-FFF2-40B4-BE49-F238E27FC236}">
-                <a16:creationId xmlns:a16="http://schemas.microsoft.com/office/drawing/2014/main" id="{0BE53E45-9A00-4D96-8241-5A8EE49EDCAA}"/>
+                <a16:creationId xmlns:a16="http://schemas.microsoft.com/office/drawing/2014/main" id="{20ACC2F6-FB36-4DB5-A905-09142D31FF1B}"/>
               </a:ext>
             </a:extLst>
           </p:cNvPr>
@@ -9304,127 +9455,33 @@
             <a:spLocks noGrp="1"/>
           </p:cNvSpPr>
           <p:nvPr>
-            <p:ph type="title"/>
-          </p:nvPr>
-        </p:nvSpPr>
-        <p:spPr/>
-        <p:txBody>
-          <a:bodyPr/>
-          <a:lstStyle/>
-          <a:p>
-            <a:r>
-              <a:rPr lang="en-US" dirty="0"/>
-              <a:t>//TODO </a:t>
-            </a:r>
-            <a:r>
-              <a:rPr lang="en-US" dirty="0" err="1"/>
-              <a:t>Prinzscreens</a:t>
-            </a:r>
-            <a:endParaRPr lang="LID4096" dirty="0"/>
-          </a:p>
-        </p:txBody>
-      </p:sp>
-      <p:sp>
-        <p:nvSpPr>
-          <p:cNvPr id="4" name="Footer Placeholder 3">
-            <a:extLst>
-              <a:ext uri="{FF2B5EF4-FFF2-40B4-BE49-F238E27FC236}">
-                <a16:creationId xmlns:a16="http://schemas.microsoft.com/office/drawing/2014/main" id="{CDF18D4D-7E18-4819-B85B-D90EF82094F0}"/>
-              </a:ext>
-            </a:extLst>
-          </p:cNvPr>
-          <p:cNvSpPr>
-            <a:spLocks noGrp="1"/>
-          </p:cNvSpPr>
-          <p:nvPr>
-            <p:ph type="ftr" sz="quarter" idx="11"/>
-          </p:nvPr>
-        </p:nvSpPr>
-        <p:spPr/>
-        <p:txBody>
-          <a:bodyPr/>
-          <a:lstStyle/>
-          <a:p>
-            <a:endParaRPr lang="LID4096"/>
-          </a:p>
-        </p:txBody>
-      </p:sp>
-      <p:sp>
-        <p:nvSpPr>
-          <p:cNvPr id="5" name="Slide Number Placeholder 4">
-            <a:extLst>
-              <a:ext uri="{FF2B5EF4-FFF2-40B4-BE49-F238E27FC236}">
-                <a16:creationId xmlns:a16="http://schemas.microsoft.com/office/drawing/2014/main" id="{3DF34443-CA57-4A5E-91EE-7C41A34AE825}"/>
-              </a:ext>
-            </a:extLst>
-          </p:cNvPr>
-          <p:cNvSpPr>
-            <a:spLocks noGrp="1"/>
-          </p:cNvSpPr>
-          <p:nvPr>
-            <p:ph type="sldNum" sz="quarter" idx="12"/>
-          </p:nvPr>
-        </p:nvSpPr>
-        <p:spPr/>
-        <p:txBody>
-          <a:bodyPr/>
-          <a:lstStyle/>
-          <a:p>
-            <a:fld id="{82CFB014-AD6C-4066-8172-84F279028A0C}" type="slidenum">
-              <a:rPr lang="LID4096" smtClean="0"/>
-              <a:t>15</a:t>
-            </a:fld>
-            <a:endParaRPr lang="LID4096"/>
-          </a:p>
-        </p:txBody>
-      </p:sp>
-      <p:sp>
-        <p:nvSpPr>
-          <p:cNvPr id="8" name="Content Placeholder 7">
-            <a:extLst>
-              <a:ext uri="{FF2B5EF4-FFF2-40B4-BE49-F238E27FC236}">
-                <a16:creationId xmlns:a16="http://schemas.microsoft.com/office/drawing/2014/main" id="{3B061F86-F347-4A94-9C9D-C3B230F3A2B5}"/>
-              </a:ext>
-            </a:extLst>
-          </p:cNvPr>
-          <p:cNvSpPr txBox="1">
-            <a:spLocks noGrp="1"/>
-          </p:cNvSpPr>
-          <p:nvPr>
-            <p:ph idx="1"/>
+            <p:ph type="ctrTitle"/>
           </p:nvPr>
         </p:nvSpPr>
         <p:spPr>
           <a:xfrm>
-            <a:off x="2589212" y="2133600"/>
-            <a:ext cx="8915400" cy="369332"/>
+            <a:off x="2589213" y="2514600"/>
+            <a:ext cx="8915399" cy="2262781"/>
           </a:xfrm>
-          <a:prstGeom prst="rect">
-            <a:avLst/>
-          </a:prstGeom>
-          <a:noFill/>
         </p:spPr>
         <p:txBody>
-          <a:bodyPr wrap="square" rtlCol="0">
-            <a:spAutoFit/>
+          <a:bodyPr>
+            <a:normAutofit/>
           </a:bodyPr>
           <a:lstStyle/>
           <a:p>
             <a:r>
-              <a:rPr lang="en-US" dirty="0">
-                <a:solidFill>
-                  <a:srgbClr val="FF0000"/>
-                </a:solidFill>
-              </a:rPr>
-              <a:t>Forms of User tasks</a:t>
-            </a:r>
+              <a:rPr lang="en-GB" sz="6600" dirty="0"/>
+              <a:t>Demo / User Guide</a:t>
+            </a:r>
+            <a:endParaRPr lang="LID4096" dirty="0"/>
           </a:p>
         </p:txBody>
       </p:sp>
     </p:spTree>
     <p:extLst>
       <p:ext uri="{BB962C8B-B14F-4D97-AF65-F5344CB8AC3E}">
-        <p14:creationId xmlns:p14="http://schemas.microsoft.com/office/powerpoint/2010/main" val="473506249"/>
+        <p14:creationId xmlns:p14="http://schemas.microsoft.com/office/powerpoint/2010/main" val="2317390487"/>
       </p:ext>
     </p:extLst>
   </p:cSld>
@@ -9510,7 +9567,7 @@
             <a:pPr lvl="1"/>
             <a:r>
               <a:rPr lang="en-US" dirty="0"/>
-              <a:t>Problem Statement, Vision and Mission</a:t>
+              <a:t>Motivation, Problem Statement &amp; Vision</a:t>
             </a:r>
           </a:p>
           <a:p>
@@ -9531,7 +9588,7 @@
             <a:pPr lvl="1"/>
             <a:r>
               <a:rPr lang="en-US" dirty="0"/>
-              <a:t>Event types &amp; other elements</a:t>
+              <a:t>Event types</a:t>
             </a:r>
           </a:p>
           <a:p>
@@ -9922,7 +9979,7 @@
     </p:spTree>
     <p:extLst>
       <p:ext uri="{BB962C8B-B14F-4D97-AF65-F5344CB8AC3E}">
-        <p14:creationId xmlns:p14="http://schemas.microsoft.com/office/powerpoint/2010/main" val="1468182515"/>
+        <p14:creationId xmlns:p14="http://schemas.microsoft.com/office/powerpoint/2010/main" val="1235447061"/>
       </p:ext>
     </p:extLst>
   </p:cSld>
@@ -9954,6 +10011,203 @@
           <p:cNvPr id="2" name="Title 1">
             <a:extLst>
               <a:ext uri="{FF2B5EF4-FFF2-40B4-BE49-F238E27FC236}">
+                <a16:creationId xmlns:a16="http://schemas.microsoft.com/office/drawing/2014/main" id="{14C99F9F-93E5-446E-BAA8-3990701595A9}"/>
+              </a:ext>
+            </a:extLst>
+          </p:cNvPr>
+          <p:cNvSpPr>
+            <a:spLocks noGrp="1"/>
+          </p:cNvSpPr>
+          <p:nvPr>
+            <p:ph type="title"/>
+          </p:nvPr>
+        </p:nvSpPr>
+        <p:spPr/>
+        <p:txBody>
+          <a:bodyPr/>
+          <a:lstStyle/>
+          <a:p>
+            <a:r>
+              <a:rPr lang="en-US" dirty="0"/>
+              <a:t>Motivation</a:t>
+            </a:r>
+            <a:endParaRPr lang="LID4096" dirty="0"/>
+          </a:p>
+        </p:txBody>
+      </p:sp>
+      <p:sp>
+        <p:nvSpPr>
+          <p:cNvPr id="3" name="Content Placeholder 2">
+            <a:extLst>
+              <a:ext uri="{FF2B5EF4-FFF2-40B4-BE49-F238E27FC236}">
+                <a16:creationId xmlns:a16="http://schemas.microsoft.com/office/drawing/2014/main" id="{2547DE5E-64A0-4C88-88A1-75AF00F01BBA}"/>
+              </a:ext>
+            </a:extLst>
+          </p:cNvPr>
+          <p:cNvSpPr>
+            <a:spLocks noGrp="1"/>
+          </p:cNvSpPr>
+          <p:nvPr>
+            <p:ph idx="1"/>
+          </p:nvPr>
+        </p:nvSpPr>
+        <p:spPr/>
+        <p:txBody>
+          <a:bodyPr/>
+          <a:lstStyle/>
+          <a:p>
+            <a:r>
+              <a:rPr lang="en-US" dirty="0"/>
+              <a:t>Lia is working as a project manager </a:t>
+            </a:r>
+            <a:r>
+              <a:rPr lang="en-GB" dirty="0"/>
+              <a:t>of the</a:t>
+            </a:r>
+            <a:br>
+              <a:rPr lang="en-GB" dirty="0"/>
+            </a:br>
+            <a:r>
+              <a:rPr lang="en-GB" dirty="0"/>
+              <a:t>digitalisation project of the sub-process</a:t>
+            </a:r>
+            <a:br>
+              <a:rPr lang="en-GB" dirty="0"/>
+            </a:br>
+            <a:r>
+              <a:rPr lang="en-GB" dirty="0"/>
+              <a:t>program registration oft the FHNW School of</a:t>
+            </a:r>
+            <a:br>
+              <a:rPr lang="en-GB" dirty="0"/>
+            </a:br>
+            <a:r>
+              <a:rPr lang="en-GB" dirty="0"/>
+              <a:t>Business.</a:t>
+            </a:r>
+          </a:p>
+          <a:p>
+            <a:r>
+              <a:rPr lang="en-GB" dirty="0"/>
+              <a:t>Perfect opportunity</a:t>
+            </a:r>
+          </a:p>
+          <a:p>
+            <a:r>
+              <a:rPr lang="en-GB" dirty="0"/>
+              <a:t>All project members are at least faced to times</a:t>
+            </a:r>
+            <a:br>
+              <a:rPr lang="en-GB" dirty="0"/>
+            </a:br>
+            <a:r>
+              <a:rPr lang="en-GB" dirty="0"/>
+              <a:t>in their live with this BIG question and would like to</a:t>
+            </a:r>
+            <a:br>
+              <a:rPr lang="en-GB" dirty="0"/>
+            </a:br>
+            <a:r>
+              <a:rPr lang="en-GB" dirty="0"/>
+              <a:t>have a decision support tool.</a:t>
+            </a:r>
+            <a:endParaRPr lang="LID4096" dirty="0"/>
+          </a:p>
+        </p:txBody>
+      </p:sp>
+      <p:sp>
+        <p:nvSpPr>
+          <p:cNvPr id="4" name="Footer Placeholder 3">
+            <a:extLst>
+              <a:ext uri="{FF2B5EF4-FFF2-40B4-BE49-F238E27FC236}">
+                <a16:creationId xmlns:a16="http://schemas.microsoft.com/office/drawing/2014/main" id="{21C90D56-7159-4F74-88B1-355337066B63}"/>
+              </a:ext>
+            </a:extLst>
+          </p:cNvPr>
+          <p:cNvSpPr>
+            <a:spLocks noGrp="1"/>
+          </p:cNvSpPr>
+          <p:nvPr>
+            <p:ph type="ftr" sz="quarter" idx="11"/>
+          </p:nvPr>
+        </p:nvSpPr>
+        <p:spPr/>
+        <p:txBody>
+          <a:bodyPr/>
+          <a:lstStyle/>
+          <a:p>
+            <a:r>
+              <a:rPr lang="en-US" dirty="0"/>
+              <a:t>Source Exhibit student on table: www.freepik.com</a:t>
+            </a:r>
+            <a:endParaRPr lang="LID4096" dirty="0"/>
+          </a:p>
+        </p:txBody>
+      </p:sp>
+      <p:sp>
+        <p:nvSpPr>
+          <p:cNvPr id="5" name="Slide Number Placeholder 4">
+            <a:extLst>
+              <a:ext uri="{FF2B5EF4-FFF2-40B4-BE49-F238E27FC236}">
+                <a16:creationId xmlns:a16="http://schemas.microsoft.com/office/drawing/2014/main" id="{8D0D2D02-4BE8-4B29-AA6C-4E0953384F82}"/>
+              </a:ext>
+            </a:extLst>
+          </p:cNvPr>
+          <p:cNvSpPr>
+            <a:spLocks noGrp="1"/>
+          </p:cNvSpPr>
+          <p:nvPr>
+            <p:ph type="sldNum" sz="quarter" idx="12"/>
+          </p:nvPr>
+        </p:nvSpPr>
+        <p:spPr/>
+        <p:txBody>
+          <a:bodyPr/>
+          <a:lstStyle/>
+          <a:p>
+            <a:fld id="{82CFB014-AD6C-4066-8172-84F279028A0C}" type="slidenum">
+              <a:rPr lang="LID4096" smtClean="0"/>
+              <a:t>5</a:t>
+            </a:fld>
+            <a:endParaRPr lang="LID4096"/>
+          </a:p>
+        </p:txBody>
+      </p:sp>
+    </p:spTree>
+    <p:extLst>
+      <p:ext uri="{BB962C8B-B14F-4D97-AF65-F5344CB8AC3E}">
+        <p14:creationId xmlns:p14="http://schemas.microsoft.com/office/powerpoint/2010/main" val="1468182515"/>
+      </p:ext>
+    </p:extLst>
+  </p:cSld>
+  <p:clrMapOvr>
+    <a:masterClrMapping/>
+  </p:clrMapOvr>
+</p:sld>
+</file>
+
+<file path=ppt/slides/slide6.xml><?xml version="1.0" encoding="utf-8"?>
+<p:sld xmlns:a="http://schemas.openxmlformats.org/drawingml/2006/main" xmlns:r="http://schemas.openxmlformats.org/officeDocument/2006/relationships" xmlns:p="http://schemas.openxmlformats.org/presentationml/2006/main">
+  <p:cSld>
+    <p:spTree>
+      <p:nvGrpSpPr>
+        <p:cNvPr id="1" name=""/>
+        <p:cNvGrpSpPr/>
+        <p:nvPr/>
+      </p:nvGrpSpPr>
+      <p:grpSpPr>
+        <a:xfrm>
+          <a:off x="0" y="0"/>
+          <a:ext cx="0" cy="0"/>
+          <a:chOff x="0" y="0"/>
+          <a:chExt cx="0" cy="0"/>
+        </a:xfrm>
+      </p:grpSpPr>
+      <p:sp>
+        <p:nvSpPr>
+          <p:cNvPr id="2" name="Title 1">
+            <a:extLst>
+              <a:ext uri="{FF2B5EF4-FFF2-40B4-BE49-F238E27FC236}">
                 <a16:creationId xmlns:a16="http://schemas.microsoft.com/office/drawing/2014/main" id="{A6A819A7-EC38-478C-9751-3811EBBF3D69}"/>
               </a:ext>
             </a:extLst>
@@ -10070,7 +10324,7 @@
           <a:p>
             <a:fld id="{82CFB014-AD6C-4066-8172-84F279028A0C}" type="slidenum">
               <a:rPr lang="LID4096" smtClean="0"/>
-              <a:t>5</a:t>
+              <a:t>6</a:t>
             </a:fld>
             <a:endParaRPr lang="LID4096"/>
           </a:p>
@@ -10205,150 +10459,6 @@
 </p:sld>
 </file>
 
-<file path=ppt/slides/slide6.xml><?xml version="1.0" encoding="utf-8"?>
-<p:sld xmlns:a="http://schemas.openxmlformats.org/drawingml/2006/main" xmlns:r="http://schemas.openxmlformats.org/officeDocument/2006/relationships" xmlns:p="http://schemas.openxmlformats.org/presentationml/2006/main">
-  <p:cSld>
-    <p:spTree>
-      <p:nvGrpSpPr>
-        <p:cNvPr id="1" name=""/>
-        <p:cNvGrpSpPr/>
-        <p:nvPr/>
-      </p:nvGrpSpPr>
-      <p:grpSpPr>
-        <a:xfrm>
-          <a:off x="0" y="0"/>
-          <a:ext cx="0" cy="0"/>
-          <a:chOff x="0" y="0"/>
-          <a:chExt cx="0" cy="0"/>
-        </a:xfrm>
-      </p:grpSpPr>
-      <p:sp>
-        <p:nvSpPr>
-          <p:cNvPr id="2" name="Title 1">
-            <a:extLst>
-              <a:ext uri="{FF2B5EF4-FFF2-40B4-BE49-F238E27FC236}">
-                <a16:creationId xmlns:a16="http://schemas.microsoft.com/office/drawing/2014/main" id="{A3738DDC-81B6-496A-A51A-C7FAD41E2A14}"/>
-              </a:ext>
-            </a:extLst>
-          </p:cNvPr>
-          <p:cNvSpPr>
-            <a:spLocks noGrp="1"/>
-          </p:cNvSpPr>
-          <p:nvPr>
-            <p:ph type="title"/>
-          </p:nvPr>
-        </p:nvSpPr>
-        <p:spPr/>
-        <p:txBody>
-          <a:bodyPr/>
-          <a:lstStyle/>
-          <a:p>
-            <a:r>
-              <a:rPr lang="en-US" dirty="0"/>
-              <a:t>Mission</a:t>
-            </a:r>
-            <a:endParaRPr lang="LID4096" dirty="0"/>
-          </a:p>
-        </p:txBody>
-      </p:sp>
-      <p:sp>
-        <p:nvSpPr>
-          <p:cNvPr id="3" name="Content Placeholder 2">
-            <a:extLst>
-              <a:ext uri="{FF2B5EF4-FFF2-40B4-BE49-F238E27FC236}">
-                <a16:creationId xmlns:a16="http://schemas.microsoft.com/office/drawing/2014/main" id="{9546F134-F5F1-4ED0-A4E4-93C9132E66E6}"/>
-              </a:ext>
-            </a:extLst>
-          </p:cNvPr>
-          <p:cNvSpPr>
-            <a:spLocks noGrp="1"/>
-          </p:cNvSpPr>
-          <p:nvPr>
-            <p:ph idx="1"/>
-          </p:nvPr>
-        </p:nvSpPr>
-        <p:spPr/>
-        <p:txBody>
-          <a:bodyPr/>
-          <a:lstStyle/>
-          <a:p>
-            <a:r>
-              <a:rPr lang="en-US" dirty="0"/>
-              <a:t>and to foster conscious decisions :</a:t>
-            </a:r>
-          </a:p>
-          <a:p>
-            <a:endParaRPr lang="LID4096" dirty="0"/>
-          </a:p>
-        </p:txBody>
-      </p:sp>
-      <p:sp>
-        <p:nvSpPr>
-          <p:cNvPr id="4" name="Footer Placeholder 3">
-            <a:extLst>
-              <a:ext uri="{FF2B5EF4-FFF2-40B4-BE49-F238E27FC236}">
-                <a16:creationId xmlns:a16="http://schemas.microsoft.com/office/drawing/2014/main" id="{17DE6A71-E099-41F2-A220-0F509020E1C2}"/>
-              </a:ext>
-            </a:extLst>
-          </p:cNvPr>
-          <p:cNvSpPr>
-            <a:spLocks noGrp="1"/>
-          </p:cNvSpPr>
-          <p:nvPr>
-            <p:ph type="ftr" sz="quarter" idx="11"/>
-          </p:nvPr>
-        </p:nvSpPr>
-        <p:spPr/>
-        <p:txBody>
-          <a:bodyPr/>
-          <a:lstStyle/>
-          <a:p>
-            <a:endParaRPr lang="LID4096"/>
-          </a:p>
-        </p:txBody>
-      </p:sp>
-      <p:sp>
-        <p:nvSpPr>
-          <p:cNvPr id="5" name="Slide Number Placeholder 4">
-            <a:extLst>
-              <a:ext uri="{FF2B5EF4-FFF2-40B4-BE49-F238E27FC236}">
-                <a16:creationId xmlns:a16="http://schemas.microsoft.com/office/drawing/2014/main" id="{CAB1C99A-D05B-432F-802B-0322F9AE5FF5}"/>
-              </a:ext>
-            </a:extLst>
-          </p:cNvPr>
-          <p:cNvSpPr>
-            <a:spLocks noGrp="1"/>
-          </p:cNvSpPr>
-          <p:nvPr>
-            <p:ph type="sldNum" sz="quarter" idx="12"/>
-          </p:nvPr>
-        </p:nvSpPr>
-        <p:spPr/>
-        <p:txBody>
-          <a:bodyPr/>
-          <a:lstStyle/>
-          <a:p>
-            <a:fld id="{82CFB014-AD6C-4066-8172-84F279028A0C}" type="slidenum">
-              <a:rPr lang="LID4096" smtClean="0"/>
-              <a:t>6</a:t>
-            </a:fld>
-            <a:endParaRPr lang="LID4096"/>
-          </a:p>
-        </p:txBody>
-      </p:sp>
-    </p:spTree>
-    <p:extLst>
-      <p:ext uri="{BB962C8B-B14F-4D97-AF65-F5344CB8AC3E}">
-        <p14:creationId xmlns:p14="http://schemas.microsoft.com/office/powerpoint/2010/main" val="2039894193"/>
-      </p:ext>
-    </p:extLst>
-  </p:cSld>
-  <p:clrMapOvr>
-    <a:masterClrMapping/>
-  </p:clrMapOvr>
-</p:sld>
-</file>
-
 <file path=ppt/slides/slide7.xml><?xml version="1.0" encoding="utf-8"?>
 <p:sld xmlns:a="http://schemas.openxmlformats.org/drawingml/2006/main" xmlns:r="http://schemas.openxmlformats.org/officeDocument/2006/relationships" xmlns:p="http://schemas.openxmlformats.org/presentationml/2006/main">
   <p:cSld>
@@ -10371,7 +10481,7 @@
           <p:cNvPr id="2" name="Title 1">
             <a:extLst>
               <a:ext uri="{FF2B5EF4-FFF2-40B4-BE49-F238E27FC236}">
-                <a16:creationId xmlns:a16="http://schemas.microsoft.com/office/drawing/2014/main" id="{A8278A31-594F-4CF0-A455-22EE81D1671A}"/>
+                <a16:creationId xmlns:a16="http://schemas.microsoft.com/office/drawing/2014/main" id="{0BE53E45-9A00-4D96-8241-5A8EE49EDCAA}"/>
               </a:ext>
             </a:extLst>
           </p:cNvPr>
@@ -10389,7 +10499,7 @@
           <a:p>
             <a:r>
               <a:rPr lang="en-US" dirty="0"/>
-              <a:t>Goals</a:t>
+              <a:t>Process Description (complete)</a:t>
             </a:r>
             <a:endParaRPr lang="LID4096" dirty="0"/>
           </a:p>
@@ -10397,10 +10507,10 @@
       </p:sp>
       <p:sp>
         <p:nvSpPr>
-          <p:cNvPr id="3" name="Content Placeholder 2">
+          <p:cNvPr id="4" name="Footer Placeholder 3">
             <a:extLst>
               <a:ext uri="{FF2B5EF4-FFF2-40B4-BE49-F238E27FC236}">
-                <a16:creationId xmlns:a16="http://schemas.microsoft.com/office/drawing/2014/main" id="{838E3036-2BD9-4CD9-ABC6-FCEDA5059DDE}"/>
+                <a16:creationId xmlns:a16="http://schemas.microsoft.com/office/drawing/2014/main" id="{CDF18D4D-7E18-4819-B85B-D90EF82094F0}"/>
               </a:ext>
             </a:extLst>
           </p:cNvPr>
@@ -10408,31 +10518,6 @@
             <a:spLocks noGrp="1"/>
           </p:cNvSpPr>
           <p:nvPr>
-            <p:ph idx="1"/>
-          </p:nvPr>
-        </p:nvSpPr>
-        <p:spPr/>
-        <p:txBody>
-          <a:bodyPr/>
-          <a:lstStyle/>
-          <a:p>
-            <a:endParaRPr lang="LID4096"/>
-          </a:p>
-        </p:txBody>
-      </p:sp>
-      <p:sp>
-        <p:nvSpPr>
-          <p:cNvPr id="4" name="Footer Placeholder 3">
-            <a:extLst>
-              <a:ext uri="{FF2B5EF4-FFF2-40B4-BE49-F238E27FC236}">
-                <a16:creationId xmlns:a16="http://schemas.microsoft.com/office/drawing/2014/main" id="{692DE1BE-CEA7-4BEE-8C83-435EA09625B2}"/>
-              </a:ext>
-            </a:extLst>
-          </p:cNvPr>
-          <p:cNvSpPr>
-            <a:spLocks noGrp="1"/>
-          </p:cNvSpPr>
-          <p:nvPr>
             <p:ph type="ftr" sz="quarter" idx="11"/>
           </p:nvPr>
         </p:nvSpPr>
@@ -10450,7 +10535,7 @@
           <p:cNvPr id="5" name="Slide Number Placeholder 4">
             <a:extLst>
               <a:ext uri="{FF2B5EF4-FFF2-40B4-BE49-F238E27FC236}">
-                <a16:creationId xmlns:a16="http://schemas.microsoft.com/office/drawing/2014/main" id="{FFEFACDB-2BA6-4EC9-80B3-4A3DF8EC6197}"/>
+                <a16:creationId xmlns:a16="http://schemas.microsoft.com/office/drawing/2014/main" id="{3DF34443-CA57-4A5E-91EE-7C41A34AE825}"/>
               </a:ext>
             </a:extLst>
           </p:cNvPr>
@@ -10474,10 +10559,46 @@
           </a:p>
         </p:txBody>
       </p:sp>
+      <p:pic>
+        <p:nvPicPr>
+          <p:cNvPr id="8" name="Picture 7">
+            <a:extLst>
+              <a:ext uri="{FF2B5EF4-FFF2-40B4-BE49-F238E27FC236}">
+                <a16:creationId xmlns:a16="http://schemas.microsoft.com/office/drawing/2014/main" id="{D9018AD2-B6C6-4239-8E00-E94E53DD15FA}"/>
+              </a:ext>
+            </a:extLst>
+          </p:cNvPr>
+          <p:cNvPicPr>
+            <a:picLocks noChangeAspect="1"/>
+          </p:cNvPicPr>
+          <p:nvPr/>
+        </p:nvPicPr>
+        <p:blipFill>
+          <a:blip r:embed="rId2">
+            <a:extLst>
+              <a:ext uri="{28A0092B-C50C-407E-A947-70E740481C1C}">
+                <a14:useLocalDpi xmlns:a14="http://schemas.microsoft.com/office/drawing/2010/main" val="0"/>
+              </a:ext>
+            </a:extLst>
+          </a:blip>
+          <a:stretch>
+            <a:fillRect/>
+          </a:stretch>
+        </p:blipFill>
+        <p:spPr>
+          <a:xfrm>
+            <a:off x="2108446" y="1905000"/>
+            <a:ext cx="9396166" cy="2738544"/>
+          </a:xfrm>
+          <a:prstGeom prst="rect">
+            <a:avLst/>
+          </a:prstGeom>
+        </p:spPr>
+      </p:pic>
     </p:spTree>
     <p:extLst>
       <p:ext uri="{BB962C8B-B14F-4D97-AF65-F5344CB8AC3E}">
-        <p14:creationId xmlns:p14="http://schemas.microsoft.com/office/powerpoint/2010/main" val="880773460"/>
+        <p14:creationId xmlns:p14="http://schemas.microsoft.com/office/powerpoint/2010/main" val="145863116"/>
       </p:ext>
     </p:extLst>
   </p:cSld>
@@ -10527,7 +10648,7 @@
           <a:p>
             <a:r>
               <a:rPr lang="en-US" dirty="0"/>
-              <a:t>Process Description</a:t>
+              <a:t>Process Description (1/2)</a:t>
             </a:r>
             <a:endParaRPr lang="LID4096" dirty="0"/>
           </a:p>
@@ -10589,118 +10710,38 @@
       </p:sp>
       <p:pic>
         <p:nvPicPr>
-          <p:cNvPr id="10" name="Content Placeholder 9">
+          <p:cNvPr id="6" name="Picture 5">
             <a:extLst>
               <a:ext uri="{FF2B5EF4-FFF2-40B4-BE49-F238E27FC236}">
-                <a16:creationId xmlns:a16="http://schemas.microsoft.com/office/drawing/2014/main" id="{DBFB51FE-E482-4FE5-B477-24475460DFC3}"/>
+                <a16:creationId xmlns:a16="http://schemas.microsoft.com/office/drawing/2014/main" id="{C5ADD6D3-30ED-4B6D-880C-6A8D3DCB2DE6}"/>
               </a:ext>
             </a:extLst>
           </p:cNvPr>
           <p:cNvPicPr>
-            <a:picLocks noGrp="1" noChangeAspect="1"/>
+            <a:picLocks noChangeAspect="1"/>
           </p:cNvPicPr>
-          <p:nvPr>
-            <p:ph idx="1"/>
-          </p:nvPr>
+          <p:nvPr/>
         </p:nvPicPr>
         <p:blipFill>
-          <a:blip r:embed="rId2">
-            <a:extLst>
-              <a:ext uri="{28A0092B-C50C-407E-A947-70E740481C1C}">
-                <a14:useLocalDpi xmlns:a14="http://schemas.microsoft.com/office/drawing/2010/main" val="0"/>
-              </a:ext>
-              <a:ext uri="{96DAC541-7B7A-43D3-8B79-37D633B846F1}">
-                <asvg:svgBlip xmlns:asvg="http://schemas.microsoft.com/office/drawing/2016/SVG/main" r:embed="rId3"/>
-              </a:ext>
-            </a:extLst>
-          </a:blip>
+          <a:blip r:embed="rId2"/>
           <a:stretch>
             <a:fillRect/>
           </a:stretch>
         </p:blipFill>
         <p:spPr>
           <a:xfrm>
-            <a:off x="2589212" y="1904999"/>
-            <a:ext cx="7618276" cy="2321943"/>
-          </a:xfrm>
-        </p:spPr>
-      </p:pic>
-      <p:sp>
-        <p:nvSpPr>
-          <p:cNvPr id="11" name="TextBox 10">
-            <a:extLst>
-              <a:ext uri="{FF2B5EF4-FFF2-40B4-BE49-F238E27FC236}">
-                <a16:creationId xmlns:a16="http://schemas.microsoft.com/office/drawing/2014/main" id="{B7E60A1A-18EC-41F0-B1A9-09C4AED9D9ED}"/>
-              </a:ext>
-            </a:extLst>
-          </p:cNvPr>
-          <p:cNvSpPr txBox="1"/>
-          <p:nvPr/>
-        </p:nvSpPr>
-        <p:spPr>
-          <a:xfrm>
-            <a:off x="2789208" y="3709358"/>
-            <a:ext cx="4088920" cy="646331"/>
+            <a:off x="2589212" y="1528184"/>
+            <a:ext cx="8735683" cy="4901164"/>
           </a:xfrm>
           <a:prstGeom prst="rect">
             <a:avLst/>
           </a:prstGeom>
-          <a:noFill/>
         </p:spPr>
-        <p:txBody>
-          <a:bodyPr wrap="square" rtlCol="0">
-            <a:spAutoFit/>
-          </a:bodyPr>
-          <a:lstStyle/>
-          <a:p>
-            <a:r>
-              <a:rPr lang="en-US" dirty="0"/>
-              <a:t>- </a:t>
-            </a:r>
-            <a:r>
-              <a:rPr lang="en-US" dirty="0" err="1">
-                <a:solidFill>
-                  <a:srgbClr val="FF0000"/>
-                </a:solidFill>
-              </a:rPr>
-              <a:t>Swimmlanes</a:t>
-            </a:r>
-            <a:r>
-              <a:rPr lang="en-US" dirty="0">
-                <a:solidFill>
-                  <a:srgbClr val="FF0000"/>
-                </a:solidFill>
-              </a:rPr>
-              <a:t> und Database </a:t>
-            </a:r>
-            <a:r>
-              <a:rPr lang="en-US" dirty="0" err="1">
-                <a:solidFill>
-                  <a:srgbClr val="FF0000"/>
-                </a:solidFill>
-              </a:rPr>
-              <a:t>fehlen</a:t>
-            </a:r>
-            <a:r>
-              <a:rPr lang="en-US" dirty="0">
-                <a:solidFill>
-                  <a:srgbClr val="FF0000"/>
-                </a:solidFill>
-              </a:rPr>
-              <a:t>.</a:t>
-            </a:r>
-            <a:endParaRPr lang="LID4096" dirty="0">
-              <a:solidFill>
-                <a:srgbClr val="FF0000"/>
-              </a:solidFill>
-            </a:endParaRPr>
-          </a:p>
-        </p:txBody>
-      </p:sp>
+      </p:pic>
     </p:spTree>
     <p:extLst>
       <p:ext uri="{BB962C8B-B14F-4D97-AF65-F5344CB8AC3E}">
-        <p14:creationId xmlns:p14="http://schemas.microsoft.com/office/powerpoint/2010/main" val="145863116"/>
+        <p14:creationId xmlns:p14="http://schemas.microsoft.com/office/powerpoint/2010/main" val="1921235045"/>
       </p:ext>
     </p:extLst>
   </p:cSld>
@@ -10750,7 +10791,7 @@
           <a:p>
             <a:r>
               <a:rPr lang="en-US" dirty="0"/>
-              <a:t>Task Types</a:t>
+              <a:t>Process Description (2/2)</a:t>
             </a:r>
             <a:endParaRPr lang="LID4096" dirty="0"/>
           </a:p>
@@ -10812,46 +10853,38 @@
       </p:sp>
       <p:pic>
         <p:nvPicPr>
-          <p:cNvPr id="8" name="Content Placeholder 7">
+          <p:cNvPr id="3" name="Picture 2">
             <a:extLst>
               <a:ext uri="{FF2B5EF4-FFF2-40B4-BE49-F238E27FC236}">
-                <a16:creationId xmlns:a16="http://schemas.microsoft.com/office/drawing/2014/main" id="{83F34F62-AFBD-4111-BB97-5B4F7E4A80CE}"/>
+                <a16:creationId xmlns:a16="http://schemas.microsoft.com/office/drawing/2014/main" id="{8074D0F3-DAF1-4A66-BF7E-C803BDBD8319}"/>
               </a:ext>
             </a:extLst>
           </p:cNvPr>
           <p:cNvPicPr>
-            <a:picLocks noGrp="1" noChangeAspect="1"/>
+            <a:picLocks noChangeAspect="1"/>
           </p:cNvPicPr>
-          <p:nvPr>
-            <p:ph idx="1"/>
-          </p:nvPr>
+          <p:nvPr/>
         </p:nvPicPr>
         <p:blipFill>
-          <a:blip r:embed="rId2">
-            <a:extLst>
-              <a:ext uri="{28A0092B-C50C-407E-A947-70E740481C1C}">
-                <a14:useLocalDpi xmlns:a14="http://schemas.microsoft.com/office/drawing/2010/main" val="0"/>
-              </a:ext>
-              <a:ext uri="{96DAC541-7B7A-43D3-8B79-37D633B846F1}">
-                <asvg:svgBlip xmlns:asvg="http://schemas.microsoft.com/office/drawing/2016/SVG/main" r:embed="rId3"/>
-              </a:ext>
-            </a:extLst>
-          </a:blip>
+          <a:blip r:embed="rId2"/>
           <a:stretch>
             <a:fillRect/>
           </a:stretch>
         </p:blipFill>
         <p:spPr>
           <a:xfrm>
-            <a:off x="2589212" y="2090948"/>
-            <a:ext cx="4124325" cy="2000250"/>
+            <a:off x="2589212" y="1375749"/>
+            <a:ext cx="8213203" cy="4942621"/>
           </a:xfrm>
+          <a:prstGeom prst="rect">
+            <a:avLst/>
+          </a:prstGeom>
         </p:spPr>
       </p:pic>
     </p:spTree>
     <p:extLst>
       <p:ext uri="{BB962C8B-B14F-4D97-AF65-F5344CB8AC3E}">
-        <p14:creationId xmlns:p14="http://schemas.microsoft.com/office/powerpoint/2010/main" val="3142109795"/>
+        <p14:creationId xmlns:p14="http://schemas.microsoft.com/office/powerpoint/2010/main" val="113211092"/>
       </p:ext>
     </p:extLst>
   </p:cSld>

--- a/Submission Documents/DBP_presentation.pptx
+++ b/Submission Documents/DBP_presentation.pptx
@@ -5,7 +5,7 @@
     <p:sldMasterId id="2147483694" r:id="rId1"/>
   </p:sldMasterIdLst>
   <p:notesMasterIdLst>
-    <p:notesMasterId r:id="rId17"/>
+    <p:notesMasterId r:id="rId19"/>
   </p:notesMasterIdLst>
   <p:sldIdLst>
     <p:sldId id="256" r:id="rId2"/>
@@ -15,14 +15,16 @@
     <p:sldId id="263" r:id="rId6"/>
     <p:sldId id="259" r:id="rId7"/>
     <p:sldId id="262" r:id="rId8"/>
-    <p:sldId id="274" r:id="rId9"/>
-    <p:sldId id="275" r:id="rId10"/>
-    <p:sldId id="264" r:id="rId11"/>
-    <p:sldId id="265" r:id="rId12"/>
-    <p:sldId id="266" r:id="rId13"/>
-    <p:sldId id="269" r:id="rId14"/>
-    <p:sldId id="270" r:id="rId15"/>
-    <p:sldId id="271" r:id="rId16"/>
+    <p:sldId id="277" r:id="rId9"/>
+    <p:sldId id="274" r:id="rId10"/>
+    <p:sldId id="275" r:id="rId11"/>
+    <p:sldId id="264" r:id="rId12"/>
+    <p:sldId id="265" r:id="rId13"/>
+    <p:sldId id="266" r:id="rId14"/>
+    <p:sldId id="269" r:id="rId15"/>
+    <p:sldId id="270" r:id="rId16"/>
+    <p:sldId id="276" r:id="rId17"/>
+    <p:sldId id="271" r:id="rId18"/>
   </p:sldIdLst>
   <p:sldSz cx="12192000" cy="6858000"/>
   <p:notesSz cx="6858000" cy="9144000"/>
@@ -129,6 +131,4687 @@
 </p:presentation>
 </file>
 
+<file path=ppt/diagrams/colors1.xml><?xml version="1.0" encoding="utf-8"?>
+<dgm:colorsDef xmlns:dgm="http://schemas.openxmlformats.org/drawingml/2006/diagram" xmlns:a="http://schemas.openxmlformats.org/drawingml/2006/main" uniqueId="urn:microsoft.com/office/officeart/2005/8/colors/accent1_2">
+  <dgm:title val=""/>
+  <dgm:desc val=""/>
+  <dgm:catLst>
+    <dgm:cat type="accent1" pri="11200"/>
+  </dgm:catLst>
+  <dgm:styleLbl name="node0">
+    <dgm:fillClrLst meth="repeat">
+      <a:schemeClr val="accent1"/>
+    </dgm:fillClrLst>
+    <dgm:linClrLst meth="repeat">
+      <a:schemeClr val="lt1"/>
+    </dgm:linClrLst>
+    <dgm:effectClrLst/>
+    <dgm:txLinClrLst/>
+    <dgm:txFillClrLst/>
+    <dgm:txEffectClrLst/>
+  </dgm:styleLbl>
+  <dgm:styleLbl name="alignNode1">
+    <dgm:fillClrLst meth="repeat">
+      <a:schemeClr val="accent1"/>
+    </dgm:fillClrLst>
+    <dgm:linClrLst meth="repeat">
+      <a:schemeClr val="accent1"/>
+    </dgm:linClrLst>
+    <dgm:effectClrLst/>
+    <dgm:txLinClrLst/>
+    <dgm:txFillClrLst/>
+    <dgm:txEffectClrLst/>
+  </dgm:styleLbl>
+  <dgm:styleLbl name="node1">
+    <dgm:fillClrLst meth="repeat">
+      <a:schemeClr val="accent1"/>
+    </dgm:fillClrLst>
+    <dgm:linClrLst meth="repeat">
+      <a:schemeClr val="lt1"/>
+    </dgm:linClrLst>
+    <dgm:effectClrLst/>
+    <dgm:txLinClrLst/>
+    <dgm:txFillClrLst/>
+    <dgm:txEffectClrLst/>
+  </dgm:styleLbl>
+  <dgm:styleLbl name="lnNode1">
+    <dgm:fillClrLst meth="repeat">
+      <a:schemeClr val="accent1"/>
+    </dgm:fillClrLst>
+    <dgm:linClrLst meth="repeat">
+      <a:schemeClr val="lt1"/>
+    </dgm:linClrLst>
+    <dgm:effectClrLst/>
+    <dgm:txLinClrLst/>
+    <dgm:txFillClrLst/>
+    <dgm:txEffectClrLst/>
+  </dgm:styleLbl>
+  <dgm:styleLbl name="vennNode1">
+    <dgm:fillClrLst meth="repeat">
+      <a:schemeClr val="accent1">
+        <a:alpha val="50000"/>
+      </a:schemeClr>
+    </dgm:fillClrLst>
+    <dgm:linClrLst meth="repeat">
+      <a:schemeClr val="lt1"/>
+    </dgm:linClrLst>
+    <dgm:effectClrLst/>
+    <dgm:txLinClrLst/>
+    <dgm:txFillClrLst/>
+    <dgm:txEffectClrLst/>
+  </dgm:styleLbl>
+  <dgm:styleLbl name="node2">
+    <dgm:fillClrLst meth="repeat">
+      <a:schemeClr val="accent1"/>
+    </dgm:fillClrLst>
+    <dgm:linClrLst meth="repeat">
+      <a:schemeClr val="lt1"/>
+    </dgm:linClrLst>
+    <dgm:effectClrLst/>
+    <dgm:txLinClrLst/>
+    <dgm:txFillClrLst/>
+    <dgm:txEffectClrLst/>
+  </dgm:styleLbl>
+  <dgm:styleLbl name="node3">
+    <dgm:fillClrLst meth="repeat">
+      <a:schemeClr val="accent1"/>
+    </dgm:fillClrLst>
+    <dgm:linClrLst meth="repeat">
+      <a:schemeClr val="lt1"/>
+    </dgm:linClrLst>
+    <dgm:effectClrLst/>
+    <dgm:txLinClrLst/>
+    <dgm:txFillClrLst/>
+    <dgm:txEffectClrLst/>
+  </dgm:styleLbl>
+  <dgm:styleLbl name="node4">
+    <dgm:fillClrLst meth="repeat">
+      <a:schemeClr val="accent1"/>
+    </dgm:fillClrLst>
+    <dgm:linClrLst meth="repeat">
+      <a:schemeClr val="lt1"/>
+    </dgm:linClrLst>
+    <dgm:effectClrLst/>
+    <dgm:txLinClrLst/>
+    <dgm:txFillClrLst/>
+    <dgm:txEffectClrLst/>
+  </dgm:styleLbl>
+  <dgm:styleLbl name="fgImgPlace1">
+    <dgm:fillClrLst meth="repeat">
+      <a:schemeClr val="accent1">
+        <a:tint val="50000"/>
+      </a:schemeClr>
+    </dgm:fillClrLst>
+    <dgm:linClrLst meth="repeat">
+      <a:schemeClr val="lt1"/>
+    </dgm:linClrLst>
+    <dgm:effectClrLst/>
+    <dgm:txLinClrLst/>
+    <dgm:txFillClrLst meth="repeat">
+      <a:schemeClr val="lt1"/>
+    </dgm:txFillClrLst>
+    <dgm:txEffectClrLst/>
+  </dgm:styleLbl>
+  <dgm:styleLbl name="alignImgPlace1">
+    <dgm:fillClrLst meth="repeat">
+      <a:schemeClr val="accent1">
+        <a:tint val="50000"/>
+      </a:schemeClr>
+    </dgm:fillClrLst>
+    <dgm:linClrLst meth="repeat">
+      <a:schemeClr val="lt1"/>
+    </dgm:linClrLst>
+    <dgm:effectClrLst/>
+    <dgm:txLinClrLst/>
+    <dgm:txFillClrLst meth="repeat">
+      <a:schemeClr val="lt1"/>
+    </dgm:txFillClrLst>
+    <dgm:txEffectClrLst/>
+  </dgm:styleLbl>
+  <dgm:styleLbl name="bgImgPlace1">
+    <dgm:fillClrLst meth="repeat">
+      <a:schemeClr val="accent1">
+        <a:tint val="50000"/>
+      </a:schemeClr>
+    </dgm:fillClrLst>
+    <dgm:linClrLst meth="repeat">
+      <a:schemeClr val="lt1"/>
+    </dgm:linClrLst>
+    <dgm:effectClrLst/>
+    <dgm:txLinClrLst/>
+    <dgm:txFillClrLst meth="repeat">
+      <a:schemeClr val="lt1"/>
+    </dgm:txFillClrLst>
+    <dgm:txEffectClrLst/>
+  </dgm:styleLbl>
+  <dgm:styleLbl name="sibTrans2D1">
+    <dgm:fillClrLst meth="repeat">
+      <a:schemeClr val="accent1">
+        <a:tint val="60000"/>
+      </a:schemeClr>
+    </dgm:fillClrLst>
+    <dgm:linClrLst meth="repeat">
+      <a:schemeClr val="accent1">
+        <a:tint val="60000"/>
+      </a:schemeClr>
+    </dgm:linClrLst>
+    <dgm:effectClrLst/>
+    <dgm:txLinClrLst/>
+    <dgm:txFillClrLst/>
+    <dgm:txEffectClrLst/>
+  </dgm:styleLbl>
+  <dgm:styleLbl name="fgSibTrans2D1">
+    <dgm:fillClrLst meth="repeat">
+      <a:schemeClr val="accent1">
+        <a:tint val="60000"/>
+      </a:schemeClr>
+    </dgm:fillClrLst>
+    <dgm:linClrLst meth="repeat">
+      <a:schemeClr val="accent1">
+        <a:tint val="60000"/>
+      </a:schemeClr>
+    </dgm:linClrLst>
+    <dgm:effectClrLst/>
+    <dgm:txLinClrLst/>
+    <dgm:txFillClrLst/>
+    <dgm:txEffectClrLst/>
+  </dgm:styleLbl>
+  <dgm:styleLbl name="bgSibTrans2D1">
+    <dgm:fillClrLst meth="repeat">
+      <a:schemeClr val="accent1">
+        <a:tint val="60000"/>
+      </a:schemeClr>
+    </dgm:fillClrLst>
+    <dgm:linClrLst meth="repeat">
+      <a:schemeClr val="accent1">
+        <a:tint val="60000"/>
+      </a:schemeClr>
+    </dgm:linClrLst>
+    <dgm:effectClrLst/>
+    <dgm:txLinClrLst/>
+    <dgm:txFillClrLst/>
+    <dgm:txEffectClrLst/>
+  </dgm:styleLbl>
+  <dgm:styleLbl name="sibTrans1D1">
+    <dgm:fillClrLst meth="repeat">
+      <a:schemeClr val="accent1"/>
+    </dgm:fillClrLst>
+    <dgm:linClrLst meth="repeat">
+      <a:schemeClr val="accent1"/>
+    </dgm:linClrLst>
+    <dgm:effectClrLst/>
+    <dgm:txLinClrLst/>
+    <dgm:txFillClrLst meth="repeat">
+      <a:schemeClr val="tx1"/>
+    </dgm:txFillClrLst>
+    <dgm:txEffectClrLst/>
+  </dgm:styleLbl>
+  <dgm:styleLbl name="callout">
+    <dgm:fillClrLst meth="repeat">
+      <a:schemeClr val="accent1"/>
+    </dgm:fillClrLst>
+    <dgm:linClrLst meth="repeat">
+      <a:schemeClr val="accent1">
+        <a:tint val="50000"/>
+      </a:schemeClr>
+    </dgm:linClrLst>
+    <dgm:effectClrLst/>
+    <dgm:txLinClrLst/>
+    <dgm:txFillClrLst meth="repeat">
+      <a:schemeClr val="tx1"/>
+    </dgm:txFillClrLst>
+    <dgm:txEffectClrLst/>
+  </dgm:styleLbl>
+  <dgm:styleLbl name="asst0">
+    <dgm:fillClrLst meth="repeat">
+      <a:schemeClr val="accent1"/>
+    </dgm:fillClrLst>
+    <dgm:linClrLst meth="repeat">
+      <a:schemeClr val="lt1"/>
+    </dgm:linClrLst>
+    <dgm:effectClrLst/>
+    <dgm:txLinClrLst/>
+    <dgm:txFillClrLst/>
+    <dgm:txEffectClrLst/>
+  </dgm:styleLbl>
+  <dgm:styleLbl name="asst1">
+    <dgm:fillClrLst meth="repeat">
+      <a:schemeClr val="accent1"/>
+    </dgm:fillClrLst>
+    <dgm:linClrLst meth="repeat">
+      <a:schemeClr val="lt1"/>
+    </dgm:linClrLst>
+    <dgm:effectClrLst/>
+    <dgm:txLinClrLst/>
+    <dgm:txFillClrLst/>
+    <dgm:txEffectClrLst/>
+  </dgm:styleLbl>
+  <dgm:styleLbl name="asst2">
+    <dgm:fillClrLst meth="repeat">
+      <a:schemeClr val="accent1"/>
+    </dgm:fillClrLst>
+    <dgm:linClrLst meth="repeat">
+      <a:schemeClr val="lt1"/>
+    </dgm:linClrLst>
+    <dgm:effectClrLst/>
+    <dgm:txLinClrLst/>
+    <dgm:txFillClrLst/>
+    <dgm:txEffectClrLst/>
+  </dgm:styleLbl>
+  <dgm:styleLbl name="asst3">
+    <dgm:fillClrLst meth="repeat">
+      <a:schemeClr val="accent1"/>
+    </dgm:fillClrLst>
+    <dgm:linClrLst meth="repeat">
+      <a:schemeClr val="lt1"/>
+    </dgm:linClrLst>
+    <dgm:effectClrLst/>
+    <dgm:txLinClrLst/>
+    <dgm:txFillClrLst/>
+    <dgm:txEffectClrLst/>
+  </dgm:styleLbl>
+  <dgm:styleLbl name="asst4">
+    <dgm:fillClrLst meth="repeat">
+      <a:schemeClr val="accent1"/>
+    </dgm:fillClrLst>
+    <dgm:linClrLst meth="repeat">
+      <a:schemeClr val="lt1"/>
+    </dgm:linClrLst>
+    <dgm:effectClrLst/>
+    <dgm:txLinClrLst/>
+    <dgm:txFillClrLst/>
+    <dgm:txEffectClrLst/>
+  </dgm:styleLbl>
+  <dgm:styleLbl name="parChTrans2D1">
+    <dgm:fillClrLst meth="repeat">
+      <a:schemeClr val="accent1">
+        <a:tint val="60000"/>
+      </a:schemeClr>
+    </dgm:fillClrLst>
+    <dgm:linClrLst meth="repeat">
+      <a:schemeClr val="accent1">
+        <a:tint val="60000"/>
+      </a:schemeClr>
+    </dgm:linClrLst>
+    <dgm:effectClrLst/>
+    <dgm:txLinClrLst/>
+    <dgm:txFillClrLst meth="repeat">
+      <a:schemeClr val="lt1"/>
+    </dgm:txFillClrLst>
+    <dgm:txEffectClrLst/>
+  </dgm:styleLbl>
+  <dgm:styleLbl name="parChTrans2D2">
+    <dgm:fillClrLst meth="repeat">
+      <a:schemeClr val="accent1"/>
+    </dgm:fillClrLst>
+    <dgm:linClrLst meth="repeat">
+      <a:schemeClr val="accent1"/>
+    </dgm:linClrLst>
+    <dgm:effectClrLst/>
+    <dgm:txLinClrLst/>
+    <dgm:txFillClrLst meth="repeat">
+      <a:schemeClr val="lt1"/>
+    </dgm:txFillClrLst>
+    <dgm:txEffectClrLst/>
+  </dgm:styleLbl>
+  <dgm:styleLbl name="parChTrans2D3">
+    <dgm:fillClrLst meth="repeat">
+      <a:schemeClr val="accent1"/>
+    </dgm:fillClrLst>
+    <dgm:linClrLst meth="repeat">
+      <a:schemeClr val="accent1"/>
+    </dgm:linClrLst>
+    <dgm:effectClrLst/>
+    <dgm:txLinClrLst/>
+    <dgm:txFillClrLst meth="repeat">
+      <a:schemeClr val="lt1"/>
+    </dgm:txFillClrLst>
+    <dgm:txEffectClrLst/>
+  </dgm:styleLbl>
+  <dgm:styleLbl name="parChTrans2D4">
+    <dgm:fillClrLst meth="repeat">
+      <a:schemeClr val="accent1"/>
+    </dgm:fillClrLst>
+    <dgm:linClrLst meth="repeat">
+      <a:schemeClr val="accent1"/>
+    </dgm:linClrLst>
+    <dgm:effectClrLst/>
+    <dgm:txLinClrLst/>
+    <dgm:txFillClrLst meth="repeat">
+      <a:schemeClr val="lt1"/>
+    </dgm:txFillClrLst>
+    <dgm:txEffectClrLst/>
+  </dgm:styleLbl>
+  <dgm:styleLbl name="parChTrans1D1">
+    <dgm:fillClrLst meth="repeat">
+      <a:schemeClr val="accent1"/>
+    </dgm:fillClrLst>
+    <dgm:linClrLst meth="repeat">
+      <a:schemeClr val="accent1">
+        <a:shade val="60000"/>
+      </a:schemeClr>
+    </dgm:linClrLst>
+    <dgm:effectClrLst/>
+    <dgm:txLinClrLst/>
+    <dgm:txFillClrLst meth="repeat">
+      <a:schemeClr val="tx1"/>
+    </dgm:txFillClrLst>
+    <dgm:txEffectClrLst/>
+  </dgm:styleLbl>
+  <dgm:styleLbl name="parChTrans1D2">
+    <dgm:fillClrLst meth="repeat">
+      <a:schemeClr val="accent1"/>
+    </dgm:fillClrLst>
+    <dgm:linClrLst meth="repeat">
+      <a:schemeClr val="accent1">
+        <a:shade val="60000"/>
+      </a:schemeClr>
+    </dgm:linClrLst>
+    <dgm:effectClrLst/>
+    <dgm:txLinClrLst/>
+    <dgm:txFillClrLst meth="repeat">
+      <a:schemeClr val="tx1"/>
+    </dgm:txFillClrLst>
+    <dgm:txEffectClrLst/>
+  </dgm:styleLbl>
+  <dgm:styleLbl name="parChTrans1D3">
+    <dgm:fillClrLst meth="repeat">
+      <a:schemeClr val="accent1"/>
+    </dgm:fillClrLst>
+    <dgm:linClrLst meth="repeat">
+      <a:schemeClr val="accent1">
+        <a:shade val="80000"/>
+      </a:schemeClr>
+    </dgm:linClrLst>
+    <dgm:effectClrLst/>
+    <dgm:txLinClrLst/>
+    <dgm:txFillClrLst meth="repeat">
+      <a:schemeClr val="tx1"/>
+    </dgm:txFillClrLst>
+    <dgm:txEffectClrLst/>
+  </dgm:styleLbl>
+  <dgm:styleLbl name="parChTrans1D4">
+    <dgm:fillClrLst meth="repeat">
+      <a:schemeClr val="accent1"/>
+    </dgm:fillClrLst>
+    <dgm:linClrLst meth="repeat">
+      <a:schemeClr val="accent1">
+        <a:shade val="80000"/>
+      </a:schemeClr>
+    </dgm:linClrLst>
+    <dgm:effectClrLst/>
+    <dgm:txLinClrLst/>
+    <dgm:txFillClrLst meth="repeat">
+      <a:schemeClr val="tx1"/>
+    </dgm:txFillClrLst>
+    <dgm:txEffectClrLst/>
+  </dgm:styleLbl>
+  <dgm:styleLbl name="fgAcc1">
+    <dgm:fillClrLst meth="repeat">
+      <a:schemeClr val="lt1">
+        <a:alpha val="90000"/>
+      </a:schemeClr>
+    </dgm:fillClrLst>
+    <dgm:linClrLst meth="repeat">
+      <a:schemeClr val="accent1"/>
+    </dgm:linClrLst>
+    <dgm:effectClrLst/>
+    <dgm:txLinClrLst/>
+    <dgm:txFillClrLst meth="repeat">
+      <a:schemeClr val="dk1"/>
+    </dgm:txFillClrLst>
+    <dgm:txEffectClrLst/>
+  </dgm:styleLbl>
+  <dgm:styleLbl name="conFgAcc1">
+    <dgm:fillClrLst meth="repeat">
+      <a:schemeClr val="lt1">
+        <a:alpha val="90000"/>
+      </a:schemeClr>
+    </dgm:fillClrLst>
+    <dgm:linClrLst meth="repeat">
+      <a:schemeClr val="accent1"/>
+    </dgm:linClrLst>
+    <dgm:effectClrLst/>
+    <dgm:txLinClrLst/>
+    <dgm:txFillClrLst meth="repeat">
+      <a:schemeClr val="dk1"/>
+    </dgm:txFillClrLst>
+    <dgm:txEffectClrLst/>
+  </dgm:styleLbl>
+  <dgm:styleLbl name="alignAcc1">
+    <dgm:fillClrLst meth="repeat">
+      <a:schemeClr val="lt1">
+        <a:alpha val="90000"/>
+      </a:schemeClr>
+    </dgm:fillClrLst>
+    <dgm:linClrLst meth="repeat">
+      <a:schemeClr val="accent1"/>
+    </dgm:linClrLst>
+    <dgm:effectClrLst/>
+    <dgm:txLinClrLst/>
+    <dgm:txFillClrLst meth="repeat">
+      <a:schemeClr val="dk1"/>
+    </dgm:txFillClrLst>
+    <dgm:txEffectClrLst/>
+  </dgm:styleLbl>
+  <dgm:styleLbl name="trAlignAcc1">
+    <dgm:fillClrLst meth="repeat">
+      <a:schemeClr val="lt1">
+        <a:alpha val="40000"/>
+      </a:schemeClr>
+    </dgm:fillClrLst>
+    <dgm:linClrLst meth="repeat">
+      <a:schemeClr val="accent1"/>
+    </dgm:linClrLst>
+    <dgm:effectClrLst/>
+    <dgm:txLinClrLst/>
+    <dgm:txFillClrLst meth="repeat">
+      <a:schemeClr val="dk1"/>
+    </dgm:txFillClrLst>
+    <dgm:txEffectClrLst/>
+  </dgm:styleLbl>
+  <dgm:styleLbl name="bgAcc1">
+    <dgm:fillClrLst meth="repeat">
+      <a:schemeClr val="lt1">
+        <a:alpha val="90000"/>
+      </a:schemeClr>
+    </dgm:fillClrLst>
+    <dgm:linClrLst meth="repeat">
+      <a:schemeClr val="accent1"/>
+    </dgm:linClrLst>
+    <dgm:effectClrLst/>
+    <dgm:txLinClrLst/>
+    <dgm:txFillClrLst meth="repeat">
+      <a:schemeClr val="dk1"/>
+    </dgm:txFillClrLst>
+    <dgm:txEffectClrLst/>
+  </dgm:styleLbl>
+  <dgm:styleLbl name="solidFgAcc1">
+    <dgm:fillClrLst meth="repeat">
+      <a:schemeClr val="lt1"/>
+    </dgm:fillClrLst>
+    <dgm:linClrLst meth="repeat">
+      <a:schemeClr val="accent1"/>
+    </dgm:linClrLst>
+    <dgm:effectClrLst/>
+    <dgm:txLinClrLst/>
+    <dgm:txFillClrLst meth="repeat">
+      <a:schemeClr val="dk1"/>
+    </dgm:txFillClrLst>
+    <dgm:txEffectClrLst/>
+  </dgm:styleLbl>
+  <dgm:styleLbl name="solidAlignAcc1">
+    <dgm:fillClrLst meth="repeat">
+      <a:schemeClr val="lt1"/>
+    </dgm:fillClrLst>
+    <dgm:linClrLst meth="repeat">
+      <a:schemeClr val="accent1"/>
+    </dgm:linClrLst>
+    <dgm:effectClrLst/>
+    <dgm:txLinClrLst/>
+    <dgm:txFillClrLst meth="repeat">
+      <a:schemeClr val="dk1"/>
+    </dgm:txFillClrLst>
+    <dgm:txEffectClrLst/>
+  </dgm:styleLbl>
+  <dgm:styleLbl name="solidBgAcc1">
+    <dgm:fillClrLst meth="repeat">
+      <a:schemeClr val="lt1"/>
+    </dgm:fillClrLst>
+    <dgm:linClrLst meth="repeat">
+      <a:schemeClr val="accent1"/>
+    </dgm:linClrLst>
+    <dgm:effectClrLst/>
+    <dgm:txLinClrLst/>
+    <dgm:txFillClrLst meth="repeat">
+      <a:schemeClr val="dk1"/>
+    </dgm:txFillClrLst>
+    <dgm:txEffectClrLst/>
+  </dgm:styleLbl>
+  <dgm:styleLbl name="fgAccFollowNode1">
+    <dgm:fillClrLst meth="repeat">
+      <a:schemeClr val="accent1">
+        <a:alpha val="90000"/>
+        <a:tint val="40000"/>
+      </a:schemeClr>
+    </dgm:fillClrLst>
+    <dgm:linClrLst meth="repeat">
+      <a:schemeClr val="accent1">
+        <a:alpha val="90000"/>
+        <a:tint val="40000"/>
+      </a:schemeClr>
+    </dgm:linClrLst>
+    <dgm:effectClrLst/>
+    <dgm:txLinClrLst/>
+    <dgm:txFillClrLst meth="repeat">
+      <a:schemeClr val="dk1"/>
+    </dgm:txFillClrLst>
+    <dgm:txEffectClrLst/>
+  </dgm:styleLbl>
+  <dgm:styleLbl name="alignAccFollowNode1">
+    <dgm:fillClrLst meth="repeat">
+      <a:schemeClr val="accent1">
+        <a:alpha val="90000"/>
+        <a:tint val="40000"/>
+      </a:schemeClr>
+    </dgm:fillClrLst>
+    <dgm:linClrLst meth="repeat">
+      <a:schemeClr val="accent1">
+        <a:alpha val="90000"/>
+        <a:tint val="40000"/>
+      </a:schemeClr>
+    </dgm:linClrLst>
+    <dgm:effectClrLst/>
+    <dgm:txLinClrLst/>
+    <dgm:txFillClrLst meth="repeat">
+      <a:schemeClr val="dk1"/>
+    </dgm:txFillClrLst>
+    <dgm:txEffectClrLst/>
+  </dgm:styleLbl>
+  <dgm:styleLbl name="bgAccFollowNode1">
+    <dgm:fillClrLst meth="repeat">
+      <a:schemeClr val="accent1">
+        <a:alpha val="90000"/>
+        <a:tint val="40000"/>
+      </a:schemeClr>
+    </dgm:fillClrLst>
+    <dgm:linClrLst meth="repeat">
+      <a:schemeClr val="accent1">
+        <a:alpha val="90000"/>
+        <a:tint val="40000"/>
+      </a:schemeClr>
+    </dgm:linClrLst>
+    <dgm:effectClrLst/>
+    <dgm:txLinClrLst/>
+    <dgm:txFillClrLst meth="repeat">
+      <a:schemeClr val="dk1"/>
+    </dgm:txFillClrLst>
+    <dgm:txEffectClrLst/>
+  </dgm:styleLbl>
+  <dgm:styleLbl name="fgAcc0">
+    <dgm:fillClrLst meth="repeat">
+      <a:schemeClr val="lt1">
+        <a:alpha val="90000"/>
+      </a:schemeClr>
+    </dgm:fillClrLst>
+    <dgm:linClrLst meth="repeat">
+      <a:schemeClr val="accent1"/>
+    </dgm:linClrLst>
+    <dgm:effectClrLst/>
+    <dgm:txLinClrLst/>
+    <dgm:txFillClrLst meth="repeat">
+      <a:schemeClr val="dk1"/>
+    </dgm:txFillClrLst>
+    <dgm:txEffectClrLst/>
+  </dgm:styleLbl>
+  <dgm:styleLbl name="fgAcc2">
+    <dgm:fillClrLst meth="repeat">
+      <a:schemeClr val="lt1">
+        <a:alpha val="90000"/>
+      </a:schemeClr>
+    </dgm:fillClrLst>
+    <dgm:linClrLst meth="repeat">
+      <a:schemeClr val="accent1"/>
+    </dgm:linClrLst>
+    <dgm:effectClrLst/>
+    <dgm:txLinClrLst/>
+    <dgm:txFillClrLst meth="repeat">
+      <a:schemeClr val="dk1"/>
+    </dgm:txFillClrLst>
+    <dgm:txEffectClrLst/>
+  </dgm:styleLbl>
+  <dgm:styleLbl name="fgAcc3">
+    <dgm:fillClrLst meth="repeat">
+      <a:schemeClr val="lt1">
+        <a:alpha val="90000"/>
+      </a:schemeClr>
+    </dgm:fillClrLst>
+    <dgm:linClrLst meth="repeat">
+      <a:schemeClr val="accent1"/>
+    </dgm:linClrLst>
+    <dgm:effectClrLst/>
+    <dgm:txLinClrLst/>
+    <dgm:txFillClrLst meth="repeat">
+      <a:schemeClr val="dk1"/>
+    </dgm:txFillClrLst>
+    <dgm:txEffectClrLst/>
+  </dgm:styleLbl>
+  <dgm:styleLbl name="fgAcc4">
+    <dgm:fillClrLst meth="repeat">
+      <a:schemeClr val="lt1">
+        <a:alpha val="90000"/>
+      </a:schemeClr>
+    </dgm:fillClrLst>
+    <dgm:linClrLst meth="repeat">
+      <a:schemeClr val="accent1"/>
+    </dgm:linClrLst>
+    <dgm:effectClrLst/>
+    <dgm:txLinClrLst/>
+    <dgm:txFillClrLst meth="repeat">
+      <a:schemeClr val="dk1"/>
+    </dgm:txFillClrLst>
+    <dgm:txEffectClrLst/>
+  </dgm:styleLbl>
+  <dgm:styleLbl name="bgShp">
+    <dgm:fillClrLst meth="repeat">
+      <a:schemeClr val="accent1">
+        <a:tint val="40000"/>
+      </a:schemeClr>
+    </dgm:fillClrLst>
+    <dgm:linClrLst meth="repeat">
+      <a:schemeClr val="accent1"/>
+    </dgm:linClrLst>
+    <dgm:effectClrLst/>
+    <dgm:txLinClrLst/>
+    <dgm:txFillClrLst meth="repeat">
+      <a:schemeClr val="dk1"/>
+    </dgm:txFillClrLst>
+    <dgm:txEffectClrLst/>
+  </dgm:styleLbl>
+  <dgm:styleLbl name="dkBgShp">
+    <dgm:fillClrLst meth="repeat">
+      <a:schemeClr val="accent1">
+        <a:shade val="80000"/>
+      </a:schemeClr>
+    </dgm:fillClrLst>
+    <dgm:linClrLst meth="repeat">
+      <a:schemeClr val="accent1"/>
+    </dgm:linClrLst>
+    <dgm:effectClrLst/>
+    <dgm:txLinClrLst/>
+    <dgm:txFillClrLst meth="repeat">
+      <a:schemeClr val="lt1"/>
+    </dgm:txFillClrLst>
+    <dgm:txEffectClrLst/>
+  </dgm:styleLbl>
+  <dgm:styleLbl name="trBgShp">
+    <dgm:fillClrLst meth="repeat">
+      <a:schemeClr val="accent1">
+        <a:tint val="50000"/>
+        <a:alpha val="40000"/>
+      </a:schemeClr>
+    </dgm:fillClrLst>
+    <dgm:linClrLst meth="repeat">
+      <a:schemeClr val="accent1"/>
+    </dgm:linClrLst>
+    <dgm:effectClrLst/>
+    <dgm:txLinClrLst/>
+    <dgm:txFillClrLst meth="repeat">
+      <a:schemeClr val="lt1"/>
+    </dgm:txFillClrLst>
+    <dgm:txEffectClrLst/>
+  </dgm:styleLbl>
+  <dgm:styleLbl name="fgShp">
+    <dgm:fillClrLst meth="repeat">
+      <a:schemeClr val="accent1">
+        <a:tint val="60000"/>
+      </a:schemeClr>
+    </dgm:fillClrLst>
+    <dgm:linClrLst meth="repeat">
+      <a:schemeClr val="lt1"/>
+    </dgm:linClrLst>
+    <dgm:effectClrLst/>
+    <dgm:txLinClrLst/>
+    <dgm:txFillClrLst meth="repeat">
+      <a:schemeClr val="dk1"/>
+    </dgm:txFillClrLst>
+    <dgm:txEffectClrLst/>
+  </dgm:styleLbl>
+  <dgm:styleLbl name="revTx">
+    <dgm:fillClrLst meth="repeat">
+      <a:schemeClr val="lt1">
+        <a:alpha val="0"/>
+      </a:schemeClr>
+    </dgm:fillClrLst>
+    <dgm:linClrLst meth="repeat">
+      <a:schemeClr val="dk1">
+        <a:alpha val="0"/>
+      </a:schemeClr>
+    </dgm:linClrLst>
+    <dgm:effectClrLst/>
+    <dgm:txLinClrLst/>
+    <dgm:txFillClrLst meth="repeat">
+      <a:schemeClr val="tx1"/>
+    </dgm:txFillClrLst>
+    <dgm:txEffectClrLst/>
+  </dgm:styleLbl>
+</dgm:colorsDef>
+</file>
+
+<file path=ppt/diagrams/colors2.xml><?xml version="1.0" encoding="utf-8"?>
+<dgm:colorsDef xmlns:dgm="http://schemas.openxmlformats.org/drawingml/2006/diagram" xmlns:a="http://schemas.openxmlformats.org/drawingml/2006/main" uniqueId="urn:microsoft.com/office/officeart/2005/8/colors/accent1_2">
+  <dgm:title val=""/>
+  <dgm:desc val=""/>
+  <dgm:catLst>
+    <dgm:cat type="accent1" pri="11200"/>
+  </dgm:catLst>
+  <dgm:styleLbl name="node0">
+    <dgm:fillClrLst meth="repeat">
+      <a:schemeClr val="accent1"/>
+    </dgm:fillClrLst>
+    <dgm:linClrLst meth="repeat">
+      <a:schemeClr val="lt1"/>
+    </dgm:linClrLst>
+    <dgm:effectClrLst/>
+    <dgm:txLinClrLst/>
+    <dgm:txFillClrLst/>
+    <dgm:txEffectClrLst/>
+  </dgm:styleLbl>
+  <dgm:styleLbl name="alignNode1">
+    <dgm:fillClrLst meth="repeat">
+      <a:schemeClr val="accent1"/>
+    </dgm:fillClrLst>
+    <dgm:linClrLst meth="repeat">
+      <a:schemeClr val="accent1"/>
+    </dgm:linClrLst>
+    <dgm:effectClrLst/>
+    <dgm:txLinClrLst/>
+    <dgm:txFillClrLst/>
+    <dgm:txEffectClrLst/>
+  </dgm:styleLbl>
+  <dgm:styleLbl name="node1">
+    <dgm:fillClrLst meth="repeat">
+      <a:schemeClr val="accent1"/>
+    </dgm:fillClrLst>
+    <dgm:linClrLst meth="repeat">
+      <a:schemeClr val="lt1"/>
+    </dgm:linClrLst>
+    <dgm:effectClrLst/>
+    <dgm:txLinClrLst/>
+    <dgm:txFillClrLst/>
+    <dgm:txEffectClrLst/>
+  </dgm:styleLbl>
+  <dgm:styleLbl name="lnNode1">
+    <dgm:fillClrLst meth="repeat">
+      <a:schemeClr val="accent1"/>
+    </dgm:fillClrLst>
+    <dgm:linClrLst meth="repeat">
+      <a:schemeClr val="lt1"/>
+    </dgm:linClrLst>
+    <dgm:effectClrLst/>
+    <dgm:txLinClrLst/>
+    <dgm:txFillClrLst/>
+    <dgm:txEffectClrLst/>
+  </dgm:styleLbl>
+  <dgm:styleLbl name="vennNode1">
+    <dgm:fillClrLst meth="repeat">
+      <a:schemeClr val="accent1">
+        <a:alpha val="50000"/>
+      </a:schemeClr>
+    </dgm:fillClrLst>
+    <dgm:linClrLst meth="repeat">
+      <a:schemeClr val="lt1"/>
+    </dgm:linClrLst>
+    <dgm:effectClrLst/>
+    <dgm:txLinClrLst/>
+    <dgm:txFillClrLst/>
+    <dgm:txEffectClrLst/>
+  </dgm:styleLbl>
+  <dgm:styleLbl name="node2">
+    <dgm:fillClrLst meth="repeat">
+      <a:schemeClr val="accent1"/>
+    </dgm:fillClrLst>
+    <dgm:linClrLst meth="repeat">
+      <a:schemeClr val="lt1"/>
+    </dgm:linClrLst>
+    <dgm:effectClrLst/>
+    <dgm:txLinClrLst/>
+    <dgm:txFillClrLst/>
+    <dgm:txEffectClrLst/>
+  </dgm:styleLbl>
+  <dgm:styleLbl name="node3">
+    <dgm:fillClrLst meth="repeat">
+      <a:schemeClr val="accent1"/>
+    </dgm:fillClrLst>
+    <dgm:linClrLst meth="repeat">
+      <a:schemeClr val="lt1"/>
+    </dgm:linClrLst>
+    <dgm:effectClrLst/>
+    <dgm:txLinClrLst/>
+    <dgm:txFillClrLst/>
+    <dgm:txEffectClrLst/>
+  </dgm:styleLbl>
+  <dgm:styleLbl name="node4">
+    <dgm:fillClrLst meth="repeat">
+      <a:schemeClr val="accent1"/>
+    </dgm:fillClrLst>
+    <dgm:linClrLst meth="repeat">
+      <a:schemeClr val="lt1"/>
+    </dgm:linClrLst>
+    <dgm:effectClrLst/>
+    <dgm:txLinClrLst/>
+    <dgm:txFillClrLst/>
+    <dgm:txEffectClrLst/>
+  </dgm:styleLbl>
+  <dgm:styleLbl name="fgImgPlace1">
+    <dgm:fillClrLst meth="repeat">
+      <a:schemeClr val="accent1">
+        <a:tint val="50000"/>
+      </a:schemeClr>
+    </dgm:fillClrLst>
+    <dgm:linClrLst meth="repeat">
+      <a:schemeClr val="lt1"/>
+    </dgm:linClrLst>
+    <dgm:effectClrLst/>
+    <dgm:txLinClrLst/>
+    <dgm:txFillClrLst meth="repeat">
+      <a:schemeClr val="lt1"/>
+    </dgm:txFillClrLst>
+    <dgm:txEffectClrLst/>
+  </dgm:styleLbl>
+  <dgm:styleLbl name="alignImgPlace1">
+    <dgm:fillClrLst meth="repeat">
+      <a:schemeClr val="accent1">
+        <a:tint val="50000"/>
+      </a:schemeClr>
+    </dgm:fillClrLst>
+    <dgm:linClrLst meth="repeat">
+      <a:schemeClr val="lt1"/>
+    </dgm:linClrLst>
+    <dgm:effectClrLst/>
+    <dgm:txLinClrLst/>
+    <dgm:txFillClrLst meth="repeat">
+      <a:schemeClr val="lt1"/>
+    </dgm:txFillClrLst>
+    <dgm:txEffectClrLst/>
+  </dgm:styleLbl>
+  <dgm:styleLbl name="bgImgPlace1">
+    <dgm:fillClrLst meth="repeat">
+      <a:schemeClr val="accent1">
+        <a:tint val="50000"/>
+      </a:schemeClr>
+    </dgm:fillClrLst>
+    <dgm:linClrLst meth="repeat">
+      <a:schemeClr val="lt1"/>
+    </dgm:linClrLst>
+    <dgm:effectClrLst/>
+    <dgm:txLinClrLst/>
+    <dgm:txFillClrLst meth="repeat">
+      <a:schemeClr val="lt1"/>
+    </dgm:txFillClrLst>
+    <dgm:txEffectClrLst/>
+  </dgm:styleLbl>
+  <dgm:styleLbl name="sibTrans2D1">
+    <dgm:fillClrLst meth="repeat">
+      <a:schemeClr val="accent1">
+        <a:tint val="60000"/>
+      </a:schemeClr>
+    </dgm:fillClrLst>
+    <dgm:linClrLst meth="repeat">
+      <a:schemeClr val="accent1">
+        <a:tint val="60000"/>
+      </a:schemeClr>
+    </dgm:linClrLst>
+    <dgm:effectClrLst/>
+    <dgm:txLinClrLst/>
+    <dgm:txFillClrLst/>
+    <dgm:txEffectClrLst/>
+  </dgm:styleLbl>
+  <dgm:styleLbl name="fgSibTrans2D1">
+    <dgm:fillClrLst meth="repeat">
+      <a:schemeClr val="accent1">
+        <a:tint val="60000"/>
+      </a:schemeClr>
+    </dgm:fillClrLst>
+    <dgm:linClrLst meth="repeat">
+      <a:schemeClr val="accent1">
+        <a:tint val="60000"/>
+      </a:schemeClr>
+    </dgm:linClrLst>
+    <dgm:effectClrLst/>
+    <dgm:txLinClrLst/>
+    <dgm:txFillClrLst/>
+    <dgm:txEffectClrLst/>
+  </dgm:styleLbl>
+  <dgm:styleLbl name="bgSibTrans2D1">
+    <dgm:fillClrLst meth="repeat">
+      <a:schemeClr val="accent1">
+        <a:tint val="60000"/>
+      </a:schemeClr>
+    </dgm:fillClrLst>
+    <dgm:linClrLst meth="repeat">
+      <a:schemeClr val="accent1">
+        <a:tint val="60000"/>
+      </a:schemeClr>
+    </dgm:linClrLst>
+    <dgm:effectClrLst/>
+    <dgm:txLinClrLst/>
+    <dgm:txFillClrLst/>
+    <dgm:txEffectClrLst/>
+  </dgm:styleLbl>
+  <dgm:styleLbl name="sibTrans1D1">
+    <dgm:fillClrLst meth="repeat">
+      <a:schemeClr val="accent1"/>
+    </dgm:fillClrLst>
+    <dgm:linClrLst meth="repeat">
+      <a:schemeClr val="accent1"/>
+    </dgm:linClrLst>
+    <dgm:effectClrLst/>
+    <dgm:txLinClrLst/>
+    <dgm:txFillClrLst meth="repeat">
+      <a:schemeClr val="tx1"/>
+    </dgm:txFillClrLst>
+    <dgm:txEffectClrLst/>
+  </dgm:styleLbl>
+  <dgm:styleLbl name="callout">
+    <dgm:fillClrLst meth="repeat">
+      <a:schemeClr val="accent1"/>
+    </dgm:fillClrLst>
+    <dgm:linClrLst meth="repeat">
+      <a:schemeClr val="accent1">
+        <a:tint val="50000"/>
+      </a:schemeClr>
+    </dgm:linClrLst>
+    <dgm:effectClrLst/>
+    <dgm:txLinClrLst/>
+    <dgm:txFillClrLst meth="repeat">
+      <a:schemeClr val="tx1"/>
+    </dgm:txFillClrLst>
+    <dgm:txEffectClrLst/>
+  </dgm:styleLbl>
+  <dgm:styleLbl name="asst0">
+    <dgm:fillClrLst meth="repeat">
+      <a:schemeClr val="accent1"/>
+    </dgm:fillClrLst>
+    <dgm:linClrLst meth="repeat">
+      <a:schemeClr val="lt1"/>
+    </dgm:linClrLst>
+    <dgm:effectClrLst/>
+    <dgm:txLinClrLst/>
+    <dgm:txFillClrLst/>
+    <dgm:txEffectClrLst/>
+  </dgm:styleLbl>
+  <dgm:styleLbl name="asst1">
+    <dgm:fillClrLst meth="repeat">
+      <a:schemeClr val="accent1"/>
+    </dgm:fillClrLst>
+    <dgm:linClrLst meth="repeat">
+      <a:schemeClr val="lt1"/>
+    </dgm:linClrLst>
+    <dgm:effectClrLst/>
+    <dgm:txLinClrLst/>
+    <dgm:txFillClrLst/>
+    <dgm:txEffectClrLst/>
+  </dgm:styleLbl>
+  <dgm:styleLbl name="asst2">
+    <dgm:fillClrLst meth="repeat">
+      <a:schemeClr val="accent1"/>
+    </dgm:fillClrLst>
+    <dgm:linClrLst meth="repeat">
+      <a:schemeClr val="lt1"/>
+    </dgm:linClrLst>
+    <dgm:effectClrLst/>
+    <dgm:txLinClrLst/>
+    <dgm:txFillClrLst/>
+    <dgm:txEffectClrLst/>
+  </dgm:styleLbl>
+  <dgm:styleLbl name="asst3">
+    <dgm:fillClrLst meth="repeat">
+      <a:schemeClr val="accent1"/>
+    </dgm:fillClrLst>
+    <dgm:linClrLst meth="repeat">
+      <a:schemeClr val="lt1"/>
+    </dgm:linClrLst>
+    <dgm:effectClrLst/>
+    <dgm:txLinClrLst/>
+    <dgm:txFillClrLst/>
+    <dgm:txEffectClrLst/>
+  </dgm:styleLbl>
+  <dgm:styleLbl name="asst4">
+    <dgm:fillClrLst meth="repeat">
+      <a:schemeClr val="accent1"/>
+    </dgm:fillClrLst>
+    <dgm:linClrLst meth="repeat">
+      <a:schemeClr val="lt1"/>
+    </dgm:linClrLst>
+    <dgm:effectClrLst/>
+    <dgm:txLinClrLst/>
+    <dgm:txFillClrLst/>
+    <dgm:txEffectClrLst/>
+  </dgm:styleLbl>
+  <dgm:styleLbl name="parChTrans2D1">
+    <dgm:fillClrLst meth="repeat">
+      <a:schemeClr val="accent1">
+        <a:tint val="60000"/>
+      </a:schemeClr>
+    </dgm:fillClrLst>
+    <dgm:linClrLst meth="repeat">
+      <a:schemeClr val="accent1">
+        <a:tint val="60000"/>
+      </a:schemeClr>
+    </dgm:linClrLst>
+    <dgm:effectClrLst/>
+    <dgm:txLinClrLst/>
+    <dgm:txFillClrLst meth="repeat">
+      <a:schemeClr val="lt1"/>
+    </dgm:txFillClrLst>
+    <dgm:txEffectClrLst/>
+  </dgm:styleLbl>
+  <dgm:styleLbl name="parChTrans2D2">
+    <dgm:fillClrLst meth="repeat">
+      <a:schemeClr val="accent1"/>
+    </dgm:fillClrLst>
+    <dgm:linClrLst meth="repeat">
+      <a:schemeClr val="accent1"/>
+    </dgm:linClrLst>
+    <dgm:effectClrLst/>
+    <dgm:txLinClrLst/>
+    <dgm:txFillClrLst meth="repeat">
+      <a:schemeClr val="lt1"/>
+    </dgm:txFillClrLst>
+    <dgm:txEffectClrLst/>
+  </dgm:styleLbl>
+  <dgm:styleLbl name="parChTrans2D3">
+    <dgm:fillClrLst meth="repeat">
+      <a:schemeClr val="accent1"/>
+    </dgm:fillClrLst>
+    <dgm:linClrLst meth="repeat">
+      <a:schemeClr val="accent1"/>
+    </dgm:linClrLst>
+    <dgm:effectClrLst/>
+    <dgm:txLinClrLst/>
+    <dgm:txFillClrLst meth="repeat">
+      <a:schemeClr val="lt1"/>
+    </dgm:txFillClrLst>
+    <dgm:txEffectClrLst/>
+  </dgm:styleLbl>
+  <dgm:styleLbl name="parChTrans2D4">
+    <dgm:fillClrLst meth="repeat">
+      <a:schemeClr val="accent1"/>
+    </dgm:fillClrLst>
+    <dgm:linClrLst meth="repeat">
+      <a:schemeClr val="accent1"/>
+    </dgm:linClrLst>
+    <dgm:effectClrLst/>
+    <dgm:txLinClrLst/>
+    <dgm:txFillClrLst meth="repeat">
+      <a:schemeClr val="lt1"/>
+    </dgm:txFillClrLst>
+    <dgm:txEffectClrLst/>
+  </dgm:styleLbl>
+  <dgm:styleLbl name="parChTrans1D1">
+    <dgm:fillClrLst meth="repeat">
+      <a:schemeClr val="accent1"/>
+    </dgm:fillClrLst>
+    <dgm:linClrLst meth="repeat">
+      <a:schemeClr val="accent1">
+        <a:shade val="60000"/>
+      </a:schemeClr>
+    </dgm:linClrLst>
+    <dgm:effectClrLst/>
+    <dgm:txLinClrLst/>
+    <dgm:txFillClrLst meth="repeat">
+      <a:schemeClr val="tx1"/>
+    </dgm:txFillClrLst>
+    <dgm:txEffectClrLst/>
+  </dgm:styleLbl>
+  <dgm:styleLbl name="parChTrans1D2">
+    <dgm:fillClrLst meth="repeat">
+      <a:schemeClr val="accent1"/>
+    </dgm:fillClrLst>
+    <dgm:linClrLst meth="repeat">
+      <a:schemeClr val="accent1">
+        <a:shade val="60000"/>
+      </a:schemeClr>
+    </dgm:linClrLst>
+    <dgm:effectClrLst/>
+    <dgm:txLinClrLst/>
+    <dgm:txFillClrLst meth="repeat">
+      <a:schemeClr val="tx1"/>
+    </dgm:txFillClrLst>
+    <dgm:txEffectClrLst/>
+  </dgm:styleLbl>
+  <dgm:styleLbl name="parChTrans1D3">
+    <dgm:fillClrLst meth="repeat">
+      <a:schemeClr val="accent1"/>
+    </dgm:fillClrLst>
+    <dgm:linClrLst meth="repeat">
+      <a:schemeClr val="accent1">
+        <a:shade val="80000"/>
+      </a:schemeClr>
+    </dgm:linClrLst>
+    <dgm:effectClrLst/>
+    <dgm:txLinClrLst/>
+    <dgm:txFillClrLst meth="repeat">
+      <a:schemeClr val="tx1"/>
+    </dgm:txFillClrLst>
+    <dgm:txEffectClrLst/>
+  </dgm:styleLbl>
+  <dgm:styleLbl name="parChTrans1D4">
+    <dgm:fillClrLst meth="repeat">
+      <a:schemeClr val="accent1"/>
+    </dgm:fillClrLst>
+    <dgm:linClrLst meth="repeat">
+      <a:schemeClr val="accent1">
+        <a:shade val="80000"/>
+      </a:schemeClr>
+    </dgm:linClrLst>
+    <dgm:effectClrLst/>
+    <dgm:txLinClrLst/>
+    <dgm:txFillClrLst meth="repeat">
+      <a:schemeClr val="tx1"/>
+    </dgm:txFillClrLst>
+    <dgm:txEffectClrLst/>
+  </dgm:styleLbl>
+  <dgm:styleLbl name="fgAcc1">
+    <dgm:fillClrLst meth="repeat">
+      <a:schemeClr val="lt1">
+        <a:alpha val="90000"/>
+      </a:schemeClr>
+    </dgm:fillClrLst>
+    <dgm:linClrLst meth="repeat">
+      <a:schemeClr val="accent1"/>
+    </dgm:linClrLst>
+    <dgm:effectClrLst/>
+    <dgm:txLinClrLst/>
+    <dgm:txFillClrLst meth="repeat">
+      <a:schemeClr val="dk1"/>
+    </dgm:txFillClrLst>
+    <dgm:txEffectClrLst/>
+  </dgm:styleLbl>
+  <dgm:styleLbl name="conFgAcc1">
+    <dgm:fillClrLst meth="repeat">
+      <a:schemeClr val="lt1">
+        <a:alpha val="90000"/>
+      </a:schemeClr>
+    </dgm:fillClrLst>
+    <dgm:linClrLst meth="repeat">
+      <a:schemeClr val="accent1"/>
+    </dgm:linClrLst>
+    <dgm:effectClrLst/>
+    <dgm:txLinClrLst/>
+    <dgm:txFillClrLst meth="repeat">
+      <a:schemeClr val="dk1"/>
+    </dgm:txFillClrLst>
+    <dgm:txEffectClrLst/>
+  </dgm:styleLbl>
+  <dgm:styleLbl name="alignAcc1">
+    <dgm:fillClrLst meth="repeat">
+      <a:schemeClr val="lt1">
+        <a:alpha val="90000"/>
+      </a:schemeClr>
+    </dgm:fillClrLst>
+    <dgm:linClrLst meth="repeat">
+      <a:schemeClr val="accent1"/>
+    </dgm:linClrLst>
+    <dgm:effectClrLst/>
+    <dgm:txLinClrLst/>
+    <dgm:txFillClrLst meth="repeat">
+      <a:schemeClr val="dk1"/>
+    </dgm:txFillClrLst>
+    <dgm:txEffectClrLst/>
+  </dgm:styleLbl>
+  <dgm:styleLbl name="trAlignAcc1">
+    <dgm:fillClrLst meth="repeat">
+      <a:schemeClr val="lt1">
+        <a:alpha val="40000"/>
+      </a:schemeClr>
+    </dgm:fillClrLst>
+    <dgm:linClrLst meth="repeat">
+      <a:schemeClr val="accent1"/>
+    </dgm:linClrLst>
+    <dgm:effectClrLst/>
+    <dgm:txLinClrLst/>
+    <dgm:txFillClrLst meth="repeat">
+      <a:schemeClr val="dk1"/>
+    </dgm:txFillClrLst>
+    <dgm:txEffectClrLst/>
+  </dgm:styleLbl>
+  <dgm:styleLbl name="bgAcc1">
+    <dgm:fillClrLst meth="repeat">
+      <a:schemeClr val="lt1">
+        <a:alpha val="90000"/>
+      </a:schemeClr>
+    </dgm:fillClrLst>
+    <dgm:linClrLst meth="repeat">
+      <a:schemeClr val="accent1"/>
+    </dgm:linClrLst>
+    <dgm:effectClrLst/>
+    <dgm:txLinClrLst/>
+    <dgm:txFillClrLst meth="repeat">
+      <a:schemeClr val="dk1"/>
+    </dgm:txFillClrLst>
+    <dgm:txEffectClrLst/>
+  </dgm:styleLbl>
+  <dgm:styleLbl name="solidFgAcc1">
+    <dgm:fillClrLst meth="repeat">
+      <a:schemeClr val="lt1"/>
+    </dgm:fillClrLst>
+    <dgm:linClrLst meth="repeat">
+      <a:schemeClr val="accent1"/>
+    </dgm:linClrLst>
+    <dgm:effectClrLst/>
+    <dgm:txLinClrLst/>
+    <dgm:txFillClrLst meth="repeat">
+      <a:schemeClr val="dk1"/>
+    </dgm:txFillClrLst>
+    <dgm:txEffectClrLst/>
+  </dgm:styleLbl>
+  <dgm:styleLbl name="solidAlignAcc1">
+    <dgm:fillClrLst meth="repeat">
+      <a:schemeClr val="lt1"/>
+    </dgm:fillClrLst>
+    <dgm:linClrLst meth="repeat">
+      <a:schemeClr val="accent1"/>
+    </dgm:linClrLst>
+    <dgm:effectClrLst/>
+    <dgm:txLinClrLst/>
+    <dgm:txFillClrLst meth="repeat">
+      <a:schemeClr val="dk1"/>
+    </dgm:txFillClrLst>
+    <dgm:txEffectClrLst/>
+  </dgm:styleLbl>
+  <dgm:styleLbl name="solidBgAcc1">
+    <dgm:fillClrLst meth="repeat">
+      <a:schemeClr val="lt1"/>
+    </dgm:fillClrLst>
+    <dgm:linClrLst meth="repeat">
+      <a:schemeClr val="accent1"/>
+    </dgm:linClrLst>
+    <dgm:effectClrLst/>
+    <dgm:txLinClrLst/>
+    <dgm:txFillClrLst meth="repeat">
+      <a:schemeClr val="dk1"/>
+    </dgm:txFillClrLst>
+    <dgm:txEffectClrLst/>
+  </dgm:styleLbl>
+  <dgm:styleLbl name="fgAccFollowNode1">
+    <dgm:fillClrLst meth="repeat">
+      <a:schemeClr val="accent1">
+        <a:alpha val="90000"/>
+        <a:tint val="40000"/>
+      </a:schemeClr>
+    </dgm:fillClrLst>
+    <dgm:linClrLst meth="repeat">
+      <a:schemeClr val="accent1">
+        <a:alpha val="90000"/>
+        <a:tint val="40000"/>
+      </a:schemeClr>
+    </dgm:linClrLst>
+    <dgm:effectClrLst/>
+    <dgm:txLinClrLst/>
+    <dgm:txFillClrLst meth="repeat">
+      <a:schemeClr val="dk1"/>
+    </dgm:txFillClrLst>
+    <dgm:txEffectClrLst/>
+  </dgm:styleLbl>
+  <dgm:styleLbl name="alignAccFollowNode1">
+    <dgm:fillClrLst meth="repeat">
+      <a:schemeClr val="accent1">
+        <a:alpha val="90000"/>
+        <a:tint val="40000"/>
+      </a:schemeClr>
+    </dgm:fillClrLst>
+    <dgm:linClrLst meth="repeat">
+      <a:schemeClr val="accent1">
+        <a:alpha val="90000"/>
+        <a:tint val="40000"/>
+      </a:schemeClr>
+    </dgm:linClrLst>
+    <dgm:effectClrLst/>
+    <dgm:txLinClrLst/>
+    <dgm:txFillClrLst meth="repeat">
+      <a:schemeClr val="dk1"/>
+    </dgm:txFillClrLst>
+    <dgm:txEffectClrLst/>
+  </dgm:styleLbl>
+  <dgm:styleLbl name="bgAccFollowNode1">
+    <dgm:fillClrLst meth="repeat">
+      <a:schemeClr val="accent1">
+        <a:alpha val="90000"/>
+        <a:tint val="40000"/>
+      </a:schemeClr>
+    </dgm:fillClrLst>
+    <dgm:linClrLst meth="repeat">
+      <a:schemeClr val="accent1">
+        <a:alpha val="90000"/>
+        <a:tint val="40000"/>
+      </a:schemeClr>
+    </dgm:linClrLst>
+    <dgm:effectClrLst/>
+    <dgm:txLinClrLst/>
+    <dgm:txFillClrLst meth="repeat">
+      <a:schemeClr val="dk1"/>
+    </dgm:txFillClrLst>
+    <dgm:txEffectClrLst/>
+  </dgm:styleLbl>
+  <dgm:styleLbl name="fgAcc0">
+    <dgm:fillClrLst meth="repeat">
+      <a:schemeClr val="lt1">
+        <a:alpha val="90000"/>
+      </a:schemeClr>
+    </dgm:fillClrLst>
+    <dgm:linClrLst meth="repeat">
+      <a:schemeClr val="accent1"/>
+    </dgm:linClrLst>
+    <dgm:effectClrLst/>
+    <dgm:txLinClrLst/>
+    <dgm:txFillClrLst meth="repeat">
+      <a:schemeClr val="dk1"/>
+    </dgm:txFillClrLst>
+    <dgm:txEffectClrLst/>
+  </dgm:styleLbl>
+  <dgm:styleLbl name="fgAcc2">
+    <dgm:fillClrLst meth="repeat">
+      <a:schemeClr val="lt1">
+        <a:alpha val="90000"/>
+      </a:schemeClr>
+    </dgm:fillClrLst>
+    <dgm:linClrLst meth="repeat">
+      <a:schemeClr val="accent1"/>
+    </dgm:linClrLst>
+    <dgm:effectClrLst/>
+    <dgm:txLinClrLst/>
+    <dgm:txFillClrLst meth="repeat">
+      <a:schemeClr val="dk1"/>
+    </dgm:txFillClrLst>
+    <dgm:txEffectClrLst/>
+  </dgm:styleLbl>
+  <dgm:styleLbl name="fgAcc3">
+    <dgm:fillClrLst meth="repeat">
+      <a:schemeClr val="lt1">
+        <a:alpha val="90000"/>
+      </a:schemeClr>
+    </dgm:fillClrLst>
+    <dgm:linClrLst meth="repeat">
+      <a:schemeClr val="accent1"/>
+    </dgm:linClrLst>
+    <dgm:effectClrLst/>
+    <dgm:txLinClrLst/>
+    <dgm:txFillClrLst meth="repeat">
+      <a:schemeClr val="dk1"/>
+    </dgm:txFillClrLst>
+    <dgm:txEffectClrLst/>
+  </dgm:styleLbl>
+  <dgm:styleLbl name="fgAcc4">
+    <dgm:fillClrLst meth="repeat">
+      <a:schemeClr val="lt1">
+        <a:alpha val="90000"/>
+      </a:schemeClr>
+    </dgm:fillClrLst>
+    <dgm:linClrLst meth="repeat">
+      <a:schemeClr val="accent1"/>
+    </dgm:linClrLst>
+    <dgm:effectClrLst/>
+    <dgm:txLinClrLst/>
+    <dgm:txFillClrLst meth="repeat">
+      <a:schemeClr val="dk1"/>
+    </dgm:txFillClrLst>
+    <dgm:txEffectClrLst/>
+  </dgm:styleLbl>
+  <dgm:styleLbl name="bgShp">
+    <dgm:fillClrLst meth="repeat">
+      <a:schemeClr val="accent1">
+        <a:tint val="40000"/>
+      </a:schemeClr>
+    </dgm:fillClrLst>
+    <dgm:linClrLst meth="repeat">
+      <a:schemeClr val="accent1"/>
+    </dgm:linClrLst>
+    <dgm:effectClrLst/>
+    <dgm:txLinClrLst/>
+    <dgm:txFillClrLst meth="repeat">
+      <a:schemeClr val="dk1"/>
+    </dgm:txFillClrLst>
+    <dgm:txEffectClrLst/>
+  </dgm:styleLbl>
+  <dgm:styleLbl name="dkBgShp">
+    <dgm:fillClrLst meth="repeat">
+      <a:schemeClr val="accent1">
+        <a:shade val="80000"/>
+      </a:schemeClr>
+    </dgm:fillClrLst>
+    <dgm:linClrLst meth="repeat">
+      <a:schemeClr val="accent1"/>
+    </dgm:linClrLst>
+    <dgm:effectClrLst/>
+    <dgm:txLinClrLst/>
+    <dgm:txFillClrLst meth="repeat">
+      <a:schemeClr val="lt1"/>
+    </dgm:txFillClrLst>
+    <dgm:txEffectClrLst/>
+  </dgm:styleLbl>
+  <dgm:styleLbl name="trBgShp">
+    <dgm:fillClrLst meth="repeat">
+      <a:schemeClr val="accent1">
+        <a:tint val="50000"/>
+        <a:alpha val="40000"/>
+      </a:schemeClr>
+    </dgm:fillClrLst>
+    <dgm:linClrLst meth="repeat">
+      <a:schemeClr val="accent1"/>
+    </dgm:linClrLst>
+    <dgm:effectClrLst/>
+    <dgm:txLinClrLst/>
+    <dgm:txFillClrLst meth="repeat">
+      <a:schemeClr val="lt1"/>
+    </dgm:txFillClrLst>
+    <dgm:txEffectClrLst/>
+  </dgm:styleLbl>
+  <dgm:styleLbl name="fgShp">
+    <dgm:fillClrLst meth="repeat">
+      <a:schemeClr val="accent1">
+        <a:tint val="60000"/>
+      </a:schemeClr>
+    </dgm:fillClrLst>
+    <dgm:linClrLst meth="repeat">
+      <a:schemeClr val="lt1"/>
+    </dgm:linClrLst>
+    <dgm:effectClrLst/>
+    <dgm:txLinClrLst/>
+    <dgm:txFillClrLst meth="repeat">
+      <a:schemeClr val="dk1"/>
+    </dgm:txFillClrLst>
+    <dgm:txEffectClrLst/>
+  </dgm:styleLbl>
+  <dgm:styleLbl name="revTx">
+    <dgm:fillClrLst meth="repeat">
+      <a:schemeClr val="lt1">
+        <a:alpha val="0"/>
+      </a:schemeClr>
+    </dgm:fillClrLst>
+    <dgm:linClrLst meth="repeat">
+      <a:schemeClr val="dk1">
+        <a:alpha val="0"/>
+      </a:schemeClr>
+    </dgm:linClrLst>
+    <dgm:effectClrLst/>
+    <dgm:txLinClrLst/>
+    <dgm:txFillClrLst meth="repeat">
+      <a:schemeClr val="tx1"/>
+    </dgm:txFillClrLst>
+    <dgm:txEffectClrLst/>
+  </dgm:styleLbl>
+</dgm:colorsDef>
+</file>
+
+<file path=ppt/diagrams/data1.xml><?xml version="1.0" encoding="utf-8"?>
+<dgm:dataModel xmlns:dgm="http://schemas.openxmlformats.org/drawingml/2006/diagram" xmlns:a="http://schemas.openxmlformats.org/drawingml/2006/main">
+  <dgm:ptLst>
+    <dgm:pt modelId="{B2B51D9A-E201-45BD-B8B5-0912901D93DD}" type="doc">
+      <dgm:prSet loTypeId="urn:microsoft.com/office/officeart/2005/8/layout/chevron1" loCatId="process" qsTypeId="urn:microsoft.com/office/officeart/2005/8/quickstyle/3d4" qsCatId="3D" csTypeId="urn:microsoft.com/office/officeart/2005/8/colors/accent1_2" csCatId="accent1" phldr="1"/>
+      <dgm:spPr/>
+    </dgm:pt>
+    <dgm:pt modelId="{9B095345-257A-45DB-B713-FD9F29C8734D}">
+      <dgm:prSet phldrT="[Text]"/>
+      <dgm:spPr/>
+      <dgm:t>
+        <a:bodyPr/>
+        <a:lstStyle/>
+        <a:p>
+          <a:r>
+            <a:rPr lang="en-US" dirty="0"/>
+            <a:t>Recommend Study Program Process</a:t>
+          </a:r>
+          <a:endParaRPr lang="LID4096" dirty="0"/>
+        </a:p>
+      </dgm:t>
+    </dgm:pt>
+    <dgm:pt modelId="{2A8C210C-4CAF-464B-9E6A-6CCBFD69FE7A}" type="parTrans" cxnId="{D949FFC4-1A80-4737-BBB6-A3DADCAA6234}">
+      <dgm:prSet/>
+      <dgm:spPr/>
+      <dgm:t>
+        <a:bodyPr/>
+        <a:lstStyle/>
+        <a:p>
+          <a:endParaRPr lang="LID4096"/>
+        </a:p>
+      </dgm:t>
+    </dgm:pt>
+    <dgm:pt modelId="{C01FDE5A-C2D9-485A-96BD-4B0EDF45C156}" type="sibTrans" cxnId="{D949FFC4-1A80-4737-BBB6-A3DADCAA6234}">
+      <dgm:prSet/>
+      <dgm:spPr/>
+      <dgm:t>
+        <a:bodyPr/>
+        <a:lstStyle/>
+        <a:p>
+          <a:endParaRPr lang="LID4096"/>
+        </a:p>
+      </dgm:t>
+    </dgm:pt>
+    <dgm:pt modelId="{D93153D8-B41B-4AAF-ADC3-3D699502B870}">
+      <dgm:prSet phldrT="[Text]"/>
+      <dgm:spPr/>
+      <dgm:t>
+        <a:bodyPr/>
+        <a:lstStyle/>
+        <a:p>
+          <a:r>
+            <a:rPr lang="en-US" dirty="0"/>
+            <a:t>Program Registration Process</a:t>
+          </a:r>
+          <a:endParaRPr lang="LID4096" dirty="0"/>
+        </a:p>
+      </dgm:t>
+    </dgm:pt>
+    <dgm:pt modelId="{E8B1F47E-0088-4C48-BC93-5089A2DFEA76}" type="parTrans" cxnId="{92893945-534F-40D2-988A-70C0508AE1B9}">
+      <dgm:prSet/>
+      <dgm:spPr/>
+      <dgm:t>
+        <a:bodyPr/>
+        <a:lstStyle/>
+        <a:p>
+          <a:endParaRPr lang="LID4096"/>
+        </a:p>
+      </dgm:t>
+    </dgm:pt>
+    <dgm:pt modelId="{DA0B21E8-B0C8-46FA-A4B0-03340F9A6AA3}" type="sibTrans" cxnId="{92893945-534F-40D2-988A-70C0508AE1B9}">
+      <dgm:prSet/>
+      <dgm:spPr/>
+      <dgm:t>
+        <a:bodyPr/>
+        <a:lstStyle/>
+        <a:p>
+          <a:endParaRPr lang="LID4096"/>
+        </a:p>
+      </dgm:t>
+    </dgm:pt>
+    <dgm:pt modelId="{ED218EE2-9C67-4AE7-BD3D-A8A02426D689}" type="pres">
+      <dgm:prSet presAssocID="{B2B51D9A-E201-45BD-B8B5-0912901D93DD}" presName="Name0" presStyleCnt="0">
+        <dgm:presLayoutVars>
+          <dgm:dir/>
+          <dgm:animLvl val="lvl"/>
+          <dgm:resizeHandles val="exact"/>
+        </dgm:presLayoutVars>
+      </dgm:prSet>
+      <dgm:spPr/>
+    </dgm:pt>
+    <dgm:pt modelId="{045B4E2E-4223-4F91-B672-6FA6C620EEB0}" type="pres">
+      <dgm:prSet presAssocID="{9B095345-257A-45DB-B713-FD9F29C8734D}" presName="parTxOnly" presStyleLbl="node1" presStyleIdx="0" presStyleCnt="2">
+        <dgm:presLayoutVars>
+          <dgm:chMax val="0"/>
+          <dgm:chPref val="0"/>
+          <dgm:bulletEnabled val="1"/>
+        </dgm:presLayoutVars>
+      </dgm:prSet>
+      <dgm:spPr/>
+    </dgm:pt>
+    <dgm:pt modelId="{2C20E1FF-121E-491A-8511-339046DFFF4C}" type="pres">
+      <dgm:prSet presAssocID="{C01FDE5A-C2D9-485A-96BD-4B0EDF45C156}" presName="parTxOnlySpace" presStyleCnt="0"/>
+      <dgm:spPr/>
+    </dgm:pt>
+    <dgm:pt modelId="{E94EF64B-4108-4540-9E8D-25DA81B35EC1}" type="pres">
+      <dgm:prSet presAssocID="{D93153D8-B41B-4AAF-ADC3-3D699502B870}" presName="parTxOnly" presStyleLbl="node1" presStyleIdx="1" presStyleCnt="2">
+        <dgm:presLayoutVars>
+          <dgm:chMax val="0"/>
+          <dgm:chPref val="0"/>
+          <dgm:bulletEnabled val="1"/>
+        </dgm:presLayoutVars>
+      </dgm:prSet>
+      <dgm:spPr/>
+    </dgm:pt>
+  </dgm:ptLst>
+  <dgm:cxnLst>
+    <dgm:cxn modelId="{92893945-534F-40D2-988A-70C0508AE1B9}" srcId="{B2B51D9A-E201-45BD-B8B5-0912901D93DD}" destId="{D93153D8-B41B-4AAF-ADC3-3D699502B870}" srcOrd="1" destOrd="0" parTransId="{E8B1F47E-0088-4C48-BC93-5089A2DFEA76}" sibTransId="{DA0B21E8-B0C8-46FA-A4B0-03340F9A6AA3}"/>
+    <dgm:cxn modelId="{B3FDC1C4-AA83-4F82-ACDD-048202094F41}" type="presOf" srcId="{B2B51D9A-E201-45BD-B8B5-0912901D93DD}" destId="{ED218EE2-9C67-4AE7-BD3D-A8A02426D689}" srcOrd="0" destOrd="0" presId="urn:microsoft.com/office/officeart/2005/8/layout/chevron1"/>
+    <dgm:cxn modelId="{D949FFC4-1A80-4737-BBB6-A3DADCAA6234}" srcId="{B2B51D9A-E201-45BD-B8B5-0912901D93DD}" destId="{9B095345-257A-45DB-B713-FD9F29C8734D}" srcOrd="0" destOrd="0" parTransId="{2A8C210C-4CAF-464B-9E6A-6CCBFD69FE7A}" sibTransId="{C01FDE5A-C2D9-485A-96BD-4B0EDF45C156}"/>
+    <dgm:cxn modelId="{F733CCEE-4DB9-4603-A69B-3F12470EB06F}" type="presOf" srcId="{D93153D8-B41B-4AAF-ADC3-3D699502B870}" destId="{E94EF64B-4108-4540-9E8D-25DA81B35EC1}" srcOrd="0" destOrd="0" presId="urn:microsoft.com/office/officeart/2005/8/layout/chevron1"/>
+    <dgm:cxn modelId="{562E86EF-9D66-46EA-8F7D-547CB8F1DAA4}" type="presOf" srcId="{9B095345-257A-45DB-B713-FD9F29C8734D}" destId="{045B4E2E-4223-4F91-B672-6FA6C620EEB0}" srcOrd="0" destOrd="0" presId="urn:microsoft.com/office/officeart/2005/8/layout/chevron1"/>
+    <dgm:cxn modelId="{CDCEF9FF-71F8-4A57-8476-E556322DC1E7}" type="presParOf" srcId="{ED218EE2-9C67-4AE7-BD3D-A8A02426D689}" destId="{045B4E2E-4223-4F91-B672-6FA6C620EEB0}" srcOrd="0" destOrd="0" presId="urn:microsoft.com/office/officeart/2005/8/layout/chevron1"/>
+    <dgm:cxn modelId="{B9906E16-9F86-42BB-9064-6DD6BCC537B3}" type="presParOf" srcId="{ED218EE2-9C67-4AE7-BD3D-A8A02426D689}" destId="{2C20E1FF-121E-491A-8511-339046DFFF4C}" srcOrd="1" destOrd="0" presId="urn:microsoft.com/office/officeart/2005/8/layout/chevron1"/>
+    <dgm:cxn modelId="{7118BCD7-6843-4C91-8706-B34A24D90216}" type="presParOf" srcId="{ED218EE2-9C67-4AE7-BD3D-A8A02426D689}" destId="{E94EF64B-4108-4540-9E8D-25DA81B35EC1}" srcOrd="2" destOrd="0" presId="urn:microsoft.com/office/officeart/2005/8/layout/chevron1"/>
+  </dgm:cxnLst>
+  <dgm:bg/>
+  <dgm:whole/>
+  <dgm:extLst>
+    <a:ext uri="http://schemas.microsoft.com/office/drawing/2008/diagram">
+      <dsp:dataModelExt xmlns:dsp="http://schemas.microsoft.com/office/drawing/2008/diagram" relId="rId6" minVer="http://schemas.openxmlformats.org/drawingml/2006/diagram"/>
+    </a:ext>
+    <a:ext uri="{C62137D5-CB1D-491B-B009-E17868A290BF}">
+      <dgm14:recolorImg xmlns:dgm14="http://schemas.microsoft.com/office/drawing/2010/diagram" val="1"/>
+    </a:ext>
+  </dgm:extLst>
+</dgm:dataModel>
+</file>
+
+<file path=ppt/diagrams/data2.xml><?xml version="1.0" encoding="utf-8"?>
+<dgm:dataModel xmlns:dgm="http://schemas.openxmlformats.org/drawingml/2006/diagram" xmlns:a="http://schemas.openxmlformats.org/drawingml/2006/main">
+  <dgm:ptLst>
+    <dgm:pt modelId="{BAF02B1E-9A4B-4CD4-88EE-D4873E9AF27E}" type="doc">
+      <dgm:prSet loTypeId="urn:microsoft.com/office/officeart/2005/8/layout/chevron1" loCatId="process" qsTypeId="urn:microsoft.com/office/officeart/2005/8/quickstyle/simple1" qsCatId="simple" csTypeId="urn:microsoft.com/office/officeart/2005/8/colors/accent1_2" csCatId="accent1" phldr="1"/>
+      <dgm:spPr/>
+    </dgm:pt>
+    <dgm:pt modelId="{FA6EA9F0-F643-4F75-87CA-550E08FBED58}">
+      <dgm:prSet phldrT="[Text]"/>
+      <dgm:spPr/>
+      <dgm:t>
+        <a:bodyPr/>
+        <a:lstStyle/>
+        <a:p>
+          <a:r>
+            <a:rPr lang="en-GB" b="0" i="0" dirty="0"/>
+            <a:t>FHNW School of Business Onboarding Process</a:t>
+          </a:r>
+          <a:endParaRPr lang="LID4096" dirty="0"/>
+        </a:p>
+      </dgm:t>
+    </dgm:pt>
+    <dgm:pt modelId="{10A5FFBF-5F80-477E-939C-E82DA78478D5}" type="parTrans" cxnId="{7AA5BFB2-15C0-4CE1-858C-E3050854DAB5}">
+      <dgm:prSet/>
+      <dgm:spPr/>
+      <dgm:t>
+        <a:bodyPr/>
+        <a:lstStyle/>
+        <a:p>
+          <a:endParaRPr lang="LID4096"/>
+        </a:p>
+      </dgm:t>
+    </dgm:pt>
+    <dgm:pt modelId="{30404DE5-1EED-4DB1-906F-2FB04B732DC4}" type="sibTrans" cxnId="{7AA5BFB2-15C0-4CE1-858C-E3050854DAB5}">
+      <dgm:prSet/>
+      <dgm:spPr/>
+      <dgm:t>
+        <a:bodyPr/>
+        <a:lstStyle/>
+        <a:p>
+          <a:endParaRPr lang="LID4096"/>
+        </a:p>
+      </dgm:t>
+    </dgm:pt>
+    <dgm:pt modelId="{028B8E01-A26A-4608-AFF6-C8DB4494FDEE}" type="pres">
+      <dgm:prSet presAssocID="{BAF02B1E-9A4B-4CD4-88EE-D4873E9AF27E}" presName="Name0" presStyleCnt="0">
+        <dgm:presLayoutVars>
+          <dgm:dir/>
+          <dgm:animLvl val="lvl"/>
+          <dgm:resizeHandles val="exact"/>
+        </dgm:presLayoutVars>
+      </dgm:prSet>
+      <dgm:spPr/>
+    </dgm:pt>
+    <dgm:pt modelId="{8E60F329-061C-44C6-A449-D1A68BFD8885}" type="pres">
+      <dgm:prSet presAssocID="{FA6EA9F0-F643-4F75-87CA-550E08FBED58}" presName="parTxOnly" presStyleLbl="node1" presStyleIdx="0" presStyleCnt="1" custLinFactNeighborX="-1171" custLinFactNeighborY="2451">
+        <dgm:presLayoutVars>
+          <dgm:chMax val="0"/>
+          <dgm:chPref val="0"/>
+          <dgm:bulletEnabled val="1"/>
+        </dgm:presLayoutVars>
+      </dgm:prSet>
+      <dgm:spPr/>
+    </dgm:pt>
+  </dgm:ptLst>
+  <dgm:cxnLst>
+    <dgm:cxn modelId="{09C11800-1120-42FE-8967-F9344A66D7CE}" type="presOf" srcId="{BAF02B1E-9A4B-4CD4-88EE-D4873E9AF27E}" destId="{028B8E01-A26A-4608-AFF6-C8DB4494FDEE}" srcOrd="0" destOrd="0" presId="urn:microsoft.com/office/officeart/2005/8/layout/chevron1"/>
+    <dgm:cxn modelId="{9C317760-2A32-4EE6-BACB-1F2A2BE78862}" type="presOf" srcId="{FA6EA9F0-F643-4F75-87CA-550E08FBED58}" destId="{8E60F329-061C-44C6-A449-D1A68BFD8885}" srcOrd="0" destOrd="0" presId="urn:microsoft.com/office/officeart/2005/8/layout/chevron1"/>
+    <dgm:cxn modelId="{7AA5BFB2-15C0-4CE1-858C-E3050854DAB5}" srcId="{BAF02B1E-9A4B-4CD4-88EE-D4873E9AF27E}" destId="{FA6EA9F0-F643-4F75-87CA-550E08FBED58}" srcOrd="0" destOrd="0" parTransId="{10A5FFBF-5F80-477E-939C-E82DA78478D5}" sibTransId="{30404DE5-1EED-4DB1-906F-2FB04B732DC4}"/>
+    <dgm:cxn modelId="{82B6F3D1-4033-4779-9F66-3B437FCE31B4}" type="presParOf" srcId="{028B8E01-A26A-4608-AFF6-C8DB4494FDEE}" destId="{8E60F329-061C-44C6-A449-D1A68BFD8885}" srcOrd="0" destOrd="0" presId="urn:microsoft.com/office/officeart/2005/8/layout/chevron1"/>
+  </dgm:cxnLst>
+  <dgm:bg/>
+  <dgm:whole/>
+  <dgm:extLst>
+    <a:ext uri="http://schemas.microsoft.com/office/drawing/2008/diagram">
+      <dsp:dataModelExt xmlns:dsp="http://schemas.microsoft.com/office/drawing/2008/diagram" relId="rId11" minVer="http://schemas.openxmlformats.org/drawingml/2006/diagram"/>
+    </a:ext>
+  </dgm:extLst>
+</dgm:dataModel>
+</file>
+
+<file path=ppt/diagrams/drawing1.xml><?xml version="1.0" encoding="utf-8"?>
+<dsp:drawing xmlns:dgm="http://schemas.openxmlformats.org/drawingml/2006/diagram" xmlns:dsp="http://schemas.microsoft.com/office/drawing/2008/diagram" xmlns:a="http://schemas.openxmlformats.org/drawingml/2006/main">
+  <dsp:spTree>
+    <dsp:nvGrpSpPr>
+      <dsp:cNvPr id="0" name=""/>
+      <dsp:cNvGrpSpPr/>
+    </dsp:nvGrpSpPr>
+    <dsp:grpSpPr/>
+    <dsp:sp modelId="{045B4E2E-4223-4F91-B672-6FA6C620EEB0}">
+      <dsp:nvSpPr>
+        <dsp:cNvPr id="0" name=""/>
+        <dsp:cNvSpPr/>
+      </dsp:nvSpPr>
+      <dsp:spPr>
+        <a:xfrm>
+          <a:off x="5078" y="1316173"/>
+          <a:ext cx="3035591" cy="1214236"/>
+        </a:xfrm>
+        <a:prstGeom prst="chevron">
+          <a:avLst/>
+        </a:prstGeom>
+        <a:solidFill>
+          <a:schemeClr val="accent1">
+            <a:hueOff val="0"/>
+            <a:satOff val="0"/>
+            <a:lumOff val="0"/>
+            <a:alphaOff val="0"/>
+          </a:schemeClr>
+        </a:solidFill>
+        <a:ln>
+          <a:noFill/>
+        </a:ln>
+        <a:effectLst/>
+        <a:scene3d>
+          <a:camera prst="orthographicFront"/>
+          <a:lightRig rig="chilly" dir="t"/>
+        </a:scene3d>
+        <a:sp3d prstMaterial="translucentPowder">
+          <a:bevelT w="127000" h="25400" prst="softRound"/>
+        </a:sp3d>
+      </dsp:spPr>
+      <dsp:style>
+        <a:lnRef idx="0">
+          <a:scrgbClr r="0" g="0" b="0"/>
+        </a:lnRef>
+        <a:fillRef idx="1">
+          <a:scrgbClr r="0" g="0" b="0"/>
+        </a:fillRef>
+        <a:effectRef idx="0">
+          <a:scrgbClr r="0" g="0" b="0"/>
+        </a:effectRef>
+        <a:fontRef idx="minor">
+          <a:schemeClr val="lt1"/>
+        </a:fontRef>
+      </dsp:style>
+      <dsp:txBody>
+        <a:bodyPr spcFirstLastPara="0" vert="horz" wrap="square" lIns="80010" tIns="26670" rIns="26670" bIns="26670" numCol="1" spcCol="1270" anchor="ctr" anchorCtr="0">
+          <a:noAutofit/>
+        </a:bodyPr>
+        <a:lstStyle/>
+        <a:p>
+          <a:pPr marL="0" lvl="0" indent="0" algn="ctr" defTabSz="889000">
+            <a:lnSpc>
+              <a:spcPct val="90000"/>
+            </a:lnSpc>
+            <a:spcBef>
+              <a:spcPct val="0"/>
+            </a:spcBef>
+            <a:spcAft>
+              <a:spcPct val="35000"/>
+            </a:spcAft>
+            <a:buNone/>
+          </a:pPr>
+          <a:r>
+            <a:rPr lang="en-US" sz="2000" kern="1200" dirty="0"/>
+            <a:t>Recommend Study Program Process</a:t>
+          </a:r>
+          <a:endParaRPr lang="LID4096" sz="2000" kern="1200" dirty="0"/>
+        </a:p>
+      </dsp:txBody>
+      <dsp:txXfrm>
+        <a:off x="612196" y="1316173"/>
+        <a:ext cx="1821355" cy="1214236"/>
+      </dsp:txXfrm>
+    </dsp:sp>
+    <dsp:sp modelId="{E94EF64B-4108-4540-9E8D-25DA81B35EC1}">
+      <dsp:nvSpPr>
+        <dsp:cNvPr id="0" name=""/>
+        <dsp:cNvSpPr/>
+      </dsp:nvSpPr>
+      <dsp:spPr>
+        <a:xfrm>
+          <a:off x="2737110" y="1316173"/>
+          <a:ext cx="3035591" cy="1214236"/>
+        </a:xfrm>
+        <a:prstGeom prst="chevron">
+          <a:avLst/>
+        </a:prstGeom>
+        <a:solidFill>
+          <a:schemeClr val="accent1">
+            <a:hueOff val="0"/>
+            <a:satOff val="0"/>
+            <a:lumOff val="0"/>
+            <a:alphaOff val="0"/>
+          </a:schemeClr>
+        </a:solidFill>
+        <a:ln>
+          <a:noFill/>
+        </a:ln>
+        <a:effectLst/>
+        <a:scene3d>
+          <a:camera prst="orthographicFront"/>
+          <a:lightRig rig="chilly" dir="t"/>
+        </a:scene3d>
+        <a:sp3d prstMaterial="translucentPowder">
+          <a:bevelT w="127000" h="25400" prst="softRound"/>
+        </a:sp3d>
+      </dsp:spPr>
+      <dsp:style>
+        <a:lnRef idx="0">
+          <a:scrgbClr r="0" g="0" b="0"/>
+        </a:lnRef>
+        <a:fillRef idx="1">
+          <a:scrgbClr r="0" g="0" b="0"/>
+        </a:fillRef>
+        <a:effectRef idx="0">
+          <a:scrgbClr r="0" g="0" b="0"/>
+        </a:effectRef>
+        <a:fontRef idx="minor">
+          <a:schemeClr val="lt1"/>
+        </a:fontRef>
+      </dsp:style>
+      <dsp:txBody>
+        <a:bodyPr spcFirstLastPara="0" vert="horz" wrap="square" lIns="80010" tIns="26670" rIns="26670" bIns="26670" numCol="1" spcCol="1270" anchor="ctr" anchorCtr="0">
+          <a:noAutofit/>
+        </a:bodyPr>
+        <a:lstStyle/>
+        <a:p>
+          <a:pPr marL="0" lvl="0" indent="0" algn="ctr" defTabSz="889000">
+            <a:lnSpc>
+              <a:spcPct val="90000"/>
+            </a:lnSpc>
+            <a:spcBef>
+              <a:spcPct val="0"/>
+            </a:spcBef>
+            <a:spcAft>
+              <a:spcPct val="35000"/>
+            </a:spcAft>
+            <a:buNone/>
+          </a:pPr>
+          <a:r>
+            <a:rPr lang="en-US" sz="2000" kern="1200" dirty="0"/>
+            <a:t>Program Registration Process</a:t>
+          </a:r>
+          <a:endParaRPr lang="LID4096" sz="2000" kern="1200" dirty="0"/>
+        </a:p>
+      </dsp:txBody>
+      <dsp:txXfrm>
+        <a:off x="3344228" y="1316173"/>
+        <a:ext cx="1821355" cy="1214236"/>
+      </dsp:txXfrm>
+    </dsp:sp>
+  </dsp:spTree>
+</dsp:drawing>
+</file>
+
+<file path=ppt/diagrams/drawing2.xml><?xml version="1.0" encoding="utf-8"?>
+<dsp:drawing xmlns:dgm="http://schemas.openxmlformats.org/drawingml/2006/diagram" xmlns:dsp="http://schemas.microsoft.com/office/drawing/2008/diagram" xmlns:a="http://schemas.openxmlformats.org/drawingml/2006/main">
+  <dsp:spTree>
+    <dsp:nvGrpSpPr>
+      <dsp:cNvPr id="0" name=""/>
+      <dsp:cNvGrpSpPr/>
+    </dsp:nvGrpSpPr>
+    <dsp:grpSpPr/>
+    <dsp:sp modelId="{8E60F329-061C-44C6-A449-D1A68BFD8885}">
+      <dsp:nvSpPr>
+        <dsp:cNvPr id="0" name=""/>
+        <dsp:cNvSpPr/>
+      </dsp:nvSpPr>
+      <dsp:spPr>
+        <a:xfrm>
+          <a:off x="0" y="0"/>
+          <a:ext cx="5772138" cy="1190446"/>
+        </a:xfrm>
+        <a:prstGeom prst="chevron">
+          <a:avLst/>
+        </a:prstGeom>
+        <a:solidFill>
+          <a:schemeClr val="accent1">
+            <a:hueOff val="0"/>
+            <a:satOff val="0"/>
+            <a:lumOff val="0"/>
+            <a:alphaOff val="0"/>
+          </a:schemeClr>
+        </a:solidFill>
+        <a:ln w="15875" cap="rnd" cmpd="sng" algn="ctr">
+          <a:solidFill>
+            <a:schemeClr val="lt1">
+              <a:hueOff val="0"/>
+              <a:satOff val="0"/>
+              <a:lumOff val="0"/>
+              <a:alphaOff val="0"/>
+            </a:schemeClr>
+          </a:solidFill>
+          <a:prstDash val="solid"/>
+        </a:ln>
+        <a:effectLst/>
+      </dsp:spPr>
+      <dsp:style>
+        <a:lnRef idx="2">
+          <a:scrgbClr r="0" g="0" b="0"/>
+        </a:lnRef>
+        <a:fillRef idx="1">
+          <a:scrgbClr r="0" g="0" b="0"/>
+        </a:fillRef>
+        <a:effectRef idx="0">
+          <a:scrgbClr r="0" g="0" b="0"/>
+        </a:effectRef>
+        <a:fontRef idx="minor">
+          <a:schemeClr val="lt1"/>
+        </a:fontRef>
+      </dsp:style>
+      <dsp:txBody>
+        <a:bodyPr spcFirstLastPara="0" vert="horz" wrap="square" lIns="116015" tIns="38672" rIns="38672" bIns="38672" numCol="1" spcCol="1270" anchor="ctr" anchorCtr="0">
+          <a:noAutofit/>
+        </a:bodyPr>
+        <a:lstStyle/>
+        <a:p>
+          <a:pPr marL="0" lvl="0" indent="0" algn="ctr" defTabSz="1289050">
+            <a:lnSpc>
+              <a:spcPct val="90000"/>
+            </a:lnSpc>
+            <a:spcBef>
+              <a:spcPct val="0"/>
+            </a:spcBef>
+            <a:spcAft>
+              <a:spcPct val="35000"/>
+            </a:spcAft>
+            <a:buNone/>
+          </a:pPr>
+          <a:r>
+            <a:rPr lang="en-GB" sz="2900" b="0" i="0" kern="1200" dirty="0"/>
+            <a:t>FHNW School of Business Onboarding Process</a:t>
+          </a:r>
+          <a:endParaRPr lang="LID4096" sz="2900" kern="1200" dirty="0"/>
+        </a:p>
+      </dsp:txBody>
+      <dsp:txXfrm>
+        <a:off x="595223" y="0"/>
+        <a:ext cx="4581692" cy="1190446"/>
+      </dsp:txXfrm>
+    </dsp:sp>
+  </dsp:spTree>
+</dsp:drawing>
+</file>
+
+<file path=ppt/diagrams/layout1.xml><?xml version="1.0" encoding="utf-8"?>
+<dgm:layoutDef xmlns:dgm="http://schemas.openxmlformats.org/drawingml/2006/diagram" xmlns:a="http://schemas.openxmlformats.org/drawingml/2006/main" uniqueId="urn:microsoft.com/office/officeart/2005/8/layout/chevron1">
+  <dgm:title val=""/>
+  <dgm:desc val=""/>
+  <dgm:catLst>
+    <dgm:cat type="process" pri="9000"/>
+  </dgm:catLst>
+  <dgm:sampData useDef="1">
+    <dgm:dataModel>
+      <dgm:ptLst/>
+      <dgm:bg/>
+      <dgm:whole/>
+    </dgm:dataModel>
+  </dgm:sampData>
+  <dgm:styleData>
+    <dgm:dataModel>
+      <dgm:ptLst>
+        <dgm:pt modelId="0" type="doc"/>
+        <dgm:pt modelId="1"/>
+        <dgm:pt modelId="2"/>
+      </dgm:ptLst>
+      <dgm:cxnLst>
+        <dgm:cxn modelId="3" srcId="0" destId="1" srcOrd="0" destOrd="0"/>
+        <dgm:cxn modelId="4" srcId="0" destId="2" srcOrd="1" destOrd="0"/>
+      </dgm:cxnLst>
+      <dgm:bg/>
+      <dgm:whole/>
+    </dgm:dataModel>
+  </dgm:styleData>
+  <dgm:clrData>
+    <dgm:dataModel>
+      <dgm:ptLst>
+        <dgm:pt modelId="0" type="doc"/>
+        <dgm:pt modelId="1"/>
+        <dgm:pt modelId="2"/>
+        <dgm:pt modelId="3"/>
+        <dgm:pt modelId="4"/>
+      </dgm:ptLst>
+      <dgm:cxnLst>
+        <dgm:cxn modelId="5" srcId="0" destId="1" srcOrd="0" destOrd="0"/>
+        <dgm:cxn modelId="6" srcId="0" destId="2" srcOrd="1" destOrd="0"/>
+        <dgm:cxn modelId="7" srcId="0" destId="3" srcOrd="2" destOrd="0"/>
+        <dgm:cxn modelId="8" srcId="0" destId="4" srcOrd="3" destOrd="0"/>
+      </dgm:cxnLst>
+      <dgm:bg/>
+      <dgm:whole/>
+    </dgm:dataModel>
+  </dgm:clrData>
+  <dgm:layoutNode name="Name0">
+    <dgm:varLst>
+      <dgm:dir/>
+      <dgm:animLvl val="lvl"/>
+      <dgm:resizeHandles val="exact"/>
+    </dgm:varLst>
+    <dgm:choose name="Name1">
+      <dgm:if name="Name2" func="var" arg="dir" op="equ" val="norm">
+        <dgm:alg type="lin"/>
+      </dgm:if>
+      <dgm:else name="Name3">
+        <dgm:alg type="lin">
+          <dgm:param type="linDir" val="fromR"/>
+        </dgm:alg>
+      </dgm:else>
+    </dgm:choose>
+    <dgm:shape xmlns:r="http://schemas.openxmlformats.org/officeDocument/2006/relationships" r:blip="">
+      <dgm:adjLst/>
+    </dgm:shape>
+    <dgm:presOf/>
+    <dgm:choose name="Name4">
+      <dgm:if name="Name5" axis="des" func="maxDepth" op="gte" val="2">
+        <dgm:constrLst>
+          <dgm:constr type="h" for="ch" forName="composite" refType="h"/>
+          <dgm:constr type="w" for="ch" forName="composite" refType="w"/>
+          <dgm:constr type="w" for="des" forName="parTx"/>
+          <dgm:constr type="h" for="des" forName="parTx" op="equ"/>
+          <dgm:constr type="w" for="des" forName="desTx"/>
+          <dgm:constr type="h" for="des" forName="desTx" op="equ"/>
+          <dgm:constr type="primFontSz" for="des" forName="parTx" val="65"/>
+          <dgm:constr type="secFontSz" for="des" forName="desTx" refType="primFontSz" refFor="des" refForName="parTx" op="equ"/>
+          <dgm:constr type="h" for="des" forName="parTx" refType="primFontSz" refFor="des" refForName="parTx" fact="1.5"/>
+          <dgm:constr type="h" for="des" forName="desTx" refType="primFontSz" refFor="des" refForName="parTx" fact="0.5"/>
+          <dgm:constr type="w" for="ch" forName="space" op="equ" val="-6"/>
+        </dgm:constrLst>
+        <dgm:ruleLst>
+          <dgm:rule type="w" for="ch" forName="composite" val="0" fact="NaN" max="NaN"/>
+          <dgm:rule type="primFontSz" for="des" forName="parTx" val="5" fact="NaN" max="NaN"/>
+        </dgm:ruleLst>
+        <dgm:forEach name="Name6" axis="ch" ptType="node">
+          <dgm:layoutNode name="composite">
+            <dgm:alg type="composite"/>
+            <dgm:shape xmlns:r="http://schemas.openxmlformats.org/officeDocument/2006/relationships" r:blip="">
+              <dgm:adjLst/>
+            </dgm:shape>
+            <dgm:presOf/>
+            <dgm:choose name="Name7">
+              <dgm:if name="Name8" func="var" arg="dir" op="equ" val="norm">
+                <dgm:constrLst>
+                  <dgm:constr type="l" for="ch" forName="parTx"/>
+                  <dgm:constr type="w" for="ch" forName="parTx" refType="w"/>
+                  <dgm:constr type="t" for="ch" forName="parTx"/>
+                  <dgm:constr type="l" for="ch" forName="desTx"/>
+                  <dgm:constr type="w" for="ch" forName="desTx" refType="w" refFor="ch" refForName="parTx" fact="0.8"/>
+                  <dgm:constr type="t" for="ch" forName="desTx" refType="h" refFor="ch" refForName="parTx" fact="1.125"/>
+                </dgm:constrLst>
+              </dgm:if>
+              <dgm:else name="Name9">
+                <dgm:constrLst>
+                  <dgm:constr type="l" for="ch" forName="parTx"/>
+                  <dgm:constr type="w" for="ch" forName="parTx" refType="w"/>
+                  <dgm:constr type="t" for="ch" forName="parTx"/>
+                  <dgm:constr type="l" for="ch" forName="desTx" refType="w" fact="0.2"/>
+                  <dgm:constr type="w" for="ch" forName="desTx" refType="w" refFor="ch" refForName="parTx" fact="0.8"/>
+                  <dgm:constr type="t" for="ch" forName="desTx" refType="h" refFor="ch" refForName="parTx" fact="1.125"/>
+                </dgm:constrLst>
+              </dgm:else>
+            </dgm:choose>
+            <dgm:ruleLst>
+              <dgm:rule type="h" val="INF" fact="NaN" max="NaN"/>
+            </dgm:ruleLst>
+            <dgm:layoutNode name="parTx">
+              <dgm:varLst>
+                <dgm:chMax val="0"/>
+                <dgm:chPref val="0"/>
+                <dgm:bulletEnabled val="1"/>
+              </dgm:varLst>
+              <dgm:alg type="tx"/>
+              <dgm:choose name="Name10">
+                <dgm:if name="Name11" func="var" arg="dir" op="equ" val="norm">
+                  <dgm:shape xmlns:r="http://schemas.openxmlformats.org/officeDocument/2006/relationships" type="chevron" r:blip="">
+                    <dgm:adjLst/>
+                  </dgm:shape>
+                </dgm:if>
+                <dgm:else name="Name12">
+                  <dgm:shape xmlns:r="http://schemas.openxmlformats.org/officeDocument/2006/relationships" rot="180" type="chevron" r:blip="">
+                    <dgm:adjLst/>
+                  </dgm:shape>
+                </dgm:else>
+              </dgm:choose>
+              <dgm:presOf axis="self" ptType="node"/>
+              <dgm:choose name="Name13">
+                <dgm:if name="Name14" func="var" arg="dir" op="equ" val="norm">
+                  <dgm:constrLst>
+                    <dgm:constr type="h" refType="w" op="lte" fact="0.4"/>
+                    <dgm:constr type="h"/>
+                    <dgm:constr type="tMarg" refType="primFontSz" fact="0.105"/>
+                    <dgm:constr type="bMarg" refType="primFontSz" fact="0.105"/>
+                    <dgm:constr type="lMarg" refType="primFontSz" fact="0.315"/>
+                    <dgm:constr type="rMarg" refType="primFontSz" fact="0.105"/>
+                  </dgm:constrLst>
+                </dgm:if>
+                <dgm:else name="Name15">
+                  <dgm:constrLst>
+                    <dgm:constr type="h" refType="w" op="lte" fact="0.4"/>
+                    <dgm:constr type="h"/>
+                    <dgm:constr type="tMarg" refType="primFontSz" fact="0.105"/>
+                    <dgm:constr type="bMarg" refType="primFontSz" fact="0.105"/>
+                    <dgm:constr type="lMarg" refType="primFontSz" fact="0.105"/>
+                    <dgm:constr type="rMarg" refType="primFontSz" fact="0.315"/>
+                  </dgm:constrLst>
+                </dgm:else>
+              </dgm:choose>
+              <dgm:ruleLst>
+                <dgm:rule type="h" val="INF" fact="NaN" max="NaN"/>
+              </dgm:ruleLst>
+            </dgm:layoutNode>
+            <dgm:layoutNode name="desTx" styleLbl="revTx">
+              <dgm:varLst>
+                <dgm:bulletEnabled val="1"/>
+              </dgm:varLst>
+              <dgm:alg type="tx">
+                <dgm:param type="stBulletLvl" val="1"/>
+              </dgm:alg>
+              <dgm:choose name="Name16">
+                <dgm:if name="Name17" axis="ch" ptType="node" func="cnt" op="gte" val="1">
+                  <dgm:shape xmlns:r="http://schemas.openxmlformats.org/officeDocument/2006/relationships" type="rect" r:blip="">
+                    <dgm:adjLst/>
+                  </dgm:shape>
+                </dgm:if>
+                <dgm:else name="Name18">
+                  <dgm:shape xmlns:r="http://schemas.openxmlformats.org/officeDocument/2006/relationships" type="rect" r:blip="" hideGeom="1">
+                    <dgm:adjLst/>
+                  </dgm:shape>
+                </dgm:else>
+              </dgm:choose>
+              <dgm:presOf axis="des" ptType="node"/>
+              <dgm:constrLst>
+                <dgm:constr type="secFontSz" val="65"/>
+                <dgm:constr type="primFontSz" refType="secFontSz"/>
+                <dgm:constr type="h"/>
+                <dgm:constr type="tMarg"/>
+                <dgm:constr type="bMarg"/>
+                <dgm:constr type="rMarg"/>
+                <dgm:constr type="lMarg"/>
+              </dgm:constrLst>
+              <dgm:ruleLst>
+                <dgm:rule type="h" val="INF" fact="NaN" max="NaN"/>
+              </dgm:ruleLst>
+            </dgm:layoutNode>
+          </dgm:layoutNode>
+          <dgm:forEach name="Name19" axis="followSib" ptType="sibTrans" cnt="1">
+            <dgm:layoutNode name="space">
+              <dgm:alg type="sp"/>
+              <dgm:shape xmlns:r="http://schemas.openxmlformats.org/officeDocument/2006/relationships" r:blip="">
+                <dgm:adjLst/>
+              </dgm:shape>
+              <dgm:presOf/>
+              <dgm:constrLst/>
+              <dgm:ruleLst/>
+            </dgm:layoutNode>
+          </dgm:forEach>
+        </dgm:forEach>
+      </dgm:if>
+      <dgm:else name="Name20">
+        <dgm:constrLst>
+          <dgm:constr type="w" for="ch" forName="parTxOnly" refType="w"/>
+          <dgm:constr type="h" for="des" forName="parTxOnly" op="equ"/>
+          <dgm:constr type="primFontSz" for="des" forName="parTxOnly" op="equ" val="65"/>
+          <dgm:constr type="w" for="ch" forName="parTxOnlySpace" refType="w" refFor="ch" refForName="parTxOnly" fact="-0.1"/>
+        </dgm:constrLst>
+        <dgm:ruleLst/>
+        <dgm:forEach name="Name21" axis="ch" ptType="node">
+          <dgm:layoutNode name="parTxOnly">
+            <dgm:varLst>
+              <dgm:chMax val="0"/>
+              <dgm:chPref val="0"/>
+              <dgm:bulletEnabled val="1"/>
+            </dgm:varLst>
+            <dgm:alg type="tx"/>
+            <dgm:choose name="Name22">
+              <dgm:if name="Name23" func="var" arg="dir" op="equ" val="norm">
+                <dgm:shape xmlns:r="http://schemas.openxmlformats.org/officeDocument/2006/relationships" type="chevron" r:blip="">
+                  <dgm:adjLst/>
+                </dgm:shape>
+              </dgm:if>
+              <dgm:else name="Name24">
+                <dgm:shape xmlns:r="http://schemas.openxmlformats.org/officeDocument/2006/relationships" rot="180" type="chevron" r:blip="">
+                  <dgm:adjLst/>
+                </dgm:shape>
+              </dgm:else>
+            </dgm:choose>
+            <dgm:presOf axis="self" ptType="node"/>
+            <dgm:choose name="Name25">
+              <dgm:if name="Name26" func="var" arg="dir" op="equ" val="norm">
+                <dgm:constrLst>
+                  <dgm:constr type="h" refType="w" op="equ" fact="0.4"/>
+                  <dgm:constr type="tMarg" refType="primFontSz" fact="0.105"/>
+                  <dgm:constr type="bMarg" refType="primFontSz" fact="0.105"/>
+                  <dgm:constr type="lMarg" refType="primFontSz" fact="0.315"/>
+                  <dgm:constr type="rMarg" refType="primFontSz" fact="0.105"/>
+                </dgm:constrLst>
+              </dgm:if>
+              <dgm:else name="Name27">
+                <dgm:constrLst>
+                  <dgm:constr type="h" refType="w" op="equ" fact="0.4"/>
+                  <dgm:constr type="tMarg" refType="primFontSz" fact="0.105"/>
+                  <dgm:constr type="bMarg" refType="primFontSz" fact="0.105"/>
+                  <dgm:constr type="lMarg" refType="primFontSz" fact="0.105"/>
+                  <dgm:constr type="rMarg" refType="primFontSz" fact="0.315"/>
+                </dgm:constrLst>
+              </dgm:else>
+            </dgm:choose>
+            <dgm:ruleLst>
+              <dgm:rule type="primFontSz" val="5" fact="NaN" max="NaN"/>
+            </dgm:ruleLst>
+          </dgm:layoutNode>
+          <dgm:forEach name="Name28" axis="followSib" ptType="sibTrans" cnt="1">
+            <dgm:layoutNode name="parTxOnlySpace">
+              <dgm:alg type="sp"/>
+              <dgm:shape xmlns:r="http://schemas.openxmlformats.org/officeDocument/2006/relationships" r:blip="">
+                <dgm:adjLst/>
+              </dgm:shape>
+              <dgm:presOf/>
+              <dgm:constrLst/>
+              <dgm:ruleLst/>
+            </dgm:layoutNode>
+          </dgm:forEach>
+        </dgm:forEach>
+      </dgm:else>
+    </dgm:choose>
+  </dgm:layoutNode>
+</dgm:layoutDef>
+</file>
+
+<file path=ppt/diagrams/layout2.xml><?xml version="1.0" encoding="utf-8"?>
+<dgm:layoutDef xmlns:dgm="http://schemas.openxmlformats.org/drawingml/2006/diagram" xmlns:a="http://schemas.openxmlformats.org/drawingml/2006/main" uniqueId="urn:microsoft.com/office/officeart/2005/8/layout/chevron1">
+  <dgm:title val=""/>
+  <dgm:desc val=""/>
+  <dgm:catLst>
+    <dgm:cat type="process" pri="9000"/>
+  </dgm:catLst>
+  <dgm:sampData useDef="1">
+    <dgm:dataModel>
+      <dgm:ptLst/>
+      <dgm:bg/>
+      <dgm:whole/>
+    </dgm:dataModel>
+  </dgm:sampData>
+  <dgm:styleData>
+    <dgm:dataModel>
+      <dgm:ptLst>
+        <dgm:pt modelId="0" type="doc"/>
+        <dgm:pt modelId="1"/>
+        <dgm:pt modelId="2"/>
+      </dgm:ptLst>
+      <dgm:cxnLst>
+        <dgm:cxn modelId="3" srcId="0" destId="1" srcOrd="0" destOrd="0"/>
+        <dgm:cxn modelId="4" srcId="0" destId="2" srcOrd="1" destOrd="0"/>
+      </dgm:cxnLst>
+      <dgm:bg/>
+      <dgm:whole/>
+    </dgm:dataModel>
+  </dgm:styleData>
+  <dgm:clrData>
+    <dgm:dataModel>
+      <dgm:ptLst>
+        <dgm:pt modelId="0" type="doc"/>
+        <dgm:pt modelId="1"/>
+        <dgm:pt modelId="2"/>
+        <dgm:pt modelId="3"/>
+        <dgm:pt modelId="4"/>
+      </dgm:ptLst>
+      <dgm:cxnLst>
+        <dgm:cxn modelId="5" srcId="0" destId="1" srcOrd="0" destOrd="0"/>
+        <dgm:cxn modelId="6" srcId="0" destId="2" srcOrd="1" destOrd="0"/>
+        <dgm:cxn modelId="7" srcId="0" destId="3" srcOrd="2" destOrd="0"/>
+        <dgm:cxn modelId="8" srcId="0" destId="4" srcOrd="3" destOrd="0"/>
+      </dgm:cxnLst>
+      <dgm:bg/>
+      <dgm:whole/>
+    </dgm:dataModel>
+  </dgm:clrData>
+  <dgm:layoutNode name="Name0">
+    <dgm:varLst>
+      <dgm:dir/>
+      <dgm:animLvl val="lvl"/>
+      <dgm:resizeHandles val="exact"/>
+    </dgm:varLst>
+    <dgm:choose name="Name1">
+      <dgm:if name="Name2" func="var" arg="dir" op="equ" val="norm">
+        <dgm:alg type="lin"/>
+      </dgm:if>
+      <dgm:else name="Name3">
+        <dgm:alg type="lin">
+          <dgm:param type="linDir" val="fromR"/>
+        </dgm:alg>
+      </dgm:else>
+    </dgm:choose>
+    <dgm:shape xmlns:r="http://schemas.openxmlformats.org/officeDocument/2006/relationships" r:blip="">
+      <dgm:adjLst/>
+    </dgm:shape>
+    <dgm:presOf/>
+    <dgm:choose name="Name4">
+      <dgm:if name="Name5" axis="des" func="maxDepth" op="gte" val="2">
+        <dgm:constrLst>
+          <dgm:constr type="h" for="ch" forName="composite" refType="h"/>
+          <dgm:constr type="w" for="ch" forName="composite" refType="w"/>
+          <dgm:constr type="w" for="des" forName="parTx"/>
+          <dgm:constr type="h" for="des" forName="parTx" op="equ"/>
+          <dgm:constr type="w" for="des" forName="desTx"/>
+          <dgm:constr type="h" for="des" forName="desTx" op="equ"/>
+          <dgm:constr type="primFontSz" for="des" forName="parTx" val="65"/>
+          <dgm:constr type="secFontSz" for="des" forName="desTx" refType="primFontSz" refFor="des" refForName="parTx" op="equ"/>
+          <dgm:constr type="h" for="des" forName="parTx" refType="primFontSz" refFor="des" refForName="parTx" fact="1.5"/>
+          <dgm:constr type="h" for="des" forName="desTx" refType="primFontSz" refFor="des" refForName="parTx" fact="0.5"/>
+          <dgm:constr type="w" for="ch" forName="space" op="equ" val="-6"/>
+        </dgm:constrLst>
+        <dgm:ruleLst>
+          <dgm:rule type="w" for="ch" forName="composite" val="0" fact="NaN" max="NaN"/>
+          <dgm:rule type="primFontSz" for="des" forName="parTx" val="5" fact="NaN" max="NaN"/>
+        </dgm:ruleLst>
+        <dgm:forEach name="Name6" axis="ch" ptType="node">
+          <dgm:layoutNode name="composite">
+            <dgm:alg type="composite"/>
+            <dgm:shape xmlns:r="http://schemas.openxmlformats.org/officeDocument/2006/relationships" r:blip="">
+              <dgm:adjLst/>
+            </dgm:shape>
+            <dgm:presOf/>
+            <dgm:choose name="Name7">
+              <dgm:if name="Name8" func="var" arg="dir" op="equ" val="norm">
+                <dgm:constrLst>
+                  <dgm:constr type="l" for="ch" forName="parTx"/>
+                  <dgm:constr type="w" for="ch" forName="parTx" refType="w"/>
+                  <dgm:constr type="t" for="ch" forName="parTx"/>
+                  <dgm:constr type="l" for="ch" forName="desTx"/>
+                  <dgm:constr type="w" for="ch" forName="desTx" refType="w" refFor="ch" refForName="parTx" fact="0.8"/>
+                  <dgm:constr type="t" for="ch" forName="desTx" refType="h" refFor="ch" refForName="parTx" fact="1.125"/>
+                </dgm:constrLst>
+              </dgm:if>
+              <dgm:else name="Name9">
+                <dgm:constrLst>
+                  <dgm:constr type="l" for="ch" forName="parTx"/>
+                  <dgm:constr type="w" for="ch" forName="parTx" refType="w"/>
+                  <dgm:constr type="t" for="ch" forName="parTx"/>
+                  <dgm:constr type="l" for="ch" forName="desTx" refType="w" fact="0.2"/>
+                  <dgm:constr type="w" for="ch" forName="desTx" refType="w" refFor="ch" refForName="parTx" fact="0.8"/>
+                  <dgm:constr type="t" for="ch" forName="desTx" refType="h" refFor="ch" refForName="parTx" fact="1.125"/>
+                </dgm:constrLst>
+              </dgm:else>
+            </dgm:choose>
+            <dgm:ruleLst>
+              <dgm:rule type="h" val="INF" fact="NaN" max="NaN"/>
+            </dgm:ruleLst>
+            <dgm:layoutNode name="parTx">
+              <dgm:varLst>
+                <dgm:chMax val="0"/>
+                <dgm:chPref val="0"/>
+                <dgm:bulletEnabled val="1"/>
+              </dgm:varLst>
+              <dgm:alg type="tx"/>
+              <dgm:choose name="Name10">
+                <dgm:if name="Name11" func="var" arg="dir" op="equ" val="norm">
+                  <dgm:shape xmlns:r="http://schemas.openxmlformats.org/officeDocument/2006/relationships" type="chevron" r:blip="">
+                    <dgm:adjLst/>
+                  </dgm:shape>
+                </dgm:if>
+                <dgm:else name="Name12">
+                  <dgm:shape xmlns:r="http://schemas.openxmlformats.org/officeDocument/2006/relationships" rot="180" type="chevron" r:blip="">
+                    <dgm:adjLst/>
+                  </dgm:shape>
+                </dgm:else>
+              </dgm:choose>
+              <dgm:presOf axis="self" ptType="node"/>
+              <dgm:choose name="Name13">
+                <dgm:if name="Name14" func="var" arg="dir" op="equ" val="norm">
+                  <dgm:constrLst>
+                    <dgm:constr type="h" refType="w" op="lte" fact="0.4"/>
+                    <dgm:constr type="h"/>
+                    <dgm:constr type="tMarg" refType="primFontSz" fact="0.105"/>
+                    <dgm:constr type="bMarg" refType="primFontSz" fact="0.105"/>
+                    <dgm:constr type="lMarg" refType="primFontSz" fact="0.315"/>
+                    <dgm:constr type="rMarg" refType="primFontSz" fact="0.105"/>
+                  </dgm:constrLst>
+                </dgm:if>
+                <dgm:else name="Name15">
+                  <dgm:constrLst>
+                    <dgm:constr type="h" refType="w" op="lte" fact="0.4"/>
+                    <dgm:constr type="h"/>
+                    <dgm:constr type="tMarg" refType="primFontSz" fact="0.105"/>
+                    <dgm:constr type="bMarg" refType="primFontSz" fact="0.105"/>
+                    <dgm:constr type="lMarg" refType="primFontSz" fact="0.105"/>
+                    <dgm:constr type="rMarg" refType="primFontSz" fact="0.315"/>
+                  </dgm:constrLst>
+                </dgm:else>
+              </dgm:choose>
+              <dgm:ruleLst>
+                <dgm:rule type="h" val="INF" fact="NaN" max="NaN"/>
+              </dgm:ruleLst>
+            </dgm:layoutNode>
+            <dgm:layoutNode name="desTx" styleLbl="revTx">
+              <dgm:varLst>
+                <dgm:bulletEnabled val="1"/>
+              </dgm:varLst>
+              <dgm:alg type="tx">
+                <dgm:param type="stBulletLvl" val="1"/>
+              </dgm:alg>
+              <dgm:choose name="Name16">
+                <dgm:if name="Name17" axis="ch" ptType="node" func="cnt" op="gte" val="1">
+                  <dgm:shape xmlns:r="http://schemas.openxmlformats.org/officeDocument/2006/relationships" type="rect" r:blip="">
+                    <dgm:adjLst/>
+                  </dgm:shape>
+                </dgm:if>
+                <dgm:else name="Name18">
+                  <dgm:shape xmlns:r="http://schemas.openxmlformats.org/officeDocument/2006/relationships" type="rect" r:blip="" hideGeom="1">
+                    <dgm:adjLst/>
+                  </dgm:shape>
+                </dgm:else>
+              </dgm:choose>
+              <dgm:presOf axis="des" ptType="node"/>
+              <dgm:constrLst>
+                <dgm:constr type="secFontSz" val="65"/>
+                <dgm:constr type="primFontSz" refType="secFontSz"/>
+                <dgm:constr type="h"/>
+                <dgm:constr type="tMarg"/>
+                <dgm:constr type="bMarg"/>
+                <dgm:constr type="rMarg"/>
+                <dgm:constr type="lMarg"/>
+              </dgm:constrLst>
+              <dgm:ruleLst>
+                <dgm:rule type="h" val="INF" fact="NaN" max="NaN"/>
+              </dgm:ruleLst>
+            </dgm:layoutNode>
+          </dgm:layoutNode>
+          <dgm:forEach name="Name19" axis="followSib" ptType="sibTrans" cnt="1">
+            <dgm:layoutNode name="space">
+              <dgm:alg type="sp"/>
+              <dgm:shape xmlns:r="http://schemas.openxmlformats.org/officeDocument/2006/relationships" r:blip="">
+                <dgm:adjLst/>
+              </dgm:shape>
+              <dgm:presOf/>
+              <dgm:constrLst/>
+              <dgm:ruleLst/>
+            </dgm:layoutNode>
+          </dgm:forEach>
+        </dgm:forEach>
+      </dgm:if>
+      <dgm:else name="Name20">
+        <dgm:constrLst>
+          <dgm:constr type="w" for="ch" forName="parTxOnly" refType="w"/>
+          <dgm:constr type="h" for="des" forName="parTxOnly" op="equ"/>
+          <dgm:constr type="primFontSz" for="des" forName="parTxOnly" op="equ" val="65"/>
+          <dgm:constr type="w" for="ch" forName="parTxOnlySpace" refType="w" refFor="ch" refForName="parTxOnly" fact="-0.1"/>
+        </dgm:constrLst>
+        <dgm:ruleLst/>
+        <dgm:forEach name="Name21" axis="ch" ptType="node">
+          <dgm:layoutNode name="parTxOnly">
+            <dgm:varLst>
+              <dgm:chMax val="0"/>
+              <dgm:chPref val="0"/>
+              <dgm:bulletEnabled val="1"/>
+            </dgm:varLst>
+            <dgm:alg type="tx"/>
+            <dgm:choose name="Name22">
+              <dgm:if name="Name23" func="var" arg="dir" op="equ" val="norm">
+                <dgm:shape xmlns:r="http://schemas.openxmlformats.org/officeDocument/2006/relationships" type="chevron" r:blip="">
+                  <dgm:adjLst/>
+                </dgm:shape>
+              </dgm:if>
+              <dgm:else name="Name24">
+                <dgm:shape xmlns:r="http://schemas.openxmlformats.org/officeDocument/2006/relationships" rot="180" type="chevron" r:blip="">
+                  <dgm:adjLst/>
+                </dgm:shape>
+              </dgm:else>
+            </dgm:choose>
+            <dgm:presOf axis="self" ptType="node"/>
+            <dgm:choose name="Name25">
+              <dgm:if name="Name26" func="var" arg="dir" op="equ" val="norm">
+                <dgm:constrLst>
+                  <dgm:constr type="h" refType="w" op="equ" fact="0.4"/>
+                  <dgm:constr type="tMarg" refType="primFontSz" fact="0.105"/>
+                  <dgm:constr type="bMarg" refType="primFontSz" fact="0.105"/>
+                  <dgm:constr type="lMarg" refType="primFontSz" fact="0.315"/>
+                  <dgm:constr type="rMarg" refType="primFontSz" fact="0.105"/>
+                </dgm:constrLst>
+              </dgm:if>
+              <dgm:else name="Name27">
+                <dgm:constrLst>
+                  <dgm:constr type="h" refType="w" op="equ" fact="0.4"/>
+                  <dgm:constr type="tMarg" refType="primFontSz" fact="0.105"/>
+                  <dgm:constr type="bMarg" refType="primFontSz" fact="0.105"/>
+                  <dgm:constr type="lMarg" refType="primFontSz" fact="0.105"/>
+                  <dgm:constr type="rMarg" refType="primFontSz" fact="0.315"/>
+                </dgm:constrLst>
+              </dgm:else>
+            </dgm:choose>
+            <dgm:ruleLst>
+              <dgm:rule type="primFontSz" val="5" fact="NaN" max="NaN"/>
+            </dgm:ruleLst>
+          </dgm:layoutNode>
+          <dgm:forEach name="Name28" axis="followSib" ptType="sibTrans" cnt="1">
+            <dgm:layoutNode name="parTxOnlySpace">
+              <dgm:alg type="sp"/>
+              <dgm:shape xmlns:r="http://schemas.openxmlformats.org/officeDocument/2006/relationships" r:blip="">
+                <dgm:adjLst/>
+              </dgm:shape>
+              <dgm:presOf/>
+              <dgm:constrLst/>
+              <dgm:ruleLst/>
+            </dgm:layoutNode>
+          </dgm:forEach>
+        </dgm:forEach>
+      </dgm:else>
+    </dgm:choose>
+  </dgm:layoutNode>
+</dgm:layoutDef>
+</file>
+
+<file path=ppt/diagrams/quickStyle1.xml><?xml version="1.0" encoding="utf-8"?>
+<dgm:styleDef xmlns:dgm="http://schemas.openxmlformats.org/drawingml/2006/diagram" xmlns:a="http://schemas.openxmlformats.org/drawingml/2006/main" uniqueId="urn:microsoft.com/office/officeart/2005/8/quickstyle/3d4">
+  <dgm:title val=""/>
+  <dgm:desc val=""/>
+  <dgm:catLst>
+    <dgm:cat type="3D" pri="11400"/>
+  </dgm:catLst>
+  <dgm:scene3d>
+    <a:camera prst="orthographicFront"/>
+    <a:lightRig rig="threePt" dir="t"/>
+  </dgm:scene3d>
+  <dgm:styleLbl name="node0">
+    <dgm:scene3d>
+      <a:camera prst="orthographicFront"/>
+      <a:lightRig rig="chilly" dir="t"/>
+    </dgm:scene3d>
+    <dgm:sp3d prstMaterial="translucentPowder">
+      <a:bevelT w="127000" h="25400" prst="softRound"/>
+    </dgm:sp3d>
+    <dgm:txPr/>
+    <dgm:style>
+      <a:lnRef idx="0">
+        <a:scrgbClr r="0" g="0" b="0"/>
+      </a:lnRef>
+      <a:fillRef idx="1">
+        <a:scrgbClr r="0" g="0" b="0"/>
+      </a:fillRef>
+      <a:effectRef idx="0">
+        <a:scrgbClr r="0" g="0" b="0"/>
+      </a:effectRef>
+      <a:fontRef idx="minor">
+        <a:schemeClr val="lt1"/>
+      </a:fontRef>
+    </dgm:style>
+  </dgm:styleLbl>
+  <dgm:styleLbl name="lnNode1">
+    <dgm:scene3d>
+      <a:camera prst="orthographicFront"/>
+      <a:lightRig rig="chilly" dir="t"/>
+    </dgm:scene3d>
+    <dgm:sp3d prstMaterial="translucentPowder">
+      <a:bevelT w="127000" h="25400" prst="softRound"/>
+    </dgm:sp3d>
+    <dgm:txPr/>
+    <dgm:style>
+      <a:lnRef idx="0">
+        <a:scrgbClr r="0" g="0" b="0"/>
+      </a:lnRef>
+      <a:fillRef idx="1">
+        <a:scrgbClr r="0" g="0" b="0"/>
+      </a:fillRef>
+      <a:effectRef idx="0">
+        <a:scrgbClr r="0" g="0" b="0"/>
+      </a:effectRef>
+      <a:fontRef idx="minor">
+        <a:schemeClr val="lt1"/>
+      </a:fontRef>
+    </dgm:style>
+  </dgm:styleLbl>
+  <dgm:styleLbl name="vennNode1">
+    <dgm:scene3d>
+      <a:camera prst="orthographicFront"/>
+      <a:lightRig rig="chilly" dir="t"/>
+    </dgm:scene3d>
+    <dgm:sp3d prstMaterial="translucentPowder">
+      <a:bevelT w="127000" h="25400" prst="softRound"/>
+    </dgm:sp3d>
+    <dgm:txPr/>
+    <dgm:style>
+      <a:lnRef idx="0">
+        <a:scrgbClr r="0" g="0" b="0"/>
+      </a:lnRef>
+      <a:fillRef idx="1">
+        <a:scrgbClr r="0" g="0" b="0"/>
+      </a:fillRef>
+      <a:effectRef idx="0">
+        <a:scrgbClr r="0" g="0" b="0"/>
+      </a:effectRef>
+      <a:fontRef idx="minor">
+        <a:schemeClr val="tx1"/>
+      </a:fontRef>
+    </dgm:style>
+  </dgm:styleLbl>
+  <dgm:styleLbl name="alignNode1">
+    <dgm:scene3d>
+      <a:camera prst="orthographicFront"/>
+      <a:lightRig rig="chilly" dir="t"/>
+    </dgm:scene3d>
+    <dgm:sp3d prstMaterial="translucentPowder">
+      <a:bevelT w="127000" h="25400" prst="softRound"/>
+    </dgm:sp3d>
+    <dgm:txPr/>
+    <dgm:style>
+      <a:lnRef idx="1">
+        <a:scrgbClr r="0" g="0" b="0"/>
+      </a:lnRef>
+      <a:fillRef idx="1">
+        <a:scrgbClr r="0" g="0" b="0"/>
+      </a:fillRef>
+      <a:effectRef idx="0">
+        <a:scrgbClr r="0" g="0" b="0"/>
+      </a:effectRef>
+      <a:fontRef idx="minor">
+        <a:schemeClr val="lt1"/>
+      </a:fontRef>
+    </dgm:style>
+  </dgm:styleLbl>
+  <dgm:styleLbl name="node1">
+    <dgm:scene3d>
+      <a:camera prst="orthographicFront"/>
+      <a:lightRig rig="chilly" dir="t"/>
+    </dgm:scene3d>
+    <dgm:sp3d prstMaterial="translucentPowder">
+      <a:bevelT w="127000" h="25400" prst="softRound"/>
+    </dgm:sp3d>
+    <dgm:txPr/>
+    <dgm:style>
+      <a:lnRef idx="0">
+        <a:scrgbClr r="0" g="0" b="0"/>
+      </a:lnRef>
+      <a:fillRef idx="1">
+        <a:scrgbClr r="0" g="0" b="0"/>
+      </a:fillRef>
+      <a:effectRef idx="0">
+        <a:scrgbClr r="0" g="0" b="0"/>
+      </a:effectRef>
+      <a:fontRef idx="minor">
+        <a:schemeClr val="lt1"/>
+      </a:fontRef>
+    </dgm:style>
+  </dgm:styleLbl>
+  <dgm:styleLbl name="node2">
+    <dgm:scene3d>
+      <a:camera prst="orthographicFront"/>
+      <a:lightRig rig="chilly" dir="t"/>
+    </dgm:scene3d>
+    <dgm:sp3d prstMaterial="translucentPowder">
+      <a:bevelT w="127000" h="25400" prst="softRound"/>
+    </dgm:sp3d>
+    <dgm:txPr/>
+    <dgm:style>
+      <a:lnRef idx="0">
+        <a:scrgbClr r="0" g="0" b="0"/>
+      </a:lnRef>
+      <a:fillRef idx="1">
+        <a:scrgbClr r="0" g="0" b="0"/>
+      </a:fillRef>
+      <a:effectRef idx="0">
+        <a:scrgbClr r="0" g="0" b="0"/>
+      </a:effectRef>
+      <a:fontRef idx="minor">
+        <a:schemeClr val="lt1"/>
+      </a:fontRef>
+    </dgm:style>
+  </dgm:styleLbl>
+  <dgm:styleLbl name="node3">
+    <dgm:scene3d>
+      <a:camera prst="orthographicFront"/>
+      <a:lightRig rig="chilly" dir="t"/>
+    </dgm:scene3d>
+    <dgm:sp3d prstMaterial="translucentPowder">
+      <a:bevelT w="127000" h="25400" prst="softRound"/>
+    </dgm:sp3d>
+    <dgm:txPr/>
+    <dgm:style>
+      <a:lnRef idx="0">
+        <a:scrgbClr r="0" g="0" b="0"/>
+      </a:lnRef>
+      <a:fillRef idx="1">
+        <a:scrgbClr r="0" g="0" b="0"/>
+      </a:fillRef>
+      <a:effectRef idx="0">
+        <a:scrgbClr r="0" g="0" b="0"/>
+      </a:effectRef>
+      <a:fontRef idx="minor">
+        <a:schemeClr val="lt1"/>
+      </a:fontRef>
+    </dgm:style>
+  </dgm:styleLbl>
+  <dgm:styleLbl name="node4">
+    <dgm:scene3d>
+      <a:camera prst="orthographicFront"/>
+      <a:lightRig rig="chilly" dir="t"/>
+    </dgm:scene3d>
+    <dgm:sp3d prstMaterial="translucentPowder">
+      <a:bevelT w="127000" h="25400" prst="softRound"/>
+    </dgm:sp3d>
+    <dgm:txPr/>
+    <dgm:style>
+      <a:lnRef idx="0">
+        <a:scrgbClr r="0" g="0" b="0"/>
+      </a:lnRef>
+      <a:fillRef idx="1">
+        <a:scrgbClr r="0" g="0" b="0"/>
+      </a:fillRef>
+      <a:effectRef idx="0">
+        <a:scrgbClr r="0" g="0" b="0"/>
+      </a:effectRef>
+      <a:fontRef idx="minor">
+        <a:schemeClr val="lt1"/>
+      </a:fontRef>
+    </dgm:style>
+  </dgm:styleLbl>
+  <dgm:styleLbl name="fgImgPlace1">
+    <dgm:scene3d>
+      <a:camera prst="orthographicFront"/>
+      <a:lightRig rig="chilly" dir="t"/>
+    </dgm:scene3d>
+    <dgm:sp3d z="12700" extrusionH="12700" prstMaterial="translucentPowder">
+      <a:bevelT w="25400" h="6350" prst="softRound"/>
+      <a:bevelB w="0" h="0" prst="convex"/>
+    </dgm:sp3d>
+    <dgm:txPr/>
+    <dgm:style>
+      <a:lnRef idx="0">
+        <a:scrgbClr r="0" g="0" b="0"/>
+      </a:lnRef>
+      <a:fillRef idx="1">
+        <a:scrgbClr r="0" g="0" b="0"/>
+      </a:fillRef>
+      <a:effectRef idx="0">
+        <a:scrgbClr r="0" g="0" b="0"/>
+      </a:effectRef>
+      <a:fontRef idx="minor"/>
+    </dgm:style>
+  </dgm:styleLbl>
+  <dgm:styleLbl name="alignImgPlace1">
+    <dgm:scene3d>
+      <a:camera prst="orthographicFront"/>
+      <a:lightRig rig="chilly" dir="t"/>
+    </dgm:scene3d>
+    <dgm:sp3d prstMaterial="translucentPowder">
+      <a:bevelT w="127000" h="25400" prst="softRound"/>
+    </dgm:sp3d>
+    <dgm:txPr/>
+    <dgm:style>
+      <a:lnRef idx="0">
+        <a:scrgbClr r="0" g="0" b="0"/>
+      </a:lnRef>
+      <a:fillRef idx="1">
+        <a:scrgbClr r="0" g="0" b="0"/>
+      </a:fillRef>
+      <a:effectRef idx="0">
+        <a:scrgbClr r="0" g="0" b="0"/>
+      </a:effectRef>
+      <a:fontRef idx="minor">
+        <a:schemeClr val="lt1"/>
+      </a:fontRef>
+    </dgm:style>
+  </dgm:styleLbl>
+  <dgm:styleLbl name="bgImgPlace1">
+    <dgm:scene3d>
+      <a:camera prst="orthographicFront"/>
+      <a:lightRig rig="chilly" dir="t"/>
+    </dgm:scene3d>
+    <dgm:sp3d z="-25700" extrusionH="63500" contourW="12700" prstMaterial="matte">
+      <a:contourClr>
+        <a:schemeClr val="lt1"/>
+      </a:contourClr>
+    </dgm:sp3d>
+    <dgm:txPr/>
+    <dgm:style>
+      <a:lnRef idx="0">
+        <a:scrgbClr r="0" g="0" b="0"/>
+      </a:lnRef>
+      <a:fillRef idx="1">
+        <a:scrgbClr r="0" g="0" b="0"/>
+      </a:fillRef>
+      <a:effectRef idx="0">
+        <a:scrgbClr r="0" g="0" b="0"/>
+      </a:effectRef>
+      <a:fontRef idx="minor"/>
+    </dgm:style>
+  </dgm:styleLbl>
+  <dgm:styleLbl name="sibTrans2D1">
+    <dgm:scene3d>
+      <a:camera prst="orthographicFront"/>
+      <a:lightRig rig="chilly" dir="t"/>
+    </dgm:scene3d>
+    <dgm:sp3d z="-70000" extrusionH="1700" prstMaterial="translucentPowder">
+      <a:bevelT w="25400" h="6350" prst="softRound"/>
+      <a:bevelB w="0" h="0" prst="convex"/>
+    </dgm:sp3d>
+    <dgm:txPr/>
+    <dgm:style>
+      <a:lnRef idx="0">
+        <a:scrgbClr r="0" g="0" b="0"/>
+      </a:lnRef>
+      <a:fillRef idx="1">
+        <a:scrgbClr r="0" g="0" b="0"/>
+      </a:fillRef>
+      <a:effectRef idx="0">
+        <a:scrgbClr r="0" g="0" b="0"/>
+      </a:effectRef>
+      <a:fontRef idx="minor">
+        <a:schemeClr val="lt1"/>
+      </a:fontRef>
+    </dgm:style>
+  </dgm:styleLbl>
+  <dgm:styleLbl name="fgSibTrans2D1">
+    <dgm:scene3d>
+      <a:camera prst="orthographicFront"/>
+      <a:lightRig rig="chilly" dir="t"/>
+    </dgm:scene3d>
+    <dgm:sp3d z="12700" extrusionH="1700" prstMaterial="translucentPowder">
+      <a:bevelT w="25400" h="6350" prst="softRound"/>
+      <a:bevelB w="0" h="0" prst="convex"/>
+    </dgm:sp3d>
+    <dgm:txPr/>
+    <dgm:style>
+      <a:lnRef idx="0">
+        <a:scrgbClr r="0" g="0" b="0"/>
+      </a:lnRef>
+      <a:fillRef idx="1">
+        <a:scrgbClr r="0" g="0" b="0"/>
+      </a:fillRef>
+      <a:effectRef idx="0">
+        <a:scrgbClr r="0" g="0" b="0"/>
+      </a:effectRef>
+      <a:fontRef idx="minor"/>
+    </dgm:style>
+  </dgm:styleLbl>
+  <dgm:styleLbl name="bgSibTrans2D1">
+    <dgm:scene3d>
+      <a:camera prst="orthographicFront"/>
+      <a:lightRig rig="chilly" dir="t"/>
+    </dgm:scene3d>
+    <dgm:sp3d z="-25700" extrusionH="1700" prstMaterial="translucentPowder">
+      <a:bevelT w="25400" h="6350" prst="softRound"/>
+      <a:bevelB w="0" h="0" prst="convex"/>
+    </dgm:sp3d>
+    <dgm:txPr/>
+    <dgm:style>
+      <a:lnRef idx="0">
+        <a:scrgbClr r="0" g="0" b="0"/>
+      </a:lnRef>
+      <a:fillRef idx="1">
+        <a:scrgbClr r="0" g="0" b="0"/>
+      </a:fillRef>
+      <a:effectRef idx="0">
+        <a:scrgbClr r="0" g="0" b="0"/>
+      </a:effectRef>
+      <a:fontRef idx="minor"/>
+    </dgm:style>
+  </dgm:styleLbl>
+  <dgm:styleLbl name="sibTrans1D1">
+    <dgm:scene3d>
+      <a:camera prst="orthographicFront"/>
+      <a:lightRig rig="chilly" dir="t"/>
+    </dgm:scene3d>
+    <dgm:sp3d z="-40000" prstMaterial="matte"/>
+    <dgm:txPr/>
+    <dgm:style>
+      <a:lnRef idx="1">
+        <a:scrgbClr r="0" g="0" b="0"/>
+      </a:lnRef>
+      <a:fillRef idx="0">
+        <a:scrgbClr r="0" g="0" b="0"/>
+      </a:fillRef>
+      <a:effectRef idx="0">
+        <a:scrgbClr r="0" g="0" b="0"/>
+      </a:effectRef>
+      <a:fontRef idx="minor"/>
+    </dgm:style>
+  </dgm:styleLbl>
+  <dgm:styleLbl name="callout">
+    <dgm:scene3d>
+      <a:camera prst="orthographicFront"/>
+      <a:lightRig rig="chilly" dir="t"/>
+    </dgm:scene3d>
+    <dgm:sp3d z="127000" prstMaterial="matte"/>
+    <dgm:txPr/>
+    <dgm:style>
+      <a:lnRef idx="2">
+        <a:scrgbClr r="0" g="0" b="0"/>
+      </a:lnRef>
+      <a:fillRef idx="1">
+        <a:scrgbClr r="0" g="0" b="0"/>
+      </a:fillRef>
+      <a:effectRef idx="0">
+        <a:scrgbClr r="0" g="0" b="0"/>
+      </a:effectRef>
+      <a:fontRef idx="minor"/>
+    </dgm:style>
+  </dgm:styleLbl>
+  <dgm:styleLbl name="asst0">
+    <dgm:scene3d>
+      <a:camera prst="orthographicFront"/>
+      <a:lightRig rig="chilly" dir="t"/>
+    </dgm:scene3d>
+    <dgm:sp3d prstMaterial="translucentPowder">
+      <a:bevelT w="127000" h="25400" prst="softRound"/>
+    </dgm:sp3d>
+    <dgm:txPr/>
+    <dgm:style>
+      <a:lnRef idx="0">
+        <a:scrgbClr r="0" g="0" b="0"/>
+      </a:lnRef>
+      <a:fillRef idx="1">
+        <a:scrgbClr r="0" g="0" b="0"/>
+      </a:fillRef>
+      <a:effectRef idx="0">
+        <a:scrgbClr r="0" g="0" b="0"/>
+      </a:effectRef>
+      <a:fontRef idx="minor">
+        <a:schemeClr val="lt1"/>
+      </a:fontRef>
+    </dgm:style>
+  </dgm:styleLbl>
+  <dgm:styleLbl name="asst1">
+    <dgm:scene3d>
+      <a:camera prst="orthographicFront"/>
+      <a:lightRig rig="chilly" dir="t"/>
+    </dgm:scene3d>
+    <dgm:sp3d prstMaterial="translucentPowder">
+      <a:bevelT w="127000" h="25400" prst="softRound"/>
+    </dgm:sp3d>
+    <dgm:txPr/>
+    <dgm:style>
+      <a:lnRef idx="0">
+        <a:scrgbClr r="0" g="0" b="0"/>
+      </a:lnRef>
+      <a:fillRef idx="1">
+        <a:scrgbClr r="0" g="0" b="0"/>
+      </a:fillRef>
+      <a:effectRef idx="0">
+        <a:scrgbClr r="0" g="0" b="0"/>
+      </a:effectRef>
+      <a:fontRef idx="minor">
+        <a:schemeClr val="lt1"/>
+      </a:fontRef>
+    </dgm:style>
+  </dgm:styleLbl>
+  <dgm:styleLbl name="asst2">
+    <dgm:scene3d>
+      <a:camera prst="orthographicFront"/>
+      <a:lightRig rig="chilly" dir="t"/>
+    </dgm:scene3d>
+    <dgm:sp3d prstMaterial="translucentPowder">
+      <a:bevelT w="127000" h="25400" prst="softRound"/>
+    </dgm:sp3d>
+    <dgm:txPr/>
+    <dgm:style>
+      <a:lnRef idx="0">
+        <a:scrgbClr r="0" g="0" b="0"/>
+      </a:lnRef>
+      <a:fillRef idx="1">
+        <a:scrgbClr r="0" g="0" b="0"/>
+      </a:fillRef>
+      <a:effectRef idx="0">
+        <a:scrgbClr r="0" g="0" b="0"/>
+      </a:effectRef>
+      <a:fontRef idx="minor">
+        <a:schemeClr val="lt1"/>
+      </a:fontRef>
+    </dgm:style>
+  </dgm:styleLbl>
+  <dgm:styleLbl name="asst3">
+    <dgm:scene3d>
+      <a:camera prst="orthographicFront"/>
+      <a:lightRig rig="chilly" dir="t"/>
+    </dgm:scene3d>
+    <dgm:sp3d prstMaterial="translucentPowder">
+      <a:bevelT w="127000" h="25400" prst="softRound"/>
+    </dgm:sp3d>
+    <dgm:txPr/>
+    <dgm:style>
+      <a:lnRef idx="0">
+        <a:scrgbClr r="0" g="0" b="0"/>
+      </a:lnRef>
+      <a:fillRef idx="1">
+        <a:scrgbClr r="0" g="0" b="0"/>
+      </a:fillRef>
+      <a:effectRef idx="0">
+        <a:scrgbClr r="0" g="0" b="0"/>
+      </a:effectRef>
+      <a:fontRef idx="minor">
+        <a:schemeClr val="lt1"/>
+      </a:fontRef>
+    </dgm:style>
+  </dgm:styleLbl>
+  <dgm:styleLbl name="parChTrans2D1">
+    <dgm:scene3d>
+      <a:camera prst="orthographicFront"/>
+      <a:lightRig rig="chilly" dir="t"/>
+    </dgm:scene3d>
+    <dgm:sp3d z="1700" extrusionH="1700" prstMaterial="translucentPowder">
+      <a:bevelT w="25400" h="6350" prst="softRound"/>
+      <a:bevelB w="0" h="0" prst="convex"/>
+    </dgm:sp3d>
+    <dgm:txPr/>
+    <dgm:style>
+      <a:lnRef idx="0">
+        <a:scrgbClr r="0" g="0" b="0"/>
+      </a:lnRef>
+      <a:fillRef idx="1">
+        <a:scrgbClr r="0" g="0" b="0"/>
+      </a:fillRef>
+      <a:effectRef idx="0">
+        <a:scrgbClr r="0" g="0" b="0"/>
+      </a:effectRef>
+      <a:fontRef idx="minor"/>
+    </dgm:style>
+  </dgm:styleLbl>
+  <dgm:styleLbl name="parChTrans2D2">
+    <dgm:scene3d>
+      <a:camera prst="orthographicFront"/>
+      <a:lightRig rig="chilly" dir="t"/>
+    </dgm:scene3d>
+    <dgm:sp3d z="1700" extrusionH="1700" prstMaterial="translucentPowder">
+      <a:bevelT w="25400" h="6350" prst="softRound"/>
+      <a:bevelB w="0" h="0" prst="convex"/>
+    </dgm:sp3d>
+    <dgm:txPr/>
+    <dgm:style>
+      <a:lnRef idx="0">
+        <a:scrgbClr r="0" g="0" b="0"/>
+      </a:lnRef>
+      <a:fillRef idx="1">
+        <a:scrgbClr r="0" g="0" b="0"/>
+      </a:fillRef>
+      <a:effectRef idx="0">
+        <a:scrgbClr r="0" g="0" b="0"/>
+      </a:effectRef>
+      <a:fontRef idx="minor"/>
+    </dgm:style>
+  </dgm:styleLbl>
+  <dgm:styleLbl name="parChTrans2D3">
+    <dgm:scene3d>
+      <a:camera prst="orthographicFront"/>
+      <a:lightRig rig="chilly" dir="t"/>
+    </dgm:scene3d>
+    <dgm:sp3d extrusionH="1700" prstMaterial="translucentPowder">
+      <a:bevelT w="25400" h="6350" prst="softRound"/>
+      <a:bevelB w="0" h="0" prst="convex"/>
+    </dgm:sp3d>
+    <dgm:txPr/>
+    <dgm:style>
+      <a:lnRef idx="0">
+        <a:scrgbClr r="0" g="0" b="0"/>
+      </a:lnRef>
+      <a:fillRef idx="1">
+        <a:scrgbClr r="0" g="0" b="0"/>
+      </a:fillRef>
+      <a:effectRef idx="0">
+        <a:scrgbClr r="0" g="0" b="0"/>
+      </a:effectRef>
+      <a:fontRef idx="minor"/>
+    </dgm:style>
+  </dgm:styleLbl>
+  <dgm:styleLbl name="parChTrans2D4">
+    <dgm:scene3d>
+      <a:camera prst="orthographicFront"/>
+      <a:lightRig rig="chilly" dir="t"/>
+    </dgm:scene3d>
+    <dgm:sp3d extrusionH="1700" prstMaterial="translucentPowder">
+      <a:bevelT w="25400" h="6350" prst="softRound"/>
+      <a:bevelB w="0" h="0" prst="convex"/>
+    </dgm:sp3d>
+    <dgm:txPr/>
+    <dgm:style>
+      <a:lnRef idx="0">
+        <a:scrgbClr r="0" g="0" b="0"/>
+      </a:lnRef>
+      <a:fillRef idx="1">
+        <a:scrgbClr r="0" g="0" b="0"/>
+      </a:fillRef>
+      <a:effectRef idx="0">
+        <a:scrgbClr r="0" g="0" b="0"/>
+      </a:effectRef>
+      <a:fontRef idx="minor"/>
+    </dgm:style>
+  </dgm:styleLbl>
+  <dgm:styleLbl name="parChTrans1D1">
+    <dgm:scene3d>
+      <a:camera prst="orthographicFront"/>
+      <a:lightRig rig="chilly" dir="t"/>
+    </dgm:scene3d>
+    <dgm:sp3d z="-40000" prstMaterial="matte"/>
+    <dgm:txPr/>
+    <dgm:style>
+      <a:lnRef idx="2">
+        <a:scrgbClr r="0" g="0" b="0"/>
+      </a:lnRef>
+      <a:fillRef idx="0">
+        <a:scrgbClr r="0" g="0" b="0"/>
+      </a:fillRef>
+      <a:effectRef idx="0">
+        <a:scrgbClr r="0" g="0" b="0"/>
+      </a:effectRef>
+      <a:fontRef idx="minor"/>
+    </dgm:style>
+  </dgm:styleLbl>
+  <dgm:styleLbl name="parChTrans1D2">
+    <dgm:scene3d>
+      <a:camera prst="orthographicFront"/>
+      <a:lightRig rig="threePt" dir="t"/>
+    </dgm:scene3d>
+    <dgm:sp3d z="-40000" prstMaterial="matte"/>
+    <dgm:txPr/>
+    <dgm:style>
+      <a:lnRef idx="2">
+        <a:scrgbClr r="0" g="0" b="0"/>
+      </a:lnRef>
+      <a:fillRef idx="0">
+        <a:scrgbClr r="0" g="0" b="0"/>
+      </a:fillRef>
+      <a:effectRef idx="0">
+        <a:scrgbClr r="0" g="0" b="0"/>
+      </a:effectRef>
+      <a:fontRef idx="minor"/>
+    </dgm:style>
+  </dgm:styleLbl>
+  <dgm:styleLbl name="parChTrans1D3">
+    <dgm:scene3d>
+      <a:camera prst="orthographicFront"/>
+      <a:lightRig rig="chilly" dir="t"/>
+    </dgm:scene3d>
+    <dgm:sp3d z="-40000" prstMaterial="matte"/>
+    <dgm:txPr/>
+    <dgm:style>
+      <a:lnRef idx="2">
+        <a:scrgbClr r="0" g="0" b="0"/>
+      </a:lnRef>
+      <a:fillRef idx="0">
+        <a:scrgbClr r="0" g="0" b="0"/>
+      </a:fillRef>
+      <a:effectRef idx="0">
+        <a:scrgbClr r="0" g="0" b="0"/>
+      </a:effectRef>
+      <a:fontRef idx="minor"/>
+    </dgm:style>
+  </dgm:styleLbl>
+  <dgm:styleLbl name="parChTrans1D4">
+    <dgm:scene3d>
+      <a:camera prst="orthographicFront"/>
+      <a:lightRig rig="chilly" dir="t"/>
+    </dgm:scene3d>
+    <dgm:sp3d z="-40000" prstMaterial="matte"/>
+    <dgm:txPr/>
+    <dgm:style>
+      <a:lnRef idx="2">
+        <a:scrgbClr r="0" g="0" b="0"/>
+      </a:lnRef>
+      <a:fillRef idx="0">
+        <a:scrgbClr r="0" g="0" b="0"/>
+      </a:fillRef>
+      <a:effectRef idx="0">
+        <a:scrgbClr r="0" g="0" b="0"/>
+      </a:effectRef>
+      <a:fontRef idx="minor"/>
+    </dgm:style>
+  </dgm:styleLbl>
+  <dgm:styleLbl name="fgAcc1">
+    <dgm:scene3d>
+      <a:camera prst="orthographicFront"/>
+      <a:lightRig rig="chilly" dir="t"/>
+    </dgm:scene3d>
+    <dgm:sp3d z="12700" extrusionH="1700" prstMaterial="dkEdge">
+      <a:bevelT w="25400" h="6350" prst="softRound"/>
+      <a:bevelB w="0" h="0" prst="convex"/>
+    </dgm:sp3d>
+    <dgm:txPr/>
+    <dgm:style>
+      <a:lnRef idx="1">
+        <a:scrgbClr r="0" g="0" b="0"/>
+      </a:lnRef>
+      <a:fillRef idx="1">
+        <a:scrgbClr r="0" g="0" b="0"/>
+      </a:fillRef>
+      <a:effectRef idx="0">
+        <a:scrgbClr r="0" g="0" b="0"/>
+      </a:effectRef>
+      <a:fontRef idx="minor"/>
+    </dgm:style>
+  </dgm:styleLbl>
+  <dgm:styleLbl name="conFgAcc1">
+    <dgm:scene3d>
+      <a:camera prst="orthographicFront"/>
+      <a:lightRig rig="chilly" dir="t"/>
+    </dgm:scene3d>
+    <dgm:sp3d z="12700" extrusionH="1700" prstMaterial="dkEdge">
+      <a:bevelT w="25400" h="6350" prst="softRound"/>
+      <a:bevelB w="0" h="0" prst="convex"/>
+    </dgm:sp3d>
+    <dgm:txPr/>
+    <dgm:style>
+      <a:lnRef idx="1">
+        <a:scrgbClr r="0" g="0" b="0"/>
+      </a:lnRef>
+      <a:fillRef idx="1">
+        <a:scrgbClr r="0" g="0" b="0"/>
+      </a:fillRef>
+      <a:effectRef idx="0">
+        <a:scrgbClr r="0" g="0" b="0"/>
+      </a:effectRef>
+      <a:fontRef idx="minor"/>
+    </dgm:style>
+  </dgm:styleLbl>
+  <dgm:styleLbl name="alignAcc1">
+    <dgm:scene3d>
+      <a:camera prst="orthographicFront"/>
+      <a:lightRig rig="chilly" dir="t"/>
+    </dgm:scene3d>
+    <dgm:sp3d prstMaterial="dkEdge">
+      <a:bevelT w="25400" h="6350" prst="softRound"/>
+      <a:bevelB w="0" h="0" prst="convex"/>
+    </dgm:sp3d>
+    <dgm:txPr/>
+    <dgm:style>
+      <a:lnRef idx="1">
+        <a:scrgbClr r="0" g="0" b="0"/>
+      </a:lnRef>
+      <a:fillRef idx="1">
+        <a:scrgbClr r="0" g="0" b="0"/>
+      </a:fillRef>
+      <a:effectRef idx="0">
+        <a:scrgbClr r="0" g="0" b="0"/>
+      </a:effectRef>
+      <a:fontRef idx="minor"/>
+    </dgm:style>
+  </dgm:styleLbl>
+  <dgm:styleLbl name="trAlignAcc1">
+    <dgm:scene3d>
+      <a:camera prst="orthographicFront"/>
+      <a:lightRig rig="chilly" dir="t"/>
+    </dgm:scene3d>
+    <dgm:sp3d prstMaterial="dkEdge">
+      <a:bevelT w="127000" h="25400"/>
+    </dgm:sp3d>
+    <dgm:txPr/>
+    <dgm:style>
+      <a:lnRef idx="1">
+        <a:scrgbClr r="0" g="0" b="0"/>
+      </a:lnRef>
+      <a:fillRef idx="1">
+        <a:scrgbClr r="0" g="0" b="0"/>
+      </a:fillRef>
+      <a:effectRef idx="0">
+        <a:scrgbClr r="0" g="0" b="0"/>
+      </a:effectRef>
+      <a:fontRef idx="minor">
+        <a:schemeClr val="lt1"/>
+      </a:fontRef>
+    </dgm:style>
+  </dgm:styleLbl>
+  <dgm:styleLbl name="bgAcc1">
+    <dgm:scene3d>
+      <a:camera prst="orthographicFront"/>
+      <a:lightRig rig="chilly" dir="t"/>
+    </dgm:scene3d>
+    <dgm:sp3d z="-12700" extrusionH="1700" prstMaterial="dkEdge">
+      <a:bevelT w="25400" h="6350" prst="softRound"/>
+      <a:bevelB w="0" h="0" prst="convex"/>
+    </dgm:sp3d>
+    <dgm:txPr/>
+    <dgm:style>
+      <a:lnRef idx="1">
+        <a:scrgbClr r="0" g="0" b="0"/>
+      </a:lnRef>
+      <a:fillRef idx="1">
+        <a:scrgbClr r="0" g="0" b="0"/>
+      </a:fillRef>
+      <a:effectRef idx="0">
+        <a:scrgbClr r="0" g="0" b="0"/>
+      </a:effectRef>
+      <a:fontRef idx="minor"/>
+    </dgm:style>
+  </dgm:styleLbl>
+  <dgm:styleLbl name="solidFgAcc1">
+    <dgm:scene3d>
+      <a:camera prst="orthographicFront"/>
+      <a:lightRig rig="chilly" dir="t"/>
+    </dgm:scene3d>
+    <dgm:sp3d z="12700" extrusionH="1700" prstMaterial="dkEdge">
+      <a:bevelT w="25400" h="6350" prst="softRound"/>
+      <a:bevelB w="0" h="0" prst="convex"/>
+    </dgm:sp3d>
+    <dgm:txPr/>
+    <dgm:style>
+      <a:lnRef idx="1">
+        <a:scrgbClr r="0" g="0" b="0"/>
+      </a:lnRef>
+      <a:fillRef idx="1">
+        <a:scrgbClr r="0" g="0" b="0"/>
+      </a:fillRef>
+      <a:effectRef idx="0">
+        <a:scrgbClr r="0" g="0" b="0"/>
+      </a:effectRef>
+      <a:fontRef idx="minor"/>
+    </dgm:style>
+  </dgm:styleLbl>
+  <dgm:styleLbl name="solidAlignAcc1">
+    <dgm:scene3d>
+      <a:camera prst="orthographicFront"/>
+      <a:lightRig rig="chilly" dir="t"/>
+    </dgm:scene3d>
+    <dgm:sp3d extrusionH="1700" prstMaterial="dkEdge">
+      <a:bevelT w="25400" h="6350" prst="softRound"/>
+      <a:bevelB w="0" h="0" prst="convex"/>
+    </dgm:sp3d>
+    <dgm:txPr/>
+    <dgm:style>
+      <a:lnRef idx="1">
+        <a:scrgbClr r="0" g="0" b="0"/>
+      </a:lnRef>
+      <a:fillRef idx="1">
+        <a:scrgbClr r="0" g="0" b="0"/>
+      </a:fillRef>
+      <a:effectRef idx="0">
+        <a:scrgbClr r="0" g="0" b="0"/>
+      </a:effectRef>
+      <a:fontRef idx="minor"/>
+    </dgm:style>
+  </dgm:styleLbl>
+  <dgm:styleLbl name="solidBgAcc1">
+    <dgm:scene3d>
+      <a:camera prst="orthographicFront"/>
+      <a:lightRig rig="chilly" dir="t"/>
+    </dgm:scene3d>
+    <dgm:sp3d z="-12700" extrusionH="1700" prstMaterial="dkEdge">
+      <a:bevelT w="25400" h="6350" prst="softRound"/>
+      <a:bevelB w="0" h="0" prst="convex"/>
+    </dgm:sp3d>
+    <dgm:txPr/>
+    <dgm:style>
+      <a:lnRef idx="1">
+        <a:scrgbClr r="0" g="0" b="0"/>
+      </a:lnRef>
+      <a:fillRef idx="1">
+        <a:scrgbClr r="0" g="0" b="0"/>
+      </a:fillRef>
+      <a:effectRef idx="0">
+        <a:scrgbClr r="0" g="0" b="0"/>
+      </a:effectRef>
+      <a:fontRef idx="minor"/>
+    </dgm:style>
+  </dgm:styleLbl>
+  <dgm:styleLbl name="fgAccFollowNode1">
+    <dgm:scene3d>
+      <a:camera prst="orthographicFront"/>
+      <a:lightRig rig="chilly" dir="t"/>
+    </dgm:scene3d>
+    <dgm:sp3d z="12700" extrusionH="1700" prstMaterial="dkEdge">
+      <a:bevelT w="25400" h="6350" prst="softRound"/>
+      <a:bevelB w="0" h="0" prst="convex"/>
+    </dgm:sp3d>
+    <dgm:txPr/>
+    <dgm:style>
+      <a:lnRef idx="1">
+        <a:scrgbClr r="0" g="0" b="0"/>
+      </a:lnRef>
+      <a:fillRef idx="1">
+        <a:scrgbClr r="0" g="0" b="0"/>
+      </a:fillRef>
+      <a:effectRef idx="0">
+        <a:scrgbClr r="0" g="0" b="0"/>
+      </a:effectRef>
+      <a:fontRef idx="minor"/>
+    </dgm:style>
+  </dgm:styleLbl>
+  <dgm:styleLbl name="alignAccFollowNode1">
+    <dgm:scene3d>
+      <a:camera prst="orthographicFront"/>
+      <a:lightRig rig="chilly" dir="t"/>
+    </dgm:scene3d>
+    <dgm:sp3d extrusionH="1700" prstMaterial="dkEdge">
+      <a:bevelT w="25400" h="6350" prst="softRound"/>
+      <a:bevelB w="0" h="0" prst="convex"/>
+    </dgm:sp3d>
+    <dgm:txPr/>
+    <dgm:style>
+      <a:lnRef idx="1">
+        <a:scrgbClr r="0" g="0" b="0"/>
+      </a:lnRef>
+      <a:fillRef idx="1">
+        <a:scrgbClr r="0" g="0" b="0"/>
+      </a:fillRef>
+      <a:effectRef idx="0">
+        <a:scrgbClr r="0" g="0" b="0"/>
+      </a:effectRef>
+      <a:fontRef idx="minor"/>
+    </dgm:style>
+  </dgm:styleLbl>
+  <dgm:styleLbl name="bgAccFollowNode1">
+    <dgm:scene3d>
+      <a:camera prst="orthographicFront"/>
+      <a:lightRig rig="chilly" dir="t"/>
+    </dgm:scene3d>
+    <dgm:sp3d z="-12700" extrusionH="1700" prstMaterial="dkEdge">
+      <a:bevelT w="25400" h="6350" prst="softRound"/>
+      <a:bevelB w="0" h="0" prst="convex"/>
+    </dgm:sp3d>
+    <dgm:txPr/>
+    <dgm:style>
+      <a:lnRef idx="1">
+        <a:scrgbClr r="0" g="0" b="0"/>
+      </a:lnRef>
+      <a:fillRef idx="1">
+        <a:scrgbClr r="0" g="0" b="0"/>
+      </a:fillRef>
+      <a:effectRef idx="0">
+        <a:scrgbClr r="0" g="0" b="0"/>
+      </a:effectRef>
+      <a:fontRef idx="minor"/>
+    </dgm:style>
+  </dgm:styleLbl>
+  <dgm:styleLbl name="fgAcc0">
+    <dgm:scene3d>
+      <a:camera prst="orthographicFront"/>
+      <a:lightRig rig="chilly" dir="t"/>
+    </dgm:scene3d>
+    <dgm:sp3d z="12700" extrusionH="1700" prstMaterial="dkEdge">
+      <a:bevelT w="25400" h="6350" prst="softRound"/>
+      <a:bevelB w="0" h="0" prst="convex"/>
+    </dgm:sp3d>
+    <dgm:txPr/>
+    <dgm:style>
+      <a:lnRef idx="1">
+        <a:scrgbClr r="0" g="0" b="0"/>
+      </a:lnRef>
+      <a:fillRef idx="1">
+        <a:scrgbClr r="0" g="0" b="0"/>
+      </a:fillRef>
+      <a:effectRef idx="0">
+        <a:scrgbClr r="0" g="0" b="0"/>
+      </a:effectRef>
+      <a:fontRef idx="minor"/>
+    </dgm:style>
+  </dgm:styleLbl>
+  <dgm:styleLbl name="fgAcc2">
+    <dgm:scene3d>
+      <a:camera prst="orthographicFront"/>
+      <a:lightRig rig="chilly" dir="t"/>
+    </dgm:scene3d>
+    <dgm:sp3d z="12700" extrusionH="1700" prstMaterial="dkEdge">
+      <a:bevelT w="25400" h="6350" prst="softRound"/>
+      <a:bevelB w="0" h="0" prst="convex"/>
+    </dgm:sp3d>
+    <dgm:txPr/>
+    <dgm:style>
+      <a:lnRef idx="1">
+        <a:scrgbClr r="0" g="0" b="0"/>
+      </a:lnRef>
+      <a:fillRef idx="1">
+        <a:scrgbClr r="0" g="0" b="0"/>
+      </a:fillRef>
+      <a:effectRef idx="0">
+        <a:scrgbClr r="0" g="0" b="0"/>
+      </a:effectRef>
+      <a:fontRef idx="minor"/>
+    </dgm:style>
+  </dgm:styleLbl>
+  <dgm:styleLbl name="fgAcc3">
+    <dgm:scene3d>
+      <a:camera prst="orthographicFront"/>
+      <a:lightRig rig="chilly" dir="t"/>
+    </dgm:scene3d>
+    <dgm:sp3d z="12700" extrusionH="1700" prstMaterial="dkEdge">
+      <a:bevelT w="25400" h="6350" prst="softRound"/>
+      <a:bevelB w="0" h="0" prst="convex"/>
+    </dgm:sp3d>
+    <dgm:txPr/>
+    <dgm:style>
+      <a:lnRef idx="1">
+        <a:scrgbClr r="0" g="0" b="0"/>
+      </a:lnRef>
+      <a:fillRef idx="1">
+        <a:scrgbClr r="0" g="0" b="0"/>
+      </a:fillRef>
+      <a:effectRef idx="0">
+        <a:scrgbClr r="0" g="0" b="0"/>
+      </a:effectRef>
+      <a:fontRef idx="minor"/>
+    </dgm:style>
+  </dgm:styleLbl>
+  <dgm:styleLbl name="fgAcc4">
+    <dgm:scene3d>
+      <a:camera prst="orthographicFront"/>
+      <a:lightRig rig="chilly" dir="t"/>
+    </dgm:scene3d>
+    <dgm:sp3d z="12700" extrusionH="1700" prstMaterial="dkEdge">
+      <a:bevelT w="25400" h="6350" prst="softRound"/>
+      <a:bevelB w="0" h="0" prst="convex"/>
+    </dgm:sp3d>
+    <dgm:txPr/>
+    <dgm:style>
+      <a:lnRef idx="1">
+        <a:scrgbClr r="0" g="0" b="0"/>
+      </a:lnRef>
+      <a:fillRef idx="1">
+        <a:scrgbClr r="0" g="0" b="0"/>
+      </a:fillRef>
+      <a:effectRef idx="0">
+        <a:scrgbClr r="0" g="0" b="0"/>
+      </a:effectRef>
+      <a:fontRef idx="minor"/>
+    </dgm:style>
+  </dgm:styleLbl>
+  <dgm:styleLbl name="bgShp">
+    <dgm:scene3d>
+      <a:camera prst="orthographicFront"/>
+      <a:lightRig rig="chilly" dir="t"/>
+    </dgm:scene3d>
+    <dgm:sp3d z="-12700" extrusionH="1700" prstMaterial="translucentPowder">
+      <a:bevelT w="25400" h="6350" prst="softRound"/>
+      <a:bevelB w="0" h="0" prst="convex"/>
+    </dgm:sp3d>
+    <dgm:txPr/>
+    <dgm:style>
+      <a:lnRef idx="0">
+        <a:scrgbClr r="0" g="0" b="0"/>
+      </a:lnRef>
+      <a:fillRef idx="1">
+        <a:scrgbClr r="0" g="0" b="0"/>
+      </a:fillRef>
+      <a:effectRef idx="0">
+        <a:scrgbClr r="0" g="0" b="0"/>
+      </a:effectRef>
+      <a:fontRef idx="minor"/>
+    </dgm:style>
+  </dgm:styleLbl>
+  <dgm:styleLbl name="dkBgShp">
+    <dgm:scene3d>
+      <a:camera prst="orthographicFront"/>
+      <a:lightRig rig="chilly" dir="t"/>
+    </dgm:scene3d>
+    <dgm:sp3d extrusionH="1700" prstMaterial="translucentPowder">
+      <a:bevelT w="25400" h="6350" prst="softRound"/>
+      <a:bevelB w="0" h="0" prst="convex"/>
+    </dgm:sp3d>
+    <dgm:txPr/>
+    <dgm:style>
+      <a:lnRef idx="0">
+        <a:scrgbClr r="0" g="0" b="0"/>
+      </a:lnRef>
+      <a:fillRef idx="1">
+        <a:scrgbClr r="0" g="0" b="0"/>
+      </a:fillRef>
+      <a:effectRef idx="0">
+        <a:scrgbClr r="0" g="0" b="0"/>
+      </a:effectRef>
+      <a:fontRef idx="minor"/>
+    </dgm:style>
+  </dgm:styleLbl>
+  <dgm:styleLbl name="trBgShp">
+    <dgm:scene3d>
+      <a:camera prst="orthographicFront"/>
+      <a:lightRig rig="chilly" dir="t"/>
+    </dgm:scene3d>
+    <dgm:sp3d z="-152400" prstMaterial="matte"/>
+    <dgm:txPr/>
+    <dgm:style>
+      <a:lnRef idx="0">
+        <a:scrgbClr r="0" g="0" b="0"/>
+      </a:lnRef>
+      <a:fillRef idx="1">
+        <a:scrgbClr r="0" g="0" b="0"/>
+      </a:fillRef>
+      <a:effectRef idx="0">
+        <a:scrgbClr r="0" g="0" b="0"/>
+      </a:effectRef>
+      <a:fontRef idx="minor"/>
+    </dgm:style>
+  </dgm:styleLbl>
+  <dgm:styleLbl name="fgShp">
+    <dgm:scene3d>
+      <a:camera prst="orthographicFront"/>
+      <a:lightRig rig="chilly" dir="t"/>
+    </dgm:scene3d>
+    <dgm:sp3d z="12700" extrusionH="1700" prstMaterial="translucentPowder">
+      <a:bevelT w="25400" h="6350" prst="softRound"/>
+      <a:bevelB w="0" h="0" prst="convex"/>
+    </dgm:sp3d>
+    <dgm:txPr/>
+    <dgm:style>
+      <a:lnRef idx="0">
+        <a:scrgbClr r="0" g="0" b="0"/>
+      </a:lnRef>
+      <a:fillRef idx="1">
+        <a:scrgbClr r="0" g="0" b="0"/>
+      </a:fillRef>
+      <a:effectRef idx="0">
+        <a:scrgbClr r="0" g="0" b="0"/>
+      </a:effectRef>
+      <a:fontRef idx="minor"/>
+    </dgm:style>
+  </dgm:styleLbl>
+  <dgm:styleLbl name="revTx">
+    <dgm:scene3d>
+      <a:camera prst="orthographicFront"/>
+      <a:lightRig rig="threePt" dir="t"/>
+    </dgm:scene3d>
+    <dgm:sp3d/>
+    <dgm:txPr/>
+    <dgm:style>
+      <a:lnRef idx="0">
+        <a:scrgbClr r="0" g="0" b="0"/>
+      </a:lnRef>
+      <a:fillRef idx="0">
+        <a:scrgbClr r="0" g="0" b="0"/>
+      </a:fillRef>
+      <a:effectRef idx="0">
+        <a:scrgbClr r="0" g="0" b="0"/>
+      </a:effectRef>
+      <a:fontRef idx="minor"/>
+    </dgm:style>
+  </dgm:styleLbl>
+</dgm:styleDef>
+</file>
+
+<file path=ppt/diagrams/quickStyle2.xml><?xml version="1.0" encoding="utf-8"?>
+<dgm:styleDef xmlns:dgm="http://schemas.openxmlformats.org/drawingml/2006/diagram" xmlns:a="http://schemas.openxmlformats.org/drawingml/2006/main" uniqueId="urn:microsoft.com/office/officeart/2005/8/quickstyle/simple1">
+  <dgm:title val=""/>
+  <dgm:desc val=""/>
+  <dgm:catLst>
+    <dgm:cat type="simple" pri="10100"/>
+  </dgm:catLst>
+  <dgm:scene3d>
+    <a:camera prst="orthographicFront"/>
+    <a:lightRig rig="threePt" dir="t"/>
+  </dgm:scene3d>
+  <dgm:styleLbl name="node0">
+    <dgm:scene3d>
+      <a:camera prst="orthographicFront"/>
+      <a:lightRig rig="threePt" dir="t"/>
+    </dgm:scene3d>
+    <dgm:sp3d/>
+    <dgm:txPr/>
+    <dgm:style>
+      <a:lnRef idx="2">
+        <a:scrgbClr r="0" g="0" b="0"/>
+      </a:lnRef>
+      <a:fillRef idx="1">
+        <a:scrgbClr r="0" g="0" b="0"/>
+      </a:fillRef>
+      <a:effectRef idx="0">
+        <a:scrgbClr r="0" g="0" b="0"/>
+      </a:effectRef>
+      <a:fontRef idx="minor">
+        <a:schemeClr val="lt1"/>
+      </a:fontRef>
+    </dgm:style>
+  </dgm:styleLbl>
+  <dgm:styleLbl name="lnNode1">
+    <dgm:scene3d>
+      <a:camera prst="orthographicFront"/>
+      <a:lightRig rig="threePt" dir="t"/>
+    </dgm:scene3d>
+    <dgm:sp3d/>
+    <dgm:txPr/>
+    <dgm:style>
+      <a:lnRef idx="2">
+        <a:scrgbClr r="0" g="0" b="0"/>
+      </a:lnRef>
+      <a:fillRef idx="1">
+        <a:scrgbClr r="0" g="0" b="0"/>
+      </a:fillRef>
+      <a:effectRef idx="0">
+        <a:scrgbClr r="0" g="0" b="0"/>
+      </a:effectRef>
+      <a:fontRef idx="minor">
+        <a:schemeClr val="lt1"/>
+      </a:fontRef>
+    </dgm:style>
+  </dgm:styleLbl>
+  <dgm:styleLbl name="vennNode1">
+    <dgm:scene3d>
+      <a:camera prst="orthographicFront"/>
+      <a:lightRig rig="threePt" dir="t"/>
+    </dgm:scene3d>
+    <dgm:sp3d/>
+    <dgm:txPr/>
+    <dgm:style>
+      <a:lnRef idx="2">
+        <a:scrgbClr r="0" g="0" b="0"/>
+      </a:lnRef>
+      <a:fillRef idx="1">
+        <a:scrgbClr r="0" g="0" b="0"/>
+      </a:fillRef>
+      <a:effectRef idx="0">
+        <a:scrgbClr r="0" g="0" b="0"/>
+      </a:effectRef>
+      <a:fontRef idx="minor">
+        <a:schemeClr val="tx1"/>
+      </a:fontRef>
+    </dgm:style>
+  </dgm:styleLbl>
+  <dgm:styleLbl name="alignNode1">
+    <dgm:scene3d>
+      <a:camera prst="orthographicFront"/>
+      <a:lightRig rig="threePt" dir="t"/>
+    </dgm:scene3d>
+    <dgm:sp3d/>
+    <dgm:txPr/>
+    <dgm:style>
+      <a:lnRef idx="2">
+        <a:scrgbClr r="0" g="0" b="0"/>
+      </a:lnRef>
+      <a:fillRef idx="1">
+        <a:scrgbClr r="0" g="0" b="0"/>
+      </a:fillRef>
+      <a:effectRef idx="0">
+        <a:scrgbClr r="0" g="0" b="0"/>
+      </a:effectRef>
+      <a:fontRef idx="minor">
+        <a:schemeClr val="lt1"/>
+      </a:fontRef>
+    </dgm:style>
+  </dgm:styleLbl>
+  <dgm:styleLbl name="node1">
+    <dgm:scene3d>
+      <a:camera prst="orthographicFront"/>
+      <a:lightRig rig="threePt" dir="t"/>
+    </dgm:scene3d>
+    <dgm:sp3d/>
+    <dgm:txPr/>
+    <dgm:style>
+      <a:lnRef idx="2">
+        <a:scrgbClr r="0" g="0" b="0"/>
+      </a:lnRef>
+      <a:fillRef idx="1">
+        <a:scrgbClr r="0" g="0" b="0"/>
+      </a:fillRef>
+      <a:effectRef idx="0">
+        <a:scrgbClr r="0" g="0" b="0"/>
+      </a:effectRef>
+      <a:fontRef idx="minor">
+        <a:schemeClr val="lt1"/>
+      </a:fontRef>
+    </dgm:style>
+  </dgm:styleLbl>
+  <dgm:styleLbl name="node2">
+    <dgm:scene3d>
+      <a:camera prst="orthographicFront"/>
+      <a:lightRig rig="threePt" dir="t"/>
+    </dgm:scene3d>
+    <dgm:sp3d/>
+    <dgm:txPr/>
+    <dgm:style>
+      <a:lnRef idx="2">
+        <a:scrgbClr r="0" g="0" b="0"/>
+      </a:lnRef>
+      <a:fillRef idx="1">
+        <a:scrgbClr r="0" g="0" b="0"/>
+      </a:fillRef>
+      <a:effectRef idx="0">
+        <a:scrgbClr r="0" g="0" b="0"/>
+      </a:effectRef>
+      <a:fontRef idx="minor">
+        <a:schemeClr val="lt1"/>
+      </a:fontRef>
+    </dgm:style>
+  </dgm:styleLbl>
+  <dgm:styleLbl name="node3">
+    <dgm:scene3d>
+      <a:camera prst="orthographicFront"/>
+      <a:lightRig rig="threePt" dir="t"/>
+    </dgm:scene3d>
+    <dgm:sp3d/>
+    <dgm:txPr/>
+    <dgm:style>
+      <a:lnRef idx="2">
+        <a:scrgbClr r="0" g="0" b="0"/>
+      </a:lnRef>
+      <a:fillRef idx="1">
+        <a:scrgbClr r="0" g="0" b="0"/>
+      </a:fillRef>
+      <a:effectRef idx="0">
+        <a:scrgbClr r="0" g="0" b="0"/>
+      </a:effectRef>
+      <a:fontRef idx="minor">
+        <a:schemeClr val="lt1"/>
+      </a:fontRef>
+    </dgm:style>
+  </dgm:styleLbl>
+  <dgm:styleLbl name="node4">
+    <dgm:scene3d>
+      <a:camera prst="orthographicFront"/>
+      <a:lightRig rig="threePt" dir="t"/>
+    </dgm:scene3d>
+    <dgm:sp3d/>
+    <dgm:txPr/>
+    <dgm:style>
+      <a:lnRef idx="2">
+        <a:scrgbClr r="0" g="0" b="0"/>
+      </a:lnRef>
+      <a:fillRef idx="1">
+        <a:scrgbClr r="0" g="0" b="0"/>
+      </a:fillRef>
+      <a:effectRef idx="0">
+        <a:scrgbClr r="0" g="0" b="0"/>
+      </a:effectRef>
+      <a:fontRef idx="minor">
+        <a:schemeClr val="lt1"/>
+      </a:fontRef>
+    </dgm:style>
+  </dgm:styleLbl>
+  <dgm:styleLbl name="fgImgPlace1">
+    <dgm:scene3d>
+      <a:camera prst="orthographicFront"/>
+      <a:lightRig rig="threePt" dir="t"/>
+    </dgm:scene3d>
+    <dgm:sp3d/>
+    <dgm:txPr/>
+    <dgm:style>
+      <a:lnRef idx="2">
+        <a:scrgbClr r="0" g="0" b="0"/>
+      </a:lnRef>
+      <a:fillRef idx="1">
+        <a:scrgbClr r="0" g="0" b="0"/>
+      </a:fillRef>
+      <a:effectRef idx="0">
+        <a:scrgbClr r="0" g="0" b="0"/>
+      </a:effectRef>
+      <a:fontRef idx="minor"/>
+    </dgm:style>
+  </dgm:styleLbl>
+  <dgm:styleLbl name="alignImgPlace1">
+    <dgm:scene3d>
+      <a:camera prst="orthographicFront"/>
+      <a:lightRig rig="threePt" dir="t"/>
+    </dgm:scene3d>
+    <dgm:sp3d/>
+    <dgm:txPr/>
+    <dgm:style>
+      <a:lnRef idx="2">
+        <a:scrgbClr r="0" g="0" b="0"/>
+      </a:lnRef>
+      <a:fillRef idx="1">
+        <a:scrgbClr r="0" g="0" b="0"/>
+      </a:fillRef>
+      <a:effectRef idx="0">
+        <a:scrgbClr r="0" g="0" b="0"/>
+      </a:effectRef>
+      <a:fontRef idx="minor"/>
+    </dgm:style>
+  </dgm:styleLbl>
+  <dgm:styleLbl name="bgImgPlace1">
+    <dgm:scene3d>
+      <a:camera prst="orthographicFront"/>
+      <a:lightRig rig="threePt" dir="t"/>
+    </dgm:scene3d>
+    <dgm:sp3d/>
+    <dgm:txPr/>
+    <dgm:style>
+      <a:lnRef idx="2">
+        <a:scrgbClr r="0" g="0" b="0"/>
+      </a:lnRef>
+      <a:fillRef idx="1">
+        <a:scrgbClr r="0" g="0" b="0"/>
+      </a:fillRef>
+      <a:effectRef idx="0">
+        <a:scrgbClr r="0" g="0" b="0"/>
+      </a:effectRef>
+      <a:fontRef idx="minor"/>
+    </dgm:style>
+  </dgm:styleLbl>
+  <dgm:styleLbl name="sibTrans2D1">
+    <dgm:scene3d>
+      <a:camera prst="orthographicFront"/>
+      <a:lightRig rig="threePt" dir="t"/>
+    </dgm:scene3d>
+    <dgm:sp3d/>
+    <dgm:txPr/>
+    <dgm:style>
+      <a:lnRef idx="0">
+        <a:scrgbClr r="0" g="0" b="0"/>
+      </a:lnRef>
+      <a:fillRef idx="1">
+        <a:scrgbClr r="0" g="0" b="0"/>
+      </a:fillRef>
+      <a:effectRef idx="0">
+        <a:scrgbClr r="0" g="0" b="0"/>
+      </a:effectRef>
+      <a:fontRef idx="minor">
+        <a:schemeClr val="lt1"/>
+      </a:fontRef>
+    </dgm:style>
+  </dgm:styleLbl>
+  <dgm:styleLbl name="fgSibTrans2D1">
+    <dgm:scene3d>
+      <a:camera prst="orthographicFront"/>
+      <a:lightRig rig="threePt" dir="t"/>
+    </dgm:scene3d>
+    <dgm:sp3d/>
+    <dgm:txPr/>
+    <dgm:style>
+      <a:lnRef idx="0">
+        <a:scrgbClr r="0" g="0" b="0"/>
+      </a:lnRef>
+      <a:fillRef idx="1">
+        <a:scrgbClr r="0" g="0" b="0"/>
+      </a:fillRef>
+      <a:effectRef idx="0">
+        <a:scrgbClr r="0" g="0" b="0"/>
+      </a:effectRef>
+      <a:fontRef idx="minor">
+        <a:schemeClr val="lt1"/>
+      </a:fontRef>
+    </dgm:style>
+  </dgm:styleLbl>
+  <dgm:styleLbl name="bgSibTrans2D1">
+    <dgm:scene3d>
+      <a:camera prst="orthographicFront"/>
+      <a:lightRig rig="threePt" dir="t"/>
+    </dgm:scene3d>
+    <dgm:sp3d/>
+    <dgm:txPr/>
+    <dgm:style>
+      <a:lnRef idx="0">
+        <a:scrgbClr r="0" g="0" b="0"/>
+      </a:lnRef>
+      <a:fillRef idx="1">
+        <a:scrgbClr r="0" g="0" b="0"/>
+      </a:fillRef>
+      <a:effectRef idx="0">
+        <a:scrgbClr r="0" g="0" b="0"/>
+      </a:effectRef>
+      <a:fontRef idx="minor">
+        <a:schemeClr val="lt1"/>
+      </a:fontRef>
+    </dgm:style>
+  </dgm:styleLbl>
+  <dgm:styleLbl name="sibTrans1D1">
+    <dgm:scene3d>
+      <a:camera prst="orthographicFront"/>
+      <a:lightRig rig="threePt" dir="t"/>
+    </dgm:scene3d>
+    <dgm:sp3d/>
+    <dgm:txPr/>
+    <dgm:style>
+      <a:lnRef idx="1">
+        <a:scrgbClr r="0" g="0" b="0"/>
+      </a:lnRef>
+      <a:fillRef idx="0">
+        <a:scrgbClr r="0" g="0" b="0"/>
+      </a:fillRef>
+      <a:effectRef idx="0">
+        <a:scrgbClr r="0" g="0" b="0"/>
+      </a:effectRef>
+      <a:fontRef idx="minor"/>
+    </dgm:style>
+  </dgm:styleLbl>
+  <dgm:styleLbl name="callout">
+    <dgm:scene3d>
+      <a:camera prst="orthographicFront"/>
+      <a:lightRig rig="threePt" dir="t"/>
+    </dgm:scene3d>
+    <dgm:sp3d/>
+    <dgm:txPr/>
+    <dgm:style>
+      <a:lnRef idx="2">
+        <a:scrgbClr r="0" g="0" b="0"/>
+      </a:lnRef>
+      <a:fillRef idx="1">
+        <a:scrgbClr r="0" g="0" b="0"/>
+      </a:fillRef>
+      <a:effectRef idx="0">
+        <a:scrgbClr r="0" g="0" b="0"/>
+      </a:effectRef>
+      <a:fontRef idx="minor"/>
+    </dgm:style>
+  </dgm:styleLbl>
+  <dgm:styleLbl name="asst0">
+    <dgm:scene3d>
+      <a:camera prst="orthographicFront"/>
+      <a:lightRig rig="threePt" dir="t"/>
+    </dgm:scene3d>
+    <dgm:sp3d/>
+    <dgm:txPr/>
+    <dgm:style>
+      <a:lnRef idx="2">
+        <a:scrgbClr r="0" g="0" b="0"/>
+      </a:lnRef>
+      <a:fillRef idx="1">
+        <a:scrgbClr r="0" g="0" b="0"/>
+      </a:fillRef>
+      <a:effectRef idx="0">
+        <a:scrgbClr r="0" g="0" b="0"/>
+      </a:effectRef>
+      <a:fontRef idx="minor">
+        <a:schemeClr val="lt1"/>
+      </a:fontRef>
+    </dgm:style>
+  </dgm:styleLbl>
+  <dgm:styleLbl name="asst1">
+    <dgm:scene3d>
+      <a:camera prst="orthographicFront"/>
+      <a:lightRig rig="threePt" dir="t"/>
+    </dgm:scene3d>
+    <dgm:sp3d/>
+    <dgm:txPr/>
+    <dgm:style>
+      <a:lnRef idx="2">
+        <a:scrgbClr r="0" g="0" b="0"/>
+      </a:lnRef>
+      <a:fillRef idx="1">
+        <a:scrgbClr r="0" g="0" b="0"/>
+      </a:fillRef>
+      <a:effectRef idx="0">
+        <a:scrgbClr r="0" g="0" b="0"/>
+      </a:effectRef>
+      <a:fontRef idx="minor">
+        <a:schemeClr val="lt1"/>
+      </a:fontRef>
+    </dgm:style>
+  </dgm:styleLbl>
+  <dgm:styleLbl name="asst2">
+    <dgm:scene3d>
+      <a:camera prst="orthographicFront"/>
+      <a:lightRig rig="threePt" dir="t"/>
+    </dgm:scene3d>
+    <dgm:sp3d/>
+    <dgm:txPr/>
+    <dgm:style>
+      <a:lnRef idx="2">
+        <a:scrgbClr r="0" g="0" b="0"/>
+      </a:lnRef>
+      <a:fillRef idx="1">
+        <a:scrgbClr r="0" g="0" b="0"/>
+      </a:fillRef>
+      <a:effectRef idx="0">
+        <a:scrgbClr r="0" g="0" b="0"/>
+      </a:effectRef>
+      <a:fontRef idx="minor">
+        <a:schemeClr val="lt1"/>
+      </a:fontRef>
+    </dgm:style>
+  </dgm:styleLbl>
+  <dgm:styleLbl name="asst3">
+    <dgm:scene3d>
+      <a:camera prst="orthographicFront"/>
+      <a:lightRig rig="threePt" dir="t"/>
+    </dgm:scene3d>
+    <dgm:sp3d/>
+    <dgm:txPr/>
+    <dgm:style>
+      <a:lnRef idx="2">
+        <a:scrgbClr r="0" g="0" b="0"/>
+      </a:lnRef>
+      <a:fillRef idx="1">
+        <a:scrgbClr r="0" g="0" b="0"/>
+      </a:fillRef>
+      <a:effectRef idx="0">
+        <a:scrgbClr r="0" g="0" b="0"/>
+      </a:effectRef>
+      <a:fontRef idx="minor">
+        <a:schemeClr val="lt1"/>
+      </a:fontRef>
+    </dgm:style>
+  </dgm:styleLbl>
+  <dgm:styleLbl name="asst4">
+    <dgm:scene3d>
+      <a:camera prst="orthographicFront"/>
+      <a:lightRig rig="threePt" dir="t"/>
+    </dgm:scene3d>
+    <dgm:sp3d/>
+    <dgm:txPr/>
+    <dgm:style>
+      <a:lnRef idx="2">
+        <a:scrgbClr r="0" g="0" b="0"/>
+      </a:lnRef>
+      <a:fillRef idx="1">
+        <a:scrgbClr r="0" g="0" b="0"/>
+      </a:fillRef>
+      <a:effectRef idx="0">
+        <a:scrgbClr r="0" g="0" b="0"/>
+      </a:effectRef>
+      <a:fontRef idx="minor">
+        <a:schemeClr val="lt1"/>
+      </a:fontRef>
+    </dgm:style>
+  </dgm:styleLbl>
+  <dgm:styleLbl name="parChTrans2D1">
+    <dgm:scene3d>
+      <a:camera prst="orthographicFront"/>
+      <a:lightRig rig="threePt" dir="t"/>
+    </dgm:scene3d>
+    <dgm:sp3d/>
+    <dgm:txPr/>
+    <dgm:style>
+      <a:lnRef idx="2">
+        <a:scrgbClr r="0" g="0" b="0"/>
+      </a:lnRef>
+      <a:fillRef idx="1">
+        <a:scrgbClr r="0" g="0" b="0"/>
+      </a:fillRef>
+      <a:effectRef idx="0">
+        <a:scrgbClr r="0" g="0" b="0"/>
+      </a:effectRef>
+      <a:fontRef idx="minor">
+        <a:schemeClr val="lt1"/>
+      </a:fontRef>
+    </dgm:style>
+  </dgm:styleLbl>
+  <dgm:styleLbl name="parChTrans2D2">
+    <dgm:scene3d>
+      <a:camera prst="orthographicFront"/>
+      <a:lightRig rig="threePt" dir="t"/>
+    </dgm:scene3d>
+    <dgm:sp3d/>
+    <dgm:txPr/>
+    <dgm:style>
+      <a:lnRef idx="2">
+        <a:scrgbClr r="0" g="0" b="0"/>
+      </a:lnRef>
+      <a:fillRef idx="1">
+        <a:scrgbClr r="0" g="0" b="0"/>
+      </a:fillRef>
+      <a:effectRef idx="0">
+        <a:scrgbClr r="0" g="0" b="0"/>
+      </a:effectRef>
+      <a:fontRef idx="minor">
+        <a:schemeClr val="lt1"/>
+      </a:fontRef>
+    </dgm:style>
+  </dgm:styleLbl>
+  <dgm:styleLbl name="parChTrans2D3">
+    <dgm:scene3d>
+      <a:camera prst="orthographicFront"/>
+      <a:lightRig rig="threePt" dir="t"/>
+    </dgm:scene3d>
+    <dgm:sp3d/>
+    <dgm:txPr/>
+    <dgm:style>
+      <a:lnRef idx="2">
+        <a:scrgbClr r="0" g="0" b="0"/>
+      </a:lnRef>
+      <a:fillRef idx="1">
+        <a:scrgbClr r="0" g="0" b="0"/>
+      </a:fillRef>
+      <a:effectRef idx="0">
+        <a:scrgbClr r="0" g="0" b="0"/>
+      </a:effectRef>
+      <a:fontRef idx="minor">
+        <a:schemeClr val="lt1"/>
+      </a:fontRef>
+    </dgm:style>
+  </dgm:styleLbl>
+  <dgm:styleLbl name="parChTrans2D4">
+    <dgm:scene3d>
+      <a:camera prst="orthographicFront"/>
+      <a:lightRig rig="threePt" dir="t"/>
+    </dgm:scene3d>
+    <dgm:sp3d/>
+    <dgm:txPr/>
+    <dgm:style>
+      <a:lnRef idx="2">
+        <a:scrgbClr r="0" g="0" b="0"/>
+      </a:lnRef>
+      <a:fillRef idx="1">
+        <a:scrgbClr r="0" g="0" b="0"/>
+      </a:fillRef>
+      <a:effectRef idx="0">
+        <a:scrgbClr r="0" g="0" b="0"/>
+      </a:effectRef>
+      <a:fontRef idx="minor">
+        <a:schemeClr val="lt1"/>
+      </a:fontRef>
+    </dgm:style>
+  </dgm:styleLbl>
+  <dgm:styleLbl name="parChTrans1D1">
+    <dgm:scene3d>
+      <a:camera prst="orthographicFront"/>
+      <a:lightRig rig="threePt" dir="t"/>
+    </dgm:scene3d>
+    <dgm:sp3d/>
+    <dgm:txPr/>
+    <dgm:style>
+      <a:lnRef idx="2">
+        <a:scrgbClr r="0" g="0" b="0"/>
+      </a:lnRef>
+      <a:fillRef idx="0">
+        <a:scrgbClr r="0" g="0" b="0"/>
+      </a:fillRef>
+      <a:effectRef idx="0">
+        <a:scrgbClr r="0" g="0" b="0"/>
+      </a:effectRef>
+      <a:fontRef idx="minor"/>
+    </dgm:style>
+  </dgm:styleLbl>
+  <dgm:styleLbl name="parChTrans1D2">
+    <dgm:scene3d>
+      <a:camera prst="orthographicFront"/>
+      <a:lightRig rig="threePt" dir="t"/>
+    </dgm:scene3d>
+    <dgm:sp3d/>
+    <dgm:txPr/>
+    <dgm:style>
+      <a:lnRef idx="2">
+        <a:scrgbClr r="0" g="0" b="0"/>
+      </a:lnRef>
+      <a:fillRef idx="0">
+        <a:scrgbClr r="0" g="0" b="0"/>
+      </a:fillRef>
+      <a:effectRef idx="0">
+        <a:scrgbClr r="0" g="0" b="0"/>
+      </a:effectRef>
+      <a:fontRef idx="minor"/>
+    </dgm:style>
+  </dgm:styleLbl>
+  <dgm:styleLbl name="parChTrans1D3">
+    <dgm:scene3d>
+      <a:camera prst="orthographicFront"/>
+      <a:lightRig rig="threePt" dir="t"/>
+    </dgm:scene3d>
+    <dgm:sp3d/>
+    <dgm:txPr/>
+    <dgm:style>
+      <a:lnRef idx="2">
+        <a:scrgbClr r="0" g="0" b="0"/>
+      </a:lnRef>
+      <a:fillRef idx="0">
+        <a:scrgbClr r="0" g="0" b="0"/>
+      </a:fillRef>
+      <a:effectRef idx="0">
+        <a:scrgbClr r="0" g="0" b="0"/>
+      </a:effectRef>
+      <a:fontRef idx="minor"/>
+    </dgm:style>
+  </dgm:styleLbl>
+  <dgm:styleLbl name="parChTrans1D4">
+    <dgm:scene3d>
+      <a:camera prst="orthographicFront"/>
+      <a:lightRig rig="threePt" dir="t"/>
+    </dgm:scene3d>
+    <dgm:sp3d/>
+    <dgm:txPr/>
+    <dgm:style>
+      <a:lnRef idx="2">
+        <a:scrgbClr r="0" g="0" b="0"/>
+      </a:lnRef>
+      <a:fillRef idx="0">
+        <a:scrgbClr r="0" g="0" b="0"/>
+      </a:fillRef>
+      <a:effectRef idx="0">
+        <a:scrgbClr r="0" g="0" b="0"/>
+      </a:effectRef>
+      <a:fontRef idx="minor"/>
+    </dgm:style>
+  </dgm:styleLbl>
+  <dgm:styleLbl name="fgAcc1">
+    <dgm:scene3d>
+      <a:camera prst="orthographicFront"/>
+      <a:lightRig rig="threePt" dir="t"/>
+    </dgm:scene3d>
+    <dgm:sp3d/>
+    <dgm:txPr/>
+    <dgm:style>
+      <a:lnRef idx="2">
+        <a:scrgbClr r="0" g="0" b="0"/>
+      </a:lnRef>
+      <a:fillRef idx="1">
+        <a:scrgbClr r="0" g="0" b="0"/>
+      </a:fillRef>
+      <a:effectRef idx="0">
+        <a:scrgbClr r="0" g="0" b="0"/>
+      </a:effectRef>
+      <a:fontRef idx="minor"/>
+    </dgm:style>
+  </dgm:styleLbl>
+  <dgm:styleLbl name="conFgAcc1">
+    <dgm:scene3d>
+      <a:camera prst="orthographicFront"/>
+      <a:lightRig rig="threePt" dir="t"/>
+    </dgm:scene3d>
+    <dgm:sp3d/>
+    <dgm:txPr/>
+    <dgm:style>
+      <a:lnRef idx="2">
+        <a:scrgbClr r="0" g="0" b="0"/>
+      </a:lnRef>
+      <a:fillRef idx="1">
+        <a:scrgbClr r="0" g="0" b="0"/>
+      </a:fillRef>
+      <a:effectRef idx="0">
+        <a:scrgbClr r="0" g="0" b="0"/>
+      </a:effectRef>
+      <a:fontRef idx="minor"/>
+    </dgm:style>
+  </dgm:styleLbl>
+  <dgm:styleLbl name="alignAcc1">
+    <dgm:scene3d>
+      <a:camera prst="orthographicFront"/>
+      <a:lightRig rig="threePt" dir="t"/>
+    </dgm:scene3d>
+    <dgm:sp3d/>
+    <dgm:txPr/>
+    <dgm:style>
+      <a:lnRef idx="2">
+        <a:scrgbClr r="0" g="0" b="0"/>
+      </a:lnRef>
+      <a:fillRef idx="1">
+        <a:scrgbClr r="0" g="0" b="0"/>
+      </a:fillRef>
+      <a:effectRef idx="0">
+        <a:scrgbClr r="0" g="0" b="0"/>
+      </a:effectRef>
+      <a:fontRef idx="minor"/>
+    </dgm:style>
+  </dgm:styleLbl>
+  <dgm:styleLbl name="trAlignAcc1">
+    <dgm:scene3d>
+      <a:camera prst="orthographicFront"/>
+      <a:lightRig rig="threePt" dir="t"/>
+    </dgm:scene3d>
+    <dgm:sp3d/>
+    <dgm:txPr/>
+    <dgm:style>
+      <a:lnRef idx="1">
+        <a:scrgbClr r="0" g="0" b="0"/>
+      </a:lnRef>
+      <a:fillRef idx="1">
+        <a:scrgbClr r="0" g="0" b="0"/>
+      </a:fillRef>
+      <a:effectRef idx="0">
+        <a:scrgbClr r="0" g="0" b="0"/>
+      </a:effectRef>
+      <a:fontRef idx="minor"/>
+    </dgm:style>
+  </dgm:styleLbl>
+  <dgm:styleLbl name="bgAcc1">
+    <dgm:scene3d>
+      <a:camera prst="orthographicFront"/>
+      <a:lightRig rig="threePt" dir="t"/>
+    </dgm:scene3d>
+    <dgm:sp3d/>
+    <dgm:txPr/>
+    <dgm:style>
+      <a:lnRef idx="2">
+        <a:scrgbClr r="0" g="0" b="0"/>
+      </a:lnRef>
+      <a:fillRef idx="1">
+        <a:scrgbClr r="0" g="0" b="0"/>
+      </a:fillRef>
+      <a:effectRef idx="0">
+        <a:scrgbClr r="0" g="0" b="0"/>
+      </a:effectRef>
+      <a:fontRef idx="minor"/>
+    </dgm:style>
+  </dgm:styleLbl>
+  <dgm:styleLbl name="solidFgAcc1">
+    <dgm:scene3d>
+      <a:camera prst="orthographicFront"/>
+      <a:lightRig rig="threePt" dir="t"/>
+    </dgm:scene3d>
+    <dgm:sp3d/>
+    <dgm:txPr/>
+    <dgm:style>
+      <a:lnRef idx="2">
+        <a:scrgbClr r="0" g="0" b="0"/>
+      </a:lnRef>
+      <a:fillRef idx="1">
+        <a:scrgbClr r="0" g="0" b="0"/>
+      </a:fillRef>
+      <a:effectRef idx="0">
+        <a:scrgbClr r="0" g="0" b="0"/>
+      </a:effectRef>
+      <a:fontRef idx="minor"/>
+    </dgm:style>
+  </dgm:styleLbl>
+  <dgm:styleLbl name="solidAlignAcc1">
+    <dgm:scene3d>
+      <a:camera prst="orthographicFront"/>
+      <a:lightRig rig="threePt" dir="t"/>
+    </dgm:scene3d>
+    <dgm:sp3d/>
+    <dgm:txPr/>
+    <dgm:style>
+      <a:lnRef idx="2">
+        <a:scrgbClr r="0" g="0" b="0"/>
+      </a:lnRef>
+      <a:fillRef idx="1">
+        <a:scrgbClr r="0" g="0" b="0"/>
+      </a:fillRef>
+      <a:effectRef idx="0">
+        <a:scrgbClr r="0" g="0" b="0"/>
+      </a:effectRef>
+      <a:fontRef idx="minor"/>
+    </dgm:style>
+  </dgm:styleLbl>
+  <dgm:styleLbl name="solidBgAcc1">
+    <dgm:scene3d>
+      <a:camera prst="orthographicFront"/>
+      <a:lightRig rig="threePt" dir="t"/>
+    </dgm:scene3d>
+    <dgm:sp3d/>
+    <dgm:txPr/>
+    <dgm:style>
+      <a:lnRef idx="2">
+        <a:scrgbClr r="0" g="0" b="0"/>
+      </a:lnRef>
+      <a:fillRef idx="1">
+        <a:scrgbClr r="0" g="0" b="0"/>
+      </a:fillRef>
+      <a:effectRef idx="0">
+        <a:scrgbClr r="0" g="0" b="0"/>
+      </a:effectRef>
+      <a:fontRef idx="minor"/>
+    </dgm:style>
+  </dgm:styleLbl>
+  <dgm:styleLbl name="fgAccFollowNode1">
+    <dgm:scene3d>
+      <a:camera prst="orthographicFront"/>
+      <a:lightRig rig="threePt" dir="t"/>
+    </dgm:scene3d>
+    <dgm:sp3d/>
+    <dgm:txPr/>
+    <dgm:style>
+      <a:lnRef idx="2">
+        <a:scrgbClr r="0" g="0" b="0"/>
+      </a:lnRef>
+      <a:fillRef idx="1">
+        <a:scrgbClr r="0" g="0" b="0"/>
+      </a:fillRef>
+      <a:effectRef idx="0">
+        <a:scrgbClr r="0" g="0" b="0"/>
+      </a:effectRef>
+      <a:fontRef idx="minor"/>
+    </dgm:style>
+  </dgm:styleLbl>
+  <dgm:styleLbl name="alignAccFollowNode1">
+    <dgm:scene3d>
+      <a:camera prst="orthographicFront"/>
+      <a:lightRig rig="threePt" dir="t"/>
+    </dgm:scene3d>
+    <dgm:sp3d/>
+    <dgm:txPr/>
+    <dgm:style>
+      <a:lnRef idx="2">
+        <a:scrgbClr r="0" g="0" b="0"/>
+      </a:lnRef>
+      <a:fillRef idx="1">
+        <a:scrgbClr r="0" g="0" b="0"/>
+      </a:fillRef>
+      <a:effectRef idx="0">
+        <a:scrgbClr r="0" g="0" b="0"/>
+      </a:effectRef>
+      <a:fontRef idx="minor"/>
+    </dgm:style>
+  </dgm:styleLbl>
+  <dgm:styleLbl name="bgAccFollowNode1">
+    <dgm:scene3d>
+      <a:camera prst="orthographicFront"/>
+      <a:lightRig rig="threePt" dir="t"/>
+    </dgm:scene3d>
+    <dgm:sp3d/>
+    <dgm:txPr/>
+    <dgm:style>
+      <a:lnRef idx="2">
+        <a:scrgbClr r="0" g="0" b="0"/>
+      </a:lnRef>
+      <a:fillRef idx="1">
+        <a:scrgbClr r="0" g="0" b="0"/>
+      </a:fillRef>
+      <a:effectRef idx="0">
+        <a:scrgbClr r="0" g="0" b="0"/>
+      </a:effectRef>
+      <a:fontRef idx="minor"/>
+    </dgm:style>
+  </dgm:styleLbl>
+  <dgm:styleLbl name="fgAcc0">
+    <dgm:scene3d>
+      <a:camera prst="orthographicFront"/>
+      <a:lightRig rig="threePt" dir="t"/>
+    </dgm:scene3d>
+    <dgm:sp3d/>
+    <dgm:txPr/>
+    <dgm:style>
+      <a:lnRef idx="2">
+        <a:scrgbClr r="0" g="0" b="0"/>
+      </a:lnRef>
+      <a:fillRef idx="1">
+        <a:scrgbClr r="0" g="0" b="0"/>
+      </a:fillRef>
+      <a:effectRef idx="0">
+        <a:scrgbClr r="0" g="0" b="0"/>
+      </a:effectRef>
+      <a:fontRef idx="minor"/>
+    </dgm:style>
+  </dgm:styleLbl>
+  <dgm:styleLbl name="fgAcc2">
+    <dgm:scene3d>
+      <a:camera prst="orthographicFront"/>
+      <a:lightRig rig="threePt" dir="t"/>
+    </dgm:scene3d>
+    <dgm:sp3d/>
+    <dgm:txPr/>
+    <dgm:style>
+      <a:lnRef idx="2">
+        <a:scrgbClr r="0" g="0" b="0"/>
+      </a:lnRef>
+      <a:fillRef idx="1">
+        <a:scrgbClr r="0" g="0" b="0"/>
+      </a:fillRef>
+      <a:effectRef idx="0">
+        <a:scrgbClr r="0" g="0" b="0"/>
+      </a:effectRef>
+      <a:fontRef idx="minor"/>
+    </dgm:style>
+  </dgm:styleLbl>
+  <dgm:styleLbl name="fgAcc3">
+    <dgm:scene3d>
+      <a:camera prst="orthographicFront"/>
+      <a:lightRig rig="threePt" dir="t"/>
+    </dgm:scene3d>
+    <dgm:sp3d/>
+    <dgm:txPr/>
+    <dgm:style>
+      <a:lnRef idx="2">
+        <a:scrgbClr r="0" g="0" b="0"/>
+      </a:lnRef>
+      <a:fillRef idx="1">
+        <a:scrgbClr r="0" g="0" b="0"/>
+      </a:fillRef>
+      <a:effectRef idx="0">
+        <a:scrgbClr r="0" g="0" b="0"/>
+      </a:effectRef>
+      <a:fontRef idx="minor"/>
+    </dgm:style>
+  </dgm:styleLbl>
+  <dgm:styleLbl name="fgAcc4">
+    <dgm:scene3d>
+      <a:camera prst="orthographicFront"/>
+      <a:lightRig rig="threePt" dir="t"/>
+    </dgm:scene3d>
+    <dgm:sp3d/>
+    <dgm:txPr/>
+    <dgm:style>
+      <a:lnRef idx="2">
+        <a:scrgbClr r="0" g="0" b="0"/>
+      </a:lnRef>
+      <a:fillRef idx="1">
+        <a:scrgbClr r="0" g="0" b="0"/>
+      </a:fillRef>
+      <a:effectRef idx="0">
+        <a:scrgbClr r="0" g="0" b="0"/>
+      </a:effectRef>
+      <a:fontRef idx="minor"/>
+    </dgm:style>
+  </dgm:styleLbl>
+  <dgm:styleLbl name="bgShp">
+    <dgm:scene3d>
+      <a:camera prst="orthographicFront"/>
+      <a:lightRig rig="threePt" dir="t"/>
+    </dgm:scene3d>
+    <dgm:sp3d/>
+    <dgm:txPr/>
+    <dgm:style>
+      <a:lnRef idx="0">
+        <a:scrgbClr r="0" g="0" b="0"/>
+      </a:lnRef>
+      <a:fillRef idx="1">
+        <a:scrgbClr r="0" g="0" b="0"/>
+      </a:fillRef>
+      <a:effectRef idx="0">
+        <a:scrgbClr r="0" g="0" b="0"/>
+      </a:effectRef>
+      <a:fontRef idx="minor"/>
+    </dgm:style>
+  </dgm:styleLbl>
+  <dgm:styleLbl name="dkBgShp">
+    <dgm:scene3d>
+      <a:camera prst="orthographicFront"/>
+      <a:lightRig rig="threePt" dir="t"/>
+    </dgm:scene3d>
+    <dgm:sp3d/>
+    <dgm:txPr/>
+    <dgm:style>
+      <a:lnRef idx="0">
+        <a:scrgbClr r="0" g="0" b="0"/>
+      </a:lnRef>
+      <a:fillRef idx="1">
+        <a:scrgbClr r="0" g="0" b="0"/>
+      </a:fillRef>
+      <a:effectRef idx="0">
+        <a:scrgbClr r="0" g="0" b="0"/>
+      </a:effectRef>
+      <a:fontRef idx="minor"/>
+    </dgm:style>
+  </dgm:styleLbl>
+  <dgm:styleLbl name="trBgShp">
+    <dgm:scene3d>
+      <a:camera prst="orthographicFront"/>
+      <a:lightRig rig="threePt" dir="t"/>
+    </dgm:scene3d>
+    <dgm:sp3d/>
+    <dgm:txPr/>
+    <dgm:style>
+      <a:lnRef idx="0">
+        <a:scrgbClr r="0" g="0" b="0"/>
+      </a:lnRef>
+      <a:fillRef idx="1">
+        <a:scrgbClr r="0" g="0" b="0"/>
+      </a:fillRef>
+      <a:effectRef idx="0">
+        <a:scrgbClr r="0" g="0" b="0"/>
+      </a:effectRef>
+      <a:fontRef idx="minor"/>
+    </dgm:style>
+  </dgm:styleLbl>
+  <dgm:styleLbl name="fgShp">
+    <dgm:scene3d>
+      <a:camera prst="orthographicFront"/>
+      <a:lightRig rig="threePt" dir="t"/>
+    </dgm:scene3d>
+    <dgm:sp3d/>
+    <dgm:txPr/>
+    <dgm:style>
+      <a:lnRef idx="2">
+        <a:scrgbClr r="0" g="0" b="0"/>
+      </a:lnRef>
+      <a:fillRef idx="1">
+        <a:scrgbClr r="0" g="0" b="0"/>
+      </a:fillRef>
+      <a:effectRef idx="0">
+        <a:scrgbClr r="0" g="0" b="0"/>
+      </a:effectRef>
+      <a:fontRef idx="minor"/>
+    </dgm:style>
+  </dgm:styleLbl>
+  <dgm:styleLbl name="revTx">
+    <dgm:scene3d>
+      <a:camera prst="orthographicFront"/>
+      <a:lightRig rig="threePt" dir="t"/>
+    </dgm:scene3d>
+    <dgm:sp3d/>
+    <dgm:txPr/>
+    <dgm:style>
+      <a:lnRef idx="0">
+        <a:scrgbClr r="0" g="0" b="0"/>
+      </a:lnRef>
+      <a:fillRef idx="0">
+        <a:scrgbClr r="0" g="0" b="0"/>
+      </a:fillRef>
+      <a:effectRef idx="0">
+        <a:scrgbClr r="0" g="0" b="0"/>
+      </a:effectRef>
+      <a:fontRef idx="minor"/>
+    </dgm:style>
+  </dgm:styleLbl>
+</dgm:styleDef>
+</file>
+
 <file path=ppt/notesMasters/notesMaster1.xml><?xml version="1.0" encoding="utf-8"?>
 <p:notesMaster xmlns:a="http://schemas.openxmlformats.org/drawingml/2006/main" xmlns:r="http://schemas.openxmlformats.org/officeDocument/2006/relationships" xmlns:p="http://schemas.openxmlformats.org/presentationml/2006/main">
   <p:cSld>
@@ -211,7 +4894,7 @@
           <a:p>
             <a:fld id="{FBA30F2B-EF57-4FD4-93ED-388511967A96}" type="datetimeFigureOut">
               <a:rPr lang="LID4096" smtClean="0"/>
-              <a:t>06/04/2018</a:t>
+              <a:t>06/05/2018</a:t>
             </a:fld>
             <a:endParaRPr lang="LID4096"/>
           </a:p>
@@ -667,7 +5350,7 @@
           <a:p>
             <a:fld id="{DD356127-0AE7-4ED4-968E-3EB923F15875}" type="datetime1">
               <a:rPr lang="LID4096" smtClean="0"/>
-              <a:t>06/04/2018</a:t>
+              <a:t>06/05/2018</a:t>
             </a:fld>
             <a:endParaRPr lang="LID4096" dirty="0"/>
           </a:p>
@@ -931,7 +5614,7 @@
           <a:p>
             <a:fld id="{F2DC0D1E-EC4C-41E2-8F6A-6F15419D9200}" type="datetime1">
               <a:rPr lang="LID4096" smtClean="0"/>
-              <a:t>06/04/2018</a:t>
+              <a:t>06/05/2018</a:t>
             </a:fld>
             <a:endParaRPr lang="LID4096"/>
           </a:p>
@@ -1368,7 +6051,7 @@
           <a:p>
             <a:fld id="{0E71F221-E2BB-4872-9CFC-410FA24BEAF2}" type="datetime1">
               <a:rPr lang="LID4096" smtClean="0"/>
-              <a:t>06/04/2018</a:t>
+              <a:t>06/05/2018</a:t>
             </a:fld>
             <a:endParaRPr lang="LID4096"/>
           </a:p>
@@ -1740,7 +6423,7 @@
           <a:p>
             <a:fld id="{A62EA97A-14A5-4DE4-A1CF-A38EC13EC0AF}" type="datetime1">
               <a:rPr lang="LID4096" smtClean="0"/>
-              <a:t>06/04/2018</a:t>
+              <a:t>06/05/2018</a:t>
             </a:fld>
             <a:endParaRPr lang="LID4096"/>
           </a:p>
@@ -2096,7 +6779,7 @@
           <a:p>
             <a:fld id="{86AA2703-B53D-4D2B-8524-D6529D7D9ADD}" type="datetime1">
               <a:rPr lang="LID4096" smtClean="0"/>
-              <a:t>06/04/2018</a:t>
+              <a:t>06/05/2018</a:t>
             </a:fld>
             <a:endParaRPr lang="LID4096"/>
           </a:p>
@@ -2528,7 +7211,7 @@
           <a:p>
             <a:fld id="{DD3DF2E7-0423-4F4C-8CE3-79B110DD897F}" type="datetime1">
               <a:rPr lang="LID4096" smtClean="0"/>
-              <a:t>06/04/2018</a:t>
+              <a:t>06/05/2018</a:t>
             </a:fld>
             <a:endParaRPr lang="LID4096"/>
           </a:p>
@@ -2821,7 +7504,7 @@
           <a:p>
             <a:fld id="{7312273C-BAB6-4423-A2A1-026B651E2465}" type="datetime1">
               <a:rPr lang="LID4096" smtClean="0"/>
-              <a:t>06/04/2018</a:t>
+              <a:t>06/05/2018</a:t>
             </a:fld>
             <a:endParaRPr lang="LID4096"/>
           </a:p>
@@ -3119,7 +7802,7 @@
           <a:p>
             <a:fld id="{7F854AA3-16A3-4178-A487-2610C79745C6}" type="datetime1">
               <a:rPr lang="LID4096" smtClean="0"/>
-              <a:t>06/04/2018</a:t>
+              <a:t>06/05/2018</a:t>
             </a:fld>
             <a:endParaRPr lang="LID4096"/>
           </a:p>
@@ -3417,7 +8100,7 @@
           <a:p>
             <a:fld id="{22974EE5-BF1C-40C2-BD62-00F1E86F3A21}" type="datetime1">
               <a:rPr lang="LID4096" smtClean="0"/>
-              <a:t>06/04/2018</a:t>
+              <a:t>06/05/2018</a:t>
             </a:fld>
             <a:endParaRPr lang="LID4096"/>
           </a:p>
@@ -3782,7 +8465,7 @@
           <a:p>
             <a:fld id="{FF4A9580-6C02-4D00-BCAA-7FB72A328DE1}" type="datetime1">
               <a:rPr lang="LID4096" smtClean="0"/>
-              <a:t>06/04/2018</a:t>
+              <a:t>06/05/2018</a:t>
             </a:fld>
             <a:endParaRPr lang="LID4096" dirty="0"/>
           </a:p>
@@ -4141,7 +8824,7 @@
           <a:p>
             <a:fld id="{E240DCA1-CFDE-44F4-AF88-39602913AEFB}" type="datetime1">
               <a:rPr lang="LID4096" smtClean="0"/>
-              <a:t>06/04/2018</a:t>
+              <a:t>06/05/2018</a:t>
             </a:fld>
             <a:endParaRPr lang="LID4096"/>
           </a:p>
@@ -4634,7 +9317,7 @@
           <a:p>
             <a:fld id="{A9F09385-91D0-405B-9EF7-5B63B96CE126}" type="datetime1">
               <a:rPr lang="LID4096" smtClean="0"/>
-              <a:t>06/04/2018</a:t>
+              <a:t>06/05/2018</a:t>
             </a:fld>
             <a:endParaRPr lang="LID4096"/>
           </a:p>
@@ -4875,7 +9558,7 @@
           <a:p>
             <a:fld id="{F0242262-4B58-42E1-9D28-38FE350C302C}" type="datetime1">
               <a:rPr lang="LID4096" smtClean="0"/>
-              <a:t>06/04/2018</a:t>
+              <a:t>06/05/2018</a:t>
             </a:fld>
             <a:endParaRPr lang="LID4096"/>
           </a:p>
@@ -5088,7 +9771,7 @@
           <a:p>
             <a:fld id="{A0120AF1-45FE-492B-98A3-DDB467C0AFD7}" type="datetime1">
               <a:rPr lang="LID4096" smtClean="0"/>
-              <a:t>06/04/2018</a:t>
+              <a:t>06/05/2018</a:t>
             </a:fld>
             <a:endParaRPr lang="LID4096"/>
           </a:p>
@@ -5457,7 +10140,7 @@
           <a:p>
             <a:fld id="{9137FD1A-31B5-44A6-8547-EB6C61315F01}" type="datetime1">
               <a:rPr lang="LID4096" smtClean="0"/>
-              <a:t>06/04/2018</a:t>
+              <a:t>06/05/2018</a:t>
             </a:fld>
             <a:endParaRPr lang="LID4096"/>
           </a:p>
@@ -5838,7 +10521,7 @@
           <a:p>
             <a:fld id="{5BD9149D-B0D1-4A3A-8A1B-65C1C2B654DA}" type="datetime1">
               <a:rPr lang="LID4096" smtClean="0"/>
-              <a:t>06/04/2018</a:t>
+              <a:t>06/05/2018</a:t>
             </a:fld>
             <a:endParaRPr lang="LID4096"/>
           </a:p>
@@ -7991,7 +12674,7 @@
           <a:p>
             <a:fld id="{7BE0AB99-2446-423A-9A38-99B7DC38ACEB}" type="datetime1">
               <a:rPr lang="LID4096" smtClean="0"/>
-              <a:t>06/04/2018</a:t>
+              <a:t>06/05/2018</a:t>
             </a:fld>
             <a:endParaRPr lang="LID4096"/>
           </a:p>
@@ -8705,7 +13388,7 @@
           <a:p>
             <a:r>
               <a:rPr lang="en-US" dirty="0"/>
-              <a:t>Task Types</a:t>
+              <a:t>Process Description (2/2)</a:t>
             </a:r>
             <a:endParaRPr lang="LID4096" dirty="0"/>
           </a:p>
@@ -8760,6 +13443,149 @@
             <a:fld id="{82CFB014-AD6C-4066-8172-84F279028A0C}" type="slidenum">
               <a:rPr lang="LID4096" smtClean="0"/>
               <a:t>10</a:t>
+            </a:fld>
+            <a:endParaRPr lang="LID4096"/>
+          </a:p>
+        </p:txBody>
+      </p:sp>
+      <p:pic>
+        <p:nvPicPr>
+          <p:cNvPr id="3" name="Picture 2">
+            <a:extLst>
+              <a:ext uri="{FF2B5EF4-FFF2-40B4-BE49-F238E27FC236}">
+                <a16:creationId xmlns:a16="http://schemas.microsoft.com/office/drawing/2014/main" id="{8074D0F3-DAF1-4A66-BF7E-C803BDBD8319}"/>
+              </a:ext>
+            </a:extLst>
+          </p:cNvPr>
+          <p:cNvPicPr>
+            <a:picLocks noChangeAspect="1"/>
+          </p:cNvPicPr>
+          <p:nvPr/>
+        </p:nvPicPr>
+        <p:blipFill>
+          <a:blip r:embed="rId2"/>
+          <a:stretch>
+            <a:fillRect/>
+          </a:stretch>
+        </p:blipFill>
+        <p:spPr>
+          <a:xfrm>
+            <a:off x="2589212" y="1375749"/>
+            <a:ext cx="8213203" cy="4942621"/>
+          </a:xfrm>
+          <a:prstGeom prst="rect">
+            <a:avLst/>
+          </a:prstGeom>
+        </p:spPr>
+      </p:pic>
+    </p:spTree>
+    <p:extLst>
+      <p:ext uri="{BB962C8B-B14F-4D97-AF65-F5344CB8AC3E}">
+        <p14:creationId xmlns:p14="http://schemas.microsoft.com/office/powerpoint/2010/main" val="113211092"/>
+      </p:ext>
+    </p:extLst>
+  </p:cSld>
+  <p:clrMapOvr>
+    <a:masterClrMapping/>
+  </p:clrMapOvr>
+</p:sld>
+</file>
+
+<file path=ppt/slides/slide11.xml><?xml version="1.0" encoding="utf-8"?>
+<p:sld xmlns:a="http://schemas.openxmlformats.org/drawingml/2006/main" xmlns:r="http://schemas.openxmlformats.org/officeDocument/2006/relationships" xmlns:p="http://schemas.openxmlformats.org/presentationml/2006/main">
+  <p:cSld>
+    <p:spTree>
+      <p:nvGrpSpPr>
+        <p:cNvPr id="1" name=""/>
+        <p:cNvGrpSpPr/>
+        <p:nvPr/>
+      </p:nvGrpSpPr>
+      <p:grpSpPr>
+        <a:xfrm>
+          <a:off x="0" y="0"/>
+          <a:ext cx="0" cy="0"/>
+          <a:chOff x="0" y="0"/>
+          <a:chExt cx="0" cy="0"/>
+        </a:xfrm>
+      </p:grpSpPr>
+      <p:sp>
+        <p:nvSpPr>
+          <p:cNvPr id="2" name="Title 1">
+            <a:extLst>
+              <a:ext uri="{FF2B5EF4-FFF2-40B4-BE49-F238E27FC236}">
+                <a16:creationId xmlns:a16="http://schemas.microsoft.com/office/drawing/2014/main" id="{0BE53E45-9A00-4D96-8241-5A8EE49EDCAA}"/>
+              </a:ext>
+            </a:extLst>
+          </p:cNvPr>
+          <p:cNvSpPr>
+            <a:spLocks noGrp="1"/>
+          </p:cNvSpPr>
+          <p:nvPr>
+            <p:ph type="title"/>
+          </p:nvPr>
+        </p:nvSpPr>
+        <p:spPr/>
+        <p:txBody>
+          <a:bodyPr/>
+          <a:lstStyle/>
+          <a:p>
+            <a:r>
+              <a:rPr lang="en-US" dirty="0"/>
+              <a:t>Task Types</a:t>
+            </a:r>
+            <a:endParaRPr lang="LID4096" dirty="0"/>
+          </a:p>
+        </p:txBody>
+      </p:sp>
+      <p:sp>
+        <p:nvSpPr>
+          <p:cNvPr id="4" name="Footer Placeholder 3">
+            <a:extLst>
+              <a:ext uri="{FF2B5EF4-FFF2-40B4-BE49-F238E27FC236}">
+                <a16:creationId xmlns:a16="http://schemas.microsoft.com/office/drawing/2014/main" id="{CDF18D4D-7E18-4819-B85B-D90EF82094F0}"/>
+              </a:ext>
+            </a:extLst>
+          </p:cNvPr>
+          <p:cNvSpPr>
+            <a:spLocks noGrp="1"/>
+          </p:cNvSpPr>
+          <p:nvPr>
+            <p:ph type="ftr" sz="quarter" idx="11"/>
+          </p:nvPr>
+        </p:nvSpPr>
+        <p:spPr/>
+        <p:txBody>
+          <a:bodyPr/>
+          <a:lstStyle/>
+          <a:p>
+            <a:endParaRPr lang="LID4096"/>
+          </a:p>
+        </p:txBody>
+      </p:sp>
+      <p:sp>
+        <p:nvSpPr>
+          <p:cNvPr id="5" name="Slide Number Placeholder 4">
+            <a:extLst>
+              <a:ext uri="{FF2B5EF4-FFF2-40B4-BE49-F238E27FC236}">
+                <a16:creationId xmlns:a16="http://schemas.microsoft.com/office/drawing/2014/main" id="{3DF34443-CA57-4A5E-91EE-7C41A34AE825}"/>
+              </a:ext>
+            </a:extLst>
+          </p:cNvPr>
+          <p:cNvSpPr>
+            <a:spLocks noGrp="1"/>
+          </p:cNvSpPr>
+          <p:nvPr>
+            <p:ph type="sldNum" sz="quarter" idx="12"/>
+          </p:nvPr>
+        </p:nvSpPr>
+        <p:spPr/>
+        <p:txBody>
+          <a:bodyPr/>
+          <a:lstStyle/>
+          <a:p>
+            <a:fld id="{82CFB014-AD6C-4066-8172-84F279028A0C}" type="slidenum">
+              <a:rPr lang="LID4096" smtClean="0"/>
+              <a:t>11</a:t>
             </a:fld>
             <a:endParaRPr lang="LID4096"/>
           </a:p>
@@ -8808,7 +13634,7 @@
 </p:sld>
 </file>
 
-<file path=ppt/slides/slide11.xml><?xml version="1.0" encoding="utf-8"?>
+<file path=ppt/slides/slide12.xml><?xml version="1.0" encoding="utf-8"?>
 <p:sld xmlns:a="http://schemas.openxmlformats.org/drawingml/2006/main" xmlns:r="http://schemas.openxmlformats.org/officeDocument/2006/relationships" xmlns:p="http://schemas.openxmlformats.org/presentationml/2006/main">
   <p:cSld>
     <p:spTree>
@@ -8902,7 +13728,7 @@
           <a:p>
             <a:fld id="{82CFB014-AD6C-4066-8172-84F279028A0C}" type="slidenum">
               <a:rPr lang="LID4096" smtClean="0"/>
-              <a:t>11</a:t>
+              <a:t>12</a:t>
             </a:fld>
             <a:endParaRPr lang="LID4096"/>
           </a:p>
@@ -8938,6 +13764,154 @@
           </a:prstGeom>
         </p:spPr>
       </p:pic>
+      <p:sp>
+        <p:nvSpPr>
+          <p:cNvPr id="3" name="TextBox 2">
+            <a:extLst>
+              <a:ext uri="{FF2B5EF4-FFF2-40B4-BE49-F238E27FC236}">
+                <a16:creationId xmlns:a16="http://schemas.microsoft.com/office/drawing/2014/main" id="{03EEBC96-ED69-4AEB-9A69-031F911CF440}"/>
+              </a:ext>
+            </a:extLst>
+          </p:cNvPr>
+          <p:cNvSpPr txBox="1"/>
+          <p:nvPr/>
+        </p:nvSpPr>
+        <p:spPr>
+          <a:xfrm>
+            <a:off x="2406332" y="2978071"/>
+            <a:ext cx="1294299" cy="261610"/>
+          </a:xfrm>
+          <a:prstGeom prst="rect">
+            <a:avLst/>
+          </a:prstGeom>
+          <a:noFill/>
+        </p:spPr>
+        <p:txBody>
+          <a:bodyPr wrap="square" rtlCol="0">
+            <a:spAutoFit/>
+          </a:bodyPr>
+          <a:lstStyle/>
+          <a:p>
+            <a:pPr algn="ctr"/>
+            <a:r>
+              <a:rPr lang="en-US" sz="1100" b="1" dirty="0"/>
+              <a:t>Start event</a:t>
+            </a:r>
+            <a:endParaRPr lang="LID4096" sz="1100" b="1" dirty="0"/>
+          </a:p>
+        </p:txBody>
+      </p:sp>
+      <p:sp>
+        <p:nvSpPr>
+          <p:cNvPr id="8" name="TextBox 7">
+            <a:extLst>
+              <a:ext uri="{FF2B5EF4-FFF2-40B4-BE49-F238E27FC236}">
+                <a16:creationId xmlns:a16="http://schemas.microsoft.com/office/drawing/2014/main" id="{80371397-3127-4947-A25C-E3832D1C0803}"/>
+              </a:ext>
+            </a:extLst>
+          </p:cNvPr>
+          <p:cNvSpPr txBox="1"/>
+          <p:nvPr/>
+        </p:nvSpPr>
+        <p:spPr>
+          <a:xfrm>
+            <a:off x="3817377" y="2978071"/>
+            <a:ext cx="1561447" cy="261610"/>
+          </a:xfrm>
+          <a:prstGeom prst="rect">
+            <a:avLst/>
+          </a:prstGeom>
+          <a:noFill/>
+        </p:spPr>
+        <p:txBody>
+          <a:bodyPr wrap="square" rtlCol="0">
+            <a:spAutoFit/>
+          </a:bodyPr>
+          <a:lstStyle/>
+          <a:p>
+            <a:pPr algn="ctr"/>
+            <a:r>
+              <a:rPr lang="en-US" sz="1100" b="1" dirty="0"/>
+              <a:t>Exclusive gateway</a:t>
+            </a:r>
+            <a:endParaRPr lang="LID4096" sz="1100" b="1" dirty="0"/>
+          </a:p>
+        </p:txBody>
+      </p:sp>
+      <p:sp>
+        <p:nvSpPr>
+          <p:cNvPr id="9" name="TextBox 8">
+            <a:extLst>
+              <a:ext uri="{FF2B5EF4-FFF2-40B4-BE49-F238E27FC236}">
+                <a16:creationId xmlns:a16="http://schemas.microsoft.com/office/drawing/2014/main" id="{EFCD5D46-B174-4BDA-8F45-FC05A1C0406E}"/>
+              </a:ext>
+            </a:extLst>
+          </p:cNvPr>
+          <p:cNvSpPr txBox="1"/>
+          <p:nvPr/>
+        </p:nvSpPr>
+        <p:spPr>
+          <a:xfrm>
+            <a:off x="7057017" y="2978071"/>
+            <a:ext cx="1561447" cy="261610"/>
+          </a:xfrm>
+          <a:prstGeom prst="rect">
+            <a:avLst/>
+          </a:prstGeom>
+          <a:noFill/>
+        </p:spPr>
+        <p:txBody>
+          <a:bodyPr wrap="square" rtlCol="0">
+            <a:spAutoFit/>
+          </a:bodyPr>
+          <a:lstStyle/>
+          <a:p>
+            <a:pPr algn="ctr"/>
+            <a:r>
+              <a:rPr lang="en-US" sz="1100" b="1" dirty="0"/>
+              <a:t>End event</a:t>
+            </a:r>
+            <a:endParaRPr lang="LID4096" sz="1100" b="1" dirty="0"/>
+          </a:p>
+        </p:txBody>
+      </p:sp>
+      <p:sp>
+        <p:nvSpPr>
+          <p:cNvPr id="10" name="TextBox 9">
+            <a:extLst>
+              <a:ext uri="{FF2B5EF4-FFF2-40B4-BE49-F238E27FC236}">
+                <a16:creationId xmlns:a16="http://schemas.microsoft.com/office/drawing/2014/main" id="{883F540F-6406-4675-B12B-BE21662309E1}"/>
+              </a:ext>
+            </a:extLst>
+          </p:cNvPr>
+          <p:cNvSpPr txBox="1"/>
+          <p:nvPr/>
+        </p:nvSpPr>
+        <p:spPr>
+          <a:xfrm>
+            <a:off x="5495570" y="2978071"/>
+            <a:ext cx="1561447" cy="261610"/>
+          </a:xfrm>
+          <a:prstGeom prst="rect">
+            <a:avLst/>
+          </a:prstGeom>
+          <a:noFill/>
+        </p:spPr>
+        <p:txBody>
+          <a:bodyPr wrap="square" rtlCol="0">
+            <a:spAutoFit/>
+          </a:bodyPr>
+          <a:lstStyle/>
+          <a:p>
+            <a:pPr algn="ctr"/>
+            <a:r>
+              <a:rPr lang="en-US" sz="1100" b="1" dirty="0"/>
+              <a:t>Inclusive gateway</a:t>
+            </a:r>
+            <a:endParaRPr lang="LID4096" sz="1100" b="1" dirty="0"/>
+          </a:p>
+        </p:txBody>
+      </p:sp>
     </p:spTree>
     <p:extLst>
       <p:ext uri="{BB962C8B-B14F-4D97-AF65-F5344CB8AC3E}">
@@ -8951,7 +13925,7 @@
 </p:sld>
 </file>
 
-<file path=ppt/slides/slide12.xml><?xml version="1.0" encoding="utf-8"?>
+<file path=ppt/slides/slide13.xml><?xml version="1.0" encoding="utf-8"?>
 <p:sld xmlns:a="http://schemas.openxmlformats.org/drawingml/2006/main" xmlns:r="http://schemas.openxmlformats.org/officeDocument/2006/relationships" xmlns:p="http://schemas.openxmlformats.org/presentationml/2006/main">
   <p:cSld>
     <p:spTree>
@@ -9045,7 +14019,7 @@
           <a:p>
             <a:fld id="{82CFB014-AD6C-4066-8172-84F279028A0C}" type="slidenum">
               <a:rPr lang="LID4096" smtClean="0"/>
-              <a:t>12</a:t>
+              <a:t>13</a:t>
             </a:fld>
             <a:endParaRPr lang="LID4096"/>
           </a:p>
@@ -9101,6 +14075,11 @@
           <a:prstGeom prst="rect">
             <a:avLst/>
           </a:prstGeom>
+          <a:solidFill>
+            <a:schemeClr val="accent1">
+              <a:alpha val="50000"/>
+            </a:schemeClr>
+          </a:solidFill>
         </p:spPr>
         <p:style>
           <a:lnRef idx="2">
@@ -9153,6 +14132,11 @@
           <a:prstGeom prst="rect">
             <a:avLst/>
           </a:prstGeom>
+          <a:solidFill>
+            <a:schemeClr val="accent1">
+              <a:alpha val="50000"/>
+            </a:schemeClr>
+          </a:solidFill>
         </p:spPr>
         <p:style>
           <a:lnRef idx="2">
@@ -9189,72 +14173,6 @@
     <p:extLst>
       <p:ext uri="{BB962C8B-B14F-4D97-AF65-F5344CB8AC3E}">
         <p14:creationId xmlns:p14="http://schemas.microsoft.com/office/powerpoint/2010/main" val="4029995989"/>
-      </p:ext>
-    </p:extLst>
-  </p:cSld>
-  <p:clrMapOvr>
-    <a:masterClrMapping/>
-  </p:clrMapOvr>
-</p:sld>
-</file>
-
-<file path=ppt/slides/slide13.xml><?xml version="1.0" encoding="utf-8"?>
-<p:sld xmlns:a="http://schemas.openxmlformats.org/drawingml/2006/main" xmlns:r="http://schemas.openxmlformats.org/officeDocument/2006/relationships" xmlns:p="http://schemas.openxmlformats.org/presentationml/2006/main">
-  <p:cSld>
-    <p:spTree>
-      <p:nvGrpSpPr>
-        <p:cNvPr id="1" name=""/>
-        <p:cNvGrpSpPr/>
-        <p:nvPr/>
-      </p:nvGrpSpPr>
-      <p:grpSpPr>
-        <a:xfrm>
-          <a:off x="0" y="0"/>
-          <a:ext cx="0" cy="0"/>
-          <a:chOff x="0" y="0"/>
-          <a:chExt cx="0" cy="0"/>
-        </a:xfrm>
-      </p:grpSpPr>
-      <p:sp>
-        <p:nvSpPr>
-          <p:cNvPr id="2" name="Title 1">
-            <a:extLst>
-              <a:ext uri="{FF2B5EF4-FFF2-40B4-BE49-F238E27FC236}">
-                <a16:creationId xmlns:a16="http://schemas.microsoft.com/office/drawing/2014/main" id="{20ACC2F6-FB36-4DB5-A905-09142D31FF1B}"/>
-              </a:ext>
-            </a:extLst>
-          </p:cNvPr>
-          <p:cNvSpPr>
-            <a:spLocks noGrp="1"/>
-          </p:cNvSpPr>
-          <p:nvPr>
-            <p:ph type="ctrTitle"/>
-          </p:nvPr>
-        </p:nvSpPr>
-        <p:spPr>
-          <a:xfrm>
-            <a:off x="2589213" y="2514600"/>
-            <a:ext cx="8915399" cy="2262781"/>
-          </a:xfrm>
-        </p:spPr>
-        <p:txBody>
-          <a:bodyPr>
-            <a:normAutofit/>
-          </a:bodyPr>
-          <a:lstStyle/>
-          <a:p>
-            <a:r>
-              <a:rPr lang="en-GB" sz="6600" dirty="0"/>
-              <a:t>Automation &amp; Service Integration</a:t>
-            </a:r>
-            <a:endParaRPr lang="LID4096" dirty="0"/>
-          </a:p>
-        </p:txBody>
-      </p:sp>
-    </p:spTree>
-    <p:extLst>
-      <p:ext uri="{BB962C8B-B14F-4D97-AF65-F5344CB8AC3E}">
-        <p14:creationId xmlns:p14="http://schemas.microsoft.com/office/powerpoint/2010/main" val="3700829186"/>
       </p:ext>
     </p:extLst>
   </p:cSld>
@@ -9286,7 +14204,7 @@
           <p:cNvPr id="2" name="Title 1">
             <a:extLst>
               <a:ext uri="{FF2B5EF4-FFF2-40B4-BE49-F238E27FC236}">
-                <a16:creationId xmlns:a16="http://schemas.microsoft.com/office/drawing/2014/main" id="{0BE53E45-9A00-4D96-8241-5A8EE49EDCAA}"/>
+                <a16:creationId xmlns:a16="http://schemas.microsoft.com/office/drawing/2014/main" id="{20ACC2F6-FB36-4DB5-A905-09142D31FF1B}"/>
               </a:ext>
             </a:extLst>
           </p:cNvPr>
@@ -9294,128 +14212,33 @@
             <a:spLocks noGrp="1"/>
           </p:cNvSpPr>
           <p:nvPr>
-            <p:ph type="title"/>
+            <p:ph type="ctrTitle"/>
           </p:nvPr>
         </p:nvSpPr>
-        <p:spPr/>
+        <p:spPr>
+          <a:xfrm>
+            <a:off x="2589213" y="2514600"/>
+            <a:ext cx="8915399" cy="2262781"/>
+          </a:xfrm>
+        </p:spPr>
         <p:txBody>
-          <a:bodyPr/>
+          <a:bodyPr>
+            <a:normAutofit/>
+          </a:bodyPr>
           <a:lstStyle/>
           <a:p>
             <a:r>
-              <a:rPr lang="en-US" dirty="0"/>
-              <a:t>All services and its integration</a:t>
+              <a:rPr lang="en-GB" sz="6600" dirty="0"/>
+              <a:t>Automation &amp; Service Integration</a:t>
             </a:r>
             <a:endParaRPr lang="LID4096" dirty="0"/>
-          </a:p>
-        </p:txBody>
-      </p:sp>
-      <p:sp>
-        <p:nvSpPr>
-          <p:cNvPr id="4" name="Footer Placeholder 3">
-            <a:extLst>
-              <a:ext uri="{FF2B5EF4-FFF2-40B4-BE49-F238E27FC236}">
-                <a16:creationId xmlns:a16="http://schemas.microsoft.com/office/drawing/2014/main" id="{CDF18D4D-7E18-4819-B85B-D90EF82094F0}"/>
-              </a:ext>
-            </a:extLst>
-          </p:cNvPr>
-          <p:cNvSpPr>
-            <a:spLocks noGrp="1"/>
-          </p:cNvSpPr>
-          <p:nvPr>
-            <p:ph type="ftr" sz="quarter" idx="11"/>
-          </p:nvPr>
-        </p:nvSpPr>
-        <p:spPr/>
-        <p:txBody>
-          <a:bodyPr/>
-          <a:lstStyle/>
-          <a:p>
-            <a:endParaRPr lang="LID4096"/>
-          </a:p>
-        </p:txBody>
-      </p:sp>
-      <p:sp>
-        <p:nvSpPr>
-          <p:cNvPr id="5" name="Slide Number Placeholder 4">
-            <a:extLst>
-              <a:ext uri="{FF2B5EF4-FFF2-40B4-BE49-F238E27FC236}">
-                <a16:creationId xmlns:a16="http://schemas.microsoft.com/office/drawing/2014/main" id="{3DF34443-CA57-4A5E-91EE-7C41A34AE825}"/>
-              </a:ext>
-            </a:extLst>
-          </p:cNvPr>
-          <p:cNvSpPr>
-            <a:spLocks noGrp="1"/>
-          </p:cNvSpPr>
-          <p:nvPr>
-            <p:ph type="sldNum" sz="quarter" idx="12"/>
-          </p:nvPr>
-        </p:nvSpPr>
-        <p:spPr/>
-        <p:txBody>
-          <a:bodyPr/>
-          <a:lstStyle/>
-          <a:p>
-            <a:fld id="{82CFB014-AD6C-4066-8172-84F279028A0C}" type="slidenum">
-              <a:rPr lang="LID4096" smtClean="0"/>
-              <a:t>14</a:t>
-            </a:fld>
-            <a:endParaRPr lang="LID4096"/>
-          </a:p>
-        </p:txBody>
-      </p:sp>
-      <p:sp>
-        <p:nvSpPr>
-          <p:cNvPr id="8" name="Content Placeholder 7">
-            <a:extLst>
-              <a:ext uri="{FF2B5EF4-FFF2-40B4-BE49-F238E27FC236}">
-                <a16:creationId xmlns:a16="http://schemas.microsoft.com/office/drawing/2014/main" id="{3B061F86-F347-4A94-9C9D-C3B230F3A2B5}"/>
-              </a:ext>
-            </a:extLst>
-          </p:cNvPr>
-          <p:cNvSpPr txBox="1">
-            <a:spLocks noGrp="1"/>
-          </p:cNvSpPr>
-          <p:nvPr>
-            <p:ph idx="1"/>
-          </p:nvPr>
-        </p:nvSpPr>
-        <p:spPr>
-          <a:xfrm>
-            <a:off x="2589212" y="2133600"/>
-            <a:ext cx="8915400" cy="369332"/>
-          </a:xfrm>
-          <a:prstGeom prst="rect">
-            <a:avLst/>
-          </a:prstGeom>
-          <a:noFill/>
-        </p:spPr>
-        <p:txBody>
-          <a:bodyPr wrap="square" rtlCol="0">
-            <a:spAutoFit/>
-          </a:bodyPr>
-          <a:lstStyle/>
-          <a:p>
-            <a:r>
-              <a:rPr lang="en-US" dirty="0">
-                <a:solidFill>
-                  <a:srgbClr val="FF0000"/>
-                </a:solidFill>
-              </a:rPr>
-              <a:t>What graphic shall I insert here?</a:t>
-            </a:r>
-            <a:endParaRPr lang="LID4096" dirty="0">
-              <a:solidFill>
-                <a:srgbClr val="FF0000"/>
-              </a:solidFill>
-            </a:endParaRPr>
           </a:p>
         </p:txBody>
       </p:sp>
     </p:spTree>
     <p:extLst>
       <p:ext uri="{BB962C8B-B14F-4D97-AF65-F5344CB8AC3E}">
-        <p14:creationId xmlns:p14="http://schemas.microsoft.com/office/powerpoint/2010/main" val="3318752394"/>
+        <p14:creationId xmlns:p14="http://schemas.microsoft.com/office/powerpoint/2010/main" val="3700829186"/>
       </p:ext>
     </p:extLst>
   </p:cSld>
@@ -9447,6 +14270,328 @@
           <p:cNvPr id="2" name="Title 1">
             <a:extLst>
               <a:ext uri="{FF2B5EF4-FFF2-40B4-BE49-F238E27FC236}">
+                <a16:creationId xmlns:a16="http://schemas.microsoft.com/office/drawing/2014/main" id="{0BE53E45-9A00-4D96-8241-5A8EE49EDCAA}"/>
+              </a:ext>
+            </a:extLst>
+          </p:cNvPr>
+          <p:cNvSpPr>
+            <a:spLocks noGrp="1"/>
+          </p:cNvSpPr>
+          <p:nvPr>
+            <p:ph type="title"/>
+          </p:nvPr>
+        </p:nvSpPr>
+        <p:spPr/>
+        <p:txBody>
+          <a:bodyPr/>
+          <a:lstStyle/>
+          <a:p>
+            <a:r>
+              <a:rPr lang="en-US" dirty="0"/>
+              <a:t>Automation</a:t>
+            </a:r>
+            <a:endParaRPr lang="LID4096" dirty="0"/>
+          </a:p>
+        </p:txBody>
+      </p:sp>
+      <p:sp>
+        <p:nvSpPr>
+          <p:cNvPr id="4" name="Footer Placeholder 3">
+            <a:extLst>
+              <a:ext uri="{FF2B5EF4-FFF2-40B4-BE49-F238E27FC236}">
+                <a16:creationId xmlns:a16="http://schemas.microsoft.com/office/drawing/2014/main" id="{CDF18D4D-7E18-4819-B85B-D90EF82094F0}"/>
+              </a:ext>
+            </a:extLst>
+          </p:cNvPr>
+          <p:cNvSpPr>
+            <a:spLocks noGrp="1"/>
+          </p:cNvSpPr>
+          <p:nvPr>
+            <p:ph type="ftr" sz="quarter" idx="11"/>
+          </p:nvPr>
+        </p:nvSpPr>
+        <p:spPr/>
+        <p:txBody>
+          <a:bodyPr/>
+          <a:lstStyle/>
+          <a:p>
+            <a:endParaRPr lang="LID4096"/>
+          </a:p>
+        </p:txBody>
+      </p:sp>
+      <p:sp>
+        <p:nvSpPr>
+          <p:cNvPr id="5" name="Slide Number Placeholder 4">
+            <a:extLst>
+              <a:ext uri="{FF2B5EF4-FFF2-40B4-BE49-F238E27FC236}">
+                <a16:creationId xmlns:a16="http://schemas.microsoft.com/office/drawing/2014/main" id="{3DF34443-CA57-4A5E-91EE-7C41A34AE825}"/>
+              </a:ext>
+            </a:extLst>
+          </p:cNvPr>
+          <p:cNvSpPr>
+            <a:spLocks noGrp="1"/>
+          </p:cNvSpPr>
+          <p:nvPr>
+            <p:ph type="sldNum" sz="quarter" idx="12"/>
+          </p:nvPr>
+        </p:nvSpPr>
+        <p:spPr/>
+        <p:txBody>
+          <a:bodyPr/>
+          <a:lstStyle/>
+          <a:p>
+            <a:fld id="{82CFB014-AD6C-4066-8172-84F279028A0C}" type="slidenum">
+              <a:rPr lang="LID4096" smtClean="0"/>
+              <a:t>15</a:t>
+            </a:fld>
+            <a:endParaRPr lang="LID4096"/>
+          </a:p>
+        </p:txBody>
+      </p:sp>
+      <p:sp>
+        <p:nvSpPr>
+          <p:cNvPr id="8" name="Content Placeholder 7">
+            <a:extLst>
+              <a:ext uri="{FF2B5EF4-FFF2-40B4-BE49-F238E27FC236}">
+                <a16:creationId xmlns:a16="http://schemas.microsoft.com/office/drawing/2014/main" id="{3B061F86-F347-4A94-9C9D-C3B230F3A2B5}"/>
+              </a:ext>
+            </a:extLst>
+          </p:cNvPr>
+          <p:cNvSpPr txBox="1">
+            <a:spLocks noGrp="1"/>
+          </p:cNvSpPr>
+          <p:nvPr>
+            <p:ph idx="1"/>
+          </p:nvPr>
+        </p:nvSpPr>
+        <p:spPr>
+          <a:xfrm>
+            <a:off x="2589212" y="2133600"/>
+            <a:ext cx="8915400" cy="369332"/>
+          </a:xfrm>
+          <a:prstGeom prst="rect">
+            <a:avLst/>
+          </a:prstGeom>
+          <a:noFill/>
+        </p:spPr>
+        <p:txBody>
+          <a:bodyPr wrap="square" rtlCol="0">
+            <a:spAutoFit/>
+          </a:bodyPr>
+          <a:lstStyle/>
+          <a:p>
+            <a:r>
+              <a:rPr lang="en-US" dirty="0">
+                <a:solidFill>
+                  <a:srgbClr val="FF0000"/>
+                </a:solidFill>
+              </a:rPr>
+              <a:t>What graphic shall I insert here?</a:t>
+            </a:r>
+            <a:endParaRPr lang="LID4096" dirty="0">
+              <a:solidFill>
+                <a:srgbClr val="FF0000"/>
+              </a:solidFill>
+            </a:endParaRPr>
+          </a:p>
+        </p:txBody>
+      </p:sp>
+    </p:spTree>
+    <p:extLst>
+      <p:ext uri="{BB962C8B-B14F-4D97-AF65-F5344CB8AC3E}">
+        <p14:creationId xmlns:p14="http://schemas.microsoft.com/office/powerpoint/2010/main" val="3318752394"/>
+      </p:ext>
+    </p:extLst>
+  </p:cSld>
+  <p:clrMapOvr>
+    <a:masterClrMapping/>
+  </p:clrMapOvr>
+</p:sld>
+</file>
+
+<file path=ppt/slides/slide16.xml><?xml version="1.0" encoding="utf-8"?>
+<p:sld xmlns:a="http://schemas.openxmlformats.org/drawingml/2006/main" xmlns:r="http://schemas.openxmlformats.org/officeDocument/2006/relationships" xmlns:p="http://schemas.openxmlformats.org/presentationml/2006/main">
+  <p:cSld>
+    <p:spTree>
+      <p:nvGrpSpPr>
+        <p:cNvPr id="1" name=""/>
+        <p:cNvGrpSpPr/>
+        <p:nvPr/>
+      </p:nvGrpSpPr>
+      <p:grpSpPr>
+        <a:xfrm>
+          <a:off x="0" y="0"/>
+          <a:ext cx="0" cy="0"/>
+          <a:chOff x="0" y="0"/>
+          <a:chExt cx="0" cy="0"/>
+        </a:xfrm>
+      </p:grpSpPr>
+      <p:sp>
+        <p:nvSpPr>
+          <p:cNvPr id="2" name="Title 1">
+            <a:extLst>
+              <a:ext uri="{FF2B5EF4-FFF2-40B4-BE49-F238E27FC236}">
+                <a16:creationId xmlns:a16="http://schemas.microsoft.com/office/drawing/2014/main" id="{0BE53E45-9A00-4D96-8241-5A8EE49EDCAA}"/>
+              </a:ext>
+            </a:extLst>
+          </p:cNvPr>
+          <p:cNvSpPr>
+            <a:spLocks noGrp="1"/>
+          </p:cNvSpPr>
+          <p:nvPr>
+            <p:ph type="title"/>
+          </p:nvPr>
+        </p:nvSpPr>
+        <p:spPr/>
+        <p:txBody>
+          <a:bodyPr/>
+          <a:lstStyle/>
+          <a:p>
+            <a:r>
+              <a:rPr lang="en-US" dirty="0"/>
+              <a:t>Service Integration</a:t>
+            </a:r>
+            <a:endParaRPr lang="LID4096" dirty="0"/>
+          </a:p>
+        </p:txBody>
+      </p:sp>
+      <p:sp>
+        <p:nvSpPr>
+          <p:cNvPr id="4" name="Footer Placeholder 3">
+            <a:extLst>
+              <a:ext uri="{FF2B5EF4-FFF2-40B4-BE49-F238E27FC236}">
+                <a16:creationId xmlns:a16="http://schemas.microsoft.com/office/drawing/2014/main" id="{CDF18D4D-7E18-4819-B85B-D90EF82094F0}"/>
+              </a:ext>
+            </a:extLst>
+          </p:cNvPr>
+          <p:cNvSpPr>
+            <a:spLocks noGrp="1"/>
+          </p:cNvSpPr>
+          <p:nvPr>
+            <p:ph type="ftr" sz="quarter" idx="11"/>
+          </p:nvPr>
+        </p:nvSpPr>
+        <p:spPr/>
+        <p:txBody>
+          <a:bodyPr/>
+          <a:lstStyle/>
+          <a:p>
+            <a:endParaRPr lang="LID4096"/>
+          </a:p>
+        </p:txBody>
+      </p:sp>
+      <p:sp>
+        <p:nvSpPr>
+          <p:cNvPr id="5" name="Slide Number Placeholder 4">
+            <a:extLst>
+              <a:ext uri="{FF2B5EF4-FFF2-40B4-BE49-F238E27FC236}">
+                <a16:creationId xmlns:a16="http://schemas.microsoft.com/office/drawing/2014/main" id="{3DF34443-CA57-4A5E-91EE-7C41A34AE825}"/>
+              </a:ext>
+            </a:extLst>
+          </p:cNvPr>
+          <p:cNvSpPr>
+            <a:spLocks noGrp="1"/>
+          </p:cNvSpPr>
+          <p:nvPr>
+            <p:ph type="sldNum" sz="quarter" idx="12"/>
+          </p:nvPr>
+        </p:nvSpPr>
+        <p:spPr/>
+        <p:txBody>
+          <a:bodyPr/>
+          <a:lstStyle/>
+          <a:p>
+            <a:fld id="{82CFB014-AD6C-4066-8172-84F279028A0C}" type="slidenum">
+              <a:rPr lang="LID4096" smtClean="0"/>
+              <a:t>16</a:t>
+            </a:fld>
+            <a:endParaRPr lang="LID4096"/>
+          </a:p>
+        </p:txBody>
+      </p:sp>
+      <p:sp>
+        <p:nvSpPr>
+          <p:cNvPr id="8" name="Content Placeholder 7">
+            <a:extLst>
+              <a:ext uri="{FF2B5EF4-FFF2-40B4-BE49-F238E27FC236}">
+                <a16:creationId xmlns:a16="http://schemas.microsoft.com/office/drawing/2014/main" id="{3B061F86-F347-4A94-9C9D-C3B230F3A2B5}"/>
+              </a:ext>
+            </a:extLst>
+          </p:cNvPr>
+          <p:cNvSpPr txBox="1">
+            <a:spLocks noGrp="1"/>
+          </p:cNvSpPr>
+          <p:nvPr>
+            <p:ph idx="1"/>
+          </p:nvPr>
+        </p:nvSpPr>
+        <p:spPr>
+          <a:xfrm>
+            <a:off x="2589212" y="2133600"/>
+            <a:ext cx="8915400" cy="369332"/>
+          </a:xfrm>
+          <a:prstGeom prst="rect">
+            <a:avLst/>
+          </a:prstGeom>
+          <a:noFill/>
+        </p:spPr>
+        <p:txBody>
+          <a:bodyPr wrap="square" rtlCol="0">
+            <a:spAutoFit/>
+          </a:bodyPr>
+          <a:lstStyle/>
+          <a:p>
+            <a:r>
+              <a:rPr lang="en-US" dirty="0">
+                <a:solidFill>
+                  <a:srgbClr val="FF0000"/>
+                </a:solidFill>
+              </a:rPr>
+              <a:t>What graphic shall I insert here?</a:t>
+            </a:r>
+            <a:endParaRPr lang="LID4096" dirty="0">
+              <a:solidFill>
+                <a:srgbClr val="FF0000"/>
+              </a:solidFill>
+            </a:endParaRPr>
+          </a:p>
+        </p:txBody>
+      </p:sp>
+    </p:spTree>
+    <p:extLst>
+      <p:ext uri="{BB962C8B-B14F-4D97-AF65-F5344CB8AC3E}">
+        <p14:creationId xmlns:p14="http://schemas.microsoft.com/office/powerpoint/2010/main" val="2613519430"/>
+      </p:ext>
+    </p:extLst>
+  </p:cSld>
+  <p:clrMapOvr>
+    <a:masterClrMapping/>
+  </p:clrMapOvr>
+</p:sld>
+</file>
+
+<file path=ppt/slides/slide17.xml><?xml version="1.0" encoding="utf-8"?>
+<p:sld xmlns:a="http://schemas.openxmlformats.org/drawingml/2006/main" xmlns:r="http://schemas.openxmlformats.org/officeDocument/2006/relationships" xmlns:p="http://schemas.openxmlformats.org/presentationml/2006/main">
+  <p:cSld>
+    <p:spTree>
+      <p:nvGrpSpPr>
+        <p:cNvPr id="1" name=""/>
+        <p:cNvGrpSpPr/>
+        <p:nvPr/>
+      </p:nvGrpSpPr>
+      <p:grpSpPr>
+        <a:xfrm>
+          <a:off x="0" y="0"/>
+          <a:ext cx="0" cy="0"/>
+          <a:chOff x="0" y="0"/>
+          <a:chExt cx="0" cy="0"/>
+        </a:xfrm>
+      </p:grpSpPr>
+      <p:sp>
+        <p:nvSpPr>
+          <p:cNvPr id="2" name="Title 1">
+            <a:extLst>
+              <a:ext uri="{FF2B5EF4-FFF2-40B4-BE49-F238E27FC236}">
                 <a16:creationId xmlns:a16="http://schemas.microsoft.com/office/drawing/2014/main" id="{20ACC2F6-FB36-4DB5-A905-09142D31FF1B}"/>
               </a:ext>
             </a:extLst>
@@ -9472,7 +14617,7 @@
           <a:p>
             <a:r>
               <a:rPr lang="en-GB" sz="6600" dirty="0"/>
-              <a:t>Demo / User Guide</a:t>
+              <a:t>Demo</a:t>
             </a:r>
             <a:endParaRPr lang="LID4096" dirty="0"/>
           </a:p>
@@ -10138,7 +15283,7 @@
           <a:p>
             <a:r>
               <a:rPr lang="en-US" dirty="0"/>
-              <a:t>Source Exhibit student on table: www.freepik.com</a:t>
+              <a:t>Source Exhibit motivation: www.iconfinder.com</a:t>
             </a:r>
             <a:endParaRPr lang="LID4096" dirty="0"/>
           </a:p>
@@ -10173,6 +15318,36 @@
           </a:p>
         </p:txBody>
       </p:sp>
+      <p:pic>
+        <p:nvPicPr>
+          <p:cNvPr id="6" name="Picture 5">
+            <a:extLst>
+              <a:ext uri="{FF2B5EF4-FFF2-40B4-BE49-F238E27FC236}">
+                <a16:creationId xmlns:a16="http://schemas.microsoft.com/office/drawing/2014/main" id="{8CFA7E71-0A83-4D9E-95D1-018C1BB42C12}"/>
+              </a:ext>
+            </a:extLst>
+          </p:cNvPr>
+          <p:cNvPicPr>
+            <a:picLocks noChangeAspect="1"/>
+          </p:cNvPicPr>
+          <p:nvPr/>
+        </p:nvPicPr>
+        <p:blipFill>
+          <a:blip r:embed="rId2"/>
+          <a:stretch>
+            <a:fillRect/>
+          </a:stretch>
+        </p:blipFill>
+        <p:spPr>
+          <a:xfrm>
+            <a:off x="9262872" y="2129585"/>
+            <a:ext cx="1555266" cy="1726109"/>
+          </a:xfrm>
+          <a:prstGeom prst="rect">
+            <a:avLst/>
+          </a:prstGeom>
+        </p:spPr>
+      </p:pic>
     </p:spTree>
     <p:extLst>
       <p:ext uri="{BB962C8B-B14F-4D97-AF65-F5344CB8AC3E}">
@@ -10499,7 +15674,7 @@
           <a:p>
             <a:r>
               <a:rPr lang="en-US" dirty="0"/>
-              <a:t>Process Description (complete)</a:t>
+              <a:t>Process Description (top level)</a:t>
             </a:r>
             <a:endParaRPr lang="LID4096" dirty="0"/>
           </a:p>
@@ -10554,6 +15729,175 @@
             <a:fld id="{82CFB014-AD6C-4066-8172-84F279028A0C}" type="slidenum">
               <a:rPr lang="LID4096" smtClean="0"/>
               <a:t>7</a:t>
+            </a:fld>
+            <a:endParaRPr lang="LID4096"/>
+          </a:p>
+        </p:txBody>
+      </p:sp>
+      <p:graphicFrame>
+        <p:nvGraphicFramePr>
+          <p:cNvPr id="6" name="Diagram 5">
+            <a:extLst>
+              <a:ext uri="{FF2B5EF4-FFF2-40B4-BE49-F238E27FC236}">
+                <a16:creationId xmlns:a16="http://schemas.microsoft.com/office/drawing/2014/main" id="{B6F838E2-3FFB-4C90-8B03-695453E5721F}"/>
+              </a:ext>
+            </a:extLst>
+          </p:cNvPr>
+          <p:cNvGraphicFramePr/>
+          <p:nvPr>
+            <p:extLst>
+              <p:ext uri="{D42A27DB-BD31-4B8C-83A1-F6EECF244321}">
+                <p14:modId xmlns:p14="http://schemas.microsoft.com/office/powerpoint/2010/main" val="2564471289"/>
+              </p:ext>
+            </p:extLst>
+          </p:nvPr>
+        </p:nvGraphicFramePr>
+        <p:xfrm>
+          <a:off x="3207109" y="2149267"/>
+          <a:ext cx="5777781" cy="3846583"/>
+        </p:xfrm>
+        <a:graphic>
+          <a:graphicData uri="http://schemas.openxmlformats.org/drawingml/2006/diagram">
+            <dgm:relIds xmlns:dgm="http://schemas.openxmlformats.org/drawingml/2006/diagram" xmlns:r="http://schemas.openxmlformats.org/officeDocument/2006/relationships" r:dm="rId2" r:lo="rId3" r:qs="rId4" r:cs="rId5"/>
+          </a:graphicData>
+        </a:graphic>
+      </p:graphicFrame>
+      <p:graphicFrame>
+        <p:nvGraphicFramePr>
+          <p:cNvPr id="7" name="Diagram 6">
+            <a:extLst>
+              <a:ext uri="{FF2B5EF4-FFF2-40B4-BE49-F238E27FC236}">
+                <a16:creationId xmlns:a16="http://schemas.microsoft.com/office/drawing/2014/main" id="{5C63AFD5-18BB-4AC8-B28F-51870A8285FB}"/>
+              </a:ext>
+            </a:extLst>
+          </p:cNvPr>
+          <p:cNvGraphicFramePr/>
+          <p:nvPr>
+            <p:extLst>
+              <p:ext uri="{D42A27DB-BD31-4B8C-83A1-F6EECF244321}">
+                <p14:modId xmlns:p14="http://schemas.microsoft.com/office/powerpoint/2010/main" val="2032047506"/>
+              </p:ext>
+            </p:extLst>
+          </p:nvPr>
+        </p:nvGraphicFramePr>
+        <p:xfrm>
+          <a:off x="3207109" y="2044957"/>
+          <a:ext cx="5777781" cy="1190446"/>
+        </p:xfrm>
+        <a:graphic>
+          <a:graphicData uri="http://schemas.openxmlformats.org/drawingml/2006/diagram">
+            <dgm:relIds xmlns:dgm="http://schemas.openxmlformats.org/drawingml/2006/diagram" xmlns:r="http://schemas.openxmlformats.org/officeDocument/2006/relationships" r:dm="rId7" r:lo="rId8" r:qs="rId9" r:cs="rId10"/>
+          </a:graphicData>
+        </a:graphic>
+      </p:graphicFrame>
+    </p:spTree>
+    <p:extLst>
+      <p:ext uri="{BB962C8B-B14F-4D97-AF65-F5344CB8AC3E}">
+        <p14:creationId xmlns:p14="http://schemas.microsoft.com/office/powerpoint/2010/main" val="145863116"/>
+      </p:ext>
+    </p:extLst>
+  </p:cSld>
+  <p:clrMapOvr>
+    <a:masterClrMapping/>
+  </p:clrMapOvr>
+</p:sld>
+</file>
+
+<file path=ppt/slides/slide8.xml><?xml version="1.0" encoding="utf-8"?>
+<p:sld xmlns:a="http://schemas.openxmlformats.org/drawingml/2006/main" xmlns:r="http://schemas.openxmlformats.org/officeDocument/2006/relationships" xmlns:p="http://schemas.openxmlformats.org/presentationml/2006/main">
+  <p:cSld>
+    <p:spTree>
+      <p:nvGrpSpPr>
+        <p:cNvPr id="1" name=""/>
+        <p:cNvGrpSpPr/>
+        <p:nvPr/>
+      </p:nvGrpSpPr>
+      <p:grpSpPr>
+        <a:xfrm>
+          <a:off x="0" y="0"/>
+          <a:ext cx="0" cy="0"/>
+          <a:chOff x="0" y="0"/>
+          <a:chExt cx="0" cy="0"/>
+        </a:xfrm>
+      </p:grpSpPr>
+      <p:sp>
+        <p:nvSpPr>
+          <p:cNvPr id="2" name="Title 1">
+            <a:extLst>
+              <a:ext uri="{FF2B5EF4-FFF2-40B4-BE49-F238E27FC236}">
+                <a16:creationId xmlns:a16="http://schemas.microsoft.com/office/drawing/2014/main" id="{0BE53E45-9A00-4D96-8241-5A8EE49EDCAA}"/>
+              </a:ext>
+            </a:extLst>
+          </p:cNvPr>
+          <p:cNvSpPr>
+            <a:spLocks noGrp="1"/>
+          </p:cNvSpPr>
+          <p:nvPr>
+            <p:ph type="title"/>
+          </p:nvPr>
+        </p:nvSpPr>
+        <p:spPr/>
+        <p:txBody>
+          <a:bodyPr/>
+          <a:lstStyle/>
+          <a:p>
+            <a:r>
+              <a:rPr lang="en-US" dirty="0"/>
+              <a:t>Process Description (complete)</a:t>
+            </a:r>
+            <a:endParaRPr lang="LID4096" dirty="0"/>
+          </a:p>
+        </p:txBody>
+      </p:sp>
+      <p:sp>
+        <p:nvSpPr>
+          <p:cNvPr id="4" name="Footer Placeholder 3">
+            <a:extLst>
+              <a:ext uri="{FF2B5EF4-FFF2-40B4-BE49-F238E27FC236}">
+                <a16:creationId xmlns:a16="http://schemas.microsoft.com/office/drawing/2014/main" id="{CDF18D4D-7E18-4819-B85B-D90EF82094F0}"/>
+              </a:ext>
+            </a:extLst>
+          </p:cNvPr>
+          <p:cNvSpPr>
+            <a:spLocks noGrp="1"/>
+          </p:cNvSpPr>
+          <p:nvPr>
+            <p:ph type="ftr" sz="quarter" idx="11"/>
+          </p:nvPr>
+        </p:nvSpPr>
+        <p:spPr/>
+        <p:txBody>
+          <a:bodyPr/>
+          <a:lstStyle/>
+          <a:p>
+            <a:endParaRPr lang="LID4096"/>
+          </a:p>
+        </p:txBody>
+      </p:sp>
+      <p:sp>
+        <p:nvSpPr>
+          <p:cNvPr id="5" name="Slide Number Placeholder 4">
+            <a:extLst>
+              <a:ext uri="{FF2B5EF4-FFF2-40B4-BE49-F238E27FC236}">
+                <a16:creationId xmlns:a16="http://schemas.microsoft.com/office/drawing/2014/main" id="{3DF34443-CA57-4A5E-91EE-7C41A34AE825}"/>
+              </a:ext>
+            </a:extLst>
+          </p:cNvPr>
+          <p:cNvSpPr>
+            <a:spLocks noGrp="1"/>
+          </p:cNvSpPr>
+          <p:nvPr>
+            <p:ph type="sldNum" sz="quarter" idx="12"/>
+          </p:nvPr>
+        </p:nvSpPr>
+        <p:spPr/>
+        <p:txBody>
+          <a:bodyPr/>
+          <a:lstStyle/>
+          <a:p>
+            <a:fld id="{82CFB014-AD6C-4066-8172-84F279028A0C}" type="slidenum">
+              <a:rPr lang="LID4096" smtClean="0"/>
+              <a:t>8</a:t>
             </a:fld>
             <a:endParaRPr lang="LID4096"/>
           </a:p>
@@ -10598,7 +15942,7 @@
     </p:spTree>
     <p:extLst>
       <p:ext uri="{BB962C8B-B14F-4D97-AF65-F5344CB8AC3E}">
-        <p14:creationId xmlns:p14="http://schemas.microsoft.com/office/powerpoint/2010/main" val="145863116"/>
+        <p14:creationId xmlns:p14="http://schemas.microsoft.com/office/powerpoint/2010/main" val="1393926339"/>
       </p:ext>
     </p:extLst>
   </p:cSld>
@@ -10608,7 +15952,7 @@
 </p:sld>
 </file>
 
-<file path=ppt/slides/slide8.xml><?xml version="1.0" encoding="utf-8"?>
+<file path=ppt/slides/slide9.xml><?xml version="1.0" encoding="utf-8"?>
 <p:sld xmlns:a="http://schemas.openxmlformats.org/drawingml/2006/main" xmlns:r="http://schemas.openxmlformats.org/officeDocument/2006/relationships" xmlns:p="http://schemas.openxmlformats.org/presentationml/2006/main">
   <p:cSld>
     <p:spTree>
@@ -10702,7 +16046,7 @@
           <a:p>
             <a:fld id="{82CFB014-AD6C-4066-8172-84F279028A0C}" type="slidenum">
               <a:rPr lang="LID4096" smtClean="0"/>
-              <a:t>8</a:t>
+              <a:t>9</a:t>
             </a:fld>
             <a:endParaRPr lang="LID4096"/>
           </a:p>
@@ -10742,149 +16086,6 @@
     <p:extLst>
       <p:ext uri="{BB962C8B-B14F-4D97-AF65-F5344CB8AC3E}">
         <p14:creationId xmlns:p14="http://schemas.microsoft.com/office/powerpoint/2010/main" val="1921235045"/>
-      </p:ext>
-    </p:extLst>
-  </p:cSld>
-  <p:clrMapOvr>
-    <a:masterClrMapping/>
-  </p:clrMapOvr>
-</p:sld>
-</file>
-
-<file path=ppt/slides/slide9.xml><?xml version="1.0" encoding="utf-8"?>
-<p:sld xmlns:a="http://schemas.openxmlformats.org/drawingml/2006/main" xmlns:r="http://schemas.openxmlformats.org/officeDocument/2006/relationships" xmlns:p="http://schemas.openxmlformats.org/presentationml/2006/main">
-  <p:cSld>
-    <p:spTree>
-      <p:nvGrpSpPr>
-        <p:cNvPr id="1" name=""/>
-        <p:cNvGrpSpPr/>
-        <p:nvPr/>
-      </p:nvGrpSpPr>
-      <p:grpSpPr>
-        <a:xfrm>
-          <a:off x="0" y="0"/>
-          <a:ext cx="0" cy="0"/>
-          <a:chOff x="0" y="0"/>
-          <a:chExt cx="0" cy="0"/>
-        </a:xfrm>
-      </p:grpSpPr>
-      <p:sp>
-        <p:nvSpPr>
-          <p:cNvPr id="2" name="Title 1">
-            <a:extLst>
-              <a:ext uri="{FF2B5EF4-FFF2-40B4-BE49-F238E27FC236}">
-                <a16:creationId xmlns:a16="http://schemas.microsoft.com/office/drawing/2014/main" id="{0BE53E45-9A00-4D96-8241-5A8EE49EDCAA}"/>
-              </a:ext>
-            </a:extLst>
-          </p:cNvPr>
-          <p:cNvSpPr>
-            <a:spLocks noGrp="1"/>
-          </p:cNvSpPr>
-          <p:nvPr>
-            <p:ph type="title"/>
-          </p:nvPr>
-        </p:nvSpPr>
-        <p:spPr/>
-        <p:txBody>
-          <a:bodyPr/>
-          <a:lstStyle/>
-          <a:p>
-            <a:r>
-              <a:rPr lang="en-US" dirty="0"/>
-              <a:t>Process Description (2/2)</a:t>
-            </a:r>
-            <a:endParaRPr lang="LID4096" dirty="0"/>
-          </a:p>
-        </p:txBody>
-      </p:sp>
-      <p:sp>
-        <p:nvSpPr>
-          <p:cNvPr id="4" name="Footer Placeholder 3">
-            <a:extLst>
-              <a:ext uri="{FF2B5EF4-FFF2-40B4-BE49-F238E27FC236}">
-                <a16:creationId xmlns:a16="http://schemas.microsoft.com/office/drawing/2014/main" id="{CDF18D4D-7E18-4819-B85B-D90EF82094F0}"/>
-              </a:ext>
-            </a:extLst>
-          </p:cNvPr>
-          <p:cNvSpPr>
-            <a:spLocks noGrp="1"/>
-          </p:cNvSpPr>
-          <p:nvPr>
-            <p:ph type="ftr" sz="quarter" idx="11"/>
-          </p:nvPr>
-        </p:nvSpPr>
-        <p:spPr/>
-        <p:txBody>
-          <a:bodyPr/>
-          <a:lstStyle/>
-          <a:p>
-            <a:endParaRPr lang="LID4096"/>
-          </a:p>
-        </p:txBody>
-      </p:sp>
-      <p:sp>
-        <p:nvSpPr>
-          <p:cNvPr id="5" name="Slide Number Placeholder 4">
-            <a:extLst>
-              <a:ext uri="{FF2B5EF4-FFF2-40B4-BE49-F238E27FC236}">
-                <a16:creationId xmlns:a16="http://schemas.microsoft.com/office/drawing/2014/main" id="{3DF34443-CA57-4A5E-91EE-7C41A34AE825}"/>
-              </a:ext>
-            </a:extLst>
-          </p:cNvPr>
-          <p:cNvSpPr>
-            <a:spLocks noGrp="1"/>
-          </p:cNvSpPr>
-          <p:nvPr>
-            <p:ph type="sldNum" sz="quarter" idx="12"/>
-          </p:nvPr>
-        </p:nvSpPr>
-        <p:spPr/>
-        <p:txBody>
-          <a:bodyPr/>
-          <a:lstStyle/>
-          <a:p>
-            <a:fld id="{82CFB014-AD6C-4066-8172-84F279028A0C}" type="slidenum">
-              <a:rPr lang="LID4096" smtClean="0"/>
-              <a:t>9</a:t>
-            </a:fld>
-            <a:endParaRPr lang="LID4096"/>
-          </a:p>
-        </p:txBody>
-      </p:sp>
-      <p:pic>
-        <p:nvPicPr>
-          <p:cNvPr id="3" name="Picture 2">
-            <a:extLst>
-              <a:ext uri="{FF2B5EF4-FFF2-40B4-BE49-F238E27FC236}">
-                <a16:creationId xmlns:a16="http://schemas.microsoft.com/office/drawing/2014/main" id="{8074D0F3-DAF1-4A66-BF7E-C803BDBD8319}"/>
-              </a:ext>
-            </a:extLst>
-          </p:cNvPr>
-          <p:cNvPicPr>
-            <a:picLocks noChangeAspect="1"/>
-          </p:cNvPicPr>
-          <p:nvPr/>
-        </p:nvPicPr>
-        <p:blipFill>
-          <a:blip r:embed="rId2"/>
-          <a:stretch>
-            <a:fillRect/>
-          </a:stretch>
-        </p:blipFill>
-        <p:spPr>
-          <a:xfrm>
-            <a:off x="2589212" y="1375749"/>
-            <a:ext cx="8213203" cy="4942621"/>
-          </a:xfrm>
-          <a:prstGeom prst="rect">
-            <a:avLst/>
-          </a:prstGeom>
-        </p:spPr>
-      </p:pic>
-    </p:spTree>
-    <p:extLst>
-      <p:ext uri="{BB962C8B-B14F-4D97-AF65-F5344CB8AC3E}">
-        <p14:creationId xmlns:p14="http://schemas.microsoft.com/office/powerpoint/2010/main" val="113211092"/>
       </p:ext>
     </p:extLst>
   </p:cSld>

--- a/Submission Documents/DBP_presentation.pptx
+++ b/Submission Documents/DBP_presentation.pptx
@@ -12,9 +12,9 @@
     <p:sldId id="257" r:id="rId3"/>
     <p:sldId id="268" r:id="rId4"/>
     <p:sldId id="273" r:id="rId5"/>
-    <p:sldId id="263" r:id="rId6"/>
-    <p:sldId id="259" r:id="rId7"/>
-    <p:sldId id="262" r:id="rId8"/>
+    <p:sldId id="262" r:id="rId6"/>
+    <p:sldId id="263" r:id="rId7"/>
+    <p:sldId id="259" r:id="rId8"/>
     <p:sldId id="277" r:id="rId9"/>
     <p:sldId id="274" r:id="rId10"/>
     <p:sldId id="275" r:id="rId11"/>
@@ -129,6 +129,10 @@
     </p:ext>
   </p:extLst>
 </p:presentation>
+</file>
+
+<file path=ppt/revisionInfo.xml><?xml version="1.0" encoding="utf-8"?>
+<p1510:revInfo xmlns:a="http://schemas.openxmlformats.org/drawingml/2006/main" xmlns:r="http://schemas.openxmlformats.org/officeDocument/2006/relationships" xmlns:p1510="http://schemas.microsoft.com/office/powerpoint/2015/10/main"/>
 </file>
 
 <file path=ppt/diagrams/colors1.xml><?xml version="1.0" encoding="utf-8"?>
@@ -15156,6 +15160,175 @@
           <p:cNvPr id="2" name="Title 1">
             <a:extLst>
               <a:ext uri="{FF2B5EF4-FFF2-40B4-BE49-F238E27FC236}">
+                <a16:creationId xmlns:a16="http://schemas.microsoft.com/office/drawing/2014/main" id="{0BE53E45-9A00-4D96-8241-5A8EE49EDCAA}"/>
+              </a:ext>
+            </a:extLst>
+          </p:cNvPr>
+          <p:cNvSpPr>
+            <a:spLocks noGrp="1"/>
+          </p:cNvSpPr>
+          <p:nvPr>
+            <p:ph type="title"/>
+          </p:nvPr>
+        </p:nvSpPr>
+        <p:spPr/>
+        <p:txBody>
+          <a:bodyPr/>
+          <a:lstStyle/>
+          <a:p>
+            <a:r>
+              <a:rPr lang="en-US" dirty="0"/>
+              <a:t>Process Description (top level)</a:t>
+            </a:r>
+            <a:endParaRPr lang="LID4096" dirty="0"/>
+          </a:p>
+        </p:txBody>
+      </p:sp>
+      <p:sp>
+        <p:nvSpPr>
+          <p:cNvPr id="4" name="Footer Placeholder 3">
+            <a:extLst>
+              <a:ext uri="{FF2B5EF4-FFF2-40B4-BE49-F238E27FC236}">
+                <a16:creationId xmlns:a16="http://schemas.microsoft.com/office/drawing/2014/main" id="{CDF18D4D-7E18-4819-B85B-D90EF82094F0}"/>
+              </a:ext>
+            </a:extLst>
+          </p:cNvPr>
+          <p:cNvSpPr>
+            <a:spLocks noGrp="1"/>
+          </p:cNvSpPr>
+          <p:nvPr>
+            <p:ph type="ftr" sz="quarter" idx="11"/>
+          </p:nvPr>
+        </p:nvSpPr>
+        <p:spPr/>
+        <p:txBody>
+          <a:bodyPr/>
+          <a:lstStyle/>
+          <a:p>
+            <a:endParaRPr lang="LID4096"/>
+          </a:p>
+        </p:txBody>
+      </p:sp>
+      <p:sp>
+        <p:nvSpPr>
+          <p:cNvPr id="5" name="Slide Number Placeholder 4">
+            <a:extLst>
+              <a:ext uri="{FF2B5EF4-FFF2-40B4-BE49-F238E27FC236}">
+                <a16:creationId xmlns:a16="http://schemas.microsoft.com/office/drawing/2014/main" id="{3DF34443-CA57-4A5E-91EE-7C41A34AE825}"/>
+              </a:ext>
+            </a:extLst>
+          </p:cNvPr>
+          <p:cNvSpPr>
+            <a:spLocks noGrp="1"/>
+          </p:cNvSpPr>
+          <p:nvPr>
+            <p:ph type="sldNum" sz="quarter" idx="12"/>
+          </p:nvPr>
+        </p:nvSpPr>
+        <p:spPr/>
+        <p:txBody>
+          <a:bodyPr/>
+          <a:lstStyle/>
+          <a:p>
+            <a:fld id="{82CFB014-AD6C-4066-8172-84F279028A0C}" type="slidenum">
+              <a:rPr lang="LID4096" smtClean="0"/>
+              <a:t>5</a:t>
+            </a:fld>
+            <a:endParaRPr lang="LID4096"/>
+          </a:p>
+        </p:txBody>
+      </p:sp>
+      <p:graphicFrame>
+        <p:nvGraphicFramePr>
+          <p:cNvPr id="6" name="Diagram 5">
+            <a:extLst>
+              <a:ext uri="{FF2B5EF4-FFF2-40B4-BE49-F238E27FC236}">
+                <a16:creationId xmlns:a16="http://schemas.microsoft.com/office/drawing/2014/main" id="{B6F838E2-3FFB-4C90-8B03-695453E5721F}"/>
+              </a:ext>
+            </a:extLst>
+          </p:cNvPr>
+          <p:cNvGraphicFramePr/>
+          <p:nvPr>
+            <p:extLst>
+              <p:ext uri="{D42A27DB-BD31-4B8C-83A1-F6EECF244321}">
+                <p14:modId xmlns:p14="http://schemas.microsoft.com/office/powerpoint/2010/main" val="2564471289"/>
+              </p:ext>
+            </p:extLst>
+          </p:nvPr>
+        </p:nvGraphicFramePr>
+        <p:xfrm>
+          <a:off x="3207109" y="2149267"/>
+          <a:ext cx="5777781" cy="3846583"/>
+        </p:xfrm>
+        <a:graphic>
+          <a:graphicData uri="http://schemas.openxmlformats.org/drawingml/2006/diagram">
+            <dgm:relIds xmlns:dgm="http://schemas.openxmlformats.org/drawingml/2006/diagram" xmlns:r="http://schemas.openxmlformats.org/officeDocument/2006/relationships" r:dm="rId2" r:lo="rId3" r:qs="rId4" r:cs="rId5"/>
+          </a:graphicData>
+        </a:graphic>
+      </p:graphicFrame>
+      <p:graphicFrame>
+        <p:nvGraphicFramePr>
+          <p:cNvPr id="7" name="Diagram 6">
+            <a:extLst>
+              <a:ext uri="{FF2B5EF4-FFF2-40B4-BE49-F238E27FC236}">
+                <a16:creationId xmlns:a16="http://schemas.microsoft.com/office/drawing/2014/main" id="{5C63AFD5-18BB-4AC8-B28F-51870A8285FB}"/>
+              </a:ext>
+            </a:extLst>
+          </p:cNvPr>
+          <p:cNvGraphicFramePr/>
+          <p:nvPr>
+            <p:extLst>
+              <p:ext uri="{D42A27DB-BD31-4B8C-83A1-F6EECF244321}">
+                <p14:modId xmlns:p14="http://schemas.microsoft.com/office/powerpoint/2010/main" val="2032047506"/>
+              </p:ext>
+            </p:extLst>
+          </p:nvPr>
+        </p:nvGraphicFramePr>
+        <p:xfrm>
+          <a:off x="3207109" y="2044957"/>
+          <a:ext cx="5777781" cy="1190446"/>
+        </p:xfrm>
+        <a:graphic>
+          <a:graphicData uri="http://schemas.openxmlformats.org/drawingml/2006/diagram">
+            <dgm:relIds xmlns:dgm="http://schemas.openxmlformats.org/drawingml/2006/diagram" xmlns:r="http://schemas.openxmlformats.org/officeDocument/2006/relationships" r:dm="rId7" r:lo="rId8" r:qs="rId9" r:cs="rId10"/>
+          </a:graphicData>
+        </a:graphic>
+      </p:graphicFrame>
+    </p:spTree>
+    <p:extLst>
+      <p:ext uri="{BB962C8B-B14F-4D97-AF65-F5344CB8AC3E}">
+        <p14:creationId xmlns:p14="http://schemas.microsoft.com/office/powerpoint/2010/main" val="145863116"/>
+      </p:ext>
+    </p:extLst>
+  </p:cSld>
+  <p:clrMapOvr>
+    <a:masterClrMapping/>
+  </p:clrMapOvr>
+</p:sld>
+</file>
+
+<file path=ppt/slides/slide6.xml><?xml version="1.0" encoding="utf-8"?>
+<p:sld xmlns:a="http://schemas.openxmlformats.org/drawingml/2006/main" xmlns:r="http://schemas.openxmlformats.org/officeDocument/2006/relationships" xmlns:p="http://schemas.openxmlformats.org/presentationml/2006/main">
+  <p:cSld>
+    <p:spTree>
+      <p:nvGrpSpPr>
+        <p:cNvPr id="1" name=""/>
+        <p:cNvGrpSpPr/>
+        <p:nvPr/>
+      </p:nvGrpSpPr>
+      <p:grpSpPr>
+        <a:xfrm>
+          <a:off x="0" y="0"/>
+          <a:ext cx="0" cy="0"/>
+          <a:chOff x="0" y="0"/>
+          <a:chExt cx="0" cy="0"/>
+        </a:xfrm>
+      </p:grpSpPr>
+      <p:sp>
+        <p:nvSpPr>
+          <p:cNvPr id="2" name="Title 1">
+            <a:extLst>
+              <a:ext uri="{FF2B5EF4-FFF2-40B4-BE49-F238E27FC236}">
                 <a16:creationId xmlns:a16="http://schemas.microsoft.com/office/drawing/2014/main" id="{14C99F9F-93E5-446E-BAA8-3990701595A9}"/>
               </a:ext>
             </a:extLst>
@@ -15312,7 +15485,7 @@
           <a:p>
             <a:fld id="{82CFB014-AD6C-4066-8172-84F279028A0C}" type="slidenum">
               <a:rPr lang="LID4096" smtClean="0"/>
-              <a:t>5</a:t>
+              <a:t>6</a:t>
             </a:fld>
             <a:endParaRPr lang="LID4096"/>
           </a:p>
@@ -15361,7 +15534,7 @@
 </p:sld>
 </file>
 
-<file path=ppt/slides/slide6.xml><?xml version="1.0" encoding="utf-8"?>
+<file path=ppt/slides/slide7.xml><?xml version="1.0" encoding="utf-8"?>
 <p:sld xmlns:a="http://schemas.openxmlformats.org/drawingml/2006/main" xmlns:r="http://schemas.openxmlformats.org/officeDocument/2006/relationships" xmlns:p="http://schemas.openxmlformats.org/presentationml/2006/main">
   <p:cSld>
     <p:spTree>
@@ -15499,7 +15672,7 @@
           <a:p>
             <a:fld id="{82CFB014-AD6C-4066-8172-84F279028A0C}" type="slidenum">
               <a:rPr lang="LID4096" smtClean="0"/>
-              <a:t>6</a:t>
+              <a:t>7</a:t>
             </a:fld>
             <a:endParaRPr lang="LID4096"/>
           </a:p>
@@ -15625,175 +15798,6 @@
     <p:extLst>
       <p:ext uri="{BB962C8B-B14F-4D97-AF65-F5344CB8AC3E}">
         <p14:creationId xmlns:p14="http://schemas.microsoft.com/office/powerpoint/2010/main" val="3952992244"/>
-      </p:ext>
-    </p:extLst>
-  </p:cSld>
-  <p:clrMapOvr>
-    <a:masterClrMapping/>
-  </p:clrMapOvr>
-</p:sld>
-</file>
-
-<file path=ppt/slides/slide7.xml><?xml version="1.0" encoding="utf-8"?>
-<p:sld xmlns:a="http://schemas.openxmlformats.org/drawingml/2006/main" xmlns:r="http://schemas.openxmlformats.org/officeDocument/2006/relationships" xmlns:p="http://schemas.openxmlformats.org/presentationml/2006/main">
-  <p:cSld>
-    <p:spTree>
-      <p:nvGrpSpPr>
-        <p:cNvPr id="1" name=""/>
-        <p:cNvGrpSpPr/>
-        <p:nvPr/>
-      </p:nvGrpSpPr>
-      <p:grpSpPr>
-        <a:xfrm>
-          <a:off x="0" y="0"/>
-          <a:ext cx="0" cy="0"/>
-          <a:chOff x="0" y="0"/>
-          <a:chExt cx="0" cy="0"/>
-        </a:xfrm>
-      </p:grpSpPr>
-      <p:sp>
-        <p:nvSpPr>
-          <p:cNvPr id="2" name="Title 1">
-            <a:extLst>
-              <a:ext uri="{FF2B5EF4-FFF2-40B4-BE49-F238E27FC236}">
-                <a16:creationId xmlns:a16="http://schemas.microsoft.com/office/drawing/2014/main" id="{0BE53E45-9A00-4D96-8241-5A8EE49EDCAA}"/>
-              </a:ext>
-            </a:extLst>
-          </p:cNvPr>
-          <p:cNvSpPr>
-            <a:spLocks noGrp="1"/>
-          </p:cNvSpPr>
-          <p:nvPr>
-            <p:ph type="title"/>
-          </p:nvPr>
-        </p:nvSpPr>
-        <p:spPr/>
-        <p:txBody>
-          <a:bodyPr/>
-          <a:lstStyle/>
-          <a:p>
-            <a:r>
-              <a:rPr lang="en-US" dirty="0"/>
-              <a:t>Process Description (top level)</a:t>
-            </a:r>
-            <a:endParaRPr lang="LID4096" dirty="0"/>
-          </a:p>
-        </p:txBody>
-      </p:sp>
-      <p:sp>
-        <p:nvSpPr>
-          <p:cNvPr id="4" name="Footer Placeholder 3">
-            <a:extLst>
-              <a:ext uri="{FF2B5EF4-FFF2-40B4-BE49-F238E27FC236}">
-                <a16:creationId xmlns:a16="http://schemas.microsoft.com/office/drawing/2014/main" id="{CDF18D4D-7E18-4819-B85B-D90EF82094F0}"/>
-              </a:ext>
-            </a:extLst>
-          </p:cNvPr>
-          <p:cNvSpPr>
-            <a:spLocks noGrp="1"/>
-          </p:cNvSpPr>
-          <p:nvPr>
-            <p:ph type="ftr" sz="quarter" idx="11"/>
-          </p:nvPr>
-        </p:nvSpPr>
-        <p:spPr/>
-        <p:txBody>
-          <a:bodyPr/>
-          <a:lstStyle/>
-          <a:p>
-            <a:endParaRPr lang="LID4096"/>
-          </a:p>
-        </p:txBody>
-      </p:sp>
-      <p:sp>
-        <p:nvSpPr>
-          <p:cNvPr id="5" name="Slide Number Placeholder 4">
-            <a:extLst>
-              <a:ext uri="{FF2B5EF4-FFF2-40B4-BE49-F238E27FC236}">
-                <a16:creationId xmlns:a16="http://schemas.microsoft.com/office/drawing/2014/main" id="{3DF34443-CA57-4A5E-91EE-7C41A34AE825}"/>
-              </a:ext>
-            </a:extLst>
-          </p:cNvPr>
-          <p:cNvSpPr>
-            <a:spLocks noGrp="1"/>
-          </p:cNvSpPr>
-          <p:nvPr>
-            <p:ph type="sldNum" sz="quarter" idx="12"/>
-          </p:nvPr>
-        </p:nvSpPr>
-        <p:spPr/>
-        <p:txBody>
-          <a:bodyPr/>
-          <a:lstStyle/>
-          <a:p>
-            <a:fld id="{82CFB014-AD6C-4066-8172-84F279028A0C}" type="slidenum">
-              <a:rPr lang="LID4096" smtClean="0"/>
-              <a:t>7</a:t>
-            </a:fld>
-            <a:endParaRPr lang="LID4096"/>
-          </a:p>
-        </p:txBody>
-      </p:sp>
-      <p:graphicFrame>
-        <p:nvGraphicFramePr>
-          <p:cNvPr id="6" name="Diagram 5">
-            <a:extLst>
-              <a:ext uri="{FF2B5EF4-FFF2-40B4-BE49-F238E27FC236}">
-                <a16:creationId xmlns:a16="http://schemas.microsoft.com/office/drawing/2014/main" id="{B6F838E2-3FFB-4C90-8B03-695453E5721F}"/>
-              </a:ext>
-            </a:extLst>
-          </p:cNvPr>
-          <p:cNvGraphicFramePr/>
-          <p:nvPr>
-            <p:extLst>
-              <p:ext uri="{D42A27DB-BD31-4B8C-83A1-F6EECF244321}">
-                <p14:modId xmlns:p14="http://schemas.microsoft.com/office/powerpoint/2010/main" val="2564471289"/>
-              </p:ext>
-            </p:extLst>
-          </p:nvPr>
-        </p:nvGraphicFramePr>
-        <p:xfrm>
-          <a:off x="3207109" y="2149267"/>
-          <a:ext cx="5777781" cy="3846583"/>
-        </p:xfrm>
-        <a:graphic>
-          <a:graphicData uri="http://schemas.openxmlformats.org/drawingml/2006/diagram">
-            <dgm:relIds xmlns:dgm="http://schemas.openxmlformats.org/drawingml/2006/diagram" xmlns:r="http://schemas.openxmlformats.org/officeDocument/2006/relationships" r:dm="rId2" r:lo="rId3" r:qs="rId4" r:cs="rId5"/>
-          </a:graphicData>
-        </a:graphic>
-      </p:graphicFrame>
-      <p:graphicFrame>
-        <p:nvGraphicFramePr>
-          <p:cNvPr id="7" name="Diagram 6">
-            <a:extLst>
-              <a:ext uri="{FF2B5EF4-FFF2-40B4-BE49-F238E27FC236}">
-                <a16:creationId xmlns:a16="http://schemas.microsoft.com/office/drawing/2014/main" id="{5C63AFD5-18BB-4AC8-B28F-51870A8285FB}"/>
-              </a:ext>
-            </a:extLst>
-          </p:cNvPr>
-          <p:cNvGraphicFramePr/>
-          <p:nvPr>
-            <p:extLst>
-              <p:ext uri="{D42A27DB-BD31-4B8C-83A1-F6EECF244321}">
-                <p14:modId xmlns:p14="http://schemas.microsoft.com/office/powerpoint/2010/main" val="2032047506"/>
-              </p:ext>
-            </p:extLst>
-          </p:nvPr>
-        </p:nvGraphicFramePr>
-        <p:xfrm>
-          <a:off x="3207109" y="2044957"/>
-          <a:ext cx="5777781" cy="1190446"/>
-        </p:xfrm>
-        <a:graphic>
-          <a:graphicData uri="http://schemas.openxmlformats.org/drawingml/2006/diagram">
-            <dgm:relIds xmlns:dgm="http://schemas.openxmlformats.org/drawingml/2006/diagram" xmlns:r="http://schemas.openxmlformats.org/officeDocument/2006/relationships" r:dm="rId7" r:lo="rId8" r:qs="rId9" r:cs="rId10"/>
-          </a:graphicData>
-        </a:graphic>
-      </p:graphicFrame>
-    </p:spTree>
-    <p:extLst>
-      <p:ext uri="{BB962C8B-B14F-4D97-AF65-F5344CB8AC3E}">
-        <p14:creationId xmlns:p14="http://schemas.microsoft.com/office/powerpoint/2010/main" val="145863116"/>
       </p:ext>
     </p:extLst>
   </p:cSld>

--- a/Submission Documents/DBP_presentation.pptx
+++ b/Submission Documents/DBP_presentation.pptx
@@ -5,16 +5,16 @@
     <p:sldMasterId id="2147483694" r:id="rId1"/>
   </p:sldMasterIdLst>
   <p:notesMasterIdLst>
-    <p:notesMasterId r:id="rId19"/>
+    <p:notesMasterId r:id="rId18"/>
   </p:notesMasterIdLst>
   <p:sldIdLst>
     <p:sldId id="256" r:id="rId2"/>
     <p:sldId id="257" r:id="rId3"/>
     <p:sldId id="268" r:id="rId4"/>
     <p:sldId id="273" r:id="rId5"/>
-    <p:sldId id="262" r:id="rId6"/>
-    <p:sldId id="263" r:id="rId7"/>
-    <p:sldId id="259" r:id="rId8"/>
+    <p:sldId id="263" r:id="rId6"/>
+    <p:sldId id="259" r:id="rId7"/>
+    <p:sldId id="262" r:id="rId8"/>
     <p:sldId id="277" r:id="rId9"/>
     <p:sldId id="274" r:id="rId10"/>
     <p:sldId id="275" r:id="rId11"/>
@@ -23,8 +23,7 @@
     <p:sldId id="266" r:id="rId14"/>
     <p:sldId id="269" r:id="rId15"/>
     <p:sldId id="270" r:id="rId16"/>
-    <p:sldId id="276" r:id="rId17"/>
-    <p:sldId id="271" r:id="rId18"/>
+    <p:sldId id="271" r:id="rId17"/>
   </p:sldIdLst>
   <p:sldSz cx="12192000" cy="6858000"/>
   <p:notesSz cx="6858000" cy="9144000"/>
@@ -129,10 +128,6 @@
     </p:ext>
   </p:extLst>
 </p:presentation>
-</file>
-
-<file path=ppt/revisionInfo.xml><?xml version="1.0" encoding="utf-8"?>
-<p1510:revInfo xmlns:a="http://schemas.openxmlformats.org/drawingml/2006/main" xmlns:r="http://schemas.openxmlformats.org/officeDocument/2006/relationships" xmlns:p1510="http://schemas.microsoft.com/office/powerpoint/2015/10/main"/>
 </file>
 
 <file path=ppt/diagrams/colors1.xml><?xml version="1.0" encoding="utf-8"?>
@@ -14292,7 +14287,7 @@
           <a:p>
             <a:r>
               <a:rPr lang="en-US" dirty="0"/>
-              <a:t>Automation</a:t>
+              <a:t>Automation &amp; Service Integration</a:t>
             </a:r>
             <a:endParaRPr lang="LID4096" dirty="0"/>
           </a:p>
@@ -14352,26 +14347,190 @@
           </a:p>
         </p:txBody>
       </p:sp>
-      <p:sp>
-        <p:nvSpPr>
-          <p:cNvPr id="8" name="Content Placeholder 7">
+      <p:pic>
+        <p:nvPicPr>
+          <p:cNvPr id="7" name="Picture 6">
             <a:extLst>
               <a:ext uri="{FF2B5EF4-FFF2-40B4-BE49-F238E27FC236}">
-                <a16:creationId xmlns:a16="http://schemas.microsoft.com/office/drawing/2014/main" id="{3B061F86-F347-4A94-9C9D-C3B230F3A2B5}"/>
+                <a16:creationId xmlns:a16="http://schemas.microsoft.com/office/drawing/2014/main" id="{24822B53-3B6D-4703-A631-810DFF0B492E}"/>
               </a:ext>
             </a:extLst>
           </p:cNvPr>
-          <p:cNvSpPr txBox="1">
-            <a:spLocks noGrp="1"/>
-          </p:cNvSpPr>
-          <p:nvPr>
-            <p:ph idx="1"/>
-          </p:nvPr>
-        </p:nvSpPr>
+          <p:cNvPicPr>
+            <a:picLocks noChangeAspect="1"/>
+          </p:cNvPicPr>
+          <p:nvPr/>
+        </p:nvPicPr>
+        <p:blipFill>
+          <a:blip r:embed="rId2"/>
+          <a:stretch>
+            <a:fillRect/>
+          </a:stretch>
+        </p:blipFill>
         <p:spPr>
           <a:xfrm>
-            <a:off x="2589212" y="2133600"/>
-            <a:ext cx="8915400" cy="369332"/>
+            <a:off x="2589212" y="1451748"/>
+            <a:ext cx="8469655" cy="4866622"/>
+          </a:xfrm>
+          <a:prstGeom prst="rect">
+            <a:avLst/>
+          </a:prstGeom>
+        </p:spPr>
+      </p:pic>
+      <p:sp>
+        <p:nvSpPr>
+          <p:cNvPr id="9" name="TextBox 8">
+            <a:extLst>
+              <a:ext uri="{FF2B5EF4-FFF2-40B4-BE49-F238E27FC236}">
+                <a16:creationId xmlns:a16="http://schemas.microsoft.com/office/drawing/2014/main" id="{013084DE-7259-4815-94AC-2115ADF7C87B}"/>
+              </a:ext>
+            </a:extLst>
+          </p:cNvPr>
+          <p:cNvSpPr txBox="1"/>
+          <p:nvPr/>
+        </p:nvSpPr>
+        <p:spPr>
+          <a:xfrm>
+            <a:off x="6096000" y="2454875"/>
+            <a:ext cx="1318054" cy="523220"/>
+          </a:xfrm>
+          <a:prstGeom prst="rect">
+            <a:avLst/>
+          </a:prstGeom>
+          <a:solidFill>
+            <a:schemeClr val="bg1"/>
+          </a:solidFill>
+        </p:spPr>
+        <p:txBody>
+          <a:bodyPr wrap="square" rtlCol="0">
+            <a:spAutoFit/>
+          </a:bodyPr>
+          <a:lstStyle/>
+          <a:p>
+            <a:pPr algn="ctr"/>
+            <a:r>
+              <a:rPr lang="en-US" sz="1400" b="1" dirty="0" err="1"/>
+              <a:t>Wordpress</a:t>
+            </a:r>
+            <a:r>
+              <a:rPr lang="en-US" sz="1400" b="1" dirty="0"/>
+              <a:t> / google form</a:t>
+            </a:r>
+            <a:endParaRPr lang="LID4096" sz="1400" b="1" dirty="0"/>
+          </a:p>
+        </p:txBody>
+      </p:sp>
+      <p:sp>
+        <p:nvSpPr>
+          <p:cNvPr id="11" name="TextBox 10">
+            <a:extLst>
+              <a:ext uri="{FF2B5EF4-FFF2-40B4-BE49-F238E27FC236}">
+                <a16:creationId xmlns:a16="http://schemas.microsoft.com/office/drawing/2014/main" id="{3904F31D-79CC-4FF5-BB56-C77B69125126}"/>
+              </a:ext>
+            </a:extLst>
+          </p:cNvPr>
+          <p:cNvSpPr txBox="1"/>
+          <p:nvPr/>
+        </p:nvSpPr>
+        <p:spPr>
+          <a:xfrm>
+            <a:off x="8556583" y="4429781"/>
+            <a:ext cx="1318054" cy="523220"/>
+          </a:xfrm>
+          <a:prstGeom prst="rect">
+            <a:avLst/>
+          </a:prstGeom>
+        </p:spPr>
+        <p:style>
+          <a:lnRef idx="2">
+            <a:schemeClr val="accent2"/>
+          </a:lnRef>
+          <a:fillRef idx="1">
+            <a:schemeClr val="lt1"/>
+          </a:fillRef>
+          <a:effectRef idx="0">
+            <a:schemeClr val="accent2"/>
+          </a:effectRef>
+          <a:fontRef idx="minor">
+            <a:schemeClr val="dk1"/>
+          </a:fontRef>
+        </p:style>
+        <p:txBody>
+          <a:bodyPr wrap="square" rtlCol="0">
+            <a:spAutoFit/>
+          </a:bodyPr>
+          <a:lstStyle/>
+          <a:p>
+            <a:pPr algn="ctr"/>
+            <a:r>
+              <a:rPr lang="en-US" sz="1400" b="1" dirty="0"/>
+              <a:t>External services</a:t>
+            </a:r>
+            <a:endParaRPr lang="LID4096" sz="1400" b="1" dirty="0"/>
+          </a:p>
+        </p:txBody>
+      </p:sp>
+      <p:cxnSp>
+        <p:nvCxnSpPr>
+          <p:cNvPr id="15" name="Connector: Elbow 14">
+            <a:extLst>
+              <a:ext uri="{FF2B5EF4-FFF2-40B4-BE49-F238E27FC236}">
+                <a16:creationId xmlns:a16="http://schemas.microsoft.com/office/drawing/2014/main" id="{AB2C53FB-C921-48C4-B4CE-90F13B4F029F}"/>
+              </a:ext>
+            </a:extLst>
+          </p:cNvPr>
+          <p:cNvCxnSpPr>
+            <a:endCxn id="11" idx="1"/>
+          </p:cNvCxnSpPr>
+          <p:nvPr/>
+        </p:nvCxnSpPr>
+        <p:spPr>
+          <a:xfrm>
+            <a:off x="7125730" y="3987114"/>
+            <a:ext cx="1430853" cy="704277"/>
+          </a:xfrm>
+          <a:prstGeom prst="bentConnector3">
+            <a:avLst/>
+          </a:prstGeom>
+          <a:ln w="12700">
+            <a:solidFill>
+              <a:schemeClr val="bg1">
+                <a:lumMod val="50000"/>
+              </a:schemeClr>
+            </a:solidFill>
+          </a:ln>
+        </p:spPr>
+        <p:style>
+          <a:lnRef idx="1">
+            <a:schemeClr val="accent4"/>
+          </a:lnRef>
+          <a:fillRef idx="0">
+            <a:schemeClr val="accent4"/>
+          </a:fillRef>
+          <a:effectRef idx="0">
+            <a:schemeClr val="accent4"/>
+          </a:effectRef>
+          <a:fontRef idx="minor">
+            <a:schemeClr val="tx1"/>
+          </a:fontRef>
+        </p:style>
+      </p:cxnSp>
+      <p:sp>
+        <p:nvSpPr>
+          <p:cNvPr id="16" name="TextBox 15">
+            <a:extLst>
+              <a:ext uri="{FF2B5EF4-FFF2-40B4-BE49-F238E27FC236}">
+                <a16:creationId xmlns:a16="http://schemas.microsoft.com/office/drawing/2014/main" id="{D26CF898-1109-4A02-AC73-E2D04EF3167C}"/>
+              </a:ext>
+            </a:extLst>
+          </p:cNvPr>
+          <p:cNvSpPr txBox="1"/>
+          <p:nvPr/>
+        </p:nvSpPr>
+        <p:spPr>
+          <a:xfrm>
+            <a:off x="7841155" y="4201297"/>
+            <a:ext cx="544963" cy="215444"/>
           </a:xfrm>
           <a:prstGeom prst="rect">
             <a:avLst/>
@@ -14385,18 +14544,10 @@
           <a:lstStyle/>
           <a:p>
             <a:r>
-              <a:rPr lang="en-US" dirty="0">
-                <a:solidFill>
-                  <a:srgbClr val="FF0000"/>
-                </a:solidFill>
-              </a:rPr>
-              <a:t>What graphic shall I insert here?</a:t>
+              <a:rPr lang="en-US" sz="800" b="1" dirty="0"/>
+              <a:t>REST</a:t>
             </a:r>
-            <a:endParaRPr lang="LID4096" dirty="0">
-              <a:solidFill>
-                <a:srgbClr val="FF0000"/>
-              </a:solidFill>
-            </a:endParaRPr>
+            <a:endParaRPr lang="LID4096" b="1" dirty="0"/>
           </a:p>
         </p:txBody>
       </p:sp>
@@ -14414,167 +14565,6 @@
 </file>
 
 <file path=ppt/slides/slide16.xml><?xml version="1.0" encoding="utf-8"?>
-<p:sld xmlns:a="http://schemas.openxmlformats.org/drawingml/2006/main" xmlns:r="http://schemas.openxmlformats.org/officeDocument/2006/relationships" xmlns:p="http://schemas.openxmlformats.org/presentationml/2006/main">
-  <p:cSld>
-    <p:spTree>
-      <p:nvGrpSpPr>
-        <p:cNvPr id="1" name=""/>
-        <p:cNvGrpSpPr/>
-        <p:nvPr/>
-      </p:nvGrpSpPr>
-      <p:grpSpPr>
-        <a:xfrm>
-          <a:off x="0" y="0"/>
-          <a:ext cx="0" cy="0"/>
-          <a:chOff x="0" y="0"/>
-          <a:chExt cx="0" cy="0"/>
-        </a:xfrm>
-      </p:grpSpPr>
-      <p:sp>
-        <p:nvSpPr>
-          <p:cNvPr id="2" name="Title 1">
-            <a:extLst>
-              <a:ext uri="{FF2B5EF4-FFF2-40B4-BE49-F238E27FC236}">
-                <a16:creationId xmlns:a16="http://schemas.microsoft.com/office/drawing/2014/main" id="{0BE53E45-9A00-4D96-8241-5A8EE49EDCAA}"/>
-              </a:ext>
-            </a:extLst>
-          </p:cNvPr>
-          <p:cNvSpPr>
-            <a:spLocks noGrp="1"/>
-          </p:cNvSpPr>
-          <p:nvPr>
-            <p:ph type="title"/>
-          </p:nvPr>
-        </p:nvSpPr>
-        <p:spPr/>
-        <p:txBody>
-          <a:bodyPr/>
-          <a:lstStyle/>
-          <a:p>
-            <a:r>
-              <a:rPr lang="en-US" dirty="0"/>
-              <a:t>Service Integration</a:t>
-            </a:r>
-            <a:endParaRPr lang="LID4096" dirty="0"/>
-          </a:p>
-        </p:txBody>
-      </p:sp>
-      <p:sp>
-        <p:nvSpPr>
-          <p:cNvPr id="4" name="Footer Placeholder 3">
-            <a:extLst>
-              <a:ext uri="{FF2B5EF4-FFF2-40B4-BE49-F238E27FC236}">
-                <a16:creationId xmlns:a16="http://schemas.microsoft.com/office/drawing/2014/main" id="{CDF18D4D-7E18-4819-B85B-D90EF82094F0}"/>
-              </a:ext>
-            </a:extLst>
-          </p:cNvPr>
-          <p:cNvSpPr>
-            <a:spLocks noGrp="1"/>
-          </p:cNvSpPr>
-          <p:nvPr>
-            <p:ph type="ftr" sz="quarter" idx="11"/>
-          </p:nvPr>
-        </p:nvSpPr>
-        <p:spPr/>
-        <p:txBody>
-          <a:bodyPr/>
-          <a:lstStyle/>
-          <a:p>
-            <a:endParaRPr lang="LID4096"/>
-          </a:p>
-        </p:txBody>
-      </p:sp>
-      <p:sp>
-        <p:nvSpPr>
-          <p:cNvPr id="5" name="Slide Number Placeholder 4">
-            <a:extLst>
-              <a:ext uri="{FF2B5EF4-FFF2-40B4-BE49-F238E27FC236}">
-                <a16:creationId xmlns:a16="http://schemas.microsoft.com/office/drawing/2014/main" id="{3DF34443-CA57-4A5E-91EE-7C41A34AE825}"/>
-              </a:ext>
-            </a:extLst>
-          </p:cNvPr>
-          <p:cNvSpPr>
-            <a:spLocks noGrp="1"/>
-          </p:cNvSpPr>
-          <p:nvPr>
-            <p:ph type="sldNum" sz="quarter" idx="12"/>
-          </p:nvPr>
-        </p:nvSpPr>
-        <p:spPr/>
-        <p:txBody>
-          <a:bodyPr/>
-          <a:lstStyle/>
-          <a:p>
-            <a:fld id="{82CFB014-AD6C-4066-8172-84F279028A0C}" type="slidenum">
-              <a:rPr lang="LID4096" smtClean="0"/>
-              <a:t>16</a:t>
-            </a:fld>
-            <a:endParaRPr lang="LID4096"/>
-          </a:p>
-        </p:txBody>
-      </p:sp>
-      <p:sp>
-        <p:nvSpPr>
-          <p:cNvPr id="8" name="Content Placeholder 7">
-            <a:extLst>
-              <a:ext uri="{FF2B5EF4-FFF2-40B4-BE49-F238E27FC236}">
-                <a16:creationId xmlns:a16="http://schemas.microsoft.com/office/drawing/2014/main" id="{3B061F86-F347-4A94-9C9D-C3B230F3A2B5}"/>
-              </a:ext>
-            </a:extLst>
-          </p:cNvPr>
-          <p:cNvSpPr txBox="1">
-            <a:spLocks noGrp="1"/>
-          </p:cNvSpPr>
-          <p:nvPr>
-            <p:ph idx="1"/>
-          </p:nvPr>
-        </p:nvSpPr>
-        <p:spPr>
-          <a:xfrm>
-            <a:off x="2589212" y="2133600"/>
-            <a:ext cx="8915400" cy="369332"/>
-          </a:xfrm>
-          <a:prstGeom prst="rect">
-            <a:avLst/>
-          </a:prstGeom>
-          <a:noFill/>
-        </p:spPr>
-        <p:txBody>
-          <a:bodyPr wrap="square" rtlCol="0">
-            <a:spAutoFit/>
-          </a:bodyPr>
-          <a:lstStyle/>
-          <a:p>
-            <a:r>
-              <a:rPr lang="en-US" dirty="0">
-                <a:solidFill>
-                  <a:srgbClr val="FF0000"/>
-                </a:solidFill>
-              </a:rPr>
-              <a:t>What graphic shall I insert here?</a:t>
-            </a:r>
-            <a:endParaRPr lang="LID4096" dirty="0">
-              <a:solidFill>
-                <a:srgbClr val="FF0000"/>
-              </a:solidFill>
-            </a:endParaRPr>
-          </a:p>
-        </p:txBody>
-      </p:sp>
-    </p:spTree>
-    <p:extLst>
-      <p:ext uri="{BB962C8B-B14F-4D97-AF65-F5344CB8AC3E}">
-        <p14:creationId xmlns:p14="http://schemas.microsoft.com/office/powerpoint/2010/main" val="2613519430"/>
-      </p:ext>
-    </p:extLst>
-  </p:cSld>
-  <p:clrMapOvr>
-    <a:masterClrMapping/>
-  </p:clrMapOvr>
-</p:sld>
-</file>
-
-<file path=ppt/slides/slide17.xml><?xml version="1.0" encoding="utf-8"?>
 <p:sld xmlns:a="http://schemas.openxmlformats.org/drawingml/2006/main" xmlns:r="http://schemas.openxmlformats.org/officeDocument/2006/relationships" xmlns:p="http://schemas.openxmlformats.org/presentationml/2006/main">
   <p:cSld>
     <p:spTree>
@@ -15160,175 +15150,6 @@
           <p:cNvPr id="2" name="Title 1">
             <a:extLst>
               <a:ext uri="{FF2B5EF4-FFF2-40B4-BE49-F238E27FC236}">
-                <a16:creationId xmlns:a16="http://schemas.microsoft.com/office/drawing/2014/main" id="{0BE53E45-9A00-4D96-8241-5A8EE49EDCAA}"/>
-              </a:ext>
-            </a:extLst>
-          </p:cNvPr>
-          <p:cNvSpPr>
-            <a:spLocks noGrp="1"/>
-          </p:cNvSpPr>
-          <p:nvPr>
-            <p:ph type="title"/>
-          </p:nvPr>
-        </p:nvSpPr>
-        <p:spPr/>
-        <p:txBody>
-          <a:bodyPr/>
-          <a:lstStyle/>
-          <a:p>
-            <a:r>
-              <a:rPr lang="en-US" dirty="0"/>
-              <a:t>Process Description (top level)</a:t>
-            </a:r>
-            <a:endParaRPr lang="LID4096" dirty="0"/>
-          </a:p>
-        </p:txBody>
-      </p:sp>
-      <p:sp>
-        <p:nvSpPr>
-          <p:cNvPr id="4" name="Footer Placeholder 3">
-            <a:extLst>
-              <a:ext uri="{FF2B5EF4-FFF2-40B4-BE49-F238E27FC236}">
-                <a16:creationId xmlns:a16="http://schemas.microsoft.com/office/drawing/2014/main" id="{CDF18D4D-7E18-4819-B85B-D90EF82094F0}"/>
-              </a:ext>
-            </a:extLst>
-          </p:cNvPr>
-          <p:cNvSpPr>
-            <a:spLocks noGrp="1"/>
-          </p:cNvSpPr>
-          <p:nvPr>
-            <p:ph type="ftr" sz="quarter" idx="11"/>
-          </p:nvPr>
-        </p:nvSpPr>
-        <p:spPr/>
-        <p:txBody>
-          <a:bodyPr/>
-          <a:lstStyle/>
-          <a:p>
-            <a:endParaRPr lang="LID4096"/>
-          </a:p>
-        </p:txBody>
-      </p:sp>
-      <p:sp>
-        <p:nvSpPr>
-          <p:cNvPr id="5" name="Slide Number Placeholder 4">
-            <a:extLst>
-              <a:ext uri="{FF2B5EF4-FFF2-40B4-BE49-F238E27FC236}">
-                <a16:creationId xmlns:a16="http://schemas.microsoft.com/office/drawing/2014/main" id="{3DF34443-CA57-4A5E-91EE-7C41A34AE825}"/>
-              </a:ext>
-            </a:extLst>
-          </p:cNvPr>
-          <p:cNvSpPr>
-            <a:spLocks noGrp="1"/>
-          </p:cNvSpPr>
-          <p:nvPr>
-            <p:ph type="sldNum" sz="quarter" idx="12"/>
-          </p:nvPr>
-        </p:nvSpPr>
-        <p:spPr/>
-        <p:txBody>
-          <a:bodyPr/>
-          <a:lstStyle/>
-          <a:p>
-            <a:fld id="{82CFB014-AD6C-4066-8172-84F279028A0C}" type="slidenum">
-              <a:rPr lang="LID4096" smtClean="0"/>
-              <a:t>5</a:t>
-            </a:fld>
-            <a:endParaRPr lang="LID4096"/>
-          </a:p>
-        </p:txBody>
-      </p:sp>
-      <p:graphicFrame>
-        <p:nvGraphicFramePr>
-          <p:cNvPr id="6" name="Diagram 5">
-            <a:extLst>
-              <a:ext uri="{FF2B5EF4-FFF2-40B4-BE49-F238E27FC236}">
-                <a16:creationId xmlns:a16="http://schemas.microsoft.com/office/drawing/2014/main" id="{B6F838E2-3FFB-4C90-8B03-695453E5721F}"/>
-              </a:ext>
-            </a:extLst>
-          </p:cNvPr>
-          <p:cNvGraphicFramePr/>
-          <p:nvPr>
-            <p:extLst>
-              <p:ext uri="{D42A27DB-BD31-4B8C-83A1-F6EECF244321}">
-                <p14:modId xmlns:p14="http://schemas.microsoft.com/office/powerpoint/2010/main" val="2564471289"/>
-              </p:ext>
-            </p:extLst>
-          </p:nvPr>
-        </p:nvGraphicFramePr>
-        <p:xfrm>
-          <a:off x="3207109" y="2149267"/>
-          <a:ext cx="5777781" cy="3846583"/>
-        </p:xfrm>
-        <a:graphic>
-          <a:graphicData uri="http://schemas.openxmlformats.org/drawingml/2006/diagram">
-            <dgm:relIds xmlns:dgm="http://schemas.openxmlformats.org/drawingml/2006/diagram" xmlns:r="http://schemas.openxmlformats.org/officeDocument/2006/relationships" r:dm="rId2" r:lo="rId3" r:qs="rId4" r:cs="rId5"/>
-          </a:graphicData>
-        </a:graphic>
-      </p:graphicFrame>
-      <p:graphicFrame>
-        <p:nvGraphicFramePr>
-          <p:cNvPr id="7" name="Diagram 6">
-            <a:extLst>
-              <a:ext uri="{FF2B5EF4-FFF2-40B4-BE49-F238E27FC236}">
-                <a16:creationId xmlns:a16="http://schemas.microsoft.com/office/drawing/2014/main" id="{5C63AFD5-18BB-4AC8-B28F-51870A8285FB}"/>
-              </a:ext>
-            </a:extLst>
-          </p:cNvPr>
-          <p:cNvGraphicFramePr/>
-          <p:nvPr>
-            <p:extLst>
-              <p:ext uri="{D42A27DB-BD31-4B8C-83A1-F6EECF244321}">
-                <p14:modId xmlns:p14="http://schemas.microsoft.com/office/powerpoint/2010/main" val="2032047506"/>
-              </p:ext>
-            </p:extLst>
-          </p:nvPr>
-        </p:nvGraphicFramePr>
-        <p:xfrm>
-          <a:off x="3207109" y="2044957"/>
-          <a:ext cx="5777781" cy="1190446"/>
-        </p:xfrm>
-        <a:graphic>
-          <a:graphicData uri="http://schemas.openxmlformats.org/drawingml/2006/diagram">
-            <dgm:relIds xmlns:dgm="http://schemas.openxmlformats.org/drawingml/2006/diagram" xmlns:r="http://schemas.openxmlformats.org/officeDocument/2006/relationships" r:dm="rId7" r:lo="rId8" r:qs="rId9" r:cs="rId10"/>
-          </a:graphicData>
-        </a:graphic>
-      </p:graphicFrame>
-    </p:spTree>
-    <p:extLst>
-      <p:ext uri="{BB962C8B-B14F-4D97-AF65-F5344CB8AC3E}">
-        <p14:creationId xmlns:p14="http://schemas.microsoft.com/office/powerpoint/2010/main" val="145863116"/>
-      </p:ext>
-    </p:extLst>
-  </p:cSld>
-  <p:clrMapOvr>
-    <a:masterClrMapping/>
-  </p:clrMapOvr>
-</p:sld>
-</file>
-
-<file path=ppt/slides/slide6.xml><?xml version="1.0" encoding="utf-8"?>
-<p:sld xmlns:a="http://schemas.openxmlformats.org/drawingml/2006/main" xmlns:r="http://schemas.openxmlformats.org/officeDocument/2006/relationships" xmlns:p="http://schemas.openxmlformats.org/presentationml/2006/main">
-  <p:cSld>
-    <p:spTree>
-      <p:nvGrpSpPr>
-        <p:cNvPr id="1" name=""/>
-        <p:cNvGrpSpPr/>
-        <p:nvPr/>
-      </p:nvGrpSpPr>
-      <p:grpSpPr>
-        <a:xfrm>
-          <a:off x="0" y="0"/>
-          <a:ext cx="0" cy="0"/>
-          <a:chOff x="0" y="0"/>
-          <a:chExt cx="0" cy="0"/>
-        </a:xfrm>
-      </p:grpSpPr>
-      <p:sp>
-        <p:nvSpPr>
-          <p:cNvPr id="2" name="Title 1">
-            <a:extLst>
-              <a:ext uri="{FF2B5EF4-FFF2-40B4-BE49-F238E27FC236}">
                 <a16:creationId xmlns:a16="http://schemas.microsoft.com/office/drawing/2014/main" id="{14C99F9F-93E5-446E-BAA8-3990701595A9}"/>
               </a:ext>
             </a:extLst>
@@ -15485,7 +15306,7 @@
           <a:p>
             <a:fld id="{82CFB014-AD6C-4066-8172-84F279028A0C}" type="slidenum">
               <a:rPr lang="LID4096" smtClean="0"/>
-              <a:t>6</a:t>
+              <a:t>5</a:t>
             </a:fld>
             <a:endParaRPr lang="LID4096"/>
           </a:p>
@@ -15534,7 +15355,7 @@
 </p:sld>
 </file>
 
-<file path=ppt/slides/slide7.xml><?xml version="1.0" encoding="utf-8"?>
+<file path=ppt/slides/slide6.xml><?xml version="1.0" encoding="utf-8"?>
 <p:sld xmlns:a="http://schemas.openxmlformats.org/drawingml/2006/main" xmlns:r="http://schemas.openxmlformats.org/officeDocument/2006/relationships" xmlns:p="http://schemas.openxmlformats.org/presentationml/2006/main">
   <p:cSld>
     <p:spTree>
@@ -15672,7 +15493,7 @@
           <a:p>
             <a:fld id="{82CFB014-AD6C-4066-8172-84F279028A0C}" type="slidenum">
               <a:rPr lang="LID4096" smtClean="0"/>
-              <a:t>7</a:t>
+              <a:t>6</a:t>
             </a:fld>
             <a:endParaRPr lang="LID4096"/>
           </a:p>
@@ -15798,6 +15619,175 @@
     <p:extLst>
       <p:ext uri="{BB962C8B-B14F-4D97-AF65-F5344CB8AC3E}">
         <p14:creationId xmlns:p14="http://schemas.microsoft.com/office/powerpoint/2010/main" val="3952992244"/>
+      </p:ext>
+    </p:extLst>
+  </p:cSld>
+  <p:clrMapOvr>
+    <a:masterClrMapping/>
+  </p:clrMapOvr>
+</p:sld>
+</file>
+
+<file path=ppt/slides/slide7.xml><?xml version="1.0" encoding="utf-8"?>
+<p:sld xmlns:a="http://schemas.openxmlformats.org/drawingml/2006/main" xmlns:r="http://schemas.openxmlformats.org/officeDocument/2006/relationships" xmlns:p="http://schemas.openxmlformats.org/presentationml/2006/main">
+  <p:cSld>
+    <p:spTree>
+      <p:nvGrpSpPr>
+        <p:cNvPr id="1" name=""/>
+        <p:cNvGrpSpPr/>
+        <p:nvPr/>
+      </p:nvGrpSpPr>
+      <p:grpSpPr>
+        <a:xfrm>
+          <a:off x="0" y="0"/>
+          <a:ext cx="0" cy="0"/>
+          <a:chOff x="0" y="0"/>
+          <a:chExt cx="0" cy="0"/>
+        </a:xfrm>
+      </p:grpSpPr>
+      <p:sp>
+        <p:nvSpPr>
+          <p:cNvPr id="2" name="Title 1">
+            <a:extLst>
+              <a:ext uri="{FF2B5EF4-FFF2-40B4-BE49-F238E27FC236}">
+                <a16:creationId xmlns:a16="http://schemas.microsoft.com/office/drawing/2014/main" id="{0BE53E45-9A00-4D96-8241-5A8EE49EDCAA}"/>
+              </a:ext>
+            </a:extLst>
+          </p:cNvPr>
+          <p:cNvSpPr>
+            <a:spLocks noGrp="1"/>
+          </p:cNvSpPr>
+          <p:nvPr>
+            <p:ph type="title"/>
+          </p:nvPr>
+        </p:nvSpPr>
+        <p:spPr/>
+        <p:txBody>
+          <a:bodyPr/>
+          <a:lstStyle/>
+          <a:p>
+            <a:r>
+              <a:rPr lang="en-US" dirty="0"/>
+              <a:t>Process Description (top level)</a:t>
+            </a:r>
+            <a:endParaRPr lang="LID4096" dirty="0"/>
+          </a:p>
+        </p:txBody>
+      </p:sp>
+      <p:sp>
+        <p:nvSpPr>
+          <p:cNvPr id="4" name="Footer Placeholder 3">
+            <a:extLst>
+              <a:ext uri="{FF2B5EF4-FFF2-40B4-BE49-F238E27FC236}">
+                <a16:creationId xmlns:a16="http://schemas.microsoft.com/office/drawing/2014/main" id="{CDF18D4D-7E18-4819-B85B-D90EF82094F0}"/>
+              </a:ext>
+            </a:extLst>
+          </p:cNvPr>
+          <p:cNvSpPr>
+            <a:spLocks noGrp="1"/>
+          </p:cNvSpPr>
+          <p:nvPr>
+            <p:ph type="ftr" sz="quarter" idx="11"/>
+          </p:nvPr>
+        </p:nvSpPr>
+        <p:spPr/>
+        <p:txBody>
+          <a:bodyPr/>
+          <a:lstStyle/>
+          <a:p>
+            <a:endParaRPr lang="LID4096"/>
+          </a:p>
+        </p:txBody>
+      </p:sp>
+      <p:sp>
+        <p:nvSpPr>
+          <p:cNvPr id="5" name="Slide Number Placeholder 4">
+            <a:extLst>
+              <a:ext uri="{FF2B5EF4-FFF2-40B4-BE49-F238E27FC236}">
+                <a16:creationId xmlns:a16="http://schemas.microsoft.com/office/drawing/2014/main" id="{3DF34443-CA57-4A5E-91EE-7C41A34AE825}"/>
+              </a:ext>
+            </a:extLst>
+          </p:cNvPr>
+          <p:cNvSpPr>
+            <a:spLocks noGrp="1"/>
+          </p:cNvSpPr>
+          <p:nvPr>
+            <p:ph type="sldNum" sz="quarter" idx="12"/>
+          </p:nvPr>
+        </p:nvSpPr>
+        <p:spPr/>
+        <p:txBody>
+          <a:bodyPr/>
+          <a:lstStyle/>
+          <a:p>
+            <a:fld id="{82CFB014-AD6C-4066-8172-84F279028A0C}" type="slidenum">
+              <a:rPr lang="LID4096" smtClean="0"/>
+              <a:t>7</a:t>
+            </a:fld>
+            <a:endParaRPr lang="LID4096"/>
+          </a:p>
+        </p:txBody>
+      </p:sp>
+      <p:graphicFrame>
+        <p:nvGraphicFramePr>
+          <p:cNvPr id="6" name="Diagram 5">
+            <a:extLst>
+              <a:ext uri="{FF2B5EF4-FFF2-40B4-BE49-F238E27FC236}">
+                <a16:creationId xmlns:a16="http://schemas.microsoft.com/office/drawing/2014/main" id="{B6F838E2-3FFB-4C90-8B03-695453E5721F}"/>
+              </a:ext>
+            </a:extLst>
+          </p:cNvPr>
+          <p:cNvGraphicFramePr/>
+          <p:nvPr>
+            <p:extLst>
+              <p:ext uri="{D42A27DB-BD31-4B8C-83A1-F6EECF244321}">
+                <p14:modId xmlns:p14="http://schemas.microsoft.com/office/powerpoint/2010/main" val="2564471289"/>
+              </p:ext>
+            </p:extLst>
+          </p:nvPr>
+        </p:nvGraphicFramePr>
+        <p:xfrm>
+          <a:off x="3207109" y="2149267"/>
+          <a:ext cx="5777781" cy="3846583"/>
+        </p:xfrm>
+        <a:graphic>
+          <a:graphicData uri="http://schemas.openxmlformats.org/drawingml/2006/diagram">
+            <dgm:relIds xmlns:dgm="http://schemas.openxmlformats.org/drawingml/2006/diagram" xmlns:r="http://schemas.openxmlformats.org/officeDocument/2006/relationships" r:dm="rId2" r:lo="rId3" r:qs="rId4" r:cs="rId5"/>
+          </a:graphicData>
+        </a:graphic>
+      </p:graphicFrame>
+      <p:graphicFrame>
+        <p:nvGraphicFramePr>
+          <p:cNvPr id="7" name="Diagram 6">
+            <a:extLst>
+              <a:ext uri="{FF2B5EF4-FFF2-40B4-BE49-F238E27FC236}">
+                <a16:creationId xmlns:a16="http://schemas.microsoft.com/office/drawing/2014/main" id="{5C63AFD5-18BB-4AC8-B28F-51870A8285FB}"/>
+              </a:ext>
+            </a:extLst>
+          </p:cNvPr>
+          <p:cNvGraphicFramePr/>
+          <p:nvPr>
+            <p:extLst>
+              <p:ext uri="{D42A27DB-BD31-4B8C-83A1-F6EECF244321}">
+                <p14:modId xmlns:p14="http://schemas.microsoft.com/office/powerpoint/2010/main" val="2032047506"/>
+              </p:ext>
+            </p:extLst>
+          </p:nvPr>
+        </p:nvGraphicFramePr>
+        <p:xfrm>
+          <a:off x="3207109" y="2044957"/>
+          <a:ext cx="5777781" cy="1190446"/>
+        </p:xfrm>
+        <a:graphic>
+          <a:graphicData uri="http://schemas.openxmlformats.org/drawingml/2006/diagram">
+            <dgm:relIds xmlns:dgm="http://schemas.openxmlformats.org/drawingml/2006/diagram" xmlns:r="http://schemas.openxmlformats.org/officeDocument/2006/relationships" r:dm="rId7" r:lo="rId8" r:qs="rId9" r:cs="rId10"/>
+          </a:graphicData>
+        </a:graphic>
+      </p:graphicFrame>
+    </p:spTree>
+    <p:extLst>
+      <p:ext uri="{BB962C8B-B14F-4D97-AF65-F5344CB8AC3E}">
+        <p14:creationId xmlns:p14="http://schemas.microsoft.com/office/powerpoint/2010/main" val="145863116"/>
       </p:ext>
     </p:extLst>
   </p:cSld>

--- a/Submission Documents/DBP_presentation.pptx
+++ b/Submission Documents/DBP_presentation.pptx
@@ -4893,7 +4893,7 @@
           <a:p>
             <a:fld id="{FBA30F2B-EF57-4FD4-93ED-388511967A96}" type="datetimeFigureOut">
               <a:rPr lang="LID4096" smtClean="0"/>
-              <a:t>06/05/2018</a:t>
+              <a:t>6/5/18</a:t>
             </a:fld>
             <a:endParaRPr lang="LID4096"/>
           </a:p>
@@ -5052,7 +5052,7 @@
           <a:p>
             <a:fld id="{7F2EDD51-C3FA-4FB2-BC08-561EAA500867}" type="slidenum">
               <a:rPr lang="LID4096" smtClean="0"/>
-              <a:t>‹#›</a:t>
+              <a:t>‹Nr.›</a:t>
             </a:fld>
             <a:endParaRPr lang="LID4096"/>
           </a:p>
@@ -5349,7 +5349,7 @@
           <a:p>
             <a:fld id="{DD356127-0AE7-4ED4-968E-3EB923F15875}" type="datetime1">
               <a:rPr lang="LID4096" smtClean="0"/>
-              <a:t>06/05/2018</a:t>
+              <a:t>6/5/18</a:t>
             </a:fld>
             <a:endParaRPr lang="LID4096" dirty="0"/>
           </a:p>
@@ -5613,7 +5613,7 @@
           <a:p>
             <a:fld id="{F2DC0D1E-EC4C-41E2-8F6A-6F15419D9200}" type="datetime1">
               <a:rPr lang="LID4096" smtClean="0"/>
-              <a:t>06/05/2018</a:t>
+              <a:t>6/5/18</a:t>
             </a:fld>
             <a:endParaRPr lang="LID4096"/>
           </a:p>
@@ -5742,7 +5742,7 @@
           <a:p>
             <a:fld id="{82CFB014-AD6C-4066-8172-84F279028A0C}" type="slidenum">
               <a:rPr lang="LID4096" smtClean="0"/>
-              <a:t>‹#›</a:t>
+              <a:t>‹Nr.›</a:t>
             </a:fld>
             <a:endParaRPr lang="LID4096"/>
           </a:p>
@@ -6050,7 +6050,7 @@
           <a:p>
             <a:fld id="{0E71F221-E2BB-4872-9CFC-410FA24BEAF2}" type="datetime1">
               <a:rPr lang="LID4096" smtClean="0"/>
-              <a:t>06/05/2018</a:t>
+              <a:t>6/5/18</a:t>
             </a:fld>
             <a:endParaRPr lang="LID4096"/>
           </a:p>
@@ -6179,7 +6179,7 @@
           <a:p>
             <a:fld id="{82CFB014-AD6C-4066-8172-84F279028A0C}" type="slidenum">
               <a:rPr lang="LID4096" smtClean="0"/>
-              <a:t>‹#›</a:t>
+              <a:t>‹Nr.›</a:t>
             </a:fld>
             <a:endParaRPr lang="LID4096"/>
           </a:p>
@@ -6422,7 +6422,7 @@
           <a:p>
             <a:fld id="{A62EA97A-14A5-4DE4-A1CF-A38EC13EC0AF}" type="datetime1">
               <a:rPr lang="LID4096" smtClean="0"/>
-              <a:t>06/05/2018</a:t>
+              <a:t>6/5/18</a:t>
             </a:fld>
             <a:endParaRPr lang="LID4096"/>
           </a:p>
@@ -6551,7 +6551,7 @@
           <a:p>
             <a:fld id="{82CFB014-AD6C-4066-8172-84F279028A0C}" type="slidenum">
               <a:rPr lang="LID4096" smtClean="0"/>
-              <a:t>‹#›</a:t>
+              <a:t>‹Nr.›</a:t>
             </a:fld>
             <a:endParaRPr lang="LID4096"/>
           </a:p>
@@ -6778,7 +6778,7 @@
           <a:p>
             <a:fld id="{86AA2703-B53D-4D2B-8524-D6529D7D9ADD}" type="datetime1">
               <a:rPr lang="LID4096" smtClean="0"/>
-              <a:t>06/05/2018</a:t>
+              <a:t>6/5/18</a:t>
             </a:fld>
             <a:endParaRPr lang="LID4096"/>
           </a:p>
@@ -6907,7 +6907,7 @@
           <a:p>
             <a:fld id="{82CFB014-AD6C-4066-8172-84F279028A0C}" type="slidenum">
               <a:rPr lang="LID4096" smtClean="0"/>
-              <a:t>‹#›</a:t>
+              <a:t>‹Nr.›</a:t>
             </a:fld>
             <a:endParaRPr lang="LID4096"/>
           </a:p>
@@ -7210,7 +7210,7 @@
           <a:p>
             <a:fld id="{DD3DF2E7-0423-4F4C-8CE3-79B110DD897F}" type="datetime1">
               <a:rPr lang="LID4096" smtClean="0"/>
-              <a:t>06/05/2018</a:t>
+              <a:t>6/5/18</a:t>
             </a:fld>
             <a:endParaRPr lang="LID4096"/>
           </a:p>
@@ -7339,7 +7339,7 @@
           <a:p>
             <a:fld id="{82CFB014-AD6C-4066-8172-84F279028A0C}" type="slidenum">
               <a:rPr lang="LID4096" smtClean="0"/>
-              <a:t>‹#›</a:t>
+              <a:t>‹Nr.›</a:t>
             </a:fld>
             <a:endParaRPr lang="LID4096"/>
           </a:p>
@@ -7503,7 +7503,7 @@
           <a:p>
             <a:fld id="{7312273C-BAB6-4423-A2A1-026B651E2465}" type="datetime1">
               <a:rPr lang="LID4096" smtClean="0"/>
-              <a:t>06/05/2018</a:t>
+              <a:t>6/5/18</a:t>
             </a:fld>
             <a:endParaRPr lang="LID4096"/>
           </a:p>
@@ -7627,7 +7627,7 @@
           <a:p>
             <a:fld id="{82CFB014-AD6C-4066-8172-84F279028A0C}" type="slidenum">
               <a:rPr lang="LID4096" smtClean="0"/>
-              <a:t>‹#›</a:t>
+              <a:t>‹Nr.›</a:t>
             </a:fld>
             <a:endParaRPr lang="LID4096"/>
           </a:p>
@@ -7801,7 +7801,7 @@
           <a:p>
             <a:fld id="{7F854AA3-16A3-4178-A487-2610C79745C6}" type="datetime1">
               <a:rPr lang="LID4096" smtClean="0"/>
-              <a:t>06/05/2018</a:t>
+              <a:t>6/5/18</a:t>
             </a:fld>
             <a:endParaRPr lang="LID4096"/>
           </a:p>
@@ -7925,7 +7925,7 @@
           <a:p>
             <a:fld id="{82CFB014-AD6C-4066-8172-84F279028A0C}" type="slidenum">
               <a:rPr lang="LID4096" smtClean="0"/>
-              <a:t>‹#›</a:t>
+              <a:t>‹Nr.›</a:t>
             </a:fld>
             <a:endParaRPr lang="LID4096"/>
           </a:p>
@@ -8099,7 +8099,7 @@
           <a:p>
             <a:fld id="{22974EE5-BF1C-40C2-BD62-00F1E86F3A21}" type="datetime1">
               <a:rPr lang="LID4096" smtClean="0"/>
-              <a:t>06/05/2018</a:t>
+              <a:t>6/5/18</a:t>
             </a:fld>
             <a:endParaRPr lang="LID4096"/>
           </a:p>
@@ -8223,7 +8223,7 @@
           <a:p>
             <a:fld id="{82CFB014-AD6C-4066-8172-84F279028A0C}" type="slidenum">
               <a:rPr lang="LID4096" smtClean="0"/>
-              <a:t>‹#›</a:t>
+              <a:t>‹Nr.›</a:t>
             </a:fld>
             <a:endParaRPr lang="LID4096"/>
           </a:p>
@@ -8464,7 +8464,7 @@
           <a:p>
             <a:fld id="{FF4A9580-6C02-4D00-BCAA-7FB72A328DE1}" type="datetime1">
               <a:rPr lang="LID4096" smtClean="0"/>
-              <a:t>06/05/2018</a:t>
+              <a:t>6/5/18</a:t>
             </a:fld>
             <a:endParaRPr lang="LID4096" dirty="0"/>
           </a:p>
@@ -8593,7 +8593,7 @@
           <a:p>
             <a:fld id="{82CFB014-AD6C-4066-8172-84F279028A0C}" type="slidenum">
               <a:rPr lang="LID4096" smtClean="0"/>
-              <a:t>‹#›</a:t>
+              <a:t>‹Nr.›</a:t>
             </a:fld>
             <a:endParaRPr lang="LID4096"/>
           </a:p>
@@ -8823,7 +8823,7 @@
           <a:p>
             <a:fld id="{E240DCA1-CFDE-44F4-AF88-39602913AEFB}" type="datetime1">
               <a:rPr lang="LID4096" smtClean="0"/>
-              <a:t>06/05/2018</a:t>
+              <a:t>6/5/18</a:t>
             </a:fld>
             <a:endParaRPr lang="LID4096"/>
           </a:p>
@@ -8952,7 +8952,7 @@
           <a:p>
             <a:fld id="{82CFB014-AD6C-4066-8172-84F279028A0C}" type="slidenum">
               <a:rPr lang="LID4096" smtClean="0"/>
-              <a:t>‹#›</a:t>
+              <a:t>‹Nr.›</a:t>
             </a:fld>
             <a:endParaRPr lang="LID4096"/>
           </a:p>
@@ -9316,7 +9316,7 @@
           <a:p>
             <a:fld id="{A9F09385-91D0-405B-9EF7-5B63B96CE126}" type="datetime1">
               <a:rPr lang="LID4096" smtClean="0"/>
-              <a:t>06/05/2018</a:t>
+              <a:t>6/5/18</a:t>
             </a:fld>
             <a:endParaRPr lang="LID4096"/>
           </a:p>
@@ -9445,7 +9445,7 @@
           <a:p>
             <a:fld id="{82CFB014-AD6C-4066-8172-84F279028A0C}" type="slidenum">
               <a:rPr lang="LID4096" smtClean="0"/>
-              <a:t>‹#›</a:t>
+              <a:t>‹Nr.›</a:t>
             </a:fld>
             <a:endParaRPr lang="LID4096"/>
           </a:p>
@@ -9557,7 +9557,7 @@
           <a:p>
             <a:fld id="{F0242262-4B58-42E1-9D28-38FE350C302C}" type="datetime1">
               <a:rPr lang="LID4096" smtClean="0"/>
-              <a:t>06/05/2018</a:t>
+              <a:t>6/5/18</a:t>
             </a:fld>
             <a:endParaRPr lang="LID4096"/>
           </a:p>
@@ -9681,7 +9681,7 @@
           <a:p>
             <a:fld id="{82CFB014-AD6C-4066-8172-84F279028A0C}" type="slidenum">
               <a:rPr lang="LID4096" smtClean="0"/>
-              <a:t>‹#›</a:t>
+              <a:t>‹Nr.›</a:t>
             </a:fld>
             <a:endParaRPr lang="LID4096"/>
           </a:p>
@@ -9770,7 +9770,7 @@
           <a:p>
             <a:fld id="{A0120AF1-45FE-492B-98A3-DDB467C0AFD7}" type="datetime1">
               <a:rPr lang="LID4096" smtClean="0"/>
-              <a:t>06/05/2018</a:t>
+              <a:t>6/5/18</a:t>
             </a:fld>
             <a:endParaRPr lang="LID4096"/>
           </a:p>
@@ -9894,7 +9894,7 @@
           <a:p>
             <a:fld id="{82CFB014-AD6C-4066-8172-84F279028A0C}" type="slidenum">
               <a:rPr lang="LID4096" smtClean="0"/>
-              <a:t>‹#›</a:t>
+              <a:t>‹Nr.›</a:t>
             </a:fld>
             <a:endParaRPr lang="LID4096"/>
           </a:p>
@@ -10139,7 +10139,7 @@
           <a:p>
             <a:fld id="{9137FD1A-31B5-44A6-8547-EB6C61315F01}" type="datetime1">
               <a:rPr lang="LID4096" smtClean="0"/>
-              <a:t>06/05/2018</a:t>
+              <a:t>6/5/18</a:t>
             </a:fld>
             <a:endParaRPr lang="LID4096"/>
           </a:p>
@@ -10263,7 +10263,7 @@
           <a:p>
             <a:fld id="{82CFB014-AD6C-4066-8172-84F279028A0C}" type="slidenum">
               <a:rPr lang="LID4096" smtClean="0"/>
-              <a:t>‹#›</a:t>
+              <a:t>‹Nr.›</a:t>
             </a:fld>
             <a:endParaRPr lang="LID4096"/>
           </a:p>
@@ -10520,7 +10520,7 @@
           <a:p>
             <a:fld id="{5BD9149D-B0D1-4A3A-8A1B-65C1C2B654DA}" type="datetime1">
               <a:rPr lang="LID4096" smtClean="0"/>
-              <a:t>06/05/2018</a:t>
+              <a:t>6/5/18</a:t>
             </a:fld>
             <a:endParaRPr lang="LID4096"/>
           </a:p>
@@ -10649,7 +10649,7 @@
           <a:p>
             <a:fld id="{82CFB014-AD6C-4066-8172-84F279028A0C}" type="slidenum">
               <a:rPr lang="LID4096" smtClean="0"/>
-              <a:t>‹#›</a:t>
+              <a:t>‹Nr.›</a:t>
             </a:fld>
             <a:endParaRPr lang="LID4096"/>
           </a:p>
@@ -12673,7 +12673,7 @@
           <a:p>
             <a:fld id="{7BE0AB99-2446-423A-9A38-99B7DC38ACEB}" type="datetime1">
               <a:rPr lang="LID4096" smtClean="0"/>
-              <a:t>06/05/2018</a:t>
+              <a:t>6/5/18</a:t>
             </a:fld>
             <a:endParaRPr lang="LID4096"/>
           </a:p>
@@ -12749,7 +12749,7 @@
           <a:p>
             <a:fld id="{82CFB014-AD6C-4066-8172-84F279028A0C}" type="slidenum">
               <a:rPr lang="LID4096" smtClean="0"/>
-              <a:t>‹#›</a:t>
+              <a:t>‹Nr.›</a:t>
             </a:fld>
             <a:endParaRPr lang="LID4096"/>
           </a:p>
@@ -13270,7 +13270,7 @@
           <a:p>
             <a:r>
               <a:rPr lang="en-US" dirty="0"/>
-              <a:t>Date:								06. June 2018</a:t>
+              <a:t>Date:								07. June 2018</a:t>
             </a:r>
           </a:p>
           <a:p>
